--- a/presentation1.pptx
+++ b/presentation1.pptx
@@ -1,21 +1,132 @@
 
 <file path=ppt/presentation.xml><?xml version="1.0" encoding="utf-8"?>
-<p:presentation xmlns:a="http://schemas.openxmlformats.org/drawingml/2006/main" xmlns:p="http://schemas.openxmlformats.org/presentationml/2006/main" xmlns:r="http://schemas.openxmlformats.org/officeDocument/2006/relationships" xmlns:p14="http://schemas.microsoft.com/office/powerpoint/2010/main" xmlns:p15="http://schemas.microsoft.com/office/powerpoint/2012/main" xmlns:mc="http://schemas.openxmlformats.org/markup-compatibility/2006">
+<p:presentation xmlns:a="http://schemas.openxmlformats.org/drawingml/2006/main" xmlns:r="http://schemas.openxmlformats.org/officeDocument/2006/relationships" xmlns:p="http://schemas.openxmlformats.org/presentationml/2006/main">
   <p:sldMasterIdLst>
-    <p:sldMasterId id="2147483648" r:id="rId2"/>
+    <p:sldMasterId id="2147483648" r:id="rId1"/>
   </p:sldMasterIdLst>
   <p:sldIdLst>
-    <p:sldId id="256" r:id="rId3"/>
-    <p:sldId id="257" r:id="rId4"/>
-    <p:sldId id="258" r:id="rId5"/>
+    <p:sldId id="256" r:id="rId2"/>
+    <p:sldId id="257" r:id="rId3"/>
+    <p:sldId id="258" r:id="rId4"/>
+    <p:sldId id="259" r:id="rId5"/>
+    <p:sldId id="260" r:id="rId6"/>
+    <p:sldId id="261" r:id="rId7"/>
+    <p:sldId id="262" r:id="rId8"/>
+    <p:sldId id="264" r:id="rId9"/>
+    <p:sldId id="263" r:id="rId10"/>
   </p:sldIdLst>
   <p:sldSz cx="10080625" cy="5670550"/>
   <p:notesSz cx="7772400" cy="10058400"/>
+  <p:defaultTextStyle>
+    <a:defPPr>
+      <a:defRPr lang="it-IT"/>
+    </a:defPPr>
+    <a:lvl1pPr marL="0" algn="l" defTabSz="914400" rtl="0" eaLnBrk="1" latinLnBrk="0" hangingPunct="1">
+      <a:defRPr sz="1800" kern="1200">
+        <a:solidFill>
+          <a:schemeClr val="tx1"/>
+        </a:solidFill>
+        <a:latin typeface="+mn-lt"/>
+        <a:ea typeface="+mn-ea"/>
+        <a:cs typeface="+mn-cs"/>
+      </a:defRPr>
+    </a:lvl1pPr>
+    <a:lvl2pPr marL="457200" algn="l" defTabSz="914400" rtl="0" eaLnBrk="1" latinLnBrk="0" hangingPunct="1">
+      <a:defRPr sz="1800" kern="1200">
+        <a:solidFill>
+          <a:schemeClr val="tx1"/>
+        </a:solidFill>
+        <a:latin typeface="+mn-lt"/>
+        <a:ea typeface="+mn-ea"/>
+        <a:cs typeface="+mn-cs"/>
+      </a:defRPr>
+    </a:lvl2pPr>
+    <a:lvl3pPr marL="914400" algn="l" defTabSz="914400" rtl="0" eaLnBrk="1" latinLnBrk="0" hangingPunct="1">
+      <a:defRPr sz="1800" kern="1200">
+        <a:solidFill>
+          <a:schemeClr val="tx1"/>
+        </a:solidFill>
+        <a:latin typeface="+mn-lt"/>
+        <a:ea typeface="+mn-ea"/>
+        <a:cs typeface="+mn-cs"/>
+      </a:defRPr>
+    </a:lvl3pPr>
+    <a:lvl4pPr marL="1371600" algn="l" defTabSz="914400" rtl="0" eaLnBrk="1" latinLnBrk="0" hangingPunct="1">
+      <a:defRPr sz="1800" kern="1200">
+        <a:solidFill>
+          <a:schemeClr val="tx1"/>
+        </a:solidFill>
+        <a:latin typeface="+mn-lt"/>
+        <a:ea typeface="+mn-ea"/>
+        <a:cs typeface="+mn-cs"/>
+      </a:defRPr>
+    </a:lvl4pPr>
+    <a:lvl5pPr marL="1828800" algn="l" defTabSz="914400" rtl="0" eaLnBrk="1" latinLnBrk="0" hangingPunct="1">
+      <a:defRPr sz="1800" kern="1200">
+        <a:solidFill>
+          <a:schemeClr val="tx1"/>
+        </a:solidFill>
+        <a:latin typeface="+mn-lt"/>
+        <a:ea typeface="+mn-ea"/>
+        <a:cs typeface="+mn-cs"/>
+      </a:defRPr>
+    </a:lvl5pPr>
+    <a:lvl6pPr marL="2286000" algn="l" defTabSz="914400" rtl="0" eaLnBrk="1" latinLnBrk="0" hangingPunct="1">
+      <a:defRPr sz="1800" kern="1200">
+        <a:solidFill>
+          <a:schemeClr val="tx1"/>
+        </a:solidFill>
+        <a:latin typeface="+mn-lt"/>
+        <a:ea typeface="+mn-ea"/>
+        <a:cs typeface="+mn-cs"/>
+      </a:defRPr>
+    </a:lvl6pPr>
+    <a:lvl7pPr marL="2743200" algn="l" defTabSz="914400" rtl="0" eaLnBrk="1" latinLnBrk="0" hangingPunct="1">
+      <a:defRPr sz="1800" kern="1200">
+        <a:solidFill>
+          <a:schemeClr val="tx1"/>
+        </a:solidFill>
+        <a:latin typeface="+mn-lt"/>
+        <a:ea typeface="+mn-ea"/>
+        <a:cs typeface="+mn-cs"/>
+      </a:defRPr>
+    </a:lvl7pPr>
+    <a:lvl8pPr marL="3200400" algn="l" defTabSz="914400" rtl="0" eaLnBrk="1" latinLnBrk="0" hangingPunct="1">
+      <a:defRPr sz="1800" kern="1200">
+        <a:solidFill>
+          <a:schemeClr val="tx1"/>
+        </a:solidFill>
+        <a:latin typeface="+mn-lt"/>
+        <a:ea typeface="+mn-ea"/>
+        <a:cs typeface="+mn-cs"/>
+      </a:defRPr>
+    </a:lvl8pPr>
+    <a:lvl9pPr marL="3657600" algn="l" defTabSz="914400" rtl="0" eaLnBrk="1" latinLnBrk="0" hangingPunct="1">
+      <a:defRPr sz="1800" kern="1200">
+        <a:solidFill>
+          <a:schemeClr val="tx1"/>
+        </a:solidFill>
+        <a:latin typeface="+mn-lt"/>
+        <a:ea typeface="+mn-ea"/>
+        <a:cs typeface="+mn-cs"/>
+      </a:defRPr>
+    </a:lvl9pPr>
+  </p:defaultTextStyle>
 </p:presentation>
 </file>
 
+<file path=ppt/revisionInfo.xml><?xml version="1.0" encoding="utf-8"?>
+<p1510:revInfo xmlns:a="http://schemas.openxmlformats.org/drawingml/2006/main" xmlns:r="http://schemas.openxmlformats.org/officeDocument/2006/relationships" xmlns:p1510="http://schemas.microsoft.com/office/powerpoint/2015/10/main">
+  <p1510:revLst>
+    <p1510:client id="{2A6379A7-71A9-BF5F-4147-9B14D7A953F0}" v="2600" dt="2021-03-24T20:33:02.347"/>
+    <p1510:client id="{54FD03F3-8CE9-14C0-1B18-DA455FF4301E}" v="1" dt="2021-03-23T10:35:01.490"/>
+    <p1510:client id="{9F58B79F-C06A-2000-CC1C-9360E8F04D69}" v="2" dt="2021-03-24T08:40:16.450"/>
+  </p1510:revLst>
+</p1510:revInfo>
+</file>
+
 <file path=ppt/slideLayouts/slideLayout1.xml><?xml version="1.0" encoding="utf-8"?>
-<p:sldLayout xmlns:a="http://schemas.openxmlformats.org/drawingml/2006/main" xmlns:p="http://schemas.openxmlformats.org/presentationml/2006/main" xmlns:r="http://schemas.openxmlformats.org/officeDocument/2006/relationships" xmlns:p14="http://schemas.microsoft.com/office/powerpoint/2010/main" xmlns:p15="http://schemas.microsoft.com/office/powerpoint/2012/main" xmlns:mc="http://schemas.openxmlformats.org/markup-compatibility/2006" type="blank" preserve="1">
+<p:sldLayout xmlns:a="http://schemas.openxmlformats.org/drawingml/2006/main" xmlns:r="http://schemas.openxmlformats.org/officeDocument/2006/relationships" xmlns:p="http://schemas.openxmlformats.org/presentationml/2006/main" type="blank" preserve="1">
   <p:cSld name="Blank Slide">
     <p:spTree>
       <p:nvGrpSpPr>
@@ -33,11 +144,15 @@
       </p:grpSpPr>
     </p:spTree>
   </p:cSld>
+  <p:clrMapOvr>
+    <a:masterClrMapping/>
+  </p:clrMapOvr>
+  <p:hf hdr="0" dt="0"/>
 </p:sldLayout>
 </file>
 
 <file path=ppt/slideLayouts/slideLayout10.xml><?xml version="1.0" encoding="utf-8"?>
-<p:sldLayout xmlns:a="http://schemas.openxmlformats.org/drawingml/2006/main" xmlns:p="http://schemas.openxmlformats.org/presentationml/2006/main" xmlns:r="http://schemas.openxmlformats.org/officeDocument/2006/relationships" xmlns:p14="http://schemas.microsoft.com/office/powerpoint/2010/main" xmlns:p15="http://schemas.microsoft.com/office/powerpoint/2012/main" xmlns:mc="http://schemas.openxmlformats.org/markup-compatibility/2006" type="objOverTx" preserve="1">
+<p:sldLayout xmlns:a="http://schemas.openxmlformats.org/drawingml/2006/main" xmlns:r="http://schemas.openxmlformats.org/officeDocument/2006/relationships" xmlns:p="http://schemas.openxmlformats.org/presentationml/2006/main" type="objOverTx" preserve="1">
   <p:cSld name="Title, Content over Content">
     <p:spTree>
       <p:nvGrpSpPr>
@@ -73,12 +188,13 @@
           </a:prstGeom>
         </p:spPr>
         <p:txBody>
-          <a:bodyPr lIns="0" rIns="0" tIns="0" bIns="0" anchor="ctr">
+          <a:bodyPr lIns="0" tIns="0" rIns="0" bIns="0" anchor="ctr">
             <a:noAutofit/>
           </a:bodyPr>
+          <a:lstStyle/>
           <a:p>
             <a:pPr algn="ctr"/>
-            <a:endParaRPr b="0" lang="it-IT" sz="4400" spc="-1" strike="noStrike">
+            <a:endParaRPr lang="it-IT" sz="4400" b="0" strike="noStrike" spc="-1">
               <a:latin typeface="Arial"/>
             </a:endParaRPr>
           </a:p>
@@ -104,11 +220,12 @@
           </a:prstGeom>
         </p:spPr>
         <p:txBody>
-          <a:bodyPr lIns="0" rIns="0" tIns="0" bIns="0">
+          <a:bodyPr lIns="0" tIns="0" rIns="0" bIns="0">
             <a:normAutofit/>
           </a:bodyPr>
-          <a:p>
-            <a:endParaRPr b="0" lang="it-IT" sz="3200" spc="-1" strike="noStrike">
+          <a:lstStyle/>
+          <a:p>
+            <a:endParaRPr lang="it-IT" sz="3200" b="0" strike="noStrike" spc="-1">
               <a:latin typeface="Arial"/>
             </a:endParaRPr>
           </a:p>
@@ -134,11 +251,12 @@
           </a:prstGeom>
         </p:spPr>
         <p:txBody>
-          <a:bodyPr lIns="0" rIns="0" tIns="0" bIns="0">
+          <a:bodyPr lIns="0" tIns="0" rIns="0" bIns="0">
             <a:normAutofit/>
           </a:bodyPr>
-          <a:p>
-            <a:endParaRPr b="0" lang="it-IT" sz="3200" spc="-1" strike="noStrike">
+          <a:lstStyle/>
+          <a:p>
+            <a:endParaRPr lang="it-IT" sz="3200" b="0" strike="noStrike" spc="-1">
               <a:latin typeface="Arial"/>
             </a:endParaRPr>
           </a:p>
@@ -146,11 +264,15 @@
       </p:sp>
     </p:spTree>
   </p:cSld>
+  <p:clrMapOvr>
+    <a:masterClrMapping/>
+  </p:clrMapOvr>
+  <p:hf hdr="0" dt="0"/>
 </p:sldLayout>
 </file>
 
 <file path=ppt/slideLayouts/slideLayout11.xml><?xml version="1.0" encoding="utf-8"?>
-<p:sldLayout xmlns:a="http://schemas.openxmlformats.org/drawingml/2006/main" xmlns:p="http://schemas.openxmlformats.org/presentationml/2006/main" xmlns:r="http://schemas.openxmlformats.org/officeDocument/2006/relationships" xmlns:p14="http://schemas.microsoft.com/office/powerpoint/2010/main" xmlns:p15="http://schemas.microsoft.com/office/powerpoint/2012/main" xmlns:mc="http://schemas.openxmlformats.org/markup-compatibility/2006" type="fourObj" preserve="1">
+<p:sldLayout xmlns:a="http://schemas.openxmlformats.org/drawingml/2006/main" xmlns:r="http://schemas.openxmlformats.org/officeDocument/2006/relationships" xmlns:p="http://schemas.openxmlformats.org/presentationml/2006/main" type="fourObj" preserve="1">
   <p:cSld name="Title, 4 Content">
     <p:spTree>
       <p:nvGrpSpPr>
@@ -186,12 +308,13 @@
           </a:prstGeom>
         </p:spPr>
         <p:txBody>
-          <a:bodyPr lIns="0" rIns="0" tIns="0" bIns="0" anchor="ctr">
+          <a:bodyPr lIns="0" tIns="0" rIns="0" bIns="0" anchor="ctr">
             <a:noAutofit/>
           </a:bodyPr>
+          <a:lstStyle/>
           <a:p>
             <a:pPr algn="ctr"/>
-            <a:endParaRPr b="0" lang="it-IT" sz="4400" spc="-1" strike="noStrike">
+            <a:endParaRPr lang="it-IT" sz="4400" b="0" strike="noStrike" spc="-1">
               <a:latin typeface="Arial"/>
             </a:endParaRPr>
           </a:p>
@@ -217,11 +340,12 @@
           </a:prstGeom>
         </p:spPr>
         <p:txBody>
-          <a:bodyPr lIns="0" rIns="0" tIns="0" bIns="0">
+          <a:bodyPr lIns="0" tIns="0" rIns="0" bIns="0">
             <a:normAutofit/>
           </a:bodyPr>
-          <a:p>
-            <a:endParaRPr b="0" lang="it-IT" sz="3200" spc="-1" strike="noStrike">
+          <a:lstStyle/>
+          <a:p>
+            <a:endParaRPr lang="it-IT" sz="3200" b="0" strike="noStrike" spc="-1">
               <a:latin typeface="Arial"/>
             </a:endParaRPr>
           </a:p>
@@ -247,11 +371,12 @@
           </a:prstGeom>
         </p:spPr>
         <p:txBody>
-          <a:bodyPr lIns="0" rIns="0" tIns="0" bIns="0">
+          <a:bodyPr lIns="0" tIns="0" rIns="0" bIns="0">
             <a:normAutofit/>
           </a:bodyPr>
-          <a:p>
-            <a:endParaRPr b="0" lang="it-IT" sz="3200" spc="-1" strike="noStrike">
+          <a:lstStyle/>
+          <a:p>
+            <a:endParaRPr lang="it-IT" sz="3200" b="0" strike="noStrike" spc="-1">
               <a:latin typeface="Arial"/>
             </a:endParaRPr>
           </a:p>
@@ -277,11 +402,12 @@
           </a:prstGeom>
         </p:spPr>
         <p:txBody>
-          <a:bodyPr lIns="0" rIns="0" tIns="0" bIns="0">
+          <a:bodyPr lIns="0" tIns="0" rIns="0" bIns="0">
             <a:normAutofit/>
           </a:bodyPr>
-          <a:p>
-            <a:endParaRPr b="0" lang="it-IT" sz="3200" spc="-1" strike="noStrike">
+          <a:lstStyle/>
+          <a:p>
+            <a:endParaRPr lang="it-IT" sz="3200" b="0" strike="noStrike" spc="-1">
               <a:latin typeface="Arial"/>
             </a:endParaRPr>
           </a:p>
@@ -307,11 +433,12 @@
           </a:prstGeom>
         </p:spPr>
         <p:txBody>
-          <a:bodyPr lIns="0" rIns="0" tIns="0" bIns="0">
+          <a:bodyPr lIns="0" tIns="0" rIns="0" bIns="0">
             <a:normAutofit/>
           </a:bodyPr>
-          <a:p>
-            <a:endParaRPr b="0" lang="it-IT" sz="3200" spc="-1" strike="noStrike">
+          <a:lstStyle/>
+          <a:p>
+            <a:endParaRPr lang="it-IT" sz="3200" b="0" strike="noStrike" spc="-1">
               <a:latin typeface="Arial"/>
             </a:endParaRPr>
           </a:p>
@@ -319,11 +446,15 @@
       </p:sp>
     </p:spTree>
   </p:cSld>
+  <p:clrMapOvr>
+    <a:masterClrMapping/>
+  </p:clrMapOvr>
+  <p:hf hdr="0" dt="0"/>
 </p:sldLayout>
 </file>
 
 <file path=ppt/slideLayouts/slideLayout12.xml><?xml version="1.0" encoding="utf-8"?>
-<p:sldLayout xmlns:a="http://schemas.openxmlformats.org/drawingml/2006/main" xmlns:p="http://schemas.openxmlformats.org/presentationml/2006/main" xmlns:r="http://schemas.openxmlformats.org/officeDocument/2006/relationships" xmlns:p14="http://schemas.microsoft.com/office/powerpoint/2010/main" xmlns:p15="http://schemas.microsoft.com/office/powerpoint/2012/main" xmlns:mc="http://schemas.openxmlformats.org/markup-compatibility/2006" type="blank" preserve="1">
+<p:sldLayout xmlns:a="http://schemas.openxmlformats.org/drawingml/2006/main" xmlns:r="http://schemas.openxmlformats.org/officeDocument/2006/relationships" xmlns:p="http://schemas.openxmlformats.org/presentationml/2006/main" type="blank" preserve="1">
   <p:cSld name="Title, 6 Content">
     <p:spTree>
       <p:nvGrpSpPr>
@@ -359,12 +490,13 @@
           </a:prstGeom>
         </p:spPr>
         <p:txBody>
-          <a:bodyPr lIns="0" rIns="0" tIns="0" bIns="0" anchor="ctr">
+          <a:bodyPr lIns="0" tIns="0" rIns="0" bIns="0" anchor="ctr">
             <a:noAutofit/>
           </a:bodyPr>
+          <a:lstStyle/>
           <a:p>
             <a:pPr algn="ctr"/>
-            <a:endParaRPr b="0" lang="it-IT" sz="4400" spc="-1" strike="noStrike">
+            <a:endParaRPr lang="it-IT" sz="4400" b="0" strike="noStrike" spc="-1">
               <a:latin typeface="Arial"/>
             </a:endParaRPr>
           </a:p>
@@ -390,11 +522,12 @@
           </a:prstGeom>
         </p:spPr>
         <p:txBody>
-          <a:bodyPr lIns="0" rIns="0" tIns="0" bIns="0">
+          <a:bodyPr lIns="0" tIns="0" rIns="0" bIns="0">
             <a:normAutofit/>
           </a:bodyPr>
-          <a:p>
-            <a:endParaRPr b="0" lang="it-IT" sz="3200" spc="-1" strike="noStrike">
+          <a:lstStyle/>
+          <a:p>
+            <a:endParaRPr lang="it-IT" sz="3200" b="0" strike="noStrike" spc="-1">
               <a:latin typeface="Arial"/>
             </a:endParaRPr>
           </a:p>
@@ -420,11 +553,12 @@
           </a:prstGeom>
         </p:spPr>
         <p:txBody>
-          <a:bodyPr lIns="0" rIns="0" tIns="0" bIns="0">
+          <a:bodyPr lIns="0" tIns="0" rIns="0" bIns="0">
             <a:normAutofit/>
           </a:bodyPr>
-          <a:p>
-            <a:endParaRPr b="0" lang="it-IT" sz="3200" spc="-1" strike="noStrike">
+          <a:lstStyle/>
+          <a:p>
+            <a:endParaRPr lang="it-IT" sz="3200" b="0" strike="noStrike" spc="-1">
               <a:latin typeface="Arial"/>
             </a:endParaRPr>
           </a:p>
@@ -450,11 +584,12 @@
           </a:prstGeom>
         </p:spPr>
         <p:txBody>
-          <a:bodyPr lIns="0" rIns="0" tIns="0" bIns="0">
+          <a:bodyPr lIns="0" tIns="0" rIns="0" bIns="0">
             <a:normAutofit/>
           </a:bodyPr>
-          <a:p>
-            <a:endParaRPr b="0" lang="it-IT" sz="3200" spc="-1" strike="noStrike">
+          <a:lstStyle/>
+          <a:p>
+            <a:endParaRPr lang="it-IT" sz="3200" b="0" strike="noStrike" spc="-1">
               <a:latin typeface="Arial"/>
             </a:endParaRPr>
           </a:p>
@@ -480,11 +615,12 @@
           </a:prstGeom>
         </p:spPr>
         <p:txBody>
-          <a:bodyPr lIns="0" rIns="0" tIns="0" bIns="0">
+          <a:bodyPr lIns="0" tIns="0" rIns="0" bIns="0">
             <a:normAutofit/>
           </a:bodyPr>
-          <a:p>
-            <a:endParaRPr b="0" lang="it-IT" sz="3200" spc="-1" strike="noStrike">
+          <a:lstStyle/>
+          <a:p>
+            <a:endParaRPr lang="it-IT" sz="3200" b="0" strike="noStrike" spc="-1">
               <a:latin typeface="Arial"/>
             </a:endParaRPr>
           </a:p>
@@ -510,11 +646,12 @@
           </a:prstGeom>
         </p:spPr>
         <p:txBody>
-          <a:bodyPr lIns="0" rIns="0" tIns="0" bIns="0">
+          <a:bodyPr lIns="0" tIns="0" rIns="0" bIns="0">
             <a:normAutofit/>
           </a:bodyPr>
-          <a:p>
-            <a:endParaRPr b="0" lang="it-IT" sz="3200" spc="-1" strike="noStrike">
+          <a:lstStyle/>
+          <a:p>
+            <a:endParaRPr lang="it-IT" sz="3200" b="0" strike="noStrike" spc="-1">
               <a:latin typeface="Arial"/>
             </a:endParaRPr>
           </a:p>
@@ -540,11 +677,12 @@
           </a:prstGeom>
         </p:spPr>
         <p:txBody>
-          <a:bodyPr lIns="0" rIns="0" tIns="0" bIns="0">
+          <a:bodyPr lIns="0" tIns="0" rIns="0" bIns="0">
             <a:normAutofit/>
           </a:bodyPr>
-          <a:p>
-            <a:endParaRPr b="0" lang="it-IT" sz="3200" spc="-1" strike="noStrike">
+          <a:lstStyle/>
+          <a:p>
+            <a:endParaRPr lang="it-IT" sz="3200" b="0" strike="noStrike" spc="-1">
               <a:latin typeface="Arial"/>
             </a:endParaRPr>
           </a:p>
@@ -552,11 +690,15 @@
       </p:sp>
     </p:spTree>
   </p:cSld>
+  <p:clrMapOvr>
+    <a:masterClrMapping/>
+  </p:clrMapOvr>
+  <p:hf hdr="0" dt="0"/>
 </p:sldLayout>
 </file>
 
 <file path=ppt/slideLayouts/slideLayout2.xml><?xml version="1.0" encoding="utf-8"?>
-<p:sldLayout xmlns:a="http://schemas.openxmlformats.org/drawingml/2006/main" xmlns:p="http://schemas.openxmlformats.org/presentationml/2006/main" xmlns:r="http://schemas.openxmlformats.org/officeDocument/2006/relationships" xmlns:p14="http://schemas.microsoft.com/office/powerpoint/2010/main" xmlns:p15="http://schemas.microsoft.com/office/powerpoint/2012/main" xmlns:mc="http://schemas.openxmlformats.org/markup-compatibility/2006" type="tx" preserve="1">
+<p:sldLayout xmlns:a="http://schemas.openxmlformats.org/drawingml/2006/main" xmlns:r="http://schemas.openxmlformats.org/officeDocument/2006/relationships" xmlns:p="http://schemas.openxmlformats.org/presentationml/2006/main" type="tx" preserve="1">
   <p:cSld name="Title Slide">
     <p:spTree>
       <p:nvGrpSpPr>
@@ -592,12 +734,13 @@
           </a:prstGeom>
         </p:spPr>
         <p:txBody>
-          <a:bodyPr lIns="0" rIns="0" tIns="0" bIns="0" anchor="ctr">
+          <a:bodyPr lIns="0" tIns="0" rIns="0" bIns="0" anchor="ctr">
             <a:noAutofit/>
           </a:bodyPr>
+          <a:lstStyle/>
           <a:p>
             <a:pPr algn="ctr"/>
-            <a:endParaRPr b="0" lang="it-IT" sz="4400" spc="-1" strike="noStrike">
+            <a:endParaRPr lang="it-IT" sz="4400" b="0" strike="noStrike" spc="-1">
               <a:latin typeface="Arial"/>
             </a:endParaRPr>
           </a:p>
@@ -623,12 +766,13 @@
           </a:prstGeom>
         </p:spPr>
         <p:txBody>
-          <a:bodyPr lIns="0" rIns="0" tIns="0" bIns="0" anchor="ctr">
+          <a:bodyPr lIns="0" tIns="0" rIns="0" bIns="0" anchor="ctr">
             <a:noAutofit/>
           </a:bodyPr>
+          <a:lstStyle/>
           <a:p>
             <a:pPr algn="ctr"/>
-            <a:endParaRPr b="0" lang="it-IT" sz="3200" spc="-1" strike="noStrike">
+            <a:endParaRPr lang="it-IT" sz="3200" b="0" strike="noStrike" spc="-1">
               <a:latin typeface="Arial"/>
             </a:endParaRPr>
           </a:p>
@@ -636,11 +780,15 @@
       </p:sp>
     </p:spTree>
   </p:cSld>
+  <p:clrMapOvr>
+    <a:masterClrMapping/>
+  </p:clrMapOvr>
+  <p:hf hdr="0" dt="0"/>
 </p:sldLayout>
 </file>
 
 <file path=ppt/slideLayouts/slideLayout3.xml><?xml version="1.0" encoding="utf-8"?>
-<p:sldLayout xmlns:a="http://schemas.openxmlformats.org/drawingml/2006/main" xmlns:p="http://schemas.openxmlformats.org/presentationml/2006/main" xmlns:r="http://schemas.openxmlformats.org/officeDocument/2006/relationships" xmlns:p14="http://schemas.microsoft.com/office/powerpoint/2010/main" xmlns:p15="http://schemas.microsoft.com/office/powerpoint/2012/main" xmlns:mc="http://schemas.openxmlformats.org/markup-compatibility/2006" type="obj" preserve="1">
+<p:sldLayout xmlns:a="http://schemas.openxmlformats.org/drawingml/2006/main" xmlns:r="http://schemas.openxmlformats.org/officeDocument/2006/relationships" xmlns:p="http://schemas.openxmlformats.org/presentationml/2006/main" type="obj" preserve="1">
   <p:cSld name="Title, Content">
     <p:spTree>
       <p:nvGrpSpPr>
@@ -676,12 +824,13 @@
           </a:prstGeom>
         </p:spPr>
         <p:txBody>
-          <a:bodyPr lIns="0" rIns="0" tIns="0" bIns="0" anchor="ctr">
+          <a:bodyPr lIns="0" tIns="0" rIns="0" bIns="0" anchor="ctr">
             <a:noAutofit/>
           </a:bodyPr>
+          <a:lstStyle/>
           <a:p>
             <a:pPr algn="ctr"/>
-            <a:endParaRPr b="0" lang="it-IT" sz="4400" spc="-1" strike="noStrike">
+            <a:endParaRPr lang="it-IT" sz="4400" b="0" strike="noStrike" spc="-1">
               <a:latin typeface="Arial"/>
             </a:endParaRPr>
           </a:p>
@@ -707,11 +856,12 @@
           </a:prstGeom>
         </p:spPr>
         <p:txBody>
-          <a:bodyPr lIns="0" rIns="0" tIns="0" bIns="0">
+          <a:bodyPr lIns="0" tIns="0" rIns="0" bIns="0">
             <a:normAutofit/>
           </a:bodyPr>
-          <a:p>
-            <a:endParaRPr b="0" lang="it-IT" sz="3200" spc="-1" strike="noStrike">
+          <a:lstStyle/>
+          <a:p>
+            <a:endParaRPr lang="it-IT" sz="3200" b="0" strike="noStrike" spc="-1">
               <a:latin typeface="Arial"/>
             </a:endParaRPr>
           </a:p>
@@ -719,11 +869,15 @@
       </p:sp>
     </p:spTree>
   </p:cSld>
+  <p:clrMapOvr>
+    <a:masterClrMapping/>
+  </p:clrMapOvr>
+  <p:hf hdr="0" dt="0"/>
 </p:sldLayout>
 </file>
 
 <file path=ppt/slideLayouts/slideLayout4.xml><?xml version="1.0" encoding="utf-8"?>
-<p:sldLayout xmlns:a="http://schemas.openxmlformats.org/drawingml/2006/main" xmlns:p="http://schemas.openxmlformats.org/presentationml/2006/main" xmlns:r="http://schemas.openxmlformats.org/officeDocument/2006/relationships" xmlns:p14="http://schemas.microsoft.com/office/powerpoint/2010/main" xmlns:p15="http://schemas.microsoft.com/office/powerpoint/2012/main" xmlns:mc="http://schemas.openxmlformats.org/markup-compatibility/2006" type="twoObj" preserve="1">
+<p:sldLayout xmlns:a="http://schemas.openxmlformats.org/drawingml/2006/main" xmlns:r="http://schemas.openxmlformats.org/officeDocument/2006/relationships" xmlns:p="http://schemas.openxmlformats.org/presentationml/2006/main" type="twoObj" preserve="1">
   <p:cSld name="Title, 2 Content">
     <p:spTree>
       <p:nvGrpSpPr>
@@ -759,12 +913,13 @@
           </a:prstGeom>
         </p:spPr>
         <p:txBody>
-          <a:bodyPr lIns="0" rIns="0" tIns="0" bIns="0" anchor="ctr">
+          <a:bodyPr lIns="0" tIns="0" rIns="0" bIns="0" anchor="ctr">
             <a:noAutofit/>
           </a:bodyPr>
+          <a:lstStyle/>
           <a:p>
             <a:pPr algn="ctr"/>
-            <a:endParaRPr b="0" lang="it-IT" sz="4400" spc="-1" strike="noStrike">
+            <a:endParaRPr lang="it-IT" sz="4400" b="0" strike="noStrike" spc="-1">
               <a:latin typeface="Arial"/>
             </a:endParaRPr>
           </a:p>
@@ -790,11 +945,12 @@
           </a:prstGeom>
         </p:spPr>
         <p:txBody>
-          <a:bodyPr lIns="0" rIns="0" tIns="0" bIns="0">
+          <a:bodyPr lIns="0" tIns="0" rIns="0" bIns="0">
             <a:normAutofit/>
           </a:bodyPr>
-          <a:p>
-            <a:endParaRPr b="0" lang="it-IT" sz="3200" spc="-1" strike="noStrike">
+          <a:lstStyle/>
+          <a:p>
+            <a:endParaRPr lang="it-IT" sz="3200" b="0" strike="noStrike" spc="-1">
               <a:latin typeface="Arial"/>
             </a:endParaRPr>
           </a:p>
@@ -820,11 +976,12 @@
           </a:prstGeom>
         </p:spPr>
         <p:txBody>
-          <a:bodyPr lIns="0" rIns="0" tIns="0" bIns="0">
+          <a:bodyPr lIns="0" tIns="0" rIns="0" bIns="0">
             <a:normAutofit/>
           </a:bodyPr>
-          <a:p>
-            <a:endParaRPr b="0" lang="it-IT" sz="3200" spc="-1" strike="noStrike">
+          <a:lstStyle/>
+          <a:p>
+            <a:endParaRPr lang="it-IT" sz="3200" b="0" strike="noStrike" spc="-1">
               <a:latin typeface="Arial"/>
             </a:endParaRPr>
           </a:p>
@@ -832,11 +989,15 @@
       </p:sp>
     </p:spTree>
   </p:cSld>
+  <p:clrMapOvr>
+    <a:masterClrMapping/>
+  </p:clrMapOvr>
+  <p:hf hdr="0" dt="0"/>
 </p:sldLayout>
 </file>
 
 <file path=ppt/slideLayouts/slideLayout5.xml><?xml version="1.0" encoding="utf-8"?>
-<p:sldLayout xmlns:a="http://schemas.openxmlformats.org/drawingml/2006/main" xmlns:p="http://schemas.openxmlformats.org/presentationml/2006/main" xmlns:r="http://schemas.openxmlformats.org/officeDocument/2006/relationships" xmlns:p14="http://schemas.microsoft.com/office/powerpoint/2010/main" xmlns:p15="http://schemas.microsoft.com/office/powerpoint/2012/main" xmlns:mc="http://schemas.openxmlformats.org/markup-compatibility/2006" type="titleOnly" preserve="1">
+<p:sldLayout xmlns:a="http://schemas.openxmlformats.org/drawingml/2006/main" xmlns:r="http://schemas.openxmlformats.org/officeDocument/2006/relationships" xmlns:p="http://schemas.openxmlformats.org/presentationml/2006/main" type="titleOnly" preserve="1">
   <p:cSld name="Title Only">
     <p:spTree>
       <p:nvGrpSpPr>
@@ -872,12 +1033,13 @@
           </a:prstGeom>
         </p:spPr>
         <p:txBody>
-          <a:bodyPr lIns="0" rIns="0" tIns="0" bIns="0" anchor="ctr">
+          <a:bodyPr lIns="0" tIns="0" rIns="0" bIns="0" anchor="ctr">
             <a:noAutofit/>
           </a:bodyPr>
+          <a:lstStyle/>
           <a:p>
             <a:pPr algn="ctr"/>
-            <a:endParaRPr b="0" lang="it-IT" sz="4400" spc="-1" strike="noStrike">
+            <a:endParaRPr lang="it-IT" sz="4400" b="0" strike="noStrike" spc="-1">
               <a:latin typeface="Arial"/>
             </a:endParaRPr>
           </a:p>
@@ -885,11 +1047,15 @@
       </p:sp>
     </p:spTree>
   </p:cSld>
+  <p:clrMapOvr>
+    <a:masterClrMapping/>
+  </p:clrMapOvr>
+  <p:hf hdr="0" dt="0"/>
 </p:sldLayout>
 </file>
 
 <file path=ppt/slideLayouts/slideLayout6.xml><?xml version="1.0" encoding="utf-8"?>
-<p:sldLayout xmlns:a="http://schemas.openxmlformats.org/drawingml/2006/main" xmlns:p="http://schemas.openxmlformats.org/presentationml/2006/main" xmlns:r="http://schemas.openxmlformats.org/officeDocument/2006/relationships" xmlns:p14="http://schemas.microsoft.com/office/powerpoint/2010/main" xmlns:p15="http://schemas.microsoft.com/office/powerpoint/2012/main" xmlns:mc="http://schemas.openxmlformats.org/markup-compatibility/2006" type="objOnly" preserve="1">
+<p:sldLayout xmlns:a="http://schemas.openxmlformats.org/drawingml/2006/main" xmlns:r="http://schemas.openxmlformats.org/officeDocument/2006/relationships" xmlns:p="http://schemas.openxmlformats.org/presentationml/2006/main" type="objOnly" preserve="1">
   <p:cSld name="Centered Text">
     <p:spTree>
       <p:nvGrpSpPr>
@@ -925,12 +1091,13 @@
           </a:prstGeom>
         </p:spPr>
         <p:txBody>
-          <a:bodyPr lIns="0" rIns="0" tIns="0" bIns="0" anchor="ctr">
+          <a:bodyPr lIns="0" tIns="0" rIns="0" bIns="0" anchor="ctr">
             <a:noAutofit/>
           </a:bodyPr>
+          <a:lstStyle/>
           <a:p>
             <a:pPr algn="ctr"/>
-            <a:endParaRPr b="0" lang="it-IT" sz="3200" spc="-1" strike="noStrike">
+            <a:endParaRPr lang="it-IT" sz="3200" b="0" strike="noStrike" spc="-1">
               <a:latin typeface="Arial"/>
             </a:endParaRPr>
           </a:p>
@@ -938,11 +1105,15 @@
       </p:sp>
     </p:spTree>
   </p:cSld>
+  <p:clrMapOvr>
+    <a:masterClrMapping/>
+  </p:clrMapOvr>
+  <p:hf hdr="0" dt="0"/>
 </p:sldLayout>
 </file>
 
 <file path=ppt/slideLayouts/slideLayout7.xml><?xml version="1.0" encoding="utf-8"?>
-<p:sldLayout xmlns:a="http://schemas.openxmlformats.org/drawingml/2006/main" xmlns:p="http://schemas.openxmlformats.org/presentationml/2006/main" xmlns:r="http://schemas.openxmlformats.org/officeDocument/2006/relationships" xmlns:p14="http://schemas.microsoft.com/office/powerpoint/2010/main" xmlns:p15="http://schemas.microsoft.com/office/powerpoint/2012/main" xmlns:mc="http://schemas.openxmlformats.org/markup-compatibility/2006" type="twoObjAndObj" preserve="1">
+<p:sldLayout xmlns:a="http://schemas.openxmlformats.org/drawingml/2006/main" xmlns:r="http://schemas.openxmlformats.org/officeDocument/2006/relationships" xmlns:p="http://schemas.openxmlformats.org/presentationml/2006/main" type="twoObjAndObj" preserve="1">
   <p:cSld name="Title, 2 Content and Content">
     <p:spTree>
       <p:nvGrpSpPr>
@@ -978,12 +1149,13 @@
           </a:prstGeom>
         </p:spPr>
         <p:txBody>
-          <a:bodyPr lIns="0" rIns="0" tIns="0" bIns="0" anchor="ctr">
+          <a:bodyPr lIns="0" tIns="0" rIns="0" bIns="0" anchor="ctr">
             <a:noAutofit/>
           </a:bodyPr>
+          <a:lstStyle/>
           <a:p>
             <a:pPr algn="ctr"/>
-            <a:endParaRPr b="0" lang="it-IT" sz="4400" spc="-1" strike="noStrike">
+            <a:endParaRPr lang="it-IT" sz="4400" b="0" strike="noStrike" spc="-1">
               <a:latin typeface="Arial"/>
             </a:endParaRPr>
           </a:p>
@@ -1009,11 +1181,12 @@
           </a:prstGeom>
         </p:spPr>
         <p:txBody>
-          <a:bodyPr lIns="0" rIns="0" tIns="0" bIns="0">
+          <a:bodyPr lIns="0" tIns="0" rIns="0" bIns="0">
             <a:normAutofit/>
           </a:bodyPr>
-          <a:p>
-            <a:endParaRPr b="0" lang="it-IT" sz="3200" spc="-1" strike="noStrike">
+          <a:lstStyle/>
+          <a:p>
+            <a:endParaRPr lang="it-IT" sz="3200" b="0" strike="noStrike" spc="-1">
               <a:latin typeface="Arial"/>
             </a:endParaRPr>
           </a:p>
@@ -1039,11 +1212,12 @@
           </a:prstGeom>
         </p:spPr>
         <p:txBody>
-          <a:bodyPr lIns="0" rIns="0" tIns="0" bIns="0">
+          <a:bodyPr lIns="0" tIns="0" rIns="0" bIns="0">
             <a:normAutofit/>
           </a:bodyPr>
-          <a:p>
-            <a:endParaRPr b="0" lang="it-IT" sz="3200" spc="-1" strike="noStrike">
+          <a:lstStyle/>
+          <a:p>
+            <a:endParaRPr lang="it-IT" sz="3200" b="0" strike="noStrike" spc="-1">
               <a:latin typeface="Arial"/>
             </a:endParaRPr>
           </a:p>
@@ -1069,11 +1243,12 @@
           </a:prstGeom>
         </p:spPr>
         <p:txBody>
-          <a:bodyPr lIns="0" rIns="0" tIns="0" bIns="0">
+          <a:bodyPr lIns="0" tIns="0" rIns="0" bIns="0">
             <a:normAutofit/>
           </a:bodyPr>
-          <a:p>
-            <a:endParaRPr b="0" lang="it-IT" sz="3200" spc="-1" strike="noStrike">
+          <a:lstStyle/>
+          <a:p>
+            <a:endParaRPr lang="it-IT" sz="3200" b="0" strike="noStrike" spc="-1">
               <a:latin typeface="Arial"/>
             </a:endParaRPr>
           </a:p>
@@ -1081,11 +1256,15 @@
       </p:sp>
     </p:spTree>
   </p:cSld>
+  <p:clrMapOvr>
+    <a:masterClrMapping/>
+  </p:clrMapOvr>
+  <p:hf hdr="0" dt="0"/>
 </p:sldLayout>
 </file>
 
 <file path=ppt/slideLayouts/slideLayout8.xml><?xml version="1.0" encoding="utf-8"?>
-<p:sldLayout xmlns:a="http://schemas.openxmlformats.org/drawingml/2006/main" xmlns:p="http://schemas.openxmlformats.org/presentationml/2006/main" xmlns:r="http://schemas.openxmlformats.org/officeDocument/2006/relationships" xmlns:p14="http://schemas.microsoft.com/office/powerpoint/2010/main" xmlns:p15="http://schemas.microsoft.com/office/powerpoint/2012/main" xmlns:mc="http://schemas.openxmlformats.org/markup-compatibility/2006" type="objAndTwoObj" preserve="1">
+<p:sldLayout xmlns:a="http://schemas.openxmlformats.org/drawingml/2006/main" xmlns:r="http://schemas.openxmlformats.org/officeDocument/2006/relationships" xmlns:p="http://schemas.openxmlformats.org/presentationml/2006/main" type="objAndTwoObj" preserve="1">
   <p:cSld name="Title Content and 2 Content">
     <p:spTree>
       <p:nvGrpSpPr>
@@ -1121,12 +1300,13 @@
           </a:prstGeom>
         </p:spPr>
         <p:txBody>
-          <a:bodyPr lIns="0" rIns="0" tIns="0" bIns="0" anchor="ctr">
+          <a:bodyPr lIns="0" tIns="0" rIns="0" bIns="0" anchor="ctr">
             <a:noAutofit/>
           </a:bodyPr>
+          <a:lstStyle/>
           <a:p>
             <a:pPr algn="ctr"/>
-            <a:endParaRPr b="0" lang="it-IT" sz="4400" spc="-1" strike="noStrike">
+            <a:endParaRPr lang="it-IT" sz="4400" b="0" strike="noStrike" spc="-1">
               <a:latin typeface="Arial"/>
             </a:endParaRPr>
           </a:p>
@@ -1152,11 +1332,12 @@
           </a:prstGeom>
         </p:spPr>
         <p:txBody>
-          <a:bodyPr lIns="0" rIns="0" tIns="0" bIns="0">
+          <a:bodyPr lIns="0" tIns="0" rIns="0" bIns="0">
             <a:normAutofit/>
           </a:bodyPr>
-          <a:p>
-            <a:endParaRPr b="0" lang="it-IT" sz="3200" spc="-1" strike="noStrike">
+          <a:lstStyle/>
+          <a:p>
+            <a:endParaRPr lang="it-IT" sz="3200" b="0" strike="noStrike" spc="-1">
               <a:latin typeface="Arial"/>
             </a:endParaRPr>
           </a:p>
@@ -1182,11 +1363,12 @@
           </a:prstGeom>
         </p:spPr>
         <p:txBody>
-          <a:bodyPr lIns="0" rIns="0" tIns="0" bIns="0">
+          <a:bodyPr lIns="0" tIns="0" rIns="0" bIns="0">
             <a:normAutofit/>
           </a:bodyPr>
-          <a:p>
-            <a:endParaRPr b="0" lang="it-IT" sz="3200" spc="-1" strike="noStrike">
+          <a:lstStyle/>
+          <a:p>
+            <a:endParaRPr lang="it-IT" sz="3200" b="0" strike="noStrike" spc="-1">
               <a:latin typeface="Arial"/>
             </a:endParaRPr>
           </a:p>
@@ -1212,11 +1394,12 @@
           </a:prstGeom>
         </p:spPr>
         <p:txBody>
-          <a:bodyPr lIns="0" rIns="0" tIns="0" bIns="0">
+          <a:bodyPr lIns="0" tIns="0" rIns="0" bIns="0">
             <a:normAutofit/>
           </a:bodyPr>
-          <a:p>
-            <a:endParaRPr b="0" lang="it-IT" sz="3200" spc="-1" strike="noStrike">
+          <a:lstStyle/>
+          <a:p>
+            <a:endParaRPr lang="it-IT" sz="3200" b="0" strike="noStrike" spc="-1">
               <a:latin typeface="Arial"/>
             </a:endParaRPr>
           </a:p>
@@ -1224,11 +1407,15 @@
       </p:sp>
     </p:spTree>
   </p:cSld>
+  <p:clrMapOvr>
+    <a:masterClrMapping/>
+  </p:clrMapOvr>
+  <p:hf hdr="0" dt="0"/>
 </p:sldLayout>
 </file>
 
 <file path=ppt/slideLayouts/slideLayout9.xml><?xml version="1.0" encoding="utf-8"?>
-<p:sldLayout xmlns:a="http://schemas.openxmlformats.org/drawingml/2006/main" xmlns:p="http://schemas.openxmlformats.org/presentationml/2006/main" xmlns:r="http://schemas.openxmlformats.org/officeDocument/2006/relationships" xmlns:p14="http://schemas.microsoft.com/office/powerpoint/2010/main" xmlns:p15="http://schemas.microsoft.com/office/powerpoint/2012/main" xmlns:mc="http://schemas.openxmlformats.org/markup-compatibility/2006" type="twoObjOverTx" preserve="1">
+<p:sldLayout xmlns:a="http://schemas.openxmlformats.org/drawingml/2006/main" xmlns:r="http://schemas.openxmlformats.org/officeDocument/2006/relationships" xmlns:p="http://schemas.openxmlformats.org/presentationml/2006/main" type="twoObjOverTx" preserve="1">
   <p:cSld name="Title, 2 Content over Content">
     <p:spTree>
       <p:nvGrpSpPr>
@@ -1264,12 +1451,13 @@
           </a:prstGeom>
         </p:spPr>
         <p:txBody>
-          <a:bodyPr lIns="0" rIns="0" tIns="0" bIns="0" anchor="ctr">
+          <a:bodyPr lIns="0" tIns="0" rIns="0" bIns="0" anchor="ctr">
             <a:noAutofit/>
           </a:bodyPr>
+          <a:lstStyle/>
           <a:p>
             <a:pPr algn="ctr"/>
-            <a:endParaRPr b="0" lang="it-IT" sz="4400" spc="-1" strike="noStrike">
+            <a:endParaRPr lang="it-IT" sz="4400" b="0" strike="noStrike" spc="-1">
               <a:latin typeface="Arial"/>
             </a:endParaRPr>
           </a:p>
@@ -1295,11 +1483,12 @@
           </a:prstGeom>
         </p:spPr>
         <p:txBody>
-          <a:bodyPr lIns="0" rIns="0" tIns="0" bIns="0">
+          <a:bodyPr lIns="0" tIns="0" rIns="0" bIns="0">
             <a:normAutofit/>
           </a:bodyPr>
-          <a:p>
-            <a:endParaRPr b="0" lang="it-IT" sz="3200" spc="-1" strike="noStrike">
+          <a:lstStyle/>
+          <a:p>
+            <a:endParaRPr lang="it-IT" sz="3200" b="0" strike="noStrike" spc="-1">
               <a:latin typeface="Arial"/>
             </a:endParaRPr>
           </a:p>
@@ -1325,11 +1514,12 @@
           </a:prstGeom>
         </p:spPr>
         <p:txBody>
-          <a:bodyPr lIns="0" rIns="0" tIns="0" bIns="0">
+          <a:bodyPr lIns="0" tIns="0" rIns="0" bIns="0">
             <a:normAutofit/>
           </a:bodyPr>
-          <a:p>
-            <a:endParaRPr b="0" lang="it-IT" sz="3200" spc="-1" strike="noStrike">
+          <a:lstStyle/>
+          <a:p>
+            <a:endParaRPr lang="it-IT" sz="3200" b="0" strike="noStrike" spc="-1">
               <a:latin typeface="Arial"/>
             </a:endParaRPr>
           </a:p>
@@ -1355,11 +1545,12 @@
           </a:prstGeom>
         </p:spPr>
         <p:txBody>
-          <a:bodyPr lIns="0" rIns="0" tIns="0" bIns="0">
+          <a:bodyPr lIns="0" tIns="0" rIns="0" bIns="0">
             <a:normAutofit/>
           </a:bodyPr>
-          <a:p>
-            <a:endParaRPr b="0" lang="it-IT" sz="3200" spc="-1" strike="noStrike">
+          <a:lstStyle/>
+          <a:p>
+            <a:endParaRPr lang="it-IT" sz="3200" b="0" strike="noStrike" spc="-1">
               <a:latin typeface="Arial"/>
             </a:endParaRPr>
           </a:p>
@@ -1367,12 +1558,21 @@
       </p:sp>
     </p:spTree>
   </p:cSld>
+  <p:clrMapOvr>
+    <a:masterClrMapping/>
+  </p:clrMapOvr>
+  <p:hf hdr="0" dt="0"/>
 </p:sldLayout>
 </file>
 
 <file path=ppt/slideMasters/slideMaster1.xml><?xml version="1.0" encoding="utf-8"?>
-<p:sldMaster xmlns:a="http://schemas.openxmlformats.org/drawingml/2006/main" xmlns:p="http://schemas.openxmlformats.org/presentationml/2006/main" xmlns:r="http://schemas.openxmlformats.org/officeDocument/2006/relationships" xmlns:p14="http://schemas.microsoft.com/office/powerpoint/2010/main" xmlns:p15="http://schemas.microsoft.com/office/powerpoint/2012/main" xmlns:mc="http://schemas.openxmlformats.org/markup-compatibility/2006">
+<p:sldMaster xmlns:a="http://schemas.openxmlformats.org/drawingml/2006/main" xmlns:r="http://schemas.openxmlformats.org/officeDocument/2006/relationships" xmlns:p="http://schemas.openxmlformats.org/presentationml/2006/main">
   <p:cSld>
+    <p:bg>
+      <p:bgRef idx="1001">
+        <a:schemeClr val="bg1"/>
+      </p:bgRef>
+    </p:bg>
     <p:spTree>
       <p:nvGrpSpPr>
         <p:cNvPr id="1" name=""/>
@@ -1389,7 +1589,7 @@
       </p:grpSpPr>
       <p:sp>
         <p:nvSpPr>
-          <p:cNvPr id="0" name="PlaceHolder 1"/>
+          <p:cNvPr id="5" name="PlaceHolder 1"/>
           <p:cNvSpPr>
             <a:spLocks noGrp="1"/>
           </p:cNvSpPr>
@@ -1407,26 +1607,24 @@
           </a:prstGeom>
         </p:spPr>
         <p:txBody>
-          <a:bodyPr lIns="0" rIns="0" tIns="0" bIns="0" anchor="ctr">
+          <a:bodyPr lIns="0" tIns="0" rIns="0" bIns="0" anchor="ctr">
             <a:noAutofit/>
           </a:bodyPr>
+          <a:lstStyle/>
           <a:p>
             <a:pPr algn="ctr"/>
             <a:r>
-              <a:rPr b="0" lang="it-IT" sz="4400" spc="-1" strike="noStrike">
+              <a:rPr lang="it-IT" sz="4400" b="0" strike="noStrike" spc="-1">
                 <a:latin typeface="Arial"/>
               </a:rPr>
               <a:t>Click to edit the title text format</a:t>
             </a:r>
-            <a:endParaRPr b="0" lang="it-IT" sz="4400" spc="-1" strike="noStrike">
-              <a:latin typeface="Arial"/>
-            </a:endParaRPr>
-          </a:p>
-        </p:txBody>
-      </p:sp>
-      <p:sp>
-        <p:nvSpPr>
-          <p:cNvPr id="1" name="PlaceHolder 2"/>
+          </a:p>
+        </p:txBody>
+      </p:sp>
+      <p:sp>
+        <p:nvSpPr>
+          <p:cNvPr id="6" name="PlaceHolder 2"/>
           <p:cNvSpPr>
             <a:spLocks noGrp="1"/>
           </p:cNvSpPr>
@@ -1444,9 +1642,10 @@
           </a:prstGeom>
         </p:spPr>
         <p:txBody>
-          <a:bodyPr lIns="0" rIns="0" tIns="0" bIns="0">
+          <a:bodyPr lIns="0" tIns="0" rIns="0" bIns="0">
             <a:normAutofit/>
           </a:bodyPr>
+          <a:lstStyle/>
           <a:p>
             <a:pPr marL="432000" indent="-324000">
               <a:spcBef>
@@ -1460,17 +1659,14 @@
               <a:buChar char=""/>
             </a:pPr>
             <a:r>
-              <a:rPr b="0" lang="it-IT" sz="3200" spc="-1" strike="noStrike">
+              <a:rPr lang="it-IT" sz="3200" b="0" strike="noStrike" spc="-1">
                 <a:latin typeface="Arial"/>
               </a:rPr>
               <a:t>Click to edit the outline text format</a:t>
             </a:r>
-            <a:endParaRPr b="0" lang="it-IT" sz="3200" spc="-1" strike="noStrike">
-              <a:latin typeface="Arial"/>
-            </a:endParaRPr>
-          </a:p>
-          <a:p>
-            <a:pPr lvl="1" marL="864000" indent="-324000">
+          </a:p>
+          <a:p>
+            <a:pPr marL="864000" lvl="1" indent="-324000">
               <a:spcBef>
                 <a:spcPts val="1134"/>
               </a:spcBef>
@@ -1482,17 +1678,14 @@
               <a:buChar char=""/>
             </a:pPr>
             <a:r>
-              <a:rPr b="0" lang="it-IT" sz="2800" spc="-1" strike="noStrike">
+              <a:rPr lang="it-IT" sz="2800" b="0" strike="noStrike" spc="-1">
                 <a:latin typeface="Arial"/>
               </a:rPr>
               <a:t>Second Outline Level</a:t>
             </a:r>
-            <a:endParaRPr b="0" lang="it-IT" sz="2800" spc="-1" strike="noStrike">
-              <a:latin typeface="Arial"/>
-            </a:endParaRPr>
-          </a:p>
-          <a:p>
-            <a:pPr lvl="2" marL="1296000" indent="-288000">
+          </a:p>
+          <a:p>
+            <a:pPr marL="1296000" lvl="2" indent="-288000">
               <a:spcBef>
                 <a:spcPts val="850"/>
               </a:spcBef>
@@ -1504,17 +1697,14 @@
               <a:buChar char=""/>
             </a:pPr>
             <a:r>
-              <a:rPr b="0" lang="it-IT" sz="2400" spc="-1" strike="noStrike">
+              <a:rPr lang="it-IT" sz="2400" b="0" strike="noStrike" spc="-1">
                 <a:latin typeface="Arial"/>
               </a:rPr>
               <a:t>Third Outline Level</a:t>
             </a:r>
-            <a:endParaRPr b="0" lang="it-IT" sz="2400" spc="-1" strike="noStrike">
-              <a:latin typeface="Arial"/>
-            </a:endParaRPr>
-          </a:p>
-          <a:p>
-            <a:pPr lvl="3" marL="1728000" indent="-216000">
+          </a:p>
+          <a:p>
+            <a:pPr marL="1728000" lvl="3" indent="-216000">
               <a:spcBef>
                 <a:spcPts val="567"/>
               </a:spcBef>
@@ -1526,17 +1716,14 @@
               <a:buChar char=""/>
             </a:pPr>
             <a:r>
-              <a:rPr b="0" lang="it-IT" sz="2000" spc="-1" strike="noStrike">
+              <a:rPr lang="it-IT" sz="2000" b="0" strike="noStrike" spc="-1">
                 <a:latin typeface="Arial"/>
               </a:rPr>
               <a:t>Fourth Outline Level</a:t>
             </a:r>
-            <a:endParaRPr b="0" lang="it-IT" sz="2000" spc="-1" strike="noStrike">
-              <a:latin typeface="Arial"/>
-            </a:endParaRPr>
-          </a:p>
-          <a:p>
-            <a:pPr lvl="4" marL="2160000" indent="-216000">
+          </a:p>
+          <a:p>
+            <a:pPr marL="2160000" lvl="4" indent="-216000">
               <a:spcBef>
                 <a:spcPts val="283"/>
               </a:spcBef>
@@ -1548,17 +1735,14 @@
               <a:buChar char=""/>
             </a:pPr>
             <a:r>
-              <a:rPr b="0" lang="it-IT" sz="2000" spc="-1" strike="noStrike">
+              <a:rPr lang="it-IT" sz="2000" b="0" strike="noStrike" spc="-1">
                 <a:latin typeface="Arial"/>
               </a:rPr>
               <a:t>Fifth Outline Level</a:t>
             </a:r>
-            <a:endParaRPr b="0" lang="it-IT" sz="2000" spc="-1" strike="noStrike">
-              <a:latin typeface="Arial"/>
-            </a:endParaRPr>
-          </a:p>
-          <a:p>
-            <a:pPr lvl="5" marL="2592000" indent="-216000">
+          </a:p>
+          <a:p>
+            <a:pPr marL="2592000" lvl="5" indent="-216000">
               <a:spcBef>
                 <a:spcPts val="283"/>
               </a:spcBef>
@@ -1570,17 +1754,14 @@
               <a:buChar char=""/>
             </a:pPr>
             <a:r>
-              <a:rPr b="0" lang="it-IT" sz="2000" spc="-1" strike="noStrike">
+              <a:rPr lang="it-IT" sz="2000" b="0" strike="noStrike" spc="-1">
                 <a:latin typeface="Arial"/>
               </a:rPr>
               <a:t>Sixth Outline Level</a:t>
             </a:r>
-            <a:endParaRPr b="0" lang="it-IT" sz="2000" spc="-1" strike="noStrike">
-              <a:latin typeface="Arial"/>
-            </a:endParaRPr>
-          </a:p>
-          <a:p>
-            <a:pPr lvl="6" marL="3024000" indent="-216000">
+          </a:p>
+          <a:p>
+            <a:pPr marL="3024000" lvl="6" indent="-216000">
               <a:spcBef>
                 <a:spcPts val="283"/>
               </a:spcBef>
@@ -1592,14 +1773,11 @@
               <a:buChar char=""/>
             </a:pPr>
             <a:r>
-              <a:rPr b="0" lang="it-IT" sz="2000" spc="-1" strike="noStrike">
+              <a:rPr lang="it-IT" sz="2000" b="0" strike="noStrike" spc="-1">
                 <a:latin typeface="Arial"/>
               </a:rPr>
               <a:t>Seventh Outline Level</a:t>
             </a:r>
-            <a:endParaRPr b="0" lang="it-IT" sz="2000" spc="-1" strike="noStrike">
-              <a:latin typeface="Arial"/>
-            </a:endParaRPr>
           </a:p>
         </p:txBody>
       </p:sp>
@@ -1623,19 +1801,17 @@
           </a:prstGeom>
         </p:spPr>
         <p:txBody>
-          <a:bodyPr lIns="0" rIns="0" tIns="0" bIns="0">
+          <a:bodyPr lIns="0" tIns="0" rIns="0" bIns="0">
             <a:noAutofit/>
           </a:bodyPr>
-          <a:p>
-            <a:r>
-              <a:rPr b="0" lang="it-IT" sz="1400" spc="-1" strike="noStrike">
+          <a:lstStyle/>
+          <a:p>
+            <a:r>
+              <a:rPr lang="it-IT" sz="1400" b="0" strike="noStrike" spc="-1">
                 <a:latin typeface="Times New Roman"/>
               </a:rPr>
               <a:t>&lt;date/time&gt;</a:t>
             </a:r>
-            <a:endParaRPr b="0" lang="it-IT" sz="1400" spc="-1" strike="noStrike">
-              <a:latin typeface="Times New Roman"/>
-            </a:endParaRPr>
           </a:p>
         </p:txBody>
       </p:sp>
@@ -1659,20 +1835,18 @@
           </a:prstGeom>
         </p:spPr>
         <p:txBody>
-          <a:bodyPr lIns="0" rIns="0" tIns="0" bIns="0">
+          <a:bodyPr lIns="0" tIns="0" rIns="0" bIns="0">
             <a:noAutofit/>
           </a:bodyPr>
+          <a:lstStyle/>
           <a:p>
             <a:pPr algn="ctr"/>
             <a:r>
-              <a:rPr b="0" lang="it-IT" sz="1400" spc="-1" strike="noStrike">
+              <a:rPr lang="it-IT" sz="1400" b="0" strike="noStrike" spc="-1">
                 <a:latin typeface="Times New Roman"/>
               </a:rPr>
-              <a:t>&lt;footer&gt;</a:t>
-            </a:r>
-            <a:endParaRPr b="0" lang="it-IT" sz="1400" spc="-1" strike="noStrike">
-              <a:latin typeface="Times New Roman"/>
-            </a:endParaRPr>
+              <a:t>S. van Schaik et al., "RIDL: Rogue In-Flight Data Load," 2019 IEEE Symposium on Security and Privacy (SP), San Francisco, CA, USA, 2019, pp. 88-105, doi: 10.1109/SP.2019.00087.</a:t>
+            </a:r>
           </a:p>
         </p:txBody>
       </p:sp>
@@ -1696,18 +1870,19 @@
           </a:prstGeom>
         </p:spPr>
         <p:txBody>
-          <a:bodyPr lIns="0" rIns="0" tIns="0" bIns="0">
+          <a:bodyPr lIns="0" tIns="0" rIns="0" bIns="0">
             <a:noAutofit/>
           </a:bodyPr>
+          <a:lstStyle/>
           <a:p>
             <a:pPr algn="r"/>
             <a:fld id="{0D913F28-B219-4777-A2D2-DBC72AD66505}" type="slidenum">
-              <a:rPr b="0" lang="it-IT" sz="1400" spc="-1" strike="noStrike">
+              <a:rPr lang="it-IT" sz="1400" b="0" strike="noStrike" spc="-1">
                 <a:latin typeface="Times New Roman"/>
               </a:rPr>
-              <a:t>&lt;number&gt;</a:t>
+              <a:t>‹N›</a:t>
             </a:fld>
-            <a:endParaRPr b="0" lang="it-IT" sz="1400" spc="-1" strike="noStrike">
+            <a:endParaRPr lang="it-IT" sz="1400" b="0" strike="noStrike" spc="-1">
               <a:latin typeface="Times New Roman"/>
             </a:endParaRPr>
           </a:p>
@@ -1715,26 +1890,307 @@
       </p:sp>
     </p:spTree>
   </p:cSld>
-  <p:clrMap bg1="lt1" bg2="lt2" tx1="dk1" tx2="dk2" accent1="accent1" accent2="accent2" accent3="accent3" accent4="accent4" accent5="accent5" accent6="accent6" hlink="hlink" folHlink="folHlink"/>
+  <p:clrMap bg1="lt1" tx1="dk1" bg2="lt2" tx2="dk2" accent1="accent1" accent2="accent2" accent3="accent3" accent4="accent4" accent5="accent5" accent6="accent6" hlink="hlink" folHlink="folHlink"/>
   <p:sldLayoutIdLst>
-    <p:sldLayoutId id="2147483649" r:id="rId2"/>
-    <p:sldLayoutId id="2147483650" r:id="rId3"/>
-    <p:sldLayoutId id="2147483651" r:id="rId4"/>
-    <p:sldLayoutId id="2147483652" r:id="rId5"/>
-    <p:sldLayoutId id="2147483653" r:id="rId6"/>
-    <p:sldLayoutId id="2147483654" r:id="rId7"/>
-    <p:sldLayoutId id="2147483655" r:id="rId8"/>
-    <p:sldLayoutId id="2147483656" r:id="rId9"/>
-    <p:sldLayoutId id="2147483657" r:id="rId10"/>
-    <p:sldLayoutId id="2147483658" r:id="rId11"/>
-    <p:sldLayoutId id="2147483659" r:id="rId12"/>
-    <p:sldLayoutId id="2147483660" r:id="rId13"/>
+    <p:sldLayoutId id="2147483649" r:id="rId1"/>
+    <p:sldLayoutId id="2147483650" r:id="rId2"/>
+    <p:sldLayoutId id="2147483651" r:id="rId3"/>
+    <p:sldLayoutId id="2147483652" r:id="rId4"/>
+    <p:sldLayoutId id="2147483653" r:id="rId5"/>
+    <p:sldLayoutId id="2147483654" r:id="rId6"/>
+    <p:sldLayoutId id="2147483655" r:id="rId7"/>
+    <p:sldLayoutId id="2147483656" r:id="rId8"/>
+    <p:sldLayoutId id="2147483657" r:id="rId9"/>
+    <p:sldLayoutId id="2147483658" r:id="rId10"/>
+    <p:sldLayoutId id="2147483659" r:id="rId11"/>
+    <p:sldLayoutId id="2147483660" r:id="rId12"/>
   </p:sldLayoutIdLst>
+  <p:hf hdr="0" dt="0"/>
+  <p:txStyles>
+    <p:titleStyle>
+      <a:lvl1pPr algn="l" defTabSz="914400" rtl="0" eaLnBrk="1" latinLnBrk="0" hangingPunct="1">
+        <a:lnSpc>
+          <a:spcPct val="90000"/>
+        </a:lnSpc>
+        <a:spcBef>
+          <a:spcPct val="0"/>
+        </a:spcBef>
+        <a:buNone/>
+        <a:defRPr sz="4400" kern="1200">
+          <a:solidFill>
+            <a:schemeClr val="tx1"/>
+          </a:solidFill>
+          <a:latin typeface="+mj-lt"/>
+          <a:ea typeface="+mj-ea"/>
+          <a:cs typeface="+mj-cs"/>
+        </a:defRPr>
+      </a:lvl1pPr>
+    </p:titleStyle>
+    <p:bodyStyle>
+      <a:lvl1pPr marL="228600" indent="-228600" algn="l" defTabSz="914400" rtl="0" eaLnBrk="1" latinLnBrk="0" hangingPunct="1">
+        <a:lnSpc>
+          <a:spcPct val="90000"/>
+        </a:lnSpc>
+        <a:spcBef>
+          <a:spcPts val="1000"/>
+        </a:spcBef>
+        <a:buFont typeface="Arial" panose="020B0604020202020204" pitchFamily="34" charset="0"/>
+        <a:buChar char="•"/>
+        <a:defRPr sz="2800" kern="1200">
+          <a:solidFill>
+            <a:schemeClr val="tx1"/>
+          </a:solidFill>
+          <a:latin typeface="+mn-lt"/>
+          <a:ea typeface="+mn-ea"/>
+          <a:cs typeface="+mn-cs"/>
+        </a:defRPr>
+      </a:lvl1pPr>
+      <a:lvl2pPr marL="685800" indent="-228600" algn="l" defTabSz="914400" rtl="0" eaLnBrk="1" latinLnBrk="0" hangingPunct="1">
+        <a:lnSpc>
+          <a:spcPct val="90000"/>
+        </a:lnSpc>
+        <a:spcBef>
+          <a:spcPts val="500"/>
+        </a:spcBef>
+        <a:buFont typeface="Arial" panose="020B0604020202020204" pitchFamily="34" charset="0"/>
+        <a:buChar char="•"/>
+        <a:defRPr sz="2400" kern="1200">
+          <a:solidFill>
+            <a:schemeClr val="tx1"/>
+          </a:solidFill>
+          <a:latin typeface="+mn-lt"/>
+          <a:ea typeface="+mn-ea"/>
+          <a:cs typeface="+mn-cs"/>
+        </a:defRPr>
+      </a:lvl2pPr>
+      <a:lvl3pPr marL="1143000" indent="-228600" algn="l" defTabSz="914400" rtl="0" eaLnBrk="1" latinLnBrk="0" hangingPunct="1">
+        <a:lnSpc>
+          <a:spcPct val="90000"/>
+        </a:lnSpc>
+        <a:spcBef>
+          <a:spcPts val="500"/>
+        </a:spcBef>
+        <a:buFont typeface="Arial" panose="020B0604020202020204" pitchFamily="34" charset="0"/>
+        <a:buChar char="•"/>
+        <a:defRPr sz="2000" kern="1200">
+          <a:solidFill>
+            <a:schemeClr val="tx1"/>
+          </a:solidFill>
+          <a:latin typeface="+mn-lt"/>
+          <a:ea typeface="+mn-ea"/>
+          <a:cs typeface="+mn-cs"/>
+        </a:defRPr>
+      </a:lvl3pPr>
+      <a:lvl4pPr marL="1600200" indent="-228600" algn="l" defTabSz="914400" rtl="0" eaLnBrk="1" latinLnBrk="0" hangingPunct="1">
+        <a:lnSpc>
+          <a:spcPct val="90000"/>
+        </a:lnSpc>
+        <a:spcBef>
+          <a:spcPts val="500"/>
+        </a:spcBef>
+        <a:buFont typeface="Arial" panose="020B0604020202020204" pitchFamily="34" charset="0"/>
+        <a:buChar char="•"/>
+        <a:defRPr sz="1800" kern="1200">
+          <a:solidFill>
+            <a:schemeClr val="tx1"/>
+          </a:solidFill>
+          <a:latin typeface="+mn-lt"/>
+          <a:ea typeface="+mn-ea"/>
+          <a:cs typeface="+mn-cs"/>
+        </a:defRPr>
+      </a:lvl4pPr>
+      <a:lvl5pPr marL="2057400" indent="-228600" algn="l" defTabSz="914400" rtl="0" eaLnBrk="1" latinLnBrk="0" hangingPunct="1">
+        <a:lnSpc>
+          <a:spcPct val="90000"/>
+        </a:lnSpc>
+        <a:spcBef>
+          <a:spcPts val="500"/>
+        </a:spcBef>
+        <a:buFont typeface="Arial" panose="020B0604020202020204" pitchFamily="34" charset="0"/>
+        <a:buChar char="•"/>
+        <a:defRPr sz="1800" kern="1200">
+          <a:solidFill>
+            <a:schemeClr val="tx1"/>
+          </a:solidFill>
+          <a:latin typeface="+mn-lt"/>
+          <a:ea typeface="+mn-ea"/>
+          <a:cs typeface="+mn-cs"/>
+        </a:defRPr>
+      </a:lvl5pPr>
+      <a:lvl6pPr marL="2514600" indent="-228600" algn="l" defTabSz="914400" rtl="0" eaLnBrk="1" latinLnBrk="0" hangingPunct="1">
+        <a:lnSpc>
+          <a:spcPct val="90000"/>
+        </a:lnSpc>
+        <a:spcBef>
+          <a:spcPts val="500"/>
+        </a:spcBef>
+        <a:buFont typeface="Arial" panose="020B0604020202020204" pitchFamily="34" charset="0"/>
+        <a:buChar char="•"/>
+        <a:defRPr sz="1800" kern="1200">
+          <a:solidFill>
+            <a:schemeClr val="tx1"/>
+          </a:solidFill>
+          <a:latin typeface="+mn-lt"/>
+          <a:ea typeface="+mn-ea"/>
+          <a:cs typeface="+mn-cs"/>
+        </a:defRPr>
+      </a:lvl6pPr>
+      <a:lvl7pPr marL="2971800" indent="-228600" algn="l" defTabSz="914400" rtl="0" eaLnBrk="1" latinLnBrk="0" hangingPunct="1">
+        <a:lnSpc>
+          <a:spcPct val="90000"/>
+        </a:lnSpc>
+        <a:spcBef>
+          <a:spcPts val="500"/>
+        </a:spcBef>
+        <a:buFont typeface="Arial" panose="020B0604020202020204" pitchFamily="34" charset="0"/>
+        <a:buChar char="•"/>
+        <a:defRPr sz="1800" kern="1200">
+          <a:solidFill>
+            <a:schemeClr val="tx1"/>
+          </a:solidFill>
+          <a:latin typeface="+mn-lt"/>
+          <a:ea typeface="+mn-ea"/>
+          <a:cs typeface="+mn-cs"/>
+        </a:defRPr>
+      </a:lvl7pPr>
+      <a:lvl8pPr marL="3429000" indent="-228600" algn="l" defTabSz="914400" rtl="0" eaLnBrk="1" latinLnBrk="0" hangingPunct="1">
+        <a:lnSpc>
+          <a:spcPct val="90000"/>
+        </a:lnSpc>
+        <a:spcBef>
+          <a:spcPts val="500"/>
+        </a:spcBef>
+        <a:buFont typeface="Arial" panose="020B0604020202020204" pitchFamily="34" charset="0"/>
+        <a:buChar char="•"/>
+        <a:defRPr sz="1800" kern="1200">
+          <a:solidFill>
+            <a:schemeClr val="tx1"/>
+          </a:solidFill>
+          <a:latin typeface="+mn-lt"/>
+          <a:ea typeface="+mn-ea"/>
+          <a:cs typeface="+mn-cs"/>
+        </a:defRPr>
+      </a:lvl8pPr>
+      <a:lvl9pPr marL="3886200" indent="-228600" algn="l" defTabSz="914400" rtl="0" eaLnBrk="1" latinLnBrk="0" hangingPunct="1">
+        <a:lnSpc>
+          <a:spcPct val="90000"/>
+        </a:lnSpc>
+        <a:spcBef>
+          <a:spcPts val="500"/>
+        </a:spcBef>
+        <a:buFont typeface="Arial" panose="020B0604020202020204" pitchFamily="34" charset="0"/>
+        <a:buChar char="•"/>
+        <a:defRPr sz="1800" kern="1200">
+          <a:solidFill>
+            <a:schemeClr val="tx1"/>
+          </a:solidFill>
+          <a:latin typeface="+mn-lt"/>
+          <a:ea typeface="+mn-ea"/>
+          <a:cs typeface="+mn-cs"/>
+        </a:defRPr>
+      </a:lvl9pPr>
+    </p:bodyStyle>
+    <p:otherStyle>
+      <a:defPPr>
+        <a:defRPr lang="it-IT"/>
+      </a:defPPr>
+      <a:lvl1pPr marL="0" algn="l" defTabSz="914400" rtl="0" eaLnBrk="1" latinLnBrk="0" hangingPunct="1">
+        <a:defRPr sz="1800" kern="1200">
+          <a:solidFill>
+            <a:schemeClr val="tx1"/>
+          </a:solidFill>
+          <a:latin typeface="+mn-lt"/>
+          <a:ea typeface="+mn-ea"/>
+          <a:cs typeface="+mn-cs"/>
+        </a:defRPr>
+      </a:lvl1pPr>
+      <a:lvl2pPr marL="457200" algn="l" defTabSz="914400" rtl="0" eaLnBrk="1" latinLnBrk="0" hangingPunct="1">
+        <a:defRPr sz="1800" kern="1200">
+          <a:solidFill>
+            <a:schemeClr val="tx1"/>
+          </a:solidFill>
+          <a:latin typeface="+mn-lt"/>
+          <a:ea typeface="+mn-ea"/>
+          <a:cs typeface="+mn-cs"/>
+        </a:defRPr>
+      </a:lvl2pPr>
+      <a:lvl3pPr marL="914400" algn="l" defTabSz="914400" rtl="0" eaLnBrk="1" latinLnBrk="0" hangingPunct="1">
+        <a:defRPr sz="1800" kern="1200">
+          <a:solidFill>
+            <a:schemeClr val="tx1"/>
+          </a:solidFill>
+          <a:latin typeface="+mn-lt"/>
+          <a:ea typeface="+mn-ea"/>
+          <a:cs typeface="+mn-cs"/>
+        </a:defRPr>
+      </a:lvl3pPr>
+      <a:lvl4pPr marL="1371600" algn="l" defTabSz="914400" rtl="0" eaLnBrk="1" latinLnBrk="0" hangingPunct="1">
+        <a:defRPr sz="1800" kern="1200">
+          <a:solidFill>
+            <a:schemeClr val="tx1"/>
+          </a:solidFill>
+          <a:latin typeface="+mn-lt"/>
+          <a:ea typeface="+mn-ea"/>
+          <a:cs typeface="+mn-cs"/>
+        </a:defRPr>
+      </a:lvl4pPr>
+      <a:lvl5pPr marL="1828800" algn="l" defTabSz="914400" rtl="0" eaLnBrk="1" latinLnBrk="0" hangingPunct="1">
+        <a:defRPr sz="1800" kern="1200">
+          <a:solidFill>
+            <a:schemeClr val="tx1"/>
+          </a:solidFill>
+          <a:latin typeface="+mn-lt"/>
+          <a:ea typeface="+mn-ea"/>
+          <a:cs typeface="+mn-cs"/>
+        </a:defRPr>
+      </a:lvl5pPr>
+      <a:lvl6pPr marL="2286000" algn="l" defTabSz="914400" rtl="0" eaLnBrk="1" latinLnBrk="0" hangingPunct="1">
+        <a:defRPr sz="1800" kern="1200">
+          <a:solidFill>
+            <a:schemeClr val="tx1"/>
+          </a:solidFill>
+          <a:latin typeface="+mn-lt"/>
+          <a:ea typeface="+mn-ea"/>
+          <a:cs typeface="+mn-cs"/>
+        </a:defRPr>
+      </a:lvl6pPr>
+      <a:lvl7pPr marL="2743200" algn="l" defTabSz="914400" rtl="0" eaLnBrk="1" latinLnBrk="0" hangingPunct="1">
+        <a:defRPr sz="1800" kern="1200">
+          <a:solidFill>
+            <a:schemeClr val="tx1"/>
+          </a:solidFill>
+          <a:latin typeface="+mn-lt"/>
+          <a:ea typeface="+mn-ea"/>
+          <a:cs typeface="+mn-cs"/>
+        </a:defRPr>
+      </a:lvl7pPr>
+      <a:lvl8pPr marL="3200400" algn="l" defTabSz="914400" rtl="0" eaLnBrk="1" latinLnBrk="0" hangingPunct="1">
+        <a:defRPr sz="1800" kern="1200">
+          <a:solidFill>
+            <a:schemeClr val="tx1"/>
+          </a:solidFill>
+          <a:latin typeface="+mn-lt"/>
+          <a:ea typeface="+mn-ea"/>
+          <a:cs typeface="+mn-cs"/>
+        </a:defRPr>
+      </a:lvl8pPr>
+      <a:lvl9pPr marL="3657600" algn="l" defTabSz="914400" rtl="0" eaLnBrk="1" latinLnBrk="0" hangingPunct="1">
+        <a:defRPr sz="1800" kern="1200">
+          <a:solidFill>
+            <a:schemeClr val="tx1"/>
+          </a:solidFill>
+          <a:latin typeface="+mn-lt"/>
+          <a:ea typeface="+mn-ea"/>
+          <a:cs typeface="+mn-cs"/>
+        </a:defRPr>
+      </a:lvl9pPr>
+    </p:otherStyle>
+  </p:txStyles>
 </p:sldMaster>
 </file>
 
 <file path=ppt/slides/slide1.xml><?xml version="1.0" encoding="utf-8"?>
-<p:sld xmlns:a="http://schemas.openxmlformats.org/drawingml/2006/main" xmlns:p="http://schemas.openxmlformats.org/presentationml/2006/main" xmlns:r="http://schemas.openxmlformats.org/officeDocument/2006/relationships" xmlns:p14="http://schemas.microsoft.com/office/powerpoint/2010/main" xmlns:p15="http://schemas.microsoft.com/office/powerpoint/2012/main" xmlns:mc="http://schemas.openxmlformats.org/markup-compatibility/2006">
+<p:sld xmlns:a="http://schemas.openxmlformats.org/drawingml/2006/main" xmlns:r="http://schemas.openxmlformats.org/officeDocument/2006/relationships" xmlns:p="http://schemas.openxmlformats.org/presentationml/2006/main">
   <p:cSld>
     <p:spTree>
       <p:nvGrpSpPr>
@@ -1752,18 +2208,18 @@
       </p:grpSpPr>
       <p:pic>
         <p:nvPicPr>
-          <p:cNvPr id="41" name="mds.svg" descr=""/>
+          <p:cNvPr id="41" name="mds.svg"/>
           <p:cNvPicPr/>
           <p:nvPr/>
         </p:nvPicPr>
         <p:blipFill>
-          <a:blip r:embed="rId1"/>
+          <a:blip r:embed="rId2"/>
           <a:stretch/>
         </p:blipFill>
         <p:spPr>
           <a:xfrm>
-            <a:off x="540000" y="720000"/>
-            <a:ext cx="2700000" cy="2527920"/>
+            <a:off x="532202" y="595271"/>
+            <a:ext cx="3152535" cy="2933516"/>
           </a:xfrm>
           <a:prstGeom prst="rect">
             <a:avLst/>
@@ -1781,8 +2237,8 @@
         </p:nvSpPr>
         <p:spPr>
           <a:xfrm>
-            <a:off x="1439280" y="3633840"/>
-            <a:ext cx="7740720" cy="430200"/>
+            <a:off x="6812083" y="3688409"/>
+            <a:ext cx="2630186" cy="430200"/>
           </a:xfrm>
           <a:prstGeom prst="rect">
             <a:avLst/>
@@ -1793,116 +2249,25 @@
           </a:ln>
         </p:spPr>
         <p:txBody>
-          <a:bodyPr lIns="90000" rIns="90000" tIns="45000" bIns="45000">
+          <a:bodyPr lIns="90000" tIns="45000" rIns="90000" bIns="45000" anchor="t">
             <a:noAutofit/>
           </a:bodyPr>
-          <a:p>
-            <a:pPr algn="ctr">
-              <a:lnSpc>
-                <a:spcPct val="100000"/>
-              </a:lnSpc>
-            </a:pPr>
-            <a:r>
-              <a:rPr b="0" lang="it-IT" sz="2400" spc="-1" strike="noStrike">
+          <a:lstStyle/>
+          <a:p>
+            <a:pPr lvl="1" algn="just"/>
+            <a:r>
+              <a:rPr lang="it-IT" sz="3200" spc="-1">
                 <a:solidFill>
-                  <a:srgbClr val="3465a4"/>
+                  <a:srgbClr val="3465A4"/>
                 </a:solidFill>
                 <a:latin typeface="Arial"/>
-              </a:rPr>
-              <a:t>Behaveour</a:t>
-            </a:r>
-            <a:r>
-              <a:rPr b="0" lang="it-IT" sz="2400" spc="-1" strike="noStrike">
-                <a:solidFill>
-                  <a:srgbClr val="3465a4"/>
-                </a:solidFill>
-                <a:latin typeface="Arial"/>
-              </a:rPr>
-              <a:t>	</a:t>
-            </a:r>
-            <a:r>
-              <a:rPr b="0" lang="it-IT" sz="2400" spc="-1" strike="noStrike">
-                <a:solidFill>
-                  <a:srgbClr val="3465a4"/>
-                </a:solidFill>
-                <a:latin typeface="Arial"/>
-              </a:rPr>
-              <a:t>	</a:t>
-            </a:r>
-            <a:r>
-              <a:rPr b="0" lang="it-IT" sz="2400" spc="-1" strike="noStrike">
-                <a:solidFill>
-                  <a:srgbClr val="3465a4"/>
-                </a:solidFill>
-                <a:latin typeface="Arial"/>
-              </a:rPr>
-              <a:t>	</a:t>
-            </a:r>
-            <a:r>
-              <a:rPr b="0" lang="it-IT" sz="2400" spc="-1" strike="noStrike">
-                <a:solidFill>
-                  <a:srgbClr val="3465a4"/>
-                </a:solidFill>
-                <a:latin typeface="Arial"/>
-              </a:rPr>
-              <a:t>	</a:t>
-            </a:r>
-            <a:r>
-              <a:rPr b="0" lang="it-IT" sz="2400" spc="-1" strike="noStrike">
-                <a:solidFill>
-                  <a:srgbClr val="3465a4"/>
-                </a:solidFill>
-                <a:latin typeface="Arial"/>
-              </a:rPr>
-              <a:t>Attacks</a:t>
-            </a:r>
-            <a:r>
-              <a:rPr b="0" lang="it-IT" sz="2400" spc="-1" strike="noStrike">
-                <a:solidFill>
-                  <a:srgbClr val="3465a4"/>
-                </a:solidFill>
-                <a:latin typeface="Arial"/>
-              </a:rPr>
-              <a:t>	</a:t>
-            </a:r>
-            <a:r>
-              <a:rPr b="0" lang="it-IT" sz="2400" spc="-1" strike="noStrike">
-                <a:solidFill>
-                  <a:srgbClr val="3465a4"/>
-                </a:solidFill>
-                <a:latin typeface="Arial"/>
-              </a:rPr>
-              <a:t>	</a:t>
-            </a:r>
-            <a:r>
-              <a:rPr b="0" lang="it-IT" sz="2400" spc="-1" strike="noStrike">
-                <a:solidFill>
-                  <a:srgbClr val="3465a4"/>
-                </a:solidFill>
-                <a:latin typeface="Arial"/>
-              </a:rPr>
-              <a:t>	</a:t>
-            </a:r>
-            <a:r>
-              <a:rPr b="0" lang="it-IT" sz="2400" spc="-1" strike="noStrike">
-                <a:solidFill>
-                  <a:srgbClr val="3465a4"/>
-                </a:solidFill>
-                <a:latin typeface="Arial"/>
-              </a:rPr>
-              <a:t>	</a:t>
-            </a:r>
-            <a:r>
-              <a:rPr b="0" lang="it-IT" sz="2400" spc="-1" strike="noStrike">
-                <a:solidFill>
-                  <a:srgbClr val="3465a4"/>
-                </a:solidFill>
-                <a:latin typeface="Arial"/>
-              </a:rPr>
-              <a:t>Mitigation</a:t>
-            </a:r>
-            <a:endParaRPr b="0" lang="it-IT" sz="2400" spc="-1" strike="noStrike">
-              <a:latin typeface="Arial"/>
+                <a:cs typeface="Arial"/>
+              </a:rPr>
+              <a:t>Mitigations</a:t>
+            </a:r>
+            <a:endParaRPr lang="it-IT" sz="3200" spc="-1">
+              <a:ea typeface="+mn-lt"/>
+              <a:cs typeface="+mn-lt"/>
             </a:endParaRPr>
           </a:p>
         </p:txBody>
@@ -1927,13 +2292,14 @@
           </a:ln>
         </p:spPr>
         <p:txBody>
-          <a:bodyPr lIns="0" rIns="0" tIns="0" bIns="0" anchor="ctr">
+          <a:bodyPr lIns="0" tIns="0" rIns="0" bIns="0" anchor="ctr">
             <a:noAutofit/>
           </a:bodyPr>
+          <a:lstStyle/>
           <a:p>
             <a:pPr algn="ctr"/>
             <a:r>
-              <a:rPr b="0" lang="it-IT" sz="6600" spc="-1" strike="noStrike">
+              <a:rPr lang="it-IT" sz="6600" b="0" strike="noStrike" spc="-1">
                 <a:latin typeface="Arial"/>
                 <a:ea typeface="Noto Sans CJK SC"/>
               </a:rPr>
@@ -1941,33 +2307,167 @@
             </a:r>
             <a:br/>
             <a:r>
-              <a:rPr b="0" i="1" lang="it-IT" sz="3600" spc="-1" strike="noStrike">
+              <a:rPr lang="it-IT" sz="3600" b="0" i="1" strike="noStrike" spc="-1">
                 <a:latin typeface="Arial"/>
                 <a:ea typeface="Noto Sans CJK SC"/>
               </a:rPr>
               <a:t>Rogue In-Flight Data Load</a:t>
             </a:r>
-            <a:endParaRPr b="0" lang="it-IT" sz="3600" spc="-1" strike="noStrike">
+            <a:endParaRPr lang="it-IT" sz="3600" b="0" strike="noStrike" spc="-1">
               <a:latin typeface="Arial"/>
             </a:endParaRPr>
           </a:p>
         </p:txBody>
       </p:sp>
+      <p:sp>
+        <p:nvSpPr>
+          <p:cNvPr id="5" name="TextShape 1">
+            <a:extLst>
+              <a:ext uri="{FF2B5EF4-FFF2-40B4-BE49-F238E27FC236}">
+                <a16:creationId xmlns:a16="http://schemas.microsoft.com/office/drawing/2014/main" id="{4AE8DB69-5502-4E28-9DB4-8C2A7133EF93}"/>
+              </a:ext>
+            </a:extLst>
+          </p:cNvPr>
+          <p:cNvSpPr txBox="1"/>
+          <p:nvPr/>
+        </p:nvSpPr>
+        <p:spPr>
+          <a:xfrm>
+            <a:off x="4043685" y="3688409"/>
+            <a:ext cx="2341500" cy="430200"/>
+          </a:xfrm>
+          <a:prstGeom prst="rect">
+            <a:avLst/>
+          </a:prstGeom>
+          <a:noFill/>
+          <a:ln w="0">
+            <a:noFill/>
+          </a:ln>
+        </p:spPr>
+        <p:txBody>
+          <a:bodyPr lIns="90000" tIns="45000" rIns="90000" bIns="45000" anchor="t">
+            <a:noAutofit/>
+          </a:bodyPr>
+          <a:lstStyle/>
+          <a:p>
+            <a:pPr lvl="1" algn="just"/>
+            <a:r>
+              <a:rPr lang="it-IT" sz="3200" spc="-1">
+                <a:solidFill>
+                  <a:srgbClr val="3465A4"/>
+                </a:solidFill>
+                <a:latin typeface="Arial"/>
+                <a:cs typeface="Arial"/>
+              </a:rPr>
+              <a:t>Attacks </a:t>
+            </a:r>
+            <a:endParaRPr lang="it-IT" sz="3200" spc="-1">
+              <a:ea typeface="+mn-lt"/>
+              <a:cs typeface="+mn-lt"/>
+            </a:endParaRPr>
+          </a:p>
+        </p:txBody>
+      </p:sp>
+      <p:sp>
+        <p:nvSpPr>
+          <p:cNvPr id="6" name="TextShape 1">
+            <a:extLst>
+              <a:ext uri="{FF2B5EF4-FFF2-40B4-BE49-F238E27FC236}">
+                <a16:creationId xmlns:a16="http://schemas.microsoft.com/office/drawing/2014/main" id="{7AB46888-D255-4340-9093-5D25F387BFB3}"/>
+              </a:ext>
+            </a:extLst>
+          </p:cNvPr>
+          <p:cNvSpPr txBox="1"/>
+          <p:nvPr/>
+        </p:nvSpPr>
+        <p:spPr>
+          <a:xfrm>
+            <a:off x="635928" y="3688409"/>
+            <a:ext cx="2747221" cy="430200"/>
+          </a:xfrm>
+          <a:prstGeom prst="rect">
+            <a:avLst/>
+          </a:prstGeom>
+          <a:noFill/>
+          <a:ln w="0">
+            <a:noFill/>
+          </a:ln>
+        </p:spPr>
+        <p:txBody>
+          <a:bodyPr lIns="90000" tIns="45000" rIns="90000" bIns="45000" anchor="t">
+            <a:noAutofit/>
+          </a:bodyPr>
+          <a:lstStyle/>
+          <a:p>
+            <a:pPr lvl="1" algn="just"/>
+            <a:r>
+              <a:rPr lang="it-IT" sz="3200" spc="-1">
+                <a:solidFill>
+                  <a:srgbClr val="3465A4"/>
+                </a:solidFill>
+                <a:latin typeface="Arial"/>
+                <a:cs typeface="Arial"/>
+              </a:rPr>
+              <a:t>Behaveour </a:t>
+            </a:r>
+            <a:endParaRPr lang="it-IT" sz="3200" spc="-1">
+              <a:solidFill>
+                <a:srgbClr val="3465A4"/>
+              </a:solidFill>
+              <a:ea typeface="+mn-lt"/>
+              <a:cs typeface="+mn-lt"/>
+            </a:endParaRPr>
+          </a:p>
+        </p:txBody>
+      </p:sp>
+      <p:sp>
+        <p:nvSpPr>
+          <p:cNvPr id="2" name="CasellaDiTesto 1">
+            <a:extLst>
+              <a:ext uri="{FF2B5EF4-FFF2-40B4-BE49-F238E27FC236}">
+                <a16:creationId xmlns:a16="http://schemas.microsoft.com/office/drawing/2014/main" id="{5546A543-54AC-4036-8778-9EB48B6F661F}"/>
+              </a:ext>
+            </a:extLst>
+          </p:cNvPr>
+          <p:cNvSpPr txBox="1"/>
+          <p:nvPr/>
+        </p:nvSpPr>
+        <p:spPr>
+          <a:xfrm>
+            <a:off x="494937" y="4875184"/>
+            <a:ext cx="2743200" cy="369332"/>
+          </a:xfrm>
+          <a:prstGeom prst="rect">
+            <a:avLst/>
+          </a:prstGeom>
+          <a:noFill/>
+        </p:spPr>
+        <p:txBody>
+          <a:bodyPr rot="0" spcFirstLastPara="0" vertOverflow="overflow" horzOverflow="overflow" vert="horz" wrap="square" lIns="91440" tIns="45720" rIns="91440" bIns="45720" numCol="1" spcCol="0" rtlCol="0" fromWordArt="0" anchor="t" anchorCtr="0" forceAA="0" compatLnSpc="1">
+            <a:prstTxWarp prst="textNoShape">
+              <a:avLst/>
+            </a:prstTxWarp>
+            <a:spAutoFit/>
+          </a:bodyPr>
+          <a:lstStyle/>
+          <a:p>
+            <a:r>
+              <a:rPr lang="en-US"/>
+              <a:t>https://mdsattacks.com/</a:t>
+            </a:r>
+          </a:p>
+        </p:txBody>
+      </p:sp>
     </p:spTree>
   </p:cSld>
-  <mc:AlternateContent>
-    <mc:Choice Requires="p14">
-      <p:transition spd="slow" p14:dur="2000"/>
-    </mc:Choice>
-    <mc:Fallback>
-      <p:transition spd="slow"/>
-    </mc:Fallback>
-  </mc:AlternateContent>
+  <p:clrMapOvr>
+    <a:masterClrMapping/>
+  </p:clrMapOvr>
 </p:sld>
 </file>
 
 <file path=ppt/slides/slide2.xml><?xml version="1.0" encoding="utf-8"?>
-<p:sld xmlns:a="http://schemas.openxmlformats.org/drawingml/2006/main" xmlns:p="http://schemas.openxmlformats.org/presentationml/2006/main" xmlns:r="http://schemas.openxmlformats.org/officeDocument/2006/relationships" xmlns:p14="http://schemas.microsoft.com/office/powerpoint/2010/main" xmlns:p15="http://schemas.microsoft.com/office/powerpoint/2012/main" xmlns:mc="http://schemas.openxmlformats.org/markup-compatibility/2006">
+<p:sld xmlns:a="http://schemas.openxmlformats.org/drawingml/2006/main" xmlns:r="http://schemas.openxmlformats.org/officeDocument/2006/relationships" xmlns:p="http://schemas.openxmlformats.org/presentationml/2006/main">
   <p:cSld>
     <p:spTree>
       <p:nvGrpSpPr>
@@ -2003,37 +2503,35 @@
           </a:ln>
         </p:spPr>
         <p:txBody>
-          <a:bodyPr lIns="0" rIns="0" tIns="0" bIns="0" anchor="ctr">
+          <a:bodyPr lIns="0" tIns="0" rIns="0" bIns="0" anchor="ctr">
             <a:noAutofit/>
           </a:bodyPr>
+          <a:lstStyle/>
           <a:p>
             <a:pPr algn="ctr"/>
             <a:r>
-              <a:rPr b="0" lang="it-IT" sz="4400" spc="-1" strike="noStrike">
+              <a:rPr lang="it-IT" sz="4400" b="0" strike="noStrike" spc="-1">
                 <a:latin typeface="Arial"/>
               </a:rPr>
               <a:t>Microarchitectural Data Sampling</a:t>
             </a:r>
-            <a:endParaRPr b="0" lang="it-IT" sz="4400" spc="-1" strike="noStrike">
-              <a:latin typeface="Arial"/>
-            </a:endParaRPr>
           </a:p>
         </p:txBody>
       </p:sp>
       <p:pic>
         <p:nvPicPr>
-          <p:cNvPr id="45" name="mds.svg_0" descr=""/>
+          <p:cNvPr id="45" name="mds.svg_0"/>
           <p:cNvPicPr/>
           <p:nvPr/>
         </p:nvPicPr>
         <p:blipFill>
-          <a:blip r:embed="rId1"/>
+          <a:blip r:embed="rId2"/>
           <a:stretch/>
         </p:blipFill>
         <p:spPr>
           <a:xfrm>
-            <a:off x="360000" y="1620000"/>
-            <a:ext cx="2700000" cy="2527920"/>
+            <a:off x="297411" y="1713547"/>
+            <a:ext cx="3066710" cy="2738518"/>
           </a:xfrm>
           <a:prstGeom prst="rect">
             <a:avLst/>
@@ -2051,7 +2549,7 @@
         </p:nvSpPr>
         <p:spPr>
           <a:xfrm>
-            <a:off x="3291120" y="2173680"/>
+            <a:off x="3236534" y="1861857"/>
             <a:ext cx="5348880" cy="602280"/>
           </a:xfrm>
           <a:prstGeom prst="rect">
@@ -2063,9 +2561,10 @@
           </a:ln>
         </p:spPr>
         <p:txBody>
-          <a:bodyPr lIns="90000" rIns="90000" tIns="45000" bIns="45000">
+          <a:bodyPr lIns="90000" tIns="45000" rIns="90000" bIns="45000">
             <a:noAutofit/>
           </a:bodyPr>
+          <a:lstStyle/>
           <a:p>
             <a:pPr marL="216000" indent="-216000">
               <a:buClr>
@@ -2076,20 +2575,17 @@
               <a:buChar char=""/>
             </a:pPr>
             <a:r>
-              <a:rPr b="1" lang="it-IT" sz="2000" spc="-1" strike="noStrike">
+              <a:rPr lang="it-IT" sz="2000" b="1" strike="noStrike" spc="-1">
                 <a:latin typeface="Arial"/>
               </a:rPr>
               <a:t>Side-channel</a:t>
             </a:r>
             <a:r>
-              <a:rPr b="0" lang="it-IT" sz="2000" spc="-1" strike="noStrike">
+              <a:rPr lang="it-IT" sz="2000" b="0" strike="noStrike" spc="-1">
                 <a:latin typeface="Arial"/>
               </a:rPr>
               <a:t> vulnerabilities in Intel CPUs </a:t>
             </a:r>
-            <a:endParaRPr b="0" lang="it-IT" sz="2000" spc="-1" strike="noStrike">
-              <a:latin typeface="Arial"/>
-            </a:endParaRPr>
           </a:p>
         </p:txBody>
       </p:sp>
@@ -2101,8 +2597,8 @@
         </p:nvSpPr>
         <p:spPr>
           <a:xfrm>
-            <a:off x="1620000" y="4320000"/>
-            <a:ext cx="8280000" cy="657000"/>
+            <a:off x="3265372" y="3633991"/>
+            <a:ext cx="5346320" cy="657000"/>
           </a:xfrm>
           <a:prstGeom prst="rect">
             <a:avLst/>
@@ -2113,9 +2609,10 @@
           </a:ln>
         </p:spPr>
         <p:txBody>
-          <a:bodyPr lIns="90000" rIns="90000" tIns="45000" bIns="45000">
+          <a:bodyPr lIns="90000" tIns="45000" rIns="90000" bIns="45000">
             <a:noAutofit/>
           </a:bodyPr>
+          <a:lstStyle/>
           <a:p>
             <a:pPr marL="216000" indent="-216000">
               <a:buClr>
@@ -2126,38 +2623,35 @@
               <a:buChar char=""/>
             </a:pPr>
             <a:r>
-              <a:rPr b="0" lang="it-IT" sz="1800" spc="-1" strike="noStrike">
+              <a:rPr lang="it-IT" sz="1800" b="0" strike="noStrike" spc="-1">
                 <a:latin typeface="Arial"/>
               </a:rPr>
               <a:t> </a:t>
             </a:r>
             <a:r>
-              <a:rPr b="1" lang="it-IT" sz="2000" spc="-1" strike="noStrike">
+              <a:rPr lang="it-IT" sz="2000" b="1" strike="noStrike" spc="-1">
                 <a:latin typeface="Arial"/>
               </a:rPr>
               <a:t>private data</a:t>
             </a:r>
             <a:r>
-              <a:rPr b="0" lang="it-IT" sz="2000" spc="-1" strike="noStrike">
+              <a:rPr lang="it-IT" sz="2000" b="0" strike="noStrike" spc="-1">
                 <a:latin typeface="Arial"/>
               </a:rPr>
               <a:t> can </a:t>
             </a:r>
             <a:r>
-              <a:rPr b="1" lang="it-IT" sz="2000" spc="-1" strike="noStrike">
+              <a:rPr lang="it-IT" sz="2000" b="1" strike="noStrike" spc="-1">
                 <a:latin typeface="Arial"/>
               </a:rPr>
               <a:t>leak</a:t>
             </a:r>
             <a:r>
-              <a:rPr b="0" lang="it-IT" sz="2000" spc="-1" strike="noStrike">
+              <a:rPr lang="it-IT" sz="2000" b="0" strike="noStrike" spc="-1">
                 <a:latin typeface="Arial"/>
               </a:rPr>
               <a:t> across arbitrary security boundaries</a:t>
             </a:r>
-            <a:endParaRPr b="0" lang="it-IT" sz="2000" spc="-1" strike="noStrike">
-              <a:latin typeface="Arial"/>
-            </a:endParaRPr>
           </a:p>
         </p:txBody>
       </p:sp>
@@ -2169,7 +2663,7 @@
         </p:nvSpPr>
         <p:spPr>
           <a:xfrm>
-            <a:off x="3240000" y="3060000"/>
+            <a:off x="3240000" y="2833929"/>
             <a:ext cx="5940000" cy="657000"/>
           </a:xfrm>
           <a:prstGeom prst="rect">
@@ -2181,9 +2675,10 @@
           </a:ln>
         </p:spPr>
         <p:txBody>
-          <a:bodyPr lIns="90000" rIns="90000" tIns="45000" bIns="45000">
+          <a:bodyPr lIns="90000" tIns="45000" rIns="90000" bIns="45000">
             <a:noAutofit/>
           </a:bodyPr>
+          <a:lstStyle/>
           <a:p>
             <a:pPr marL="216000" indent="-216000">
               <a:buClr>
@@ -2194,52 +2689,80 @@
               <a:buChar char=""/>
             </a:pPr>
             <a:r>
-              <a:rPr b="0" lang="it-IT" sz="2000" spc="-1" strike="noStrike">
+              <a:rPr lang="it-IT" sz="2000" b="0" strike="noStrike" spc="-1">
                 <a:latin typeface="Arial"/>
               </a:rPr>
               <a:t>Attackers can inspect </a:t>
             </a:r>
             <a:r>
-              <a:rPr b="1" lang="it-IT" sz="2000" spc="-1" strike="noStrike">
+              <a:rPr lang="it-IT" sz="2000" b="1" strike="noStrike" spc="-1">
                 <a:latin typeface="Arial"/>
                 <a:ea typeface="Arial"/>
               </a:rPr>
-              <a:t>µ-</a:t>
-            </a:r>
-            <a:r>
-              <a:rPr b="1" lang="it-IT" sz="2000" spc="-1" strike="noStrike">
+              <a:t>µ-architectural buffers</a:t>
+            </a:r>
+            <a:r>
+              <a:rPr lang="it-IT" sz="2000" b="0" strike="noStrike" spc="-1">
                 <a:latin typeface="Arial"/>
-                <a:ea typeface="Arial"/>
-              </a:rPr>
-              <a:t>architectural buffers</a:t>
-            </a:r>
-            <a:r>
-              <a:rPr b="0" lang="it-IT" sz="2000" spc="-1" strike="noStrike">
-                <a:latin typeface="Arial"/>
               </a:rPr>
               <a:t> </a:t>
             </a:r>
-            <a:endParaRPr b="0" lang="it-IT" sz="2000" spc="-1" strike="noStrike">
-              <a:latin typeface="Arial"/>
-            </a:endParaRPr>
+          </a:p>
+        </p:txBody>
+      </p:sp>
+      <p:sp>
+        <p:nvSpPr>
+          <p:cNvPr id="2" name="CasellaDiTesto 1">
+            <a:extLst>
+              <a:ext uri="{FF2B5EF4-FFF2-40B4-BE49-F238E27FC236}">
+                <a16:creationId xmlns:a16="http://schemas.microsoft.com/office/drawing/2014/main" id="{456A0F29-8C77-4E3A-9345-86ADF842A9D8}"/>
+              </a:ext>
+            </a:extLst>
+          </p:cNvPr>
+          <p:cNvSpPr txBox="1"/>
+          <p:nvPr/>
+        </p:nvSpPr>
+        <p:spPr>
+          <a:xfrm>
+            <a:off x="518331" y="5038891"/>
+            <a:ext cx="2743200" cy="369332"/>
+          </a:xfrm>
+          <a:prstGeom prst="rect">
+            <a:avLst/>
+          </a:prstGeom>
+          <a:noFill/>
+        </p:spPr>
+        <p:txBody>
+          <a:bodyPr rot="0" spcFirstLastPara="0" vertOverflow="overflow" horzOverflow="overflow" vert="horz" wrap="square" lIns="91440" tIns="45720" rIns="91440" bIns="45720" numCol="1" spcCol="0" rtlCol="0" fromWordArt="0" anchor="t" anchorCtr="0" forceAA="0" compatLnSpc="1">
+            <a:prstTxWarp prst="textNoShape">
+              <a:avLst/>
+            </a:prstTxWarp>
+            <a:spAutoFit/>
+          </a:bodyPr>
+          <a:lstStyle/>
+          <a:p>
+            <a:pPr algn="l"/>
+            <a:r>
+              <a:rPr lang="it-IT" dirty="0">
+                <a:ea typeface="+mn-lt"/>
+                <a:cs typeface="+mn-lt"/>
+              </a:rPr>
+              <a:t>https://mdsattacks.com/</a:t>
+            </a:r>
+            <a:endParaRPr lang="it-IT" dirty="0"/>
           </a:p>
         </p:txBody>
       </p:sp>
     </p:spTree>
   </p:cSld>
-  <mc:AlternateContent>
-    <mc:Choice Requires="p14">
-      <p:transition spd="slow" p14:dur="2000"/>
-    </mc:Choice>
-    <mc:Fallback>
-      <p:transition spd="slow"/>
-    </mc:Fallback>
-  </mc:AlternateContent>
+  <p:clrMapOvr>
+    <a:masterClrMapping/>
+  </p:clrMapOvr>
 </p:sld>
 </file>
 
 <file path=ppt/slides/slide3.xml><?xml version="1.0" encoding="utf-8"?>
-<p:sld xmlns:a="http://schemas.openxmlformats.org/drawingml/2006/main" xmlns:p="http://schemas.openxmlformats.org/presentationml/2006/main" xmlns:r="http://schemas.openxmlformats.org/officeDocument/2006/relationships" xmlns:p14="http://schemas.microsoft.com/office/powerpoint/2010/main" xmlns:p15="http://schemas.microsoft.com/office/powerpoint/2012/main" xmlns:mc="http://schemas.openxmlformats.org/markup-compatibility/2006">
+<p:sld xmlns:a="http://schemas.openxmlformats.org/drawingml/2006/main" xmlns:r="http://schemas.openxmlformats.org/officeDocument/2006/relationships" xmlns:p="http://schemas.openxmlformats.org/presentationml/2006/main">
   <p:cSld>
     <p:spTree>
       <p:nvGrpSpPr>
@@ -2255,16 +2778,2310 @@
           <a:chExt cx="0" cy="0"/>
         </a:xfrm>
       </p:grpSpPr>
+      <p:pic>
+        <p:nvPicPr>
+          <p:cNvPr id="2" name="Immagine 2">
+            <a:extLst>
+              <a:ext uri="{FF2B5EF4-FFF2-40B4-BE49-F238E27FC236}">
+                <a16:creationId xmlns:a16="http://schemas.microsoft.com/office/drawing/2014/main" id="{0CE0F459-D4D8-47D9-A423-A8E259F4C5EA}"/>
+              </a:ext>
+            </a:extLst>
+          </p:cNvPr>
+          <p:cNvPicPr>
+            <a:picLocks noChangeAspect="1"/>
+          </p:cNvPicPr>
+          <p:nvPr/>
+        </p:nvPicPr>
+        <p:blipFill>
+          <a:blip r:embed="rId2"/>
+          <a:stretch>
+            <a:fillRect/>
+          </a:stretch>
+        </p:blipFill>
+        <p:spPr>
+          <a:xfrm>
+            <a:off x="892180" y="2383450"/>
+            <a:ext cx="3493073" cy="2335139"/>
+          </a:xfrm>
+          <a:prstGeom prst="rect">
+            <a:avLst/>
+          </a:prstGeom>
+        </p:spPr>
+      </p:pic>
+      <p:sp>
+        <p:nvSpPr>
+          <p:cNvPr id="3" name="Titolo 2">
+            <a:extLst>
+              <a:ext uri="{FF2B5EF4-FFF2-40B4-BE49-F238E27FC236}">
+                <a16:creationId xmlns:a16="http://schemas.microsoft.com/office/drawing/2014/main" id="{F2ADBE42-2EB6-423B-9C34-034C37731D3C}"/>
+              </a:ext>
+            </a:extLst>
+          </p:cNvPr>
+          <p:cNvSpPr>
+            <a:spLocks noGrp="1"/>
+          </p:cNvSpPr>
+          <p:nvPr>
+            <p:ph type="title"/>
+          </p:nvPr>
+        </p:nvSpPr>
+        <p:spPr>
+          <a:xfrm>
+            <a:off x="433818" y="280649"/>
+            <a:ext cx="9071640" cy="946440"/>
+          </a:xfrm>
+        </p:spPr>
+        <p:txBody>
+          <a:bodyPr/>
+          <a:lstStyle/>
+          <a:p>
+            <a:pPr algn="ctr"/>
+            <a:r>
+              <a:rPr lang="it-IT" sz="4000" dirty="0">
+                <a:ea typeface="+mj-lt"/>
+                <a:cs typeface="+mj-lt"/>
+              </a:rPr>
+              <a:t>µ-architectural</a:t>
+            </a:r>
+            <a:r>
+              <a:rPr lang="it-IT" sz="4000" dirty="0"/>
+              <a:t> (shared)</a:t>
+            </a:r>
+            <a:r>
+              <a:rPr lang="it-IT" sz="4000"/>
+              <a:t> buffers</a:t>
+            </a:r>
+            <a:endParaRPr lang="it-IT"/>
+          </a:p>
+        </p:txBody>
+      </p:sp>
+      <p:sp>
+        <p:nvSpPr>
+          <p:cNvPr id="4" name="CasellaDiTesto 3">
+            <a:extLst>
+              <a:ext uri="{FF2B5EF4-FFF2-40B4-BE49-F238E27FC236}">
+                <a16:creationId xmlns:a16="http://schemas.microsoft.com/office/drawing/2014/main" id="{34F28AF8-5392-44CB-BC13-64F5CF76BE1E}"/>
+              </a:ext>
+            </a:extLst>
+          </p:cNvPr>
+          <p:cNvSpPr txBox="1"/>
+          <p:nvPr/>
+        </p:nvSpPr>
+        <p:spPr>
+          <a:xfrm>
+            <a:off x="620075" y="1382771"/>
+            <a:ext cx="8516932" cy="646331"/>
+          </a:xfrm>
+          <a:prstGeom prst="rect">
+            <a:avLst/>
+          </a:prstGeom>
+          <a:noFill/>
+        </p:spPr>
+        <p:txBody>
+          <a:bodyPr rot="0" spcFirstLastPara="0" vertOverflow="overflow" horzOverflow="overflow" vert="horz" wrap="square" lIns="91440" tIns="45720" rIns="91440" bIns="45720" numCol="1" spcCol="0" rtlCol="0" fromWordArt="0" anchor="t" anchorCtr="0" forceAA="0" compatLnSpc="1">
+            <a:prstTxWarp prst="textNoShape">
+              <a:avLst/>
+            </a:prstTxWarp>
+            <a:spAutoFit/>
+          </a:bodyPr>
+          <a:lstStyle/>
+          <a:p>
+            <a:r>
+              <a:rPr lang="it-IT" dirty="0" err="1"/>
+              <a:t>It's</a:t>
+            </a:r>
+            <a:r>
+              <a:rPr lang="it-IT" dirty="0"/>
+              <a:t> </a:t>
+            </a:r>
+            <a:r>
+              <a:rPr lang="it-IT" dirty="0" err="1"/>
+              <a:t>possbile</a:t>
+            </a:r>
+            <a:r>
+              <a:rPr lang="it-IT" dirty="0"/>
+              <a:t> to </a:t>
+            </a:r>
+            <a:r>
+              <a:rPr lang="it-IT" dirty="0" err="1"/>
+              <a:t>discover</a:t>
+            </a:r>
+            <a:r>
+              <a:rPr lang="it-IT" dirty="0"/>
+              <a:t> and </a:t>
+            </a:r>
+            <a:r>
+              <a:rPr lang="it-IT" dirty="0" err="1"/>
+              <a:t>analyze</a:t>
+            </a:r>
+            <a:r>
+              <a:rPr lang="it-IT" dirty="0"/>
+              <a:t> the </a:t>
+            </a:r>
+            <a:r>
+              <a:rPr lang="it-IT" dirty="0" err="1"/>
+              <a:t>behaveour</a:t>
+            </a:r>
+            <a:r>
+              <a:rPr lang="it-IT" dirty="0"/>
+              <a:t> of µ-</a:t>
+            </a:r>
+            <a:r>
+              <a:rPr lang="it-IT" dirty="0" err="1"/>
+              <a:t>architectural</a:t>
+            </a:r>
+            <a:r>
+              <a:rPr lang="it-IT" dirty="0"/>
+              <a:t> buffers via </a:t>
+            </a:r>
+            <a:r>
+              <a:rPr lang="it-IT" b="1" dirty="0"/>
+              <a:t>reverse </a:t>
+            </a:r>
+            <a:r>
+              <a:rPr lang="it-IT" b="1" dirty="0">
+                <a:ea typeface="+mn-lt"/>
+                <a:cs typeface="+mn-lt"/>
+              </a:rPr>
+              <a:t>engineering</a:t>
+            </a:r>
+            <a:endParaRPr lang="it-IT" b="1" dirty="0" err="1"/>
+          </a:p>
+        </p:txBody>
+      </p:sp>
+      <p:sp>
+        <p:nvSpPr>
+          <p:cNvPr id="6" name="CasellaDiTesto 5">
+            <a:extLst>
+              <a:ext uri="{FF2B5EF4-FFF2-40B4-BE49-F238E27FC236}">
+                <a16:creationId xmlns:a16="http://schemas.microsoft.com/office/drawing/2014/main" id="{CCB0F601-807B-451F-9EFB-B6329236FD75}"/>
+              </a:ext>
+            </a:extLst>
+          </p:cNvPr>
+          <p:cNvSpPr txBox="1"/>
+          <p:nvPr/>
+        </p:nvSpPr>
+        <p:spPr>
+          <a:xfrm>
+            <a:off x="5220509" y="2271466"/>
+            <a:ext cx="3624864" cy="923330"/>
+          </a:xfrm>
+          <a:prstGeom prst="rect">
+            <a:avLst/>
+          </a:prstGeom>
+          <a:noFill/>
+        </p:spPr>
+        <p:txBody>
+          <a:bodyPr rot="0" spcFirstLastPara="0" vertOverflow="overflow" horzOverflow="overflow" vert="horz" wrap="square" lIns="91440" tIns="45720" rIns="91440" bIns="45720" numCol="1" spcCol="0" rtlCol="0" fromWordArt="0" anchor="t" anchorCtr="0" forceAA="0" compatLnSpc="1">
+            <a:prstTxWarp prst="textNoShape">
+              <a:avLst/>
+            </a:prstTxWarp>
+            <a:spAutoFit/>
+          </a:bodyPr>
+          <a:lstStyle/>
+          <a:p>
+            <a:r>
+              <a:rPr lang="en-US" b="1"/>
+              <a:t>Performance counters</a:t>
+            </a:r>
+            <a:r>
+              <a:rPr lang="en-US"/>
+              <a:t>:</a:t>
+            </a:r>
+            <a:endParaRPr lang="en-US" dirty="0"/>
+          </a:p>
+          <a:p>
+            <a:pPr marL="285750" indent="-285750">
+              <a:buFont typeface="Arial"/>
+              <a:buChar char="•"/>
+            </a:pPr>
+            <a:r>
+              <a:rPr lang="en-US"/>
+              <a:t>Cache and buffers hits</a:t>
+            </a:r>
+          </a:p>
+          <a:p>
+            <a:pPr marL="285750" indent="-285750">
+              <a:buFont typeface="Arial"/>
+              <a:buChar char="•"/>
+            </a:pPr>
+            <a:r>
+              <a:rPr lang="it-IT">
+                <a:ea typeface="+mn-lt"/>
+                <a:cs typeface="+mn-lt"/>
+              </a:rPr>
+              <a:t>µ-architectural requests</a:t>
+            </a:r>
+            <a:endParaRPr lang="en-US" dirty="0"/>
+          </a:p>
+        </p:txBody>
+      </p:sp>
+      <p:sp>
+        <p:nvSpPr>
+          <p:cNvPr id="7" name="CasellaDiTesto 6">
+            <a:extLst>
+              <a:ext uri="{FF2B5EF4-FFF2-40B4-BE49-F238E27FC236}">
+                <a16:creationId xmlns:a16="http://schemas.microsoft.com/office/drawing/2014/main" id="{B3686FCF-40BB-4336-9AD2-013AEB85FD8D}"/>
+              </a:ext>
+            </a:extLst>
+          </p:cNvPr>
+          <p:cNvSpPr txBox="1"/>
+          <p:nvPr/>
+        </p:nvSpPr>
+        <p:spPr>
+          <a:xfrm>
+            <a:off x="5218841" y="3604507"/>
+            <a:ext cx="3624864" cy="923330"/>
+          </a:xfrm>
+          <a:prstGeom prst="rect">
+            <a:avLst/>
+          </a:prstGeom>
+          <a:noFill/>
+        </p:spPr>
+        <p:txBody>
+          <a:bodyPr rot="0" spcFirstLastPara="0" vertOverflow="overflow" horzOverflow="overflow" vert="horz" wrap="square" lIns="91440" tIns="45720" rIns="91440" bIns="45720" numCol="1" spcCol="0" rtlCol="0" fromWordArt="0" anchor="t" anchorCtr="0" forceAA="0" compatLnSpc="1">
+            <a:prstTxWarp prst="textNoShape">
+              <a:avLst/>
+            </a:prstTxWarp>
+            <a:spAutoFit/>
+          </a:bodyPr>
+          <a:lstStyle/>
+          <a:p>
+            <a:r>
+              <a:rPr lang="en-US" b="1"/>
+              <a:t>Speculative loads</a:t>
+            </a:r>
+            <a:r>
+              <a:rPr lang="en-US"/>
+              <a:t> (S</a:t>
+            </a:r>
+            <a:r>
+              <a:rPr lang="en-US" i="1"/>
+              <a:t>pectre</a:t>
+            </a:r>
+            <a:r>
+              <a:rPr lang="en-US"/>
+              <a:t>):</a:t>
+            </a:r>
+            <a:endParaRPr lang="en-US" dirty="0"/>
+          </a:p>
+          <a:p>
+            <a:pPr marL="285750" indent="-285750">
+              <a:buFont typeface="Arial"/>
+              <a:buChar char="•"/>
+            </a:pPr>
+            <a:r>
+              <a:rPr lang="en-US"/>
+              <a:t>FLUSH+RELOAD</a:t>
+            </a:r>
+          </a:p>
+          <a:p>
+            <a:pPr marL="285750" indent="-285750">
+              <a:buFont typeface="Arial"/>
+              <a:buChar char="•"/>
+            </a:pPr>
+            <a:r>
+              <a:rPr lang="it-IT">
+                <a:ea typeface="+mn-lt"/>
+                <a:cs typeface="+mn-lt"/>
+              </a:rPr>
+              <a:t>PRIME + PROBE</a:t>
+            </a:r>
+            <a:endParaRPr lang="en-US"/>
+          </a:p>
+        </p:txBody>
+      </p:sp>
+      <p:sp>
+        <p:nvSpPr>
+          <p:cNvPr id="9" name="CasellaDiTesto 8">
+            <a:extLst>
+              <a:ext uri="{FF2B5EF4-FFF2-40B4-BE49-F238E27FC236}">
+                <a16:creationId xmlns:a16="http://schemas.microsoft.com/office/drawing/2014/main" id="{371D0EF4-E971-44B9-9F1B-214CD288D851}"/>
+              </a:ext>
+            </a:extLst>
+          </p:cNvPr>
+          <p:cNvSpPr txBox="1"/>
+          <p:nvPr/>
+        </p:nvSpPr>
+        <p:spPr>
+          <a:xfrm>
+            <a:off x="471544" y="5116847"/>
+            <a:ext cx="9500026" cy="230832"/>
+          </a:xfrm>
+          <a:prstGeom prst="rect">
+            <a:avLst/>
+          </a:prstGeom>
+          <a:noFill/>
+        </p:spPr>
+        <p:txBody>
+          <a:bodyPr rot="0" spcFirstLastPara="0" vertOverflow="overflow" horzOverflow="overflow" vert="horz" wrap="square" lIns="91440" tIns="45720" rIns="91440" bIns="45720" numCol="1" spcCol="0" rtlCol="0" fromWordArt="0" anchor="t" anchorCtr="0" forceAA="0" compatLnSpc="1">
+            <a:prstTxWarp prst="textNoShape">
+              <a:avLst/>
+            </a:prstTxWarp>
+            <a:spAutoFit/>
+          </a:bodyPr>
+          <a:lstStyle/>
+          <a:p>
+            <a:r>
+              <a:rPr lang="it-IT" sz="900" b="1" dirty="0">
+                <a:ea typeface="+mn-lt"/>
+                <a:cs typeface="+mn-lt"/>
+                <a:hlinkClick r:id="rId3"/>
+              </a:rPr>
+              <a:t>CrossTalk: Speculative Data Leaks Across Cores Are Real. </a:t>
+            </a:r>
+            <a:r>
+              <a:rPr lang="it-IT" sz="900">
+                <a:ea typeface="+mn-lt"/>
+                <a:cs typeface="+mn-lt"/>
+              </a:rPr>
+              <a:t>Ragab, H.; Milburn, A.; </a:t>
+            </a:r>
+            <a:r>
+              <a:rPr lang="it-IT" sz="900" dirty="0">
+                <a:ea typeface="+mn-lt"/>
+                <a:cs typeface="+mn-lt"/>
+                <a:hlinkClick r:id="rId4"/>
+              </a:rPr>
+              <a:t>Razavi, K.</a:t>
+            </a:r>
+            <a:r>
+              <a:rPr lang="it-IT" sz="900">
+                <a:ea typeface="+mn-lt"/>
+                <a:cs typeface="+mn-lt"/>
+              </a:rPr>
+              <a:t>; </a:t>
+            </a:r>
+            <a:r>
+              <a:rPr lang="it-IT" sz="900" dirty="0">
+                <a:ea typeface="+mn-lt"/>
+                <a:cs typeface="+mn-lt"/>
+                <a:hlinkClick r:id="rId5"/>
+              </a:rPr>
+              <a:t>Bos, H.</a:t>
+            </a:r>
+            <a:r>
+              <a:rPr lang="it-IT" sz="900">
+                <a:ea typeface="+mn-lt"/>
+                <a:cs typeface="+mn-lt"/>
+              </a:rPr>
+              <a:t>; and </a:t>
+            </a:r>
+            <a:r>
+              <a:rPr lang="it-IT" sz="900" dirty="0">
+                <a:ea typeface="+mn-lt"/>
+                <a:cs typeface="+mn-lt"/>
+                <a:hlinkClick r:id="rId6"/>
+              </a:rPr>
+              <a:t>Giuffrida, C.</a:t>
+            </a:r>
+            <a:r>
+              <a:rPr lang="it-IT" sz="900">
+                <a:ea typeface="+mn-lt"/>
+                <a:cs typeface="+mn-lt"/>
+              </a:rPr>
+              <a:t> In </a:t>
+            </a:r>
+            <a:r>
+              <a:rPr lang="it-IT" sz="900" i="1">
+                <a:ea typeface="+mn-lt"/>
+                <a:cs typeface="+mn-lt"/>
+              </a:rPr>
+              <a:t>S&amp;P</a:t>
+            </a:r>
+            <a:r>
+              <a:rPr lang="it-IT" sz="900">
+                <a:ea typeface="+mn-lt"/>
+                <a:cs typeface="+mn-lt"/>
+              </a:rPr>
+              <a:t>, May 2021. </a:t>
+            </a:r>
+            <a:r>
+              <a:rPr lang="it-IT" sz="900" i="1">
+                <a:ea typeface="+mn-lt"/>
+                <a:cs typeface="+mn-lt"/>
+              </a:rPr>
+              <a:t>Intel Bounty Reward</a:t>
+            </a:r>
+            <a:endParaRPr lang="it-IT"/>
+          </a:p>
+        </p:txBody>
+      </p:sp>
     </p:spTree>
   </p:cSld>
-  <mc:AlternateContent>
-    <mc:Choice Requires="p14">
-      <p:transition spd="slow" p14:dur="2000"/>
-    </mc:Choice>
-    <mc:Fallback>
-      <p:transition spd="slow"/>
-    </mc:Fallback>
-  </mc:AlternateContent>
+  <p:clrMapOvr>
+    <a:masterClrMapping/>
+  </p:clrMapOvr>
+</p:sld>
+</file>
+
+<file path=ppt/slides/slide4.xml><?xml version="1.0" encoding="utf-8"?>
+<p:sld xmlns:a="http://schemas.openxmlformats.org/drawingml/2006/main" xmlns:r="http://schemas.openxmlformats.org/officeDocument/2006/relationships" xmlns:p="http://schemas.openxmlformats.org/presentationml/2006/main">
+  <p:cSld>
+    <p:spTree>
+      <p:nvGrpSpPr>
+        <p:cNvPr id="1" name=""/>
+        <p:cNvGrpSpPr/>
+        <p:nvPr/>
+      </p:nvGrpSpPr>
+      <p:grpSpPr>
+        <a:xfrm>
+          <a:off x="0" y="0"/>
+          <a:ext cx="0" cy="0"/>
+          <a:chOff x="0" y="0"/>
+          <a:chExt cx="0" cy="0"/>
+        </a:xfrm>
+      </p:grpSpPr>
+      <p:sp>
+        <p:nvSpPr>
+          <p:cNvPr id="2" name="Titolo 1">
+            <a:extLst>
+              <a:ext uri="{FF2B5EF4-FFF2-40B4-BE49-F238E27FC236}">
+                <a16:creationId xmlns:a16="http://schemas.microsoft.com/office/drawing/2014/main" id="{2DA624EF-BBD0-416B-A375-73E8557D64AF}"/>
+              </a:ext>
+            </a:extLst>
+          </p:cNvPr>
+          <p:cNvSpPr>
+            <a:spLocks noGrp="1"/>
+          </p:cNvSpPr>
+          <p:nvPr>
+            <p:ph type="title"/>
+          </p:nvPr>
+        </p:nvSpPr>
+        <p:spPr/>
+        <p:txBody>
+          <a:bodyPr/>
+          <a:lstStyle/>
+          <a:p>
+            <a:r>
+              <a:rPr lang="it-IT" sz="4000"/>
+              <a:t>Listen the "noise" from another thread</a:t>
+            </a:r>
+            <a:endParaRPr lang="it-IT" sz="4000" dirty="0"/>
+          </a:p>
+        </p:txBody>
+      </p:sp>
+      <p:pic>
+        <p:nvPicPr>
+          <p:cNvPr id="3" name="Immagine 3">
+            <a:extLst>
+              <a:ext uri="{FF2B5EF4-FFF2-40B4-BE49-F238E27FC236}">
+                <a16:creationId xmlns:a16="http://schemas.microsoft.com/office/drawing/2014/main" id="{15E5A66F-C8BF-4EBC-916E-C7CC3ACF4862}"/>
+              </a:ext>
+            </a:extLst>
+          </p:cNvPr>
+          <p:cNvPicPr>
+            <a:picLocks noChangeAspect="1"/>
+          </p:cNvPicPr>
+          <p:nvPr/>
+        </p:nvPicPr>
+        <p:blipFill>
+          <a:blip r:embed="rId2"/>
+          <a:stretch>
+            <a:fillRect/>
+          </a:stretch>
+        </p:blipFill>
+        <p:spPr>
+          <a:xfrm>
+            <a:off x="502735" y="1510943"/>
+            <a:ext cx="4498726" cy="3257425"/>
+          </a:xfrm>
+          <a:prstGeom prst="rect">
+            <a:avLst/>
+          </a:prstGeom>
+        </p:spPr>
+      </p:pic>
+      <p:pic>
+        <p:nvPicPr>
+          <p:cNvPr id="4" name="Immagine 4" descr="Immagine che contiene testo&#10;&#10;Descrizione generata automaticamente">
+            <a:extLst>
+              <a:ext uri="{FF2B5EF4-FFF2-40B4-BE49-F238E27FC236}">
+                <a16:creationId xmlns:a16="http://schemas.microsoft.com/office/drawing/2014/main" id="{45A2AB56-CF1C-43FF-AF90-50F494AAA07F}"/>
+              </a:ext>
+            </a:extLst>
+          </p:cNvPr>
+          <p:cNvPicPr>
+            <a:picLocks noChangeAspect="1"/>
+          </p:cNvPicPr>
+          <p:nvPr/>
+        </p:nvPicPr>
+        <p:blipFill>
+          <a:blip r:embed="rId3"/>
+          <a:stretch>
+            <a:fillRect/>
+          </a:stretch>
+        </p:blipFill>
+        <p:spPr>
+          <a:xfrm>
+            <a:off x="5267149" y="1234351"/>
+            <a:ext cx="3788712" cy="3599974"/>
+          </a:xfrm>
+          <a:prstGeom prst="rect">
+            <a:avLst/>
+          </a:prstGeom>
+        </p:spPr>
+      </p:pic>
+      <p:sp>
+        <p:nvSpPr>
+          <p:cNvPr id="6" name="CasellaDiTesto 5">
+            <a:extLst>
+              <a:ext uri="{FF2B5EF4-FFF2-40B4-BE49-F238E27FC236}">
+                <a16:creationId xmlns:a16="http://schemas.microsoft.com/office/drawing/2014/main" id="{2CD5F06F-CED9-4246-939A-5798B9239405}"/>
+              </a:ext>
+            </a:extLst>
+          </p:cNvPr>
+          <p:cNvSpPr txBox="1"/>
+          <p:nvPr/>
+        </p:nvSpPr>
+        <p:spPr>
+          <a:xfrm>
+            <a:off x="354574" y="5132438"/>
+            <a:ext cx="9500026" cy="230832"/>
+          </a:xfrm>
+          <a:prstGeom prst="rect">
+            <a:avLst/>
+          </a:prstGeom>
+          <a:noFill/>
+        </p:spPr>
+        <p:txBody>
+          <a:bodyPr rot="0" spcFirstLastPara="0" vertOverflow="overflow" horzOverflow="overflow" vert="horz" wrap="square" lIns="91440" tIns="45720" rIns="91440" bIns="45720" numCol="1" spcCol="0" rtlCol="0" fromWordArt="0" anchor="t" anchorCtr="0" forceAA="0" compatLnSpc="1">
+            <a:prstTxWarp prst="textNoShape">
+              <a:avLst/>
+            </a:prstTxWarp>
+            <a:spAutoFit/>
+          </a:bodyPr>
+          <a:lstStyle/>
+          <a:p>
+            <a:r>
+              <a:rPr lang="it-IT" sz="900">
+                <a:ea typeface="+mn-lt"/>
+                <a:cs typeface="+mn-lt"/>
+              </a:rPr>
+              <a:t>S. van Schaik </a:t>
+            </a:r>
+            <a:r>
+              <a:rPr lang="it-IT" sz="900" i="1">
+                <a:ea typeface="+mn-lt"/>
+                <a:cs typeface="+mn-lt"/>
+              </a:rPr>
+              <a:t>et al</a:t>
+            </a:r>
+            <a:r>
+              <a:rPr lang="it-IT" sz="900">
+                <a:ea typeface="+mn-lt"/>
+                <a:cs typeface="+mn-lt"/>
+              </a:rPr>
+              <a:t>., "RIDL: Rogue In-Flight Data Load," </a:t>
+            </a:r>
+            <a:r>
+              <a:rPr lang="it-IT" sz="900" i="1">
+                <a:ea typeface="+mn-lt"/>
+                <a:cs typeface="+mn-lt"/>
+              </a:rPr>
+              <a:t>2019 IEEE Symposium on Security and Privacy (SP)</a:t>
+            </a:r>
+            <a:r>
+              <a:rPr lang="it-IT" sz="900">
+                <a:ea typeface="+mn-lt"/>
+                <a:cs typeface="+mn-lt"/>
+              </a:rPr>
+              <a:t>, San Francisco, CA, USA, 2019, pp. 88-105, doi: 10.1109/SP.2019.00087.</a:t>
+            </a:r>
+            <a:endParaRPr lang="it-IT" sz="900"/>
+          </a:p>
+        </p:txBody>
+      </p:sp>
+    </p:spTree>
+    <p:extLst>
+      <p:ext uri="{BB962C8B-B14F-4D97-AF65-F5344CB8AC3E}">
+        <p14:creationId xmlns:p14="http://schemas.microsoft.com/office/powerpoint/2010/main" val="1842562767"/>
+      </p:ext>
+    </p:extLst>
+  </p:cSld>
+  <p:clrMapOvr>
+    <a:masterClrMapping/>
+  </p:clrMapOvr>
+</p:sld>
+</file>
+
+<file path=ppt/slides/slide5.xml><?xml version="1.0" encoding="utf-8"?>
+<p:sld xmlns:a="http://schemas.openxmlformats.org/drawingml/2006/main" xmlns:r="http://schemas.openxmlformats.org/officeDocument/2006/relationships" xmlns:p="http://schemas.openxmlformats.org/presentationml/2006/main">
+  <p:cSld>
+    <p:spTree>
+      <p:nvGrpSpPr>
+        <p:cNvPr id="1" name=""/>
+        <p:cNvGrpSpPr/>
+        <p:nvPr/>
+      </p:nvGrpSpPr>
+      <p:grpSpPr>
+        <a:xfrm>
+          <a:off x="0" y="0"/>
+          <a:ext cx="0" cy="0"/>
+          <a:chOff x="0" y="0"/>
+          <a:chExt cx="0" cy="0"/>
+        </a:xfrm>
+      </p:grpSpPr>
+      <p:sp>
+        <p:nvSpPr>
+          <p:cNvPr id="2" name="Titolo 1">
+            <a:extLst>
+              <a:ext uri="{FF2B5EF4-FFF2-40B4-BE49-F238E27FC236}">
+                <a16:creationId xmlns:a16="http://schemas.microsoft.com/office/drawing/2014/main" id="{D3AD7C40-B9EB-4A5E-B54F-03A2F2BF4FAB}"/>
+              </a:ext>
+            </a:extLst>
+          </p:cNvPr>
+          <p:cNvSpPr>
+            <a:spLocks noGrp="1"/>
+          </p:cNvSpPr>
+          <p:nvPr>
+            <p:ph type="title"/>
+          </p:nvPr>
+        </p:nvSpPr>
+        <p:spPr/>
+        <p:txBody>
+          <a:bodyPr/>
+          <a:lstStyle/>
+          <a:p>
+            <a:pPr algn="ctr"/>
+            <a:r>
+              <a:rPr lang="it-IT"/>
+              <a:t>Line Fill Buffer</a:t>
+            </a:r>
+          </a:p>
+        </p:txBody>
+      </p:sp>
+      <p:pic>
+        <p:nvPicPr>
+          <p:cNvPr id="3" name="Immagine 3">
+            <a:extLst>
+              <a:ext uri="{FF2B5EF4-FFF2-40B4-BE49-F238E27FC236}">
+                <a16:creationId xmlns:a16="http://schemas.microsoft.com/office/drawing/2014/main" id="{BBA0E518-4CE3-413B-914D-7A4970870008}"/>
+              </a:ext>
+            </a:extLst>
+          </p:cNvPr>
+          <p:cNvPicPr>
+            <a:picLocks noChangeAspect="1"/>
+          </p:cNvPicPr>
+          <p:nvPr/>
+        </p:nvPicPr>
+        <p:blipFill>
+          <a:blip r:embed="rId2"/>
+          <a:stretch>
+            <a:fillRect/>
+          </a:stretch>
+        </p:blipFill>
+        <p:spPr>
+          <a:xfrm>
+            <a:off x="502735" y="1113875"/>
+            <a:ext cx="4717192" cy="3537168"/>
+          </a:xfrm>
+          <a:prstGeom prst="rect">
+            <a:avLst/>
+          </a:prstGeom>
+        </p:spPr>
+      </p:pic>
+      <p:sp>
+        <p:nvSpPr>
+          <p:cNvPr id="5" name="CasellaDiTesto 4">
+            <a:extLst>
+              <a:ext uri="{FF2B5EF4-FFF2-40B4-BE49-F238E27FC236}">
+                <a16:creationId xmlns:a16="http://schemas.microsoft.com/office/drawing/2014/main" id="{8395F940-2127-4701-BE6F-0CBA0C9DBDA7}"/>
+              </a:ext>
+            </a:extLst>
+          </p:cNvPr>
+          <p:cNvSpPr txBox="1"/>
+          <p:nvPr/>
+        </p:nvSpPr>
+        <p:spPr>
+          <a:xfrm>
+            <a:off x="354574" y="5132438"/>
+            <a:ext cx="9500026" cy="230832"/>
+          </a:xfrm>
+          <a:prstGeom prst="rect">
+            <a:avLst/>
+          </a:prstGeom>
+          <a:noFill/>
+        </p:spPr>
+        <p:txBody>
+          <a:bodyPr rot="0" spcFirstLastPara="0" vertOverflow="overflow" horzOverflow="overflow" vert="horz" wrap="square" lIns="91440" tIns="45720" rIns="91440" bIns="45720" numCol="1" spcCol="0" rtlCol="0" fromWordArt="0" anchor="t" anchorCtr="0" forceAA="0" compatLnSpc="1">
+            <a:prstTxWarp prst="textNoShape">
+              <a:avLst/>
+            </a:prstTxWarp>
+            <a:spAutoFit/>
+          </a:bodyPr>
+          <a:lstStyle/>
+          <a:p>
+            <a:r>
+              <a:rPr lang="it-IT" sz="900">
+                <a:ea typeface="+mn-lt"/>
+                <a:cs typeface="+mn-lt"/>
+              </a:rPr>
+              <a:t>S. van Schaik </a:t>
+            </a:r>
+            <a:r>
+              <a:rPr lang="it-IT" sz="900" i="1">
+                <a:ea typeface="+mn-lt"/>
+                <a:cs typeface="+mn-lt"/>
+              </a:rPr>
+              <a:t>et al</a:t>
+            </a:r>
+            <a:r>
+              <a:rPr lang="it-IT" sz="900">
+                <a:ea typeface="+mn-lt"/>
+                <a:cs typeface="+mn-lt"/>
+              </a:rPr>
+              <a:t>., "RIDL: Rogue In-Flight Data Load," </a:t>
+            </a:r>
+            <a:r>
+              <a:rPr lang="it-IT" sz="900" i="1">
+                <a:ea typeface="+mn-lt"/>
+                <a:cs typeface="+mn-lt"/>
+              </a:rPr>
+              <a:t>2019 IEEE Symposium on Security and Privacy (SP)</a:t>
+            </a:r>
+            <a:r>
+              <a:rPr lang="it-IT" sz="900">
+                <a:ea typeface="+mn-lt"/>
+                <a:cs typeface="+mn-lt"/>
+              </a:rPr>
+              <a:t>, San Francisco, CA, USA, 2019, pp. 88-105, doi: 10.1109/SP.2019.00087.</a:t>
+            </a:r>
+            <a:endParaRPr lang="it-IT" sz="900"/>
+          </a:p>
+        </p:txBody>
+      </p:sp>
+      <p:sp>
+        <p:nvSpPr>
+          <p:cNvPr id="9" name="CasellaDiTesto 8">
+            <a:extLst>
+              <a:ext uri="{FF2B5EF4-FFF2-40B4-BE49-F238E27FC236}">
+                <a16:creationId xmlns:a16="http://schemas.microsoft.com/office/drawing/2014/main" id="{77C4A93F-915A-43F1-ABF9-9286569D0B66}"/>
+              </a:ext>
+            </a:extLst>
+          </p:cNvPr>
+          <p:cNvSpPr txBox="1"/>
+          <p:nvPr/>
+        </p:nvSpPr>
+        <p:spPr>
+          <a:xfrm>
+            <a:off x="5735175" y="1063153"/>
+            <a:ext cx="3624864" cy="1985672"/>
+          </a:xfrm>
+          <a:prstGeom prst="rect">
+            <a:avLst/>
+          </a:prstGeom>
+          <a:noFill/>
+        </p:spPr>
+        <p:txBody>
+          <a:bodyPr rot="0" spcFirstLastPara="0" vertOverflow="overflow" horzOverflow="overflow" vert="horz" wrap="square" lIns="91440" tIns="45720" rIns="91440" bIns="45720" numCol="1" spcCol="0" rtlCol="0" fromWordArt="0" anchor="t" anchorCtr="0" forceAA="0" compatLnSpc="1">
+            <a:prstTxWarp prst="textNoShape">
+              <a:avLst/>
+            </a:prstTxWarp>
+            <a:spAutoFit/>
+          </a:bodyPr>
+          <a:lstStyle/>
+          <a:p>
+            <a:pPr>
+              <a:lnSpc>
+                <a:spcPct val="150000"/>
+              </a:lnSpc>
+            </a:pPr>
+            <a:r>
+              <a:rPr lang="en-US" sz="2000" b="1">
+                <a:ea typeface="+mn-lt"/>
+                <a:cs typeface="+mn-lt"/>
+              </a:rPr>
+              <a:t>µ-optimization:</a:t>
+            </a:r>
+            <a:endParaRPr lang="it-IT" sz="2000" b="1"/>
+          </a:p>
+          <a:p>
+            <a:pPr marL="285750" indent="-285750">
+              <a:lnSpc>
+                <a:spcPct val="150000"/>
+              </a:lnSpc>
+              <a:buFont typeface="Arial"/>
+              <a:buChar char="•"/>
+            </a:pPr>
+            <a:r>
+              <a:rPr lang="en-US" sz="1600">
+                <a:ea typeface="+mn-lt"/>
+                <a:cs typeface="+mn-lt"/>
+              </a:rPr>
+              <a:t>Non-blocking cache</a:t>
+            </a:r>
+            <a:endParaRPr lang="en-US" sz="1600"/>
+          </a:p>
+          <a:p>
+            <a:pPr marL="285750" indent="-285750">
+              <a:lnSpc>
+                <a:spcPct val="150000"/>
+              </a:lnSpc>
+              <a:buFont typeface="Arial"/>
+              <a:buChar char="•"/>
+            </a:pPr>
+            <a:r>
+              <a:rPr lang="it-IT" sz="1600">
+                <a:ea typeface="+mn-lt"/>
+                <a:cs typeface="+mn-lt"/>
+              </a:rPr>
+              <a:t>Load squashing</a:t>
+            </a:r>
+          </a:p>
+          <a:p>
+            <a:pPr marL="285750" indent="-285750">
+              <a:lnSpc>
+                <a:spcPct val="150000"/>
+              </a:lnSpc>
+              <a:buFont typeface="Arial"/>
+              <a:buChar char="•"/>
+            </a:pPr>
+            <a:r>
+              <a:rPr lang="it-IT" sz="1600">
+                <a:ea typeface="+mn-lt"/>
+                <a:cs typeface="+mn-lt"/>
+              </a:rPr>
+              <a:t>Write combining</a:t>
+            </a:r>
+          </a:p>
+          <a:p>
+            <a:pPr marL="285750" indent="-285750">
+              <a:lnSpc>
+                <a:spcPct val="150000"/>
+              </a:lnSpc>
+              <a:buFont typeface="Arial"/>
+              <a:buChar char="•"/>
+            </a:pPr>
+            <a:r>
+              <a:rPr lang="it-IT" sz="1600">
+                <a:ea typeface="+mn-lt"/>
+                <a:cs typeface="+mn-lt"/>
+              </a:rPr>
+              <a:t>Non-temporal requests</a:t>
+            </a:r>
+            <a:endParaRPr lang="it-IT" sz="1600">
+              <a:cs typeface="Arial"/>
+            </a:endParaRPr>
+          </a:p>
+        </p:txBody>
+      </p:sp>
+      <p:sp>
+        <p:nvSpPr>
+          <p:cNvPr id="10" name="CasellaDiTesto 9">
+            <a:extLst>
+              <a:ext uri="{FF2B5EF4-FFF2-40B4-BE49-F238E27FC236}">
+                <a16:creationId xmlns:a16="http://schemas.microsoft.com/office/drawing/2014/main" id="{639AB3F7-F441-43BE-8F24-3EF9E25FB1AC}"/>
+              </a:ext>
+            </a:extLst>
+          </p:cNvPr>
+          <p:cNvSpPr txBox="1"/>
+          <p:nvPr/>
+        </p:nvSpPr>
+        <p:spPr>
+          <a:xfrm>
+            <a:off x="5460335" y="3269297"/>
+            <a:ext cx="4280259" cy="1154675"/>
+          </a:xfrm>
+          <a:prstGeom prst="rect">
+            <a:avLst/>
+          </a:prstGeom>
+          <a:noFill/>
+          <a:ln>
+            <a:solidFill>
+              <a:schemeClr val="tx1"/>
+            </a:solidFill>
+          </a:ln>
+        </p:spPr>
+        <p:txBody>
+          <a:bodyPr rot="0" spcFirstLastPara="0" vertOverflow="overflow" horzOverflow="overflow" vert="horz" wrap="square" lIns="91440" tIns="45720" rIns="91440" bIns="45720" numCol="1" spcCol="0" rtlCol="0" fromWordArt="0" anchor="t" anchorCtr="0" forceAA="0" compatLnSpc="1">
+            <a:prstTxWarp prst="textNoShape">
+              <a:avLst/>
+            </a:prstTxWarp>
+            <a:spAutoFit/>
+          </a:bodyPr>
+          <a:lstStyle/>
+          <a:p>
+            <a:pPr>
+              <a:lnSpc>
+                <a:spcPct val="150000"/>
+              </a:lnSpc>
+            </a:pPr>
+            <a:r>
+              <a:rPr lang="en-US" sz="1600">
+                <a:ea typeface="+mn-lt"/>
+                <a:cs typeface="+mn-lt"/>
+              </a:rPr>
+              <a:t>Reads that are </a:t>
+            </a:r>
+            <a:r>
+              <a:rPr lang="en-US" sz="1600">
+                <a:solidFill>
+                  <a:srgbClr val="FF0000"/>
+                </a:solidFill>
+                <a:ea typeface="+mn-lt"/>
+                <a:cs typeface="+mn-lt"/>
+              </a:rPr>
+              <a:t>not served from L1d</a:t>
+            </a:r>
+            <a:r>
+              <a:rPr lang="en-US" sz="1600">
+                <a:ea typeface="+mn-lt"/>
+                <a:cs typeface="+mn-lt"/>
+              </a:rPr>
+              <a:t> pull data through the LFB, while writes push data through the LFB to either L1d or memory</a:t>
+            </a:r>
+            <a:endParaRPr lang="it-IT" sz="1600"/>
+          </a:p>
+        </p:txBody>
+      </p:sp>
+    </p:spTree>
+    <p:extLst>
+      <p:ext uri="{BB962C8B-B14F-4D97-AF65-F5344CB8AC3E}">
+        <p14:creationId xmlns:p14="http://schemas.microsoft.com/office/powerpoint/2010/main" val="3481261451"/>
+      </p:ext>
+    </p:extLst>
+  </p:cSld>
+  <p:clrMapOvr>
+    <a:masterClrMapping/>
+  </p:clrMapOvr>
+</p:sld>
+</file>
+
+<file path=ppt/slides/slide6.xml><?xml version="1.0" encoding="utf-8"?>
+<p:sld xmlns:a="http://schemas.openxmlformats.org/drawingml/2006/main" xmlns:r="http://schemas.openxmlformats.org/officeDocument/2006/relationships" xmlns:p="http://schemas.openxmlformats.org/presentationml/2006/main">
+  <p:cSld>
+    <p:spTree>
+      <p:nvGrpSpPr>
+        <p:cNvPr id="1" name=""/>
+        <p:cNvGrpSpPr/>
+        <p:nvPr/>
+      </p:nvGrpSpPr>
+      <p:grpSpPr>
+        <a:xfrm>
+          <a:off x="0" y="0"/>
+          <a:ext cx="0" cy="0"/>
+          <a:chOff x="0" y="0"/>
+          <a:chExt cx="0" cy="0"/>
+        </a:xfrm>
+      </p:grpSpPr>
+      <p:sp>
+        <p:nvSpPr>
+          <p:cNvPr id="2" name="Titolo 1">
+            <a:extLst>
+              <a:ext uri="{FF2B5EF4-FFF2-40B4-BE49-F238E27FC236}">
+                <a16:creationId xmlns:a16="http://schemas.microsoft.com/office/drawing/2014/main" id="{2FE69BFD-1857-4D64-B64D-B6D97DCCB2D0}"/>
+              </a:ext>
+            </a:extLst>
+          </p:cNvPr>
+          <p:cNvSpPr>
+            <a:spLocks noGrp="1"/>
+          </p:cNvSpPr>
+          <p:nvPr>
+            <p:ph type="title"/>
+          </p:nvPr>
+        </p:nvSpPr>
+        <p:spPr/>
+        <p:txBody>
+          <a:bodyPr/>
+          <a:lstStyle/>
+          <a:p>
+            <a:pPr algn="ctr"/>
+            <a:r>
+              <a:rPr lang="it-IT">
+                <a:ea typeface="+mj-lt"/>
+                <a:cs typeface="+mj-lt"/>
+              </a:rPr>
+              <a:t>Synchronization</a:t>
+            </a:r>
+            <a:endParaRPr lang="it-IT"/>
+          </a:p>
+        </p:txBody>
+      </p:sp>
+      <p:sp>
+        <p:nvSpPr>
+          <p:cNvPr id="3" name="CasellaDiTesto 2">
+            <a:extLst>
+              <a:ext uri="{FF2B5EF4-FFF2-40B4-BE49-F238E27FC236}">
+                <a16:creationId xmlns:a16="http://schemas.microsoft.com/office/drawing/2014/main" id="{8971C3B6-016B-4017-B074-B8B52B92F748}"/>
+              </a:ext>
+            </a:extLst>
+          </p:cNvPr>
+          <p:cNvSpPr txBox="1"/>
+          <p:nvPr/>
+        </p:nvSpPr>
+        <p:spPr>
+          <a:xfrm>
+            <a:off x="362372" y="1094336"/>
+            <a:ext cx="9320572" cy="646331"/>
+          </a:xfrm>
+          <a:prstGeom prst="rect">
+            <a:avLst/>
+          </a:prstGeom>
+          <a:noFill/>
+        </p:spPr>
+        <p:txBody>
+          <a:bodyPr rot="0" spcFirstLastPara="0" vertOverflow="overflow" horzOverflow="overflow" vert="horz" wrap="square" lIns="91440" tIns="45720" rIns="91440" bIns="45720" numCol="1" spcCol="0" rtlCol="0" fromWordArt="0" anchor="t" anchorCtr="0" forceAA="0" compatLnSpc="1">
+            <a:prstTxWarp prst="textNoShape">
+              <a:avLst/>
+            </a:prstTxWarp>
+            <a:spAutoFit/>
+          </a:bodyPr>
+          <a:lstStyle/>
+          <a:p>
+            <a:r>
+              <a:rPr lang="it-IT">
+                <a:ea typeface="+mn-lt"/>
+                <a:cs typeface="+mn-lt"/>
+              </a:rPr>
+              <a:t>To leak information, the attacker must make sure that the right data is visible in the LFB at the right time, by synchronizing with the victim. This can be done in 3 different ways:</a:t>
+            </a:r>
+            <a:endParaRPr lang="it-IT"/>
+          </a:p>
+        </p:txBody>
+      </p:sp>
+      <p:sp>
+        <p:nvSpPr>
+          <p:cNvPr id="4" name="CasellaDiTesto 3">
+            <a:extLst>
+              <a:ext uri="{FF2B5EF4-FFF2-40B4-BE49-F238E27FC236}">
+                <a16:creationId xmlns:a16="http://schemas.microsoft.com/office/drawing/2014/main" id="{E0564CE1-BFFA-458A-A311-1E121F15627D}"/>
+              </a:ext>
+            </a:extLst>
+          </p:cNvPr>
+          <p:cNvSpPr txBox="1"/>
+          <p:nvPr/>
+        </p:nvSpPr>
+        <p:spPr>
+          <a:xfrm>
+            <a:off x="279105" y="2164883"/>
+            <a:ext cx="3039688" cy="2723823"/>
+          </a:xfrm>
+          <a:prstGeom prst="rect">
+            <a:avLst/>
+          </a:prstGeom>
+          <a:noFill/>
+        </p:spPr>
+        <p:txBody>
+          <a:bodyPr rot="0" spcFirstLastPara="0" vertOverflow="overflow" horzOverflow="overflow" vert="horz" wrap="square" lIns="91440" tIns="45720" rIns="91440" bIns="45720" numCol="1" spcCol="0" rtlCol="0" fromWordArt="0" anchor="t" anchorCtr="0" forceAA="0" compatLnSpc="1">
+            <a:prstTxWarp prst="textNoShape">
+              <a:avLst/>
+            </a:prstTxWarp>
+            <a:spAutoFit/>
+          </a:bodyPr>
+          <a:lstStyle/>
+          <a:p>
+            <a:pPr algn="ctr">
+              <a:lnSpc>
+                <a:spcPct val="150000"/>
+              </a:lnSpc>
+            </a:pPr>
+            <a:r>
+              <a:rPr lang="it-IT" b="1">
+                <a:ea typeface="+mn-lt"/>
+                <a:cs typeface="+mn-lt"/>
+              </a:rPr>
+              <a:t>Serialization</a:t>
+            </a:r>
+            <a:endParaRPr lang="it-IT"/>
+          </a:p>
+          <a:p>
+            <a:r>
+              <a:rPr lang="it-IT" sz="1600" i="1">
+                <a:ea typeface="+mn-lt"/>
+                <a:cs typeface="+mn-lt"/>
+              </a:rPr>
+              <a:t>mfence </a:t>
+            </a:r>
+            <a:r>
+              <a:rPr lang="it-IT" sz="1600">
+                <a:ea typeface="+mn-lt"/>
+                <a:cs typeface="+mn-lt"/>
+              </a:rPr>
+              <a:t>instruction</a:t>
+            </a:r>
+            <a:r>
+              <a:rPr lang="it-IT" sz="1600" i="1" dirty="0">
+                <a:ea typeface="+mn-lt"/>
+                <a:cs typeface="+mn-lt"/>
+              </a:rPr>
+              <a:t> </a:t>
+            </a:r>
+            <a:r>
+              <a:rPr lang="it-IT" sz="1600">
+                <a:ea typeface="+mn-lt"/>
+                <a:cs typeface="+mn-lt"/>
+              </a:rPr>
+              <a:t>guarantees that </a:t>
+            </a:r>
+            <a:r>
+              <a:rPr lang="it-IT" sz="1600" dirty="0">
+                <a:ea typeface="+mn-lt"/>
+                <a:cs typeface="+mn-lt"/>
+              </a:rPr>
+              <a:t>both load and stores </a:t>
+            </a:r>
+            <a:r>
+              <a:rPr lang="it-IT" sz="1600">
+                <a:ea typeface="+mn-lt"/>
+                <a:cs typeface="+mn-lt"/>
+              </a:rPr>
+              <a:t>before it's execution become globally visible (eg in the LFB).</a:t>
+            </a:r>
+            <a:endParaRPr lang="it-IT"/>
+          </a:p>
+          <a:p>
+            <a:r>
+              <a:rPr lang="it-IT" sz="1600">
+                <a:ea typeface="+mn-lt"/>
+                <a:cs typeface="+mn-lt"/>
+              </a:rPr>
+              <a:t>The </a:t>
+            </a:r>
+            <a:r>
+              <a:rPr lang="it-IT" sz="1600" i="1">
+                <a:ea typeface="+mn-lt"/>
+                <a:cs typeface="+mn-lt"/>
+              </a:rPr>
+              <a:t>mfence </a:t>
+            </a:r>
+            <a:r>
+              <a:rPr lang="it-IT" sz="1600">
+                <a:ea typeface="+mn-lt"/>
+                <a:cs typeface="+mn-lt"/>
+              </a:rPr>
+              <a:t>instruction forms a point of synchronization that allows us to observe the last few loads and stores before the buffers are completely drained.</a:t>
+            </a:r>
+            <a:endParaRPr lang="it-IT" sz="1600"/>
+          </a:p>
+        </p:txBody>
+      </p:sp>
+      <p:sp>
+        <p:nvSpPr>
+          <p:cNvPr id="5" name="CasellaDiTesto 4">
+            <a:extLst>
+              <a:ext uri="{FF2B5EF4-FFF2-40B4-BE49-F238E27FC236}">
+                <a16:creationId xmlns:a16="http://schemas.microsoft.com/office/drawing/2014/main" id="{1F6EE1F6-E1CB-43D7-8A9C-04E62A8DC7C9}"/>
+              </a:ext>
+            </a:extLst>
+          </p:cNvPr>
+          <p:cNvSpPr txBox="1"/>
+          <p:nvPr/>
+        </p:nvSpPr>
+        <p:spPr>
+          <a:xfrm>
+            <a:off x="3678853" y="2164883"/>
+            <a:ext cx="2844630" cy="2231380"/>
+          </a:xfrm>
+          <a:prstGeom prst="rect">
+            <a:avLst/>
+          </a:prstGeom>
+          <a:noFill/>
+        </p:spPr>
+        <p:txBody>
+          <a:bodyPr rot="0" spcFirstLastPara="0" vertOverflow="overflow" horzOverflow="overflow" vert="horz" wrap="square" lIns="91440" tIns="45720" rIns="91440" bIns="45720" numCol="1" spcCol="0" rtlCol="0" fromWordArt="0" anchor="t" anchorCtr="0" forceAA="0" compatLnSpc="1">
+            <a:prstTxWarp prst="textNoShape">
+              <a:avLst/>
+            </a:prstTxWarp>
+            <a:spAutoFit/>
+          </a:bodyPr>
+          <a:lstStyle/>
+          <a:p>
+            <a:pPr algn="ctr">
+              <a:lnSpc>
+                <a:spcPct val="150000"/>
+              </a:lnSpc>
+            </a:pPr>
+            <a:r>
+              <a:rPr lang="it-IT" b="1">
+                <a:ea typeface="+mn-lt"/>
+                <a:cs typeface="+mn-lt"/>
+              </a:rPr>
+              <a:t>Contention</a:t>
+            </a:r>
+          </a:p>
+          <a:p>
+            <a:r>
+              <a:rPr lang="it-IT" sz="1600" dirty="0">
+                <a:ea typeface="+mn-lt"/>
+                <a:cs typeface="+mn-lt"/>
+              </a:rPr>
+              <a:t>With victim and attacker running in the same hardware thread (e.g., in a sandbox, without SMT), we can create contention forcing </a:t>
+            </a:r>
+            <a:r>
+              <a:rPr lang="it-IT" sz="1600">
+                <a:ea typeface="+mn-lt"/>
+                <a:cs typeface="+mn-lt"/>
+              </a:rPr>
+              <a:t>entries to be evicted from the LFB</a:t>
+            </a:r>
+            <a:r>
+              <a:rPr lang="it-IT" sz="1600" dirty="0">
+                <a:ea typeface="+mn-lt"/>
+                <a:cs typeface="+mn-lt"/>
+              </a:rPr>
+              <a:t>.</a:t>
+            </a:r>
+            <a:endParaRPr lang="it-IT" sz="1600" dirty="0"/>
+          </a:p>
+        </p:txBody>
+      </p:sp>
+      <p:sp>
+        <p:nvSpPr>
+          <p:cNvPr id="6" name="CasellaDiTesto 5">
+            <a:extLst>
+              <a:ext uri="{FF2B5EF4-FFF2-40B4-BE49-F238E27FC236}">
+                <a16:creationId xmlns:a16="http://schemas.microsoft.com/office/drawing/2014/main" id="{0030B980-37BF-42DE-9B41-EA80FD035577}"/>
+              </a:ext>
+            </a:extLst>
+          </p:cNvPr>
+          <p:cNvSpPr txBox="1"/>
+          <p:nvPr/>
+        </p:nvSpPr>
+        <p:spPr>
+          <a:xfrm>
+            <a:off x="6718995" y="2164883"/>
+            <a:ext cx="2844630" cy="2970044"/>
+          </a:xfrm>
+          <a:prstGeom prst="rect">
+            <a:avLst/>
+          </a:prstGeom>
+          <a:noFill/>
+        </p:spPr>
+        <p:txBody>
+          <a:bodyPr rot="0" spcFirstLastPara="0" vertOverflow="overflow" horzOverflow="overflow" vert="horz" wrap="square" lIns="91440" tIns="45720" rIns="91440" bIns="45720" numCol="1" spcCol="0" rtlCol="0" fromWordArt="0" anchor="t" anchorCtr="0" forceAA="0" compatLnSpc="1">
+            <a:prstTxWarp prst="textNoShape">
+              <a:avLst/>
+            </a:prstTxWarp>
+            <a:spAutoFit/>
+          </a:bodyPr>
+          <a:lstStyle/>
+          <a:p>
+            <a:pPr algn="ctr">
+              <a:lnSpc>
+                <a:spcPct val="150000"/>
+              </a:lnSpc>
+            </a:pPr>
+            <a:r>
+              <a:rPr lang="it-IT" b="1">
+                <a:ea typeface="+mn-lt"/>
+                <a:cs typeface="+mn-lt"/>
+              </a:rPr>
+              <a:t>Eviction</a:t>
+            </a:r>
+            <a:endParaRPr lang="it-IT"/>
+          </a:p>
+          <a:p>
+            <a:r>
+              <a:rPr lang="it-IT" sz="1600" dirty="0">
+                <a:ea typeface="+mn-lt"/>
+                <a:cs typeface="+mn-lt"/>
+              </a:rPr>
+              <a:t>We can control the values that we leak from the victim by evicting cache entries from the cache set in which we are interested. If these </a:t>
+            </a:r>
+            <a:r>
+              <a:rPr lang="it-IT" sz="1600">
+                <a:ea typeface="+mn-lt"/>
+                <a:cs typeface="+mn-lt"/>
+              </a:rPr>
+              <a:t>cache lines were dirty, the </a:t>
+            </a:r>
+            <a:r>
+              <a:rPr lang="it-IT" sz="1600" dirty="0">
+                <a:ea typeface="+mn-lt"/>
+                <a:cs typeface="+mn-lt"/>
+              </a:rPr>
+              <a:t>processor has to write them back through the memory hierarchy and will do this </a:t>
+            </a:r>
+            <a:r>
+              <a:rPr lang="it-IT" sz="1600">
+                <a:ea typeface="+mn-lt"/>
+                <a:cs typeface="+mn-lt"/>
+              </a:rPr>
+              <a:t>through the LFB.</a:t>
+            </a:r>
+            <a:endParaRPr lang="it-IT" sz="1600" dirty="0"/>
+          </a:p>
+        </p:txBody>
+      </p:sp>
+    </p:spTree>
+    <p:extLst>
+      <p:ext uri="{BB962C8B-B14F-4D97-AF65-F5344CB8AC3E}">
+        <p14:creationId xmlns:p14="http://schemas.microsoft.com/office/powerpoint/2010/main" val="1434962918"/>
+      </p:ext>
+    </p:extLst>
+  </p:cSld>
+  <p:clrMapOvr>
+    <a:masterClrMapping/>
+  </p:clrMapOvr>
+</p:sld>
+</file>
+
+<file path=ppt/slides/slide7.xml><?xml version="1.0" encoding="utf-8"?>
+<p:sld xmlns:a="http://schemas.openxmlformats.org/drawingml/2006/main" xmlns:r="http://schemas.openxmlformats.org/officeDocument/2006/relationships" xmlns:p="http://schemas.openxmlformats.org/presentationml/2006/main">
+  <p:cSld>
+    <p:spTree>
+      <p:nvGrpSpPr>
+        <p:cNvPr id="1" name=""/>
+        <p:cNvGrpSpPr/>
+        <p:nvPr/>
+      </p:nvGrpSpPr>
+      <p:grpSpPr>
+        <a:xfrm>
+          <a:off x="0" y="0"/>
+          <a:ext cx="0" cy="0"/>
+          <a:chOff x="0" y="0"/>
+          <a:chExt cx="0" cy="0"/>
+        </a:xfrm>
+      </p:grpSpPr>
+      <p:sp>
+        <p:nvSpPr>
+          <p:cNvPr id="2" name="Titolo 1">
+            <a:extLst>
+              <a:ext uri="{FF2B5EF4-FFF2-40B4-BE49-F238E27FC236}">
+                <a16:creationId xmlns:a16="http://schemas.microsoft.com/office/drawing/2014/main" id="{922B153C-E8E4-4AAA-B491-1EAF044B109D}"/>
+              </a:ext>
+            </a:extLst>
+          </p:cNvPr>
+          <p:cNvSpPr>
+            <a:spLocks noGrp="1"/>
+          </p:cNvSpPr>
+          <p:nvPr>
+            <p:ph type="title"/>
+          </p:nvPr>
+        </p:nvSpPr>
+        <p:spPr/>
+        <p:txBody>
+          <a:bodyPr/>
+          <a:lstStyle/>
+          <a:p>
+            <a:pPr algn="ctr"/>
+            <a:r>
+              <a:rPr lang="it-IT"/>
+              <a:t>CrossTalk</a:t>
+            </a:r>
+          </a:p>
+        </p:txBody>
+      </p:sp>
+      <p:pic>
+        <p:nvPicPr>
+          <p:cNvPr id="4" name="Immagine 4">
+            <a:extLst>
+              <a:ext uri="{FF2B5EF4-FFF2-40B4-BE49-F238E27FC236}">
+                <a16:creationId xmlns:a16="http://schemas.microsoft.com/office/drawing/2014/main" id="{060F1EDC-4C68-4A95-B386-9E95F1CEA07D}"/>
+              </a:ext>
+            </a:extLst>
+          </p:cNvPr>
+          <p:cNvPicPr>
+            <a:picLocks noChangeAspect="1"/>
+          </p:cNvPicPr>
+          <p:nvPr/>
+        </p:nvPicPr>
+        <p:blipFill>
+          <a:blip r:embed="rId2"/>
+          <a:stretch>
+            <a:fillRect/>
+          </a:stretch>
+        </p:blipFill>
+        <p:spPr>
+          <a:xfrm>
+            <a:off x="338524" y="1093195"/>
+            <a:ext cx="4858481" cy="3902895"/>
+          </a:xfrm>
+          <a:prstGeom prst="rect">
+            <a:avLst/>
+          </a:prstGeom>
+        </p:spPr>
+      </p:pic>
+      <p:sp>
+        <p:nvSpPr>
+          <p:cNvPr id="6" name="CasellaDiTesto 5">
+            <a:extLst>
+              <a:ext uri="{FF2B5EF4-FFF2-40B4-BE49-F238E27FC236}">
+                <a16:creationId xmlns:a16="http://schemas.microsoft.com/office/drawing/2014/main" id="{9B86425B-1231-4F37-94FB-6CCCE7AAA2C5}"/>
+              </a:ext>
+            </a:extLst>
+          </p:cNvPr>
+          <p:cNvSpPr txBox="1"/>
+          <p:nvPr/>
+        </p:nvSpPr>
+        <p:spPr>
+          <a:xfrm>
+            <a:off x="471544" y="5116847"/>
+            <a:ext cx="9500026" cy="230832"/>
+          </a:xfrm>
+          <a:prstGeom prst="rect">
+            <a:avLst/>
+          </a:prstGeom>
+          <a:noFill/>
+        </p:spPr>
+        <p:txBody>
+          <a:bodyPr rot="0" spcFirstLastPara="0" vertOverflow="overflow" horzOverflow="overflow" vert="horz" wrap="square" lIns="91440" tIns="45720" rIns="91440" bIns="45720" numCol="1" spcCol="0" rtlCol="0" fromWordArt="0" anchor="t" anchorCtr="0" forceAA="0" compatLnSpc="1">
+            <a:prstTxWarp prst="textNoShape">
+              <a:avLst/>
+            </a:prstTxWarp>
+            <a:spAutoFit/>
+          </a:bodyPr>
+          <a:lstStyle/>
+          <a:p>
+            <a:r>
+              <a:rPr lang="it-IT" sz="900" b="1" dirty="0">
+                <a:ea typeface="+mn-lt"/>
+                <a:cs typeface="+mn-lt"/>
+                <a:hlinkClick r:id="rId3"/>
+              </a:rPr>
+              <a:t>CrossTalk: Speculative Data Leaks Across Cores Are Real. </a:t>
+            </a:r>
+            <a:r>
+              <a:rPr lang="it-IT" sz="900">
+                <a:ea typeface="+mn-lt"/>
+                <a:cs typeface="+mn-lt"/>
+              </a:rPr>
+              <a:t>Ragab, H.; Milburn, A.; </a:t>
+            </a:r>
+            <a:r>
+              <a:rPr lang="it-IT" sz="900" dirty="0">
+                <a:ea typeface="+mn-lt"/>
+                <a:cs typeface="+mn-lt"/>
+                <a:hlinkClick r:id="rId4"/>
+              </a:rPr>
+              <a:t>Razavi, K.</a:t>
+            </a:r>
+            <a:r>
+              <a:rPr lang="it-IT" sz="900">
+                <a:ea typeface="+mn-lt"/>
+                <a:cs typeface="+mn-lt"/>
+              </a:rPr>
+              <a:t>; </a:t>
+            </a:r>
+            <a:r>
+              <a:rPr lang="it-IT" sz="900" dirty="0">
+                <a:ea typeface="+mn-lt"/>
+                <a:cs typeface="+mn-lt"/>
+                <a:hlinkClick r:id="rId5"/>
+              </a:rPr>
+              <a:t>Bos, H.</a:t>
+            </a:r>
+            <a:r>
+              <a:rPr lang="it-IT" sz="900">
+                <a:ea typeface="+mn-lt"/>
+                <a:cs typeface="+mn-lt"/>
+              </a:rPr>
+              <a:t>; and </a:t>
+            </a:r>
+            <a:r>
+              <a:rPr lang="it-IT" sz="900" dirty="0">
+                <a:ea typeface="+mn-lt"/>
+                <a:cs typeface="+mn-lt"/>
+                <a:hlinkClick r:id="rId6"/>
+              </a:rPr>
+              <a:t>Giuffrida, C.</a:t>
+            </a:r>
+            <a:r>
+              <a:rPr lang="it-IT" sz="900">
+                <a:ea typeface="+mn-lt"/>
+                <a:cs typeface="+mn-lt"/>
+              </a:rPr>
+              <a:t> In </a:t>
+            </a:r>
+            <a:r>
+              <a:rPr lang="it-IT" sz="900" i="1">
+                <a:ea typeface="+mn-lt"/>
+                <a:cs typeface="+mn-lt"/>
+              </a:rPr>
+              <a:t>S&amp;P</a:t>
+            </a:r>
+            <a:r>
+              <a:rPr lang="it-IT" sz="900">
+                <a:ea typeface="+mn-lt"/>
+                <a:cs typeface="+mn-lt"/>
+              </a:rPr>
+              <a:t>, May 2021. </a:t>
+            </a:r>
+            <a:r>
+              <a:rPr lang="it-IT" sz="900" i="1">
+                <a:ea typeface="+mn-lt"/>
+                <a:cs typeface="+mn-lt"/>
+              </a:rPr>
+              <a:t>Intel Bounty Reward</a:t>
+            </a:r>
+            <a:endParaRPr lang="it-IT"/>
+          </a:p>
+        </p:txBody>
+      </p:sp>
+      <p:sp>
+        <p:nvSpPr>
+          <p:cNvPr id="7" name="CasellaDiTesto 6">
+            <a:extLst>
+              <a:ext uri="{FF2B5EF4-FFF2-40B4-BE49-F238E27FC236}">
+                <a16:creationId xmlns:a16="http://schemas.microsoft.com/office/drawing/2014/main" id="{B231F0D1-9F1C-4EB6-B5DB-231E64B50409}"/>
+              </a:ext>
+            </a:extLst>
+          </p:cNvPr>
+          <p:cNvSpPr txBox="1"/>
+          <p:nvPr/>
+        </p:nvSpPr>
+        <p:spPr>
+          <a:xfrm>
+            <a:off x="5485640" y="1203474"/>
+            <a:ext cx="3827725" cy="1200329"/>
+          </a:xfrm>
+          <a:prstGeom prst="rect">
+            <a:avLst/>
+          </a:prstGeom>
+          <a:noFill/>
+        </p:spPr>
+        <p:txBody>
+          <a:bodyPr rot="0" spcFirstLastPara="0" vertOverflow="overflow" horzOverflow="overflow" vert="horz" wrap="square" lIns="91440" tIns="45720" rIns="91440" bIns="45720" numCol="1" spcCol="0" rtlCol="0" fromWordArt="0" anchor="t" anchorCtr="0" forceAA="0" compatLnSpc="1">
+            <a:prstTxWarp prst="textNoShape">
+              <a:avLst/>
+            </a:prstTxWarp>
+            <a:spAutoFit/>
+          </a:bodyPr>
+          <a:lstStyle/>
+          <a:p>
+            <a:r>
+              <a:rPr lang="it-IT" dirty="0"/>
+              <a:t>Exploiting RIDL capabilities of reading </a:t>
+            </a:r>
+            <a:r>
+              <a:rPr lang="en-US" dirty="0">
+                <a:cs typeface="Arial"/>
+              </a:rPr>
+              <a:t>µ-</a:t>
+            </a:r>
+            <a:r>
+              <a:rPr lang="it-IT" dirty="0">
+                <a:cs typeface="Arial"/>
+              </a:rPr>
+              <a:t>architectural buffers It's possible to leak the deep </a:t>
+            </a:r>
+            <a:r>
+              <a:rPr lang="it-IT">
+                <a:cs typeface="Arial"/>
+              </a:rPr>
+              <a:t>impementation of instructions</a:t>
+            </a:r>
+          </a:p>
+        </p:txBody>
+      </p:sp>
+      <p:sp>
+        <p:nvSpPr>
+          <p:cNvPr id="8" name="CasellaDiTesto 7">
+            <a:extLst>
+              <a:ext uri="{FF2B5EF4-FFF2-40B4-BE49-F238E27FC236}">
+                <a16:creationId xmlns:a16="http://schemas.microsoft.com/office/drawing/2014/main" id="{43DB191F-AA8A-4722-8396-3CF7625044AB}"/>
+              </a:ext>
+            </a:extLst>
+          </p:cNvPr>
+          <p:cNvSpPr txBox="1"/>
+          <p:nvPr/>
+        </p:nvSpPr>
+        <p:spPr>
+          <a:xfrm>
+            <a:off x="5618206" y="2559903"/>
+            <a:ext cx="3827725" cy="646331"/>
+          </a:xfrm>
+          <a:prstGeom prst="rect">
+            <a:avLst/>
+          </a:prstGeom>
+          <a:noFill/>
+        </p:spPr>
+        <p:txBody>
+          <a:bodyPr rot="0" spcFirstLastPara="0" vertOverflow="overflow" horzOverflow="overflow" vert="horz" wrap="square" lIns="91440" tIns="45720" rIns="91440" bIns="45720" numCol="1" spcCol="0" rtlCol="0" fromWordArt="0" anchor="t" anchorCtr="0" forceAA="0" compatLnSpc="1">
+            <a:prstTxWarp prst="textNoShape">
+              <a:avLst/>
+            </a:prstTxWarp>
+            <a:spAutoFit/>
+          </a:bodyPr>
+          <a:lstStyle/>
+          <a:p>
+            <a:r>
+              <a:rPr lang="it-IT">
+                <a:solidFill>
+                  <a:srgbClr val="0070C0"/>
+                </a:solidFill>
+                <a:latin typeface="Courier New"/>
+              </a:rPr>
+              <a:t>CPUID RDRANDR RDSEED CLFLUSH RDMSR</a:t>
+            </a:r>
+          </a:p>
+        </p:txBody>
+      </p:sp>
+      <p:sp>
+        <p:nvSpPr>
+          <p:cNvPr id="9" name="CasellaDiTesto 8">
+            <a:extLst>
+              <a:ext uri="{FF2B5EF4-FFF2-40B4-BE49-F238E27FC236}">
+                <a16:creationId xmlns:a16="http://schemas.microsoft.com/office/drawing/2014/main" id="{1EF783C6-928A-48ED-8293-F2DA8A982D8E}"/>
+              </a:ext>
+            </a:extLst>
+          </p:cNvPr>
+          <p:cNvSpPr txBox="1"/>
+          <p:nvPr/>
+        </p:nvSpPr>
+        <p:spPr>
+          <a:xfrm>
+            <a:off x="5488151" y="3396582"/>
+            <a:ext cx="3726295" cy="1200329"/>
+          </a:xfrm>
+          <a:prstGeom prst="rect">
+            <a:avLst/>
+          </a:prstGeom>
+          <a:noFill/>
+        </p:spPr>
+        <p:txBody>
+          <a:bodyPr rot="0" spcFirstLastPara="0" vertOverflow="overflow" horzOverflow="overflow" vert="horz" wrap="square" lIns="91440" tIns="45720" rIns="91440" bIns="45720" numCol="1" spcCol="0" rtlCol="0" fromWordArt="0" anchor="t" anchorCtr="0" forceAA="0" compatLnSpc="1">
+            <a:prstTxWarp prst="textNoShape">
+              <a:avLst/>
+            </a:prstTxWarp>
+            <a:spAutoFit/>
+          </a:bodyPr>
+          <a:lstStyle/>
+          <a:p>
+            <a:r>
+              <a:rPr lang="it-IT"/>
+              <a:t>We are intrested in:</a:t>
+            </a:r>
+            <a:endParaRPr lang="it-IT" dirty="0"/>
+          </a:p>
+          <a:p>
+            <a:pPr marL="285750" indent="-285750">
+              <a:buFont typeface="Arial"/>
+              <a:buChar char="•"/>
+            </a:pPr>
+            <a:r>
+              <a:rPr lang="it-IT"/>
+              <a:t>OFFCORE_REQUESTS</a:t>
+            </a:r>
+          </a:p>
+          <a:p>
+            <a:pPr marL="285750" indent="-285750">
+              <a:buFont typeface="Arial"/>
+              <a:buChar char="•"/>
+            </a:pPr>
+            <a:r>
+              <a:rPr lang="it-IT"/>
+              <a:t>OFFCORE_RESPONSE</a:t>
+            </a:r>
+          </a:p>
+          <a:p>
+            <a:pPr marL="285750" indent="-285750">
+              <a:buFont typeface="Arial"/>
+              <a:buChar char="•"/>
+            </a:pPr>
+            <a:r>
+              <a:rPr lang="it-IT"/>
+              <a:t>buffers flush</a:t>
+            </a:r>
+          </a:p>
+        </p:txBody>
+      </p:sp>
+    </p:spTree>
+    <p:extLst>
+      <p:ext uri="{BB962C8B-B14F-4D97-AF65-F5344CB8AC3E}">
+        <p14:creationId xmlns:p14="http://schemas.microsoft.com/office/powerpoint/2010/main" val="1022340156"/>
+      </p:ext>
+    </p:extLst>
+  </p:cSld>
+  <p:clrMapOvr>
+    <a:masterClrMapping/>
+  </p:clrMapOvr>
+</p:sld>
+</file>
+
+<file path=ppt/slides/slide8.xml><?xml version="1.0" encoding="utf-8"?>
+<p:sld xmlns:a="http://schemas.openxmlformats.org/drawingml/2006/main" xmlns:r="http://schemas.openxmlformats.org/officeDocument/2006/relationships" xmlns:p="http://schemas.openxmlformats.org/presentationml/2006/main">
+  <p:cSld>
+    <p:spTree>
+      <p:nvGrpSpPr>
+        <p:cNvPr id="1" name=""/>
+        <p:cNvGrpSpPr/>
+        <p:nvPr/>
+      </p:nvGrpSpPr>
+      <p:grpSpPr>
+        <a:xfrm>
+          <a:off x="0" y="0"/>
+          <a:ext cx="0" cy="0"/>
+          <a:chOff x="0" y="0"/>
+          <a:chExt cx="0" cy="0"/>
+        </a:xfrm>
+      </p:grpSpPr>
+      <p:sp>
+        <p:nvSpPr>
+          <p:cNvPr id="2" name="Titolo 1">
+            <a:extLst>
+              <a:ext uri="{FF2B5EF4-FFF2-40B4-BE49-F238E27FC236}">
+                <a16:creationId xmlns:a16="http://schemas.microsoft.com/office/drawing/2014/main" id="{94268F50-F0C5-441A-8CAE-428176067F16}"/>
+              </a:ext>
+            </a:extLst>
+          </p:cNvPr>
+          <p:cNvSpPr>
+            <a:spLocks noGrp="1"/>
+          </p:cNvSpPr>
+          <p:nvPr>
+            <p:ph type="title"/>
+          </p:nvPr>
+        </p:nvSpPr>
+        <p:spPr/>
+        <p:txBody>
+          <a:bodyPr/>
+          <a:lstStyle/>
+          <a:p>
+            <a:pPr algn="ctr"/>
+            <a:r>
+              <a:rPr lang="it-IT"/>
+              <a:t>CrossTalk: The shared buffer</a:t>
+            </a:r>
+          </a:p>
+        </p:txBody>
+      </p:sp>
+      <p:pic>
+        <p:nvPicPr>
+          <p:cNvPr id="3" name="Immagine 3" descr="Immagine che contiene testo, segnale, screenshot&#10;&#10;Descrizione generata automaticamente">
+            <a:extLst>
+              <a:ext uri="{FF2B5EF4-FFF2-40B4-BE49-F238E27FC236}">
+                <a16:creationId xmlns:a16="http://schemas.microsoft.com/office/drawing/2014/main" id="{5B50A368-3CBA-45A1-A7FB-8BB3ED79C6BF}"/>
+              </a:ext>
+            </a:extLst>
+          </p:cNvPr>
+          <p:cNvPicPr>
+            <a:picLocks noChangeAspect="1"/>
+          </p:cNvPicPr>
+          <p:nvPr/>
+        </p:nvPicPr>
+        <p:blipFill>
+          <a:blip r:embed="rId2"/>
+          <a:stretch>
+            <a:fillRect/>
+          </a:stretch>
+        </p:blipFill>
+        <p:spPr>
+          <a:xfrm>
+            <a:off x="915574" y="1857861"/>
+            <a:ext cx="4249899" cy="2466647"/>
+          </a:xfrm>
+          <a:prstGeom prst="rect">
+            <a:avLst/>
+          </a:prstGeom>
+        </p:spPr>
+      </p:pic>
+      <p:sp>
+        <p:nvSpPr>
+          <p:cNvPr id="5" name="CasellaDiTesto 4">
+            <a:extLst>
+              <a:ext uri="{FF2B5EF4-FFF2-40B4-BE49-F238E27FC236}">
+                <a16:creationId xmlns:a16="http://schemas.microsoft.com/office/drawing/2014/main" id="{4C27AA58-531E-4085-948E-A2F026AE4E15}"/>
+              </a:ext>
+            </a:extLst>
+          </p:cNvPr>
+          <p:cNvSpPr txBox="1"/>
+          <p:nvPr/>
+        </p:nvSpPr>
+        <p:spPr>
+          <a:xfrm>
+            <a:off x="502736" y="5023300"/>
+            <a:ext cx="9500026" cy="230832"/>
+          </a:xfrm>
+          <a:prstGeom prst="rect">
+            <a:avLst/>
+          </a:prstGeom>
+          <a:noFill/>
+        </p:spPr>
+        <p:txBody>
+          <a:bodyPr rot="0" spcFirstLastPara="0" vertOverflow="overflow" horzOverflow="overflow" vert="horz" wrap="square" lIns="91440" tIns="45720" rIns="91440" bIns="45720" numCol="1" spcCol="0" rtlCol="0" fromWordArt="0" anchor="t" anchorCtr="0" forceAA="0" compatLnSpc="1">
+            <a:prstTxWarp prst="textNoShape">
+              <a:avLst/>
+            </a:prstTxWarp>
+            <a:spAutoFit/>
+          </a:bodyPr>
+          <a:lstStyle/>
+          <a:p>
+            <a:r>
+              <a:rPr lang="it-IT" sz="900" b="1" dirty="0">
+                <a:ea typeface="+mn-lt"/>
+                <a:cs typeface="+mn-lt"/>
+                <a:hlinkClick r:id="rId3"/>
+              </a:rPr>
+              <a:t>CrossTalk: Speculative Data Leaks Across Cores Are Real. </a:t>
+            </a:r>
+            <a:r>
+              <a:rPr lang="it-IT" sz="900">
+                <a:ea typeface="+mn-lt"/>
+                <a:cs typeface="+mn-lt"/>
+              </a:rPr>
+              <a:t>Ragab, H.; Milburn, A.; </a:t>
+            </a:r>
+            <a:r>
+              <a:rPr lang="it-IT" sz="900" dirty="0">
+                <a:ea typeface="+mn-lt"/>
+                <a:cs typeface="+mn-lt"/>
+                <a:hlinkClick r:id="rId4"/>
+              </a:rPr>
+              <a:t>Razavi, K.</a:t>
+            </a:r>
+            <a:r>
+              <a:rPr lang="it-IT" sz="900">
+                <a:ea typeface="+mn-lt"/>
+                <a:cs typeface="+mn-lt"/>
+              </a:rPr>
+              <a:t>; </a:t>
+            </a:r>
+            <a:r>
+              <a:rPr lang="it-IT" sz="900" dirty="0">
+                <a:ea typeface="+mn-lt"/>
+                <a:cs typeface="+mn-lt"/>
+                <a:hlinkClick r:id="rId5"/>
+              </a:rPr>
+              <a:t>Bos, H.</a:t>
+            </a:r>
+            <a:r>
+              <a:rPr lang="it-IT" sz="900">
+                <a:ea typeface="+mn-lt"/>
+                <a:cs typeface="+mn-lt"/>
+              </a:rPr>
+              <a:t>; and </a:t>
+            </a:r>
+            <a:r>
+              <a:rPr lang="it-IT" sz="900" dirty="0">
+                <a:ea typeface="+mn-lt"/>
+                <a:cs typeface="+mn-lt"/>
+                <a:hlinkClick r:id="rId6"/>
+              </a:rPr>
+              <a:t>Giuffrida, C.</a:t>
+            </a:r>
+            <a:r>
+              <a:rPr lang="it-IT" sz="900">
+                <a:ea typeface="+mn-lt"/>
+                <a:cs typeface="+mn-lt"/>
+              </a:rPr>
+              <a:t> In </a:t>
+            </a:r>
+            <a:r>
+              <a:rPr lang="it-IT" sz="900" i="1">
+                <a:ea typeface="+mn-lt"/>
+                <a:cs typeface="+mn-lt"/>
+              </a:rPr>
+              <a:t>S&amp;P</a:t>
+            </a:r>
+            <a:r>
+              <a:rPr lang="it-IT" sz="900">
+                <a:ea typeface="+mn-lt"/>
+                <a:cs typeface="+mn-lt"/>
+              </a:rPr>
+              <a:t>, May 2021. </a:t>
+            </a:r>
+            <a:r>
+              <a:rPr lang="it-IT" sz="900" i="1">
+                <a:ea typeface="+mn-lt"/>
+                <a:cs typeface="+mn-lt"/>
+              </a:rPr>
+              <a:t>Intel Bounty Reward</a:t>
+            </a:r>
+            <a:endParaRPr lang="it-IT"/>
+          </a:p>
+        </p:txBody>
+      </p:sp>
+      <p:sp>
+        <p:nvSpPr>
+          <p:cNvPr id="6" name="CasellaDiTesto 5">
+            <a:extLst>
+              <a:ext uri="{FF2B5EF4-FFF2-40B4-BE49-F238E27FC236}">
+                <a16:creationId xmlns:a16="http://schemas.microsoft.com/office/drawing/2014/main" id="{6FE9F8CB-B62D-4EBE-9881-CBAE7D721326}"/>
+              </a:ext>
+            </a:extLst>
+          </p:cNvPr>
+          <p:cNvSpPr txBox="1"/>
+          <p:nvPr/>
+        </p:nvSpPr>
+        <p:spPr>
+          <a:xfrm>
+            <a:off x="502735" y="1195677"/>
+            <a:ext cx="4974668" cy="369332"/>
+          </a:xfrm>
+          <a:prstGeom prst="rect">
+            <a:avLst/>
+          </a:prstGeom>
+          <a:noFill/>
+        </p:spPr>
+        <p:txBody>
+          <a:bodyPr rot="0" spcFirstLastPara="0" vertOverflow="overflow" horzOverflow="overflow" vert="horz" wrap="square" lIns="91440" tIns="45720" rIns="91440" bIns="45720" numCol="1" spcCol="0" rtlCol="0" fromWordArt="0" anchor="t" anchorCtr="0" forceAA="0" compatLnSpc="1">
+            <a:prstTxWarp prst="textNoShape">
+              <a:avLst/>
+            </a:prstTxWarp>
+            <a:spAutoFit/>
+          </a:bodyPr>
+          <a:lstStyle/>
+          <a:p>
+            <a:r>
+              <a:rPr lang="it-IT"/>
+              <a:t>The </a:t>
+            </a:r>
+            <a:r>
+              <a:rPr lang="it-IT" b="1"/>
+              <a:t>Staging Buffer</a:t>
+            </a:r>
+            <a:r>
+              <a:rPr lang="it-IT"/>
+              <a:t> is </a:t>
+            </a:r>
+            <a:r>
+              <a:rPr lang="it-IT" b="1"/>
+              <a:t>Shared </a:t>
+            </a:r>
+            <a:r>
+              <a:rPr lang="it-IT"/>
+              <a:t>among all cores</a:t>
+            </a:r>
+            <a:endParaRPr lang="it-IT" dirty="0"/>
+          </a:p>
+        </p:txBody>
+      </p:sp>
+      <p:sp>
+        <p:nvSpPr>
+          <p:cNvPr id="7" name="CasellaDiTesto 6">
+            <a:extLst>
+              <a:ext uri="{FF2B5EF4-FFF2-40B4-BE49-F238E27FC236}">
+                <a16:creationId xmlns:a16="http://schemas.microsoft.com/office/drawing/2014/main" id="{1C4E6465-3C45-41F4-BE07-B11203BAD4A3}"/>
+              </a:ext>
+            </a:extLst>
+          </p:cNvPr>
+          <p:cNvSpPr txBox="1"/>
+          <p:nvPr/>
+        </p:nvSpPr>
+        <p:spPr>
+          <a:xfrm>
+            <a:off x="5698400" y="1307370"/>
+            <a:ext cx="4124213" cy="2949525"/>
+          </a:xfrm>
+          <a:prstGeom prst="rect">
+            <a:avLst/>
+          </a:prstGeom>
+          <a:noFill/>
+          <a:ln>
+            <a:solidFill>
+              <a:schemeClr val="tx1"/>
+            </a:solidFill>
+          </a:ln>
+        </p:spPr>
+        <p:txBody>
+          <a:bodyPr rot="0" spcFirstLastPara="0" vertOverflow="overflow" horzOverflow="overflow" vert="horz" wrap="square" lIns="91440" tIns="45720" rIns="91440" bIns="45720" numCol="1" spcCol="0" rtlCol="0" fromWordArt="0" anchor="t" anchorCtr="0" forceAA="0" compatLnSpc="1">
+            <a:prstTxWarp prst="textNoShape">
+              <a:avLst/>
+            </a:prstTxWarp>
+            <a:spAutoFit/>
+          </a:bodyPr>
+          <a:lstStyle/>
+          <a:p>
+            <a:pPr>
+              <a:lnSpc>
+                <a:spcPct val="150000"/>
+              </a:lnSpc>
+            </a:pPr>
+            <a:r>
+              <a:rPr lang="it-IT"/>
+              <a:t>The Staging Buffer is </a:t>
+            </a:r>
+            <a:r>
+              <a:rPr lang="it-IT" dirty="0"/>
+              <a:t>used to store pending request to unique (shared) resources like the </a:t>
+            </a:r>
+            <a:r>
+              <a:rPr lang="it-IT" u="sng" dirty="0"/>
+              <a:t>Random Number Generator</a:t>
+            </a:r>
+            <a:r>
+              <a:rPr lang="it-IT" dirty="0"/>
+              <a:t>; for optimization purpose </a:t>
+            </a:r>
+            <a:r>
+              <a:rPr lang="it-IT"/>
+              <a:t>this buffer is able to aggregate</a:t>
+            </a:r>
+          </a:p>
+          <a:p>
+            <a:pPr>
+              <a:lnSpc>
+                <a:spcPct val="150000"/>
+              </a:lnSpc>
+            </a:pPr>
+            <a:r>
+              <a:rPr lang="en-US" dirty="0">
+                <a:ea typeface="+mn-lt"/>
+                <a:cs typeface="+mn-lt"/>
+              </a:rPr>
+              <a:t>µ-operations </a:t>
+            </a:r>
+            <a:r>
+              <a:rPr lang="en-US" b="1" dirty="0">
+                <a:ea typeface="+mn-lt"/>
+                <a:cs typeface="+mn-lt"/>
+              </a:rPr>
+              <a:t>delivering unrequested </a:t>
+            </a:r>
+            <a:r>
+              <a:rPr lang="en-US" b="1">
+                <a:ea typeface="+mn-lt"/>
+                <a:cs typeface="+mn-lt"/>
+              </a:rPr>
+              <a:t>data to ALL cores LFB</a:t>
+            </a:r>
+            <a:endParaRPr lang="it-IT" b="1"/>
+          </a:p>
+        </p:txBody>
+      </p:sp>
+      <p:sp>
+        <p:nvSpPr>
+          <p:cNvPr id="8" name="CasellaDiTesto 7">
+            <a:extLst>
+              <a:ext uri="{FF2B5EF4-FFF2-40B4-BE49-F238E27FC236}">
+                <a16:creationId xmlns:a16="http://schemas.microsoft.com/office/drawing/2014/main" id="{D005A614-7793-46D4-97D7-595485FD3F99}"/>
+              </a:ext>
+            </a:extLst>
+          </p:cNvPr>
+          <p:cNvSpPr txBox="1"/>
+          <p:nvPr/>
+        </p:nvSpPr>
+        <p:spPr>
+          <a:xfrm>
+            <a:off x="502535" y="4532178"/>
+            <a:ext cx="6979869" cy="369332"/>
+          </a:xfrm>
+          <a:prstGeom prst="rect">
+            <a:avLst/>
+          </a:prstGeom>
+          <a:noFill/>
+        </p:spPr>
+        <p:txBody>
+          <a:bodyPr rot="0" spcFirstLastPara="0" vertOverflow="overflow" horzOverflow="overflow" vert="horz" wrap="square" lIns="91440" tIns="45720" rIns="91440" bIns="45720" numCol="1" spcCol="0" rtlCol="0" fromWordArt="0" anchor="t" anchorCtr="0" forceAA="0" compatLnSpc="1">
+            <a:prstTxWarp prst="textNoShape">
+              <a:avLst/>
+            </a:prstTxWarp>
+            <a:spAutoFit/>
+          </a:bodyPr>
+          <a:lstStyle/>
+          <a:p>
+            <a:r>
+              <a:rPr lang="it-IT"/>
+              <a:t>Note that the interconnection mechanis is (probably) asincronous</a:t>
+            </a:r>
+            <a:endParaRPr lang="it-IT" dirty="0"/>
+          </a:p>
+        </p:txBody>
+      </p:sp>
+    </p:spTree>
+    <p:extLst>
+      <p:ext uri="{BB962C8B-B14F-4D97-AF65-F5344CB8AC3E}">
+        <p14:creationId xmlns:p14="http://schemas.microsoft.com/office/powerpoint/2010/main" val="3268854216"/>
+      </p:ext>
+    </p:extLst>
+  </p:cSld>
+  <p:clrMapOvr>
+    <a:masterClrMapping/>
+  </p:clrMapOvr>
+</p:sld>
+</file>
+
+<file path=ppt/slides/slide9.xml><?xml version="1.0" encoding="utf-8"?>
+<p:sld xmlns:a="http://schemas.openxmlformats.org/drawingml/2006/main" xmlns:r="http://schemas.openxmlformats.org/officeDocument/2006/relationships" xmlns:p="http://schemas.openxmlformats.org/presentationml/2006/main">
+  <p:cSld>
+    <p:spTree>
+      <p:nvGrpSpPr>
+        <p:cNvPr id="1" name=""/>
+        <p:cNvGrpSpPr/>
+        <p:nvPr/>
+      </p:nvGrpSpPr>
+      <p:grpSpPr>
+        <a:xfrm>
+          <a:off x="0" y="0"/>
+          <a:ext cx="0" cy="0"/>
+          <a:chOff x="0" y="0"/>
+          <a:chExt cx="0" cy="0"/>
+        </a:xfrm>
+      </p:grpSpPr>
+      <p:sp>
+        <p:nvSpPr>
+          <p:cNvPr id="2" name="Titolo 1">
+            <a:extLst>
+              <a:ext uri="{FF2B5EF4-FFF2-40B4-BE49-F238E27FC236}">
+                <a16:creationId xmlns:a16="http://schemas.microsoft.com/office/drawing/2014/main" id="{D382F5F8-E1D7-4F34-B89A-AD493B2EE019}"/>
+              </a:ext>
+            </a:extLst>
+          </p:cNvPr>
+          <p:cNvSpPr>
+            <a:spLocks noGrp="1"/>
+          </p:cNvSpPr>
+          <p:nvPr>
+            <p:ph type="title"/>
+          </p:nvPr>
+        </p:nvSpPr>
+        <p:spPr/>
+        <p:txBody>
+          <a:bodyPr/>
+          <a:lstStyle/>
+          <a:p>
+            <a:pPr algn="ctr"/>
+            <a:r>
+              <a:rPr lang="it-IT"/>
+              <a:t>CrossTalk (in action)</a:t>
+            </a:r>
+          </a:p>
+        </p:txBody>
+      </p:sp>
+      <p:pic>
+        <p:nvPicPr>
+          <p:cNvPr id="3" name="Immagine 3">
+            <a:extLst>
+              <a:ext uri="{FF2B5EF4-FFF2-40B4-BE49-F238E27FC236}">
+                <a16:creationId xmlns:a16="http://schemas.microsoft.com/office/drawing/2014/main" id="{727D7C9D-68FC-4017-B566-7BA9E12BAD2C}"/>
+              </a:ext>
+            </a:extLst>
+          </p:cNvPr>
+          <p:cNvPicPr>
+            <a:picLocks noChangeAspect="1"/>
+          </p:cNvPicPr>
+          <p:nvPr/>
+        </p:nvPicPr>
+        <p:blipFill>
+          <a:blip r:embed="rId2"/>
+          <a:stretch>
+            <a:fillRect/>
+          </a:stretch>
+        </p:blipFill>
+        <p:spPr>
+          <a:xfrm>
+            <a:off x="1336664" y="1168906"/>
+            <a:ext cx="7175777" cy="3775217"/>
+          </a:xfrm>
+          <a:prstGeom prst="rect">
+            <a:avLst/>
+          </a:prstGeom>
+        </p:spPr>
+      </p:pic>
+      <p:sp>
+        <p:nvSpPr>
+          <p:cNvPr id="6" name="CasellaDiTesto 5">
+            <a:extLst>
+              <a:ext uri="{FF2B5EF4-FFF2-40B4-BE49-F238E27FC236}">
+                <a16:creationId xmlns:a16="http://schemas.microsoft.com/office/drawing/2014/main" id="{90FBD9BC-7279-4594-976F-1EED8C5D08F4}"/>
+              </a:ext>
+            </a:extLst>
+          </p:cNvPr>
+          <p:cNvSpPr txBox="1"/>
+          <p:nvPr/>
+        </p:nvSpPr>
+        <p:spPr>
+          <a:xfrm>
+            <a:off x="471544" y="5116847"/>
+            <a:ext cx="9500026" cy="230832"/>
+          </a:xfrm>
+          <a:prstGeom prst="rect">
+            <a:avLst/>
+          </a:prstGeom>
+          <a:noFill/>
+        </p:spPr>
+        <p:txBody>
+          <a:bodyPr rot="0" spcFirstLastPara="0" vertOverflow="overflow" horzOverflow="overflow" vert="horz" wrap="square" lIns="91440" tIns="45720" rIns="91440" bIns="45720" numCol="1" spcCol="0" rtlCol="0" fromWordArt="0" anchor="t" anchorCtr="0" forceAA="0" compatLnSpc="1">
+            <a:prstTxWarp prst="textNoShape">
+              <a:avLst/>
+            </a:prstTxWarp>
+            <a:spAutoFit/>
+          </a:bodyPr>
+          <a:lstStyle/>
+          <a:p>
+            <a:r>
+              <a:rPr lang="it-IT" sz="900" b="1" dirty="0">
+                <a:ea typeface="+mn-lt"/>
+                <a:cs typeface="+mn-lt"/>
+                <a:hlinkClick r:id="rId3"/>
+              </a:rPr>
+              <a:t>CrossTalk: Speculative Data Leaks Across Cores Are Real. </a:t>
+            </a:r>
+            <a:r>
+              <a:rPr lang="it-IT" sz="900">
+                <a:ea typeface="+mn-lt"/>
+                <a:cs typeface="+mn-lt"/>
+              </a:rPr>
+              <a:t>Ragab, H.; Milburn, A.; </a:t>
+            </a:r>
+            <a:r>
+              <a:rPr lang="it-IT" sz="900" dirty="0">
+                <a:ea typeface="+mn-lt"/>
+                <a:cs typeface="+mn-lt"/>
+                <a:hlinkClick r:id="rId4"/>
+              </a:rPr>
+              <a:t>Razavi, K.</a:t>
+            </a:r>
+            <a:r>
+              <a:rPr lang="it-IT" sz="900">
+                <a:ea typeface="+mn-lt"/>
+                <a:cs typeface="+mn-lt"/>
+              </a:rPr>
+              <a:t>; </a:t>
+            </a:r>
+            <a:r>
+              <a:rPr lang="it-IT" sz="900" dirty="0">
+                <a:ea typeface="+mn-lt"/>
+                <a:cs typeface="+mn-lt"/>
+                <a:hlinkClick r:id="rId5"/>
+              </a:rPr>
+              <a:t>Bos, H.</a:t>
+            </a:r>
+            <a:r>
+              <a:rPr lang="it-IT" sz="900">
+                <a:ea typeface="+mn-lt"/>
+                <a:cs typeface="+mn-lt"/>
+              </a:rPr>
+              <a:t>; and </a:t>
+            </a:r>
+            <a:r>
+              <a:rPr lang="it-IT" sz="900" dirty="0">
+                <a:ea typeface="+mn-lt"/>
+                <a:cs typeface="+mn-lt"/>
+                <a:hlinkClick r:id="rId6"/>
+              </a:rPr>
+              <a:t>Giuffrida, C.</a:t>
+            </a:r>
+            <a:r>
+              <a:rPr lang="it-IT" sz="900">
+                <a:ea typeface="+mn-lt"/>
+                <a:cs typeface="+mn-lt"/>
+              </a:rPr>
+              <a:t> In </a:t>
+            </a:r>
+            <a:r>
+              <a:rPr lang="it-IT" sz="900" i="1">
+                <a:ea typeface="+mn-lt"/>
+                <a:cs typeface="+mn-lt"/>
+              </a:rPr>
+              <a:t>S&amp;P</a:t>
+            </a:r>
+            <a:r>
+              <a:rPr lang="it-IT" sz="900">
+                <a:ea typeface="+mn-lt"/>
+                <a:cs typeface="+mn-lt"/>
+              </a:rPr>
+              <a:t>, May 2021. </a:t>
+            </a:r>
+            <a:r>
+              <a:rPr lang="it-IT" sz="900" i="1">
+                <a:ea typeface="+mn-lt"/>
+                <a:cs typeface="+mn-lt"/>
+              </a:rPr>
+              <a:t>Intel Bounty Reward</a:t>
+            </a:r>
+            <a:endParaRPr lang="it-IT"/>
+          </a:p>
+        </p:txBody>
+      </p:sp>
+    </p:spTree>
+    <p:extLst>
+      <p:ext uri="{BB962C8B-B14F-4D97-AF65-F5344CB8AC3E}">
+        <p14:creationId xmlns:p14="http://schemas.microsoft.com/office/powerpoint/2010/main" val="3713387626"/>
+      </p:ext>
+    </p:extLst>
+  </p:cSld>
+  <p:clrMapOvr>
+    <a:masterClrMapping/>
+  </p:clrMapOvr>
 </p:sld>
 </file>
 
@@ -2279,31 +5096,31 @@
         <a:sysClr val="window" lastClr="FFFFFF"/>
       </a:lt1>
       <a:dk2>
-        <a:srgbClr val="1f497d"/>
+        <a:srgbClr val="1F497D"/>
       </a:dk2>
       <a:lt2>
-        <a:srgbClr val="eeece1"/>
+        <a:srgbClr val="EEECE1"/>
       </a:lt2>
       <a:accent1>
-        <a:srgbClr val="4f81bd"/>
+        <a:srgbClr val="4F81BD"/>
       </a:accent1>
       <a:accent2>
-        <a:srgbClr val="c0504d"/>
+        <a:srgbClr val="C0504D"/>
       </a:accent2>
       <a:accent3>
-        <a:srgbClr val="9bbb59"/>
+        <a:srgbClr val="9BBB59"/>
       </a:accent3>
       <a:accent4>
-        <a:srgbClr val="8064a2"/>
+        <a:srgbClr val="8064A2"/>
       </a:accent4>
       <a:accent5>
-        <a:srgbClr val="4bacc6"/>
+        <a:srgbClr val="4BACC6"/>
       </a:accent5>
       <a:accent6>
-        <a:srgbClr val="f79646"/>
+        <a:srgbClr val="F79646"/>
       </a:accent6>
       <a:hlink>
-        <a:srgbClr val="0000ff"/>
+        <a:srgbClr val="0000FF"/>
       </a:hlink>
       <a:folHlink>
         <a:srgbClr val="800080"/>
@@ -2491,5 +5308,7 @@
       </a:bgFillStyleLst>
     </a:fmtScheme>
   </a:themeElements>
+  <a:objectDefaults/>
+  <a:extraClrSchemeLst/>
 </a:theme>
 </file>
--- a/presentation1.pptx
+++ b/presentation1.pptx
@@ -4,6 +4,9 @@
   <p:sldMasterIdLst>
     <p:sldMasterId id="2147483648" r:id="rId1"/>
   </p:sldMasterIdLst>
+  <p:notesMasterIdLst>
+    <p:notesMasterId r:id="rId15"/>
+  </p:notesMasterIdLst>
   <p:sldIdLst>
     <p:sldId id="256" r:id="rId2"/>
     <p:sldId id="257" r:id="rId3"/>
@@ -14,6 +17,10 @@
     <p:sldId id="262" r:id="rId8"/>
     <p:sldId id="264" r:id="rId9"/>
     <p:sldId id="263" r:id="rId10"/>
+    <p:sldId id="268" r:id="rId11"/>
+    <p:sldId id="269" r:id="rId12"/>
+    <p:sldId id="266" r:id="rId13"/>
+    <p:sldId id="267" r:id="rId14"/>
   </p:sldIdLst>
   <p:sldSz cx="10080625" cy="5670550"/>
   <p:notesSz cx="7772400" cy="10058400"/>
@@ -112,6 +119,11 @@
       </a:defRPr>
     </a:lvl9pPr>
   </p:defaultTextStyle>
+  <p:extLst>
+    <p:ext uri="{EFAFB233-063F-42B5-8137-9DF3F51BA10A}">
+      <p15:sldGuideLst xmlns:p15="http://schemas.microsoft.com/office/powerpoint/2012/main"/>
+    </p:ext>
+  </p:extLst>
 </p:presentation>
 </file>
 
@@ -123,6 +135,1726 @@
     <p1510:client id="{9F58B79F-C06A-2000-CC1C-9360E8F04D69}" v="2" dt="2021-03-24T08:40:16.450"/>
   </p1510:revLst>
 </p1510:revInfo>
+</file>
+
+<file path=ppt/notesMasters/notesMaster1.xml><?xml version="1.0" encoding="utf-8"?>
+<p:notesMaster xmlns:a="http://schemas.openxmlformats.org/drawingml/2006/main" xmlns:r="http://schemas.openxmlformats.org/officeDocument/2006/relationships" xmlns:p="http://schemas.openxmlformats.org/presentationml/2006/main">
+  <p:cSld>
+    <p:bg>
+      <p:bgRef idx="1001">
+        <a:schemeClr val="bg1"/>
+      </p:bgRef>
+    </p:bg>
+    <p:spTree>
+      <p:nvGrpSpPr>
+        <p:cNvPr id="1" name=""/>
+        <p:cNvGrpSpPr/>
+        <p:nvPr/>
+      </p:nvGrpSpPr>
+      <p:grpSpPr>
+        <a:xfrm>
+          <a:off x="0" y="0"/>
+          <a:ext cx="0" cy="0"/>
+          <a:chOff x="0" y="0"/>
+          <a:chExt cx="0" cy="0"/>
+        </a:xfrm>
+      </p:grpSpPr>
+      <p:sp>
+        <p:nvSpPr>
+          <p:cNvPr id="2" name="Segnaposto intestazione 1"/>
+          <p:cNvSpPr>
+            <a:spLocks noGrp="1"/>
+          </p:cNvSpPr>
+          <p:nvPr>
+            <p:ph type="hdr" sz="quarter"/>
+          </p:nvPr>
+        </p:nvSpPr>
+        <p:spPr>
+          <a:xfrm>
+            <a:off x="0" y="0"/>
+            <a:ext cx="3368675" cy="504825"/>
+          </a:xfrm>
+          <a:prstGeom prst="rect">
+            <a:avLst/>
+          </a:prstGeom>
+        </p:spPr>
+        <p:txBody>
+          <a:bodyPr vert="horz" lIns="91440" tIns="45720" rIns="91440" bIns="45720" rtlCol="0"/>
+          <a:lstStyle>
+            <a:lvl1pPr algn="l">
+              <a:defRPr sz="1200"/>
+            </a:lvl1pPr>
+          </a:lstStyle>
+          <a:p>
+            <a:endParaRPr lang="it-IT"/>
+          </a:p>
+        </p:txBody>
+      </p:sp>
+      <p:sp>
+        <p:nvSpPr>
+          <p:cNvPr id="3" name="Segnaposto data 2"/>
+          <p:cNvSpPr>
+            <a:spLocks noGrp="1"/>
+          </p:cNvSpPr>
+          <p:nvPr>
+            <p:ph type="dt" idx="1"/>
+          </p:nvPr>
+        </p:nvSpPr>
+        <p:spPr>
+          <a:xfrm>
+            <a:off x="4402138" y="0"/>
+            <a:ext cx="3368675" cy="504825"/>
+          </a:xfrm>
+          <a:prstGeom prst="rect">
+            <a:avLst/>
+          </a:prstGeom>
+        </p:spPr>
+        <p:txBody>
+          <a:bodyPr vert="horz" lIns="91440" tIns="45720" rIns="91440" bIns="45720" rtlCol="0"/>
+          <a:lstStyle>
+            <a:lvl1pPr algn="r">
+              <a:defRPr sz="1200"/>
+            </a:lvl1pPr>
+          </a:lstStyle>
+          <a:p>
+            <a:fld id="{CD8A78BD-D286-4345-8AE0-699F52A0A393}" type="datetimeFigureOut">
+              <a:rPr lang="it-IT" smtClean="0"/>
+              <a:t>28/03/2021</a:t>
+            </a:fld>
+            <a:endParaRPr lang="it-IT"/>
+          </a:p>
+        </p:txBody>
+      </p:sp>
+      <p:sp>
+        <p:nvSpPr>
+          <p:cNvPr id="4" name="Segnaposto immagine diapositiva 3"/>
+          <p:cNvSpPr>
+            <a:spLocks noGrp="1" noRot="1" noChangeAspect="1"/>
+          </p:cNvSpPr>
+          <p:nvPr>
+            <p:ph type="sldImg" idx="2"/>
+          </p:nvPr>
+        </p:nvSpPr>
+        <p:spPr>
+          <a:xfrm>
+            <a:off x="869950" y="1257300"/>
+            <a:ext cx="6032500" cy="3394075"/>
+          </a:xfrm>
+          <a:prstGeom prst="rect">
+            <a:avLst/>
+          </a:prstGeom>
+          <a:noFill/>
+          <a:ln w="12700">
+            <a:solidFill>
+              <a:prstClr val="black"/>
+            </a:solidFill>
+          </a:ln>
+        </p:spPr>
+        <p:txBody>
+          <a:bodyPr vert="horz" lIns="91440" tIns="45720" rIns="91440" bIns="45720" rtlCol="0" anchor="ctr"/>
+          <a:lstStyle/>
+          <a:p>
+            <a:endParaRPr lang="it-IT"/>
+          </a:p>
+        </p:txBody>
+      </p:sp>
+      <p:sp>
+        <p:nvSpPr>
+          <p:cNvPr id="5" name="Segnaposto note 4"/>
+          <p:cNvSpPr>
+            <a:spLocks noGrp="1"/>
+          </p:cNvSpPr>
+          <p:nvPr>
+            <p:ph type="body" sz="quarter" idx="3"/>
+          </p:nvPr>
+        </p:nvSpPr>
+        <p:spPr>
+          <a:xfrm>
+            <a:off x="777875" y="4840288"/>
+            <a:ext cx="6216650" cy="3960812"/>
+          </a:xfrm>
+          <a:prstGeom prst="rect">
+            <a:avLst/>
+          </a:prstGeom>
+        </p:spPr>
+        <p:txBody>
+          <a:bodyPr vert="horz" lIns="91440" tIns="45720" rIns="91440" bIns="45720" rtlCol="0"/>
+          <a:lstStyle/>
+          <a:p>
+            <a:pPr lvl="0"/>
+            <a:r>
+              <a:rPr lang="it-IT"/>
+              <a:t>Fare clic per modificare gli stili del testo dello schema</a:t>
+            </a:r>
+          </a:p>
+          <a:p>
+            <a:pPr lvl="1"/>
+            <a:r>
+              <a:rPr lang="it-IT"/>
+              <a:t>Secondo livello</a:t>
+            </a:r>
+          </a:p>
+          <a:p>
+            <a:pPr lvl="2"/>
+            <a:r>
+              <a:rPr lang="it-IT"/>
+              <a:t>Terzo livello</a:t>
+            </a:r>
+          </a:p>
+          <a:p>
+            <a:pPr lvl="3"/>
+            <a:r>
+              <a:rPr lang="it-IT"/>
+              <a:t>Quarto livello</a:t>
+            </a:r>
+          </a:p>
+          <a:p>
+            <a:pPr lvl="4"/>
+            <a:r>
+              <a:rPr lang="it-IT"/>
+              <a:t>Quinto livello</a:t>
+            </a:r>
+          </a:p>
+        </p:txBody>
+      </p:sp>
+      <p:sp>
+        <p:nvSpPr>
+          <p:cNvPr id="6" name="Segnaposto piè di pagina 5"/>
+          <p:cNvSpPr>
+            <a:spLocks noGrp="1"/>
+          </p:cNvSpPr>
+          <p:nvPr>
+            <p:ph type="ftr" sz="quarter" idx="4"/>
+          </p:nvPr>
+        </p:nvSpPr>
+        <p:spPr>
+          <a:xfrm>
+            <a:off x="0" y="9553575"/>
+            <a:ext cx="3368675" cy="504825"/>
+          </a:xfrm>
+          <a:prstGeom prst="rect">
+            <a:avLst/>
+          </a:prstGeom>
+        </p:spPr>
+        <p:txBody>
+          <a:bodyPr vert="horz" lIns="91440" tIns="45720" rIns="91440" bIns="45720" rtlCol="0" anchor="b"/>
+          <a:lstStyle>
+            <a:lvl1pPr algn="l">
+              <a:defRPr sz="1200"/>
+            </a:lvl1pPr>
+          </a:lstStyle>
+          <a:p>
+            <a:endParaRPr lang="it-IT"/>
+          </a:p>
+        </p:txBody>
+      </p:sp>
+      <p:sp>
+        <p:nvSpPr>
+          <p:cNvPr id="7" name="Segnaposto numero diapositiva 6"/>
+          <p:cNvSpPr>
+            <a:spLocks noGrp="1"/>
+          </p:cNvSpPr>
+          <p:nvPr>
+            <p:ph type="sldNum" sz="quarter" idx="5"/>
+          </p:nvPr>
+        </p:nvSpPr>
+        <p:spPr>
+          <a:xfrm>
+            <a:off x="4402138" y="9553575"/>
+            <a:ext cx="3368675" cy="504825"/>
+          </a:xfrm>
+          <a:prstGeom prst="rect">
+            <a:avLst/>
+          </a:prstGeom>
+        </p:spPr>
+        <p:txBody>
+          <a:bodyPr vert="horz" lIns="91440" tIns="45720" rIns="91440" bIns="45720" rtlCol="0" anchor="b"/>
+          <a:lstStyle>
+            <a:lvl1pPr algn="r">
+              <a:defRPr sz="1200"/>
+            </a:lvl1pPr>
+          </a:lstStyle>
+          <a:p>
+            <a:fld id="{5FA09126-2FC3-494C-AD10-3359904C3E9E}" type="slidenum">
+              <a:rPr lang="it-IT" smtClean="0"/>
+              <a:t>‹N›</a:t>
+            </a:fld>
+            <a:endParaRPr lang="it-IT"/>
+          </a:p>
+        </p:txBody>
+      </p:sp>
+    </p:spTree>
+    <p:extLst>
+      <p:ext uri="{BB962C8B-B14F-4D97-AF65-F5344CB8AC3E}">
+        <p14:creationId xmlns:p14="http://schemas.microsoft.com/office/powerpoint/2010/main" val="4154951494"/>
+      </p:ext>
+    </p:extLst>
+  </p:cSld>
+  <p:clrMap bg1="lt1" tx1="dk1" bg2="lt2" tx2="dk2" accent1="accent1" accent2="accent2" accent3="accent3" accent4="accent4" accent5="accent5" accent6="accent6" hlink="hlink" folHlink="folHlink"/>
+  <p:notesStyle>
+    <a:lvl1pPr marL="0" algn="l" defTabSz="914400" rtl="0" eaLnBrk="1" latinLnBrk="0" hangingPunct="1">
+      <a:defRPr sz="1200" kern="1200">
+        <a:solidFill>
+          <a:schemeClr val="tx1"/>
+        </a:solidFill>
+        <a:latin typeface="+mn-lt"/>
+        <a:ea typeface="+mn-ea"/>
+        <a:cs typeface="+mn-cs"/>
+      </a:defRPr>
+    </a:lvl1pPr>
+    <a:lvl2pPr marL="457200" algn="l" defTabSz="914400" rtl="0" eaLnBrk="1" latinLnBrk="0" hangingPunct="1">
+      <a:defRPr sz="1200" kern="1200">
+        <a:solidFill>
+          <a:schemeClr val="tx1"/>
+        </a:solidFill>
+        <a:latin typeface="+mn-lt"/>
+        <a:ea typeface="+mn-ea"/>
+        <a:cs typeface="+mn-cs"/>
+      </a:defRPr>
+    </a:lvl2pPr>
+    <a:lvl3pPr marL="914400" algn="l" defTabSz="914400" rtl="0" eaLnBrk="1" latinLnBrk="0" hangingPunct="1">
+      <a:defRPr sz="1200" kern="1200">
+        <a:solidFill>
+          <a:schemeClr val="tx1"/>
+        </a:solidFill>
+        <a:latin typeface="+mn-lt"/>
+        <a:ea typeface="+mn-ea"/>
+        <a:cs typeface="+mn-cs"/>
+      </a:defRPr>
+    </a:lvl3pPr>
+    <a:lvl4pPr marL="1371600" algn="l" defTabSz="914400" rtl="0" eaLnBrk="1" latinLnBrk="0" hangingPunct="1">
+      <a:defRPr sz="1200" kern="1200">
+        <a:solidFill>
+          <a:schemeClr val="tx1"/>
+        </a:solidFill>
+        <a:latin typeface="+mn-lt"/>
+        <a:ea typeface="+mn-ea"/>
+        <a:cs typeface="+mn-cs"/>
+      </a:defRPr>
+    </a:lvl4pPr>
+    <a:lvl5pPr marL="1828800" algn="l" defTabSz="914400" rtl="0" eaLnBrk="1" latinLnBrk="0" hangingPunct="1">
+      <a:defRPr sz="1200" kern="1200">
+        <a:solidFill>
+          <a:schemeClr val="tx1"/>
+        </a:solidFill>
+        <a:latin typeface="+mn-lt"/>
+        <a:ea typeface="+mn-ea"/>
+        <a:cs typeface="+mn-cs"/>
+      </a:defRPr>
+    </a:lvl5pPr>
+    <a:lvl6pPr marL="2286000" algn="l" defTabSz="914400" rtl="0" eaLnBrk="1" latinLnBrk="0" hangingPunct="1">
+      <a:defRPr sz="1200" kern="1200">
+        <a:solidFill>
+          <a:schemeClr val="tx1"/>
+        </a:solidFill>
+        <a:latin typeface="+mn-lt"/>
+        <a:ea typeface="+mn-ea"/>
+        <a:cs typeface="+mn-cs"/>
+      </a:defRPr>
+    </a:lvl6pPr>
+    <a:lvl7pPr marL="2743200" algn="l" defTabSz="914400" rtl="0" eaLnBrk="1" latinLnBrk="0" hangingPunct="1">
+      <a:defRPr sz="1200" kern="1200">
+        <a:solidFill>
+          <a:schemeClr val="tx1"/>
+        </a:solidFill>
+        <a:latin typeface="+mn-lt"/>
+        <a:ea typeface="+mn-ea"/>
+        <a:cs typeface="+mn-cs"/>
+      </a:defRPr>
+    </a:lvl7pPr>
+    <a:lvl8pPr marL="3200400" algn="l" defTabSz="914400" rtl="0" eaLnBrk="1" latinLnBrk="0" hangingPunct="1">
+      <a:defRPr sz="1200" kern="1200">
+        <a:solidFill>
+          <a:schemeClr val="tx1"/>
+        </a:solidFill>
+        <a:latin typeface="+mn-lt"/>
+        <a:ea typeface="+mn-ea"/>
+        <a:cs typeface="+mn-cs"/>
+      </a:defRPr>
+    </a:lvl8pPr>
+    <a:lvl9pPr marL="3657600" algn="l" defTabSz="914400" rtl="0" eaLnBrk="1" latinLnBrk="0" hangingPunct="1">
+      <a:defRPr sz="1200" kern="1200">
+        <a:solidFill>
+          <a:schemeClr val="tx1"/>
+        </a:solidFill>
+        <a:latin typeface="+mn-lt"/>
+        <a:ea typeface="+mn-ea"/>
+        <a:cs typeface="+mn-cs"/>
+      </a:defRPr>
+    </a:lvl9pPr>
+  </p:notesStyle>
+</p:notesMaster>
+</file>
+
+<file path=ppt/notesSlides/notesSlide1.xml><?xml version="1.0" encoding="utf-8"?>
+<p:notes xmlns:a="http://schemas.openxmlformats.org/drawingml/2006/main" xmlns:r="http://schemas.openxmlformats.org/officeDocument/2006/relationships" xmlns:p="http://schemas.openxmlformats.org/presentationml/2006/main">
+  <p:cSld>
+    <p:spTree>
+      <p:nvGrpSpPr>
+        <p:cNvPr id="1" name=""/>
+        <p:cNvGrpSpPr/>
+        <p:nvPr/>
+      </p:nvGrpSpPr>
+      <p:grpSpPr>
+        <a:xfrm>
+          <a:off x="0" y="0"/>
+          <a:ext cx="0" cy="0"/>
+          <a:chOff x="0" y="0"/>
+          <a:chExt cx="0" cy="0"/>
+        </a:xfrm>
+      </p:grpSpPr>
+      <p:sp>
+        <p:nvSpPr>
+          <p:cNvPr id="2" name="Segnaposto immagine diapositiva 1"/>
+          <p:cNvSpPr>
+            <a:spLocks noGrp="1" noRot="1" noChangeAspect="1"/>
+          </p:cNvSpPr>
+          <p:nvPr>
+            <p:ph type="sldImg"/>
+          </p:nvPr>
+        </p:nvSpPr>
+        <p:spPr/>
+      </p:sp>
+      <p:sp>
+        <p:nvSpPr>
+          <p:cNvPr id="3" name="Segnaposto note 2"/>
+          <p:cNvSpPr>
+            <a:spLocks noGrp="1"/>
+          </p:cNvSpPr>
+          <p:nvPr>
+            <p:ph type="body" idx="1"/>
+          </p:nvPr>
+        </p:nvSpPr>
+        <p:spPr/>
+        <p:txBody>
+          <a:bodyPr/>
+          <a:lstStyle/>
+          <a:p>
+            <a:r>
+              <a:rPr lang="it-IT" dirty="0"/>
+              <a:t>Richieste micro-architetturali: se un'istruzione fa 20 micro-richieste, vuol dire che c'è stato qualche buffer </a:t>
+            </a:r>
+            <a:r>
+              <a:rPr lang="it-IT" dirty="0" err="1"/>
+              <a:t>flushato</a:t>
+            </a:r>
+            <a:endParaRPr lang="it-IT" dirty="0"/>
+          </a:p>
+        </p:txBody>
+      </p:sp>
+      <p:sp>
+        <p:nvSpPr>
+          <p:cNvPr id="4" name="Segnaposto numero diapositiva 3"/>
+          <p:cNvSpPr>
+            <a:spLocks noGrp="1"/>
+          </p:cNvSpPr>
+          <p:nvPr>
+            <p:ph type="sldNum" sz="quarter" idx="5"/>
+          </p:nvPr>
+        </p:nvSpPr>
+        <p:spPr/>
+        <p:txBody>
+          <a:bodyPr/>
+          <a:lstStyle/>
+          <a:p>
+            <a:fld id="{5FA09126-2FC3-494C-AD10-3359904C3E9E}" type="slidenum">
+              <a:rPr lang="it-IT" smtClean="0"/>
+              <a:t>3</a:t>
+            </a:fld>
+            <a:endParaRPr lang="it-IT"/>
+          </a:p>
+        </p:txBody>
+      </p:sp>
+    </p:spTree>
+    <p:extLst>
+      <p:ext uri="{BB962C8B-B14F-4D97-AF65-F5344CB8AC3E}">
+        <p14:creationId xmlns:p14="http://schemas.microsoft.com/office/powerpoint/2010/main" val="2954171543"/>
+      </p:ext>
+    </p:extLst>
+  </p:cSld>
+  <p:clrMapOvr>
+    <a:masterClrMapping/>
+  </p:clrMapOvr>
+</p:notes>
+</file>
+
+<file path=ppt/notesSlides/notesSlide2.xml><?xml version="1.0" encoding="utf-8"?>
+<p:notes xmlns:a="http://schemas.openxmlformats.org/drawingml/2006/main" xmlns:r="http://schemas.openxmlformats.org/officeDocument/2006/relationships" xmlns:p="http://schemas.openxmlformats.org/presentationml/2006/main">
+  <p:cSld>
+    <p:spTree>
+      <p:nvGrpSpPr>
+        <p:cNvPr id="1" name=""/>
+        <p:cNvGrpSpPr/>
+        <p:nvPr/>
+      </p:nvGrpSpPr>
+      <p:grpSpPr>
+        <a:xfrm>
+          <a:off x="0" y="0"/>
+          <a:ext cx="0" cy="0"/>
+          <a:chOff x="0" y="0"/>
+          <a:chExt cx="0" cy="0"/>
+        </a:xfrm>
+      </p:grpSpPr>
+      <p:sp>
+        <p:nvSpPr>
+          <p:cNvPr id="2" name="Segnaposto immagine diapositiva 1"/>
+          <p:cNvSpPr>
+            <a:spLocks noGrp="1" noRot="1" noChangeAspect="1"/>
+          </p:cNvSpPr>
+          <p:nvPr>
+            <p:ph type="sldImg"/>
+          </p:nvPr>
+        </p:nvSpPr>
+        <p:spPr/>
+      </p:sp>
+      <p:sp>
+        <p:nvSpPr>
+          <p:cNvPr id="3" name="Segnaposto note 2"/>
+          <p:cNvSpPr>
+            <a:spLocks noGrp="1"/>
+          </p:cNvSpPr>
+          <p:nvPr>
+            <p:ph type="body" idx="1"/>
+          </p:nvPr>
+        </p:nvSpPr>
+        <p:spPr/>
+        <p:txBody>
+          <a:bodyPr/>
+          <a:lstStyle/>
+          <a:p>
+            <a:r>
+              <a:rPr lang="it-IT" dirty="0"/>
+              <a:t>Per le micro-</a:t>
+            </a:r>
+            <a:r>
+              <a:rPr lang="it-IT" dirty="0" err="1"/>
+              <a:t>opt</a:t>
+            </a:r>
+            <a:r>
+              <a:rPr lang="it-IT" dirty="0"/>
+              <a:t> v. pag. 5 del paper</a:t>
+            </a:r>
+          </a:p>
+        </p:txBody>
+      </p:sp>
+      <p:sp>
+        <p:nvSpPr>
+          <p:cNvPr id="4" name="Segnaposto numero diapositiva 3"/>
+          <p:cNvSpPr>
+            <a:spLocks noGrp="1"/>
+          </p:cNvSpPr>
+          <p:nvPr>
+            <p:ph type="sldNum" sz="quarter" idx="5"/>
+          </p:nvPr>
+        </p:nvSpPr>
+        <p:spPr/>
+        <p:txBody>
+          <a:bodyPr/>
+          <a:lstStyle/>
+          <a:p>
+            <a:fld id="{5FA09126-2FC3-494C-AD10-3359904C3E9E}" type="slidenum">
+              <a:rPr lang="it-IT" smtClean="0"/>
+              <a:t>5</a:t>
+            </a:fld>
+            <a:endParaRPr lang="it-IT"/>
+          </a:p>
+        </p:txBody>
+      </p:sp>
+    </p:spTree>
+    <p:extLst>
+      <p:ext uri="{BB962C8B-B14F-4D97-AF65-F5344CB8AC3E}">
+        <p14:creationId xmlns:p14="http://schemas.microsoft.com/office/powerpoint/2010/main" val="2364114188"/>
+      </p:ext>
+    </p:extLst>
+  </p:cSld>
+  <p:clrMapOvr>
+    <a:masterClrMapping/>
+  </p:clrMapOvr>
+</p:notes>
+</file>
+
+<file path=ppt/notesSlides/notesSlide3.xml><?xml version="1.0" encoding="utf-8"?>
+<p:notes xmlns:a="http://schemas.openxmlformats.org/drawingml/2006/main" xmlns:r="http://schemas.openxmlformats.org/officeDocument/2006/relationships" xmlns:p="http://schemas.openxmlformats.org/presentationml/2006/main">
+  <p:cSld>
+    <p:spTree>
+      <p:nvGrpSpPr>
+        <p:cNvPr id="1" name=""/>
+        <p:cNvGrpSpPr/>
+        <p:nvPr/>
+      </p:nvGrpSpPr>
+      <p:grpSpPr>
+        <a:xfrm>
+          <a:off x="0" y="0"/>
+          <a:ext cx="0" cy="0"/>
+          <a:chOff x="0" y="0"/>
+          <a:chExt cx="0" cy="0"/>
+        </a:xfrm>
+      </p:grpSpPr>
+      <p:sp>
+        <p:nvSpPr>
+          <p:cNvPr id="2" name="Segnaposto immagine diapositiva 1"/>
+          <p:cNvSpPr>
+            <a:spLocks noGrp="1" noRot="1" noChangeAspect="1"/>
+          </p:cNvSpPr>
+          <p:nvPr>
+            <p:ph type="sldImg"/>
+          </p:nvPr>
+        </p:nvSpPr>
+        <p:spPr/>
+      </p:sp>
+      <p:sp>
+        <p:nvSpPr>
+          <p:cNvPr id="3" name="Segnaposto note 2"/>
+          <p:cNvSpPr>
+            <a:spLocks noGrp="1"/>
+          </p:cNvSpPr>
+          <p:nvPr>
+            <p:ph type="body" idx="1"/>
+          </p:nvPr>
+        </p:nvSpPr>
+        <p:spPr/>
+        <p:txBody>
+          <a:bodyPr/>
+          <a:lstStyle/>
+          <a:p>
+            <a:r>
+              <a:rPr lang="it-IT" dirty="0" err="1"/>
+              <a:t>Serialization</a:t>
+            </a:r>
+            <a:r>
+              <a:rPr lang="it-IT" dirty="0"/>
+              <a:t>: </a:t>
+            </a:r>
+            <a:r>
+              <a:rPr lang="it-IT" sz="1200" i="1" dirty="0" err="1">
+                <a:ea typeface="+mn-lt"/>
+                <a:cs typeface="+mn-lt"/>
+              </a:rPr>
+              <a:t>mfence</a:t>
+            </a:r>
+            <a:r>
+              <a:rPr lang="it-IT" sz="1200" i="1" dirty="0">
+                <a:ea typeface="+mn-lt"/>
+                <a:cs typeface="+mn-lt"/>
+              </a:rPr>
+              <a:t> </a:t>
+            </a:r>
+            <a:r>
+              <a:rPr lang="it-IT" sz="1200" dirty="0" err="1">
+                <a:ea typeface="+mn-lt"/>
+                <a:cs typeface="+mn-lt"/>
+              </a:rPr>
+              <a:t>instruction</a:t>
+            </a:r>
+            <a:r>
+              <a:rPr lang="it-IT" sz="1200" i="1" dirty="0">
+                <a:ea typeface="+mn-lt"/>
+                <a:cs typeface="+mn-lt"/>
+              </a:rPr>
+              <a:t> </a:t>
+            </a:r>
+            <a:r>
+              <a:rPr lang="it-IT" sz="1200" dirty="0" err="1">
+                <a:ea typeface="+mn-lt"/>
+                <a:cs typeface="+mn-lt"/>
+              </a:rPr>
+              <a:t>guarantees</a:t>
+            </a:r>
+            <a:r>
+              <a:rPr lang="it-IT" sz="1200" dirty="0">
+                <a:ea typeface="+mn-lt"/>
+                <a:cs typeface="+mn-lt"/>
+              </a:rPr>
+              <a:t> </a:t>
+            </a:r>
+            <a:r>
+              <a:rPr lang="it-IT" sz="1200" dirty="0" err="1">
+                <a:ea typeface="+mn-lt"/>
+                <a:cs typeface="+mn-lt"/>
+              </a:rPr>
+              <a:t>that</a:t>
+            </a:r>
+            <a:r>
+              <a:rPr lang="it-IT" sz="1200" dirty="0">
+                <a:ea typeface="+mn-lt"/>
+                <a:cs typeface="+mn-lt"/>
+              </a:rPr>
+              <a:t> </a:t>
+            </a:r>
+            <a:r>
+              <a:rPr lang="it-IT" sz="1200" dirty="0" err="1">
+                <a:ea typeface="+mn-lt"/>
+                <a:cs typeface="+mn-lt"/>
+              </a:rPr>
+              <a:t>both</a:t>
+            </a:r>
+            <a:r>
+              <a:rPr lang="it-IT" sz="1200" dirty="0">
+                <a:ea typeface="+mn-lt"/>
+                <a:cs typeface="+mn-lt"/>
+              </a:rPr>
+              <a:t> load and stores </a:t>
+            </a:r>
+            <a:r>
+              <a:rPr lang="it-IT" sz="1200" dirty="0" err="1">
+                <a:ea typeface="+mn-lt"/>
+                <a:cs typeface="+mn-lt"/>
+              </a:rPr>
+              <a:t>before</a:t>
+            </a:r>
+            <a:r>
+              <a:rPr lang="it-IT" sz="1200" dirty="0">
+                <a:ea typeface="+mn-lt"/>
+                <a:cs typeface="+mn-lt"/>
+              </a:rPr>
+              <a:t> </a:t>
+            </a:r>
+            <a:r>
+              <a:rPr lang="it-IT" sz="1200" dirty="0" err="1">
+                <a:ea typeface="+mn-lt"/>
+                <a:cs typeface="+mn-lt"/>
+              </a:rPr>
+              <a:t>its</a:t>
+            </a:r>
+            <a:r>
+              <a:rPr lang="it-IT" sz="1200" dirty="0">
+                <a:ea typeface="+mn-lt"/>
+                <a:cs typeface="+mn-lt"/>
+              </a:rPr>
+              <a:t> </a:t>
+            </a:r>
+            <a:r>
+              <a:rPr lang="it-IT" sz="1200" dirty="0" err="1">
+                <a:ea typeface="+mn-lt"/>
+                <a:cs typeface="+mn-lt"/>
+              </a:rPr>
+              <a:t>execution</a:t>
+            </a:r>
+            <a:r>
+              <a:rPr lang="it-IT" sz="1200" dirty="0">
+                <a:ea typeface="+mn-lt"/>
+                <a:cs typeface="+mn-lt"/>
+              </a:rPr>
+              <a:t> </a:t>
+            </a:r>
+            <a:r>
+              <a:rPr lang="it-IT" sz="1200" dirty="0" err="1">
+                <a:ea typeface="+mn-lt"/>
+                <a:cs typeface="+mn-lt"/>
+              </a:rPr>
+              <a:t>become</a:t>
+            </a:r>
+            <a:r>
+              <a:rPr lang="it-IT" sz="1200" dirty="0">
+                <a:ea typeface="+mn-lt"/>
+                <a:cs typeface="+mn-lt"/>
+              </a:rPr>
+              <a:t> </a:t>
+            </a:r>
+            <a:r>
+              <a:rPr lang="it-IT" sz="1200" dirty="0" err="1">
+                <a:ea typeface="+mn-lt"/>
+                <a:cs typeface="+mn-lt"/>
+              </a:rPr>
+              <a:t>globally</a:t>
+            </a:r>
+            <a:r>
+              <a:rPr lang="it-IT" sz="1200" dirty="0">
+                <a:ea typeface="+mn-lt"/>
+                <a:cs typeface="+mn-lt"/>
+              </a:rPr>
+              <a:t> </a:t>
+            </a:r>
+            <a:r>
+              <a:rPr lang="it-IT" sz="1200" dirty="0" err="1">
+                <a:ea typeface="+mn-lt"/>
+                <a:cs typeface="+mn-lt"/>
+              </a:rPr>
+              <a:t>visible</a:t>
+            </a:r>
+            <a:r>
+              <a:rPr lang="it-IT" sz="1200" dirty="0">
+                <a:ea typeface="+mn-lt"/>
+                <a:cs typeface="+mn-lt"/>
+              </a:rPr>
+              <a:t> (</a:t>
+            </a:r>
+            <a:r>
+              <a:rPr lang="it-IT" sz="1200" dirty="0" err="1">
+                <a:ea typeface="+mn-lt"/>
+                <a:cs typeface="+mn-lt"/>
+              </a:rPr>
+              <a:t>eg</a:t>
+            </a:r>
+            <a:r>
+              <a:rPr lang="it-IT" sz="1200" dirty="0">
+                <a:ea typeface="+mn-lt"/>
+                <a:cs typeface="+mn-lt"/>
+              </a:rPr>
+              <a:t> in the LFB).</a:t>
+            </a:r>
+            <a:endParaRPr lang="it-IT" dirty="0"/>
+          </a:p>
+          <a:p>
+            <a:r>
+              <a:rPr lang="it-IT" sz="1200" dirty="0">
+                <a:ea typeface="+mn-lt"/>
+                <a:cs typeface="+mn-lt"/>
+              </a:rPr>
+              <a:t>The </a:t>
+            </a:r>
+            <a:r>
+              <a:rPr lang="it-IT" sz="1200" i="1" dirty="0" err="1">
+                <a:ea typeface="+mn-lt"/>
+                <a:cs typeface="+mn-lt"/>
+              </a:rPr>
+              <a:t>mfence</a:t>
+            </a:r>
+            <a:r>
+              <a:rPr lang="it-IT" sz="1200" i="1" dirty="0">
+                <a:ea typeface="+mn-lt"/>
+                <a:cs typeface="+mn-lt"/>
+              </a:rPr>
+              <a:t> </a:t>
+            </a:r>
+            <a:r>
+              <a:rPr lang="it-IT" sz="1200" dirty="0" err="1">
+                <a:ea typeface="+mn-lt"/>
+                <a:cs typeface="+mn-lt"/>
+              </a:rPr>
+              <a:t>instruction</a:t>
+            </a:r>
+            <a:r>
+              <a:rPr lang="it-IT" sz="1200" dirty="0">
+                <a:ea typeface="+mn-lt"/>
+                <a:cs typeface="+mn-lt"/>
+              </a:rPr>
+              <a:t> </a:t>
+            </a:r>
+            <a:r>
+              <a:rPr lang="it-IT" sz="1200" dirty="0" err="1">
+                <a:ea typeface="+mn-lt"/>
+                <a:cs typeface="+mn-lt"/>
+              </a:rPr>
+              <a:t>forms</a:t>
+            </a:r>
+            <a:r>
+              <a:rPr lang="it-IT" sz="1200" dirty="0">
+                <a:ea typeface="+mn-lt"/>
+                <a:cs typeface="+mn-lt"/>
+              </a:rPr>
+              <a:t> a point of </a:t>
+            </a:r>
+            <a:r>
+              <a:rPr lang="it-IT" sz="1200" dirty="0" err="1">
+                <a:ea typeface="+mn-lt"/>
+                <a:cs typeface="+mn-lt"/>
+              </a:rPr>
+              <a:t>synchronization</a:t>
+            </a:r>
+            <a:r>
+              <a:rPr lang="it-IT" sz="1200" dirty="0">
+                <a:ea typeface="+mn-lt"/>
+                <a:cs typeface="+mn-lt"/>
+              </a:rPr>
+              <a:t> </a:t>
+            </a:r>
+            <a:r>
+              <a:rPr lang="it-IT" sz="1200" dirty="0" err="1">
+                <a:ea typeface="+mn-lt"/>
+                <a:cs typeface="+mn-lt"/>
+              </a:rPr>
+              <a:t>that</a:t>
+            </a:r>
+            <a:r>
+              <a:rPr lang="it-IT" sz="1200" dirty="0">
+                <a:ea typeface="+mn-lt"/>
+                <a:cs typeface="+mn-lt"/>
+              </a:rPr>
+              <a:t> </a:t>
+            </a:r>
+            <a:r>
+              <a:rPr lang="it-IT" sz="1200" dirty="0" err="1">
+                <a:ea typeface="+mn-lt"/>
+                <a:cs typeface="+mn-lt"/>
+              </a:rPr>
+              <a:t>allows</a:t>
+            </a:r>
+            <a:r>
+              <a:rPr lang="it-IT" sz="1200" dirty="0">
+                <a:ea typeface="+mn-lt"/>
+                <a:cs typeface="+mn-lt"/>
+              </a:rPr>
+              <a:t> </a:t>
+            </a:r>
+            <a:r>
+              <a:rPr lang="it-IT" sz="1200" dirty="0" err="1">
+                <a:ea typeface="+mn-lt"/>
+                <a:cs typeface="+mn-lt"/>
+              </a:rPr>
+              <a:t>us</a:t>
+            </a:r>
+            <a:r>
+              <a:rPr lang="it-IT" sz="1200" dirty="0">
+                <a:ea typeface="+mn-lt"/>
+                <a:cs typeface="+mn-lt"/>
+              </a:rPr>
+              <a:t> to </a:t>
+            </a:r>
+            <a:r>
+              <a:rPr lang="it-IT" sz="1200" dirty="0" err="1">
+                <a:ea typeface="+mn-lt"/>
+                <a:cs typeface="+mn-lt"/>
+              </a:rPr>
+              <a:t>observe</a:t>
+            </a:r>
+            <a:r>
+              <a:rPr lang="it-IT" sz="1200" dirty="0">
+                <a:ea typeface="+mn-lt"/>
+                <a:cs typeface="+mn-lt"/>
+              </a:rPr>
+              <a:t> the last </a:t>
+            </a:r>
+            <a:r>
+              <a:rPr lang="it-IT" sz="1200" dirty="0" err="1">
+                <a:ea typeface="+mn-lt"/>
+                <a:cs typeface="+mn-lt"/>
+              </a:rPr>
+              <a:t>few</a:t>
+            </a:r>
+            <a:r>
+              <a:rPr lang="it-IT" sz="1200" dirty="0">
+                <a:ea typeface="+mn-lt"/>
+                <a:cs typeface="+mn-lt"/>
+              </a:rPr>
+              <a:t> loads and stores </a:t>
+            </a:r>
+            <a:r>
+              <a:rPr lang="it-IT" sz="1200" dirty="0" err="1">
+                <a:ea typeface="+mn-lt"/>
+                <a:cs typeface="+mn-lt"/>
+              </a:rPr>
+              <a:t>before</a:t>
+            </a:r>
+            <a:r>
+              <a:rPr lang="it-IT" sz="1200" dirty="0">
+                <a:ea typeface="+mn-lt"/>
+                <a:cs typeface="+mn-lt"/>
+              </a:rPr>
+              <a:t> the buffers are </a:t>
+            </a:r>
+            <a:r>
+              <a:rPr lang="it-IT" sz="1200" dirty="0" err="1">
+                <a:ea typeface="+mn-lt"/>
+                <a:cs typeface="+mn-lt"/>
+              </a:rPr>
+              <a:t>completely</a:t>
+            </a:r>
+            <a:r>
+              <a:rPr lang="it-IT" sz="1200" dirty="0">
+                <a:ea typeface="+mn-lt"/>
+                <a:cs typeface="+mn-lt"/>
+              </a:rPr>
+              <a:t> </a:t>
+            </a:r>
+            <a:r>
+              <a:rPr lang="it-IT" sz="1200" dirty="0" err="1">
+                <a:ea typeface="+mn-lt"/>
+                <a:cs typeface="+mn-lt"/>
+              </a:rPr>
+              <a:t>drained</a:t>
+            </a:r>
+            <a:endParaRPr lang="it-IT" sz="1200" dirty="0">
+              <a:ea typeface="+mn-lt"/>
+              <a:cs typeface="+mn-lt"/>
+            </a:endParaRPr>
+          </a:p>
+          <a:p>
+            <a:pPr algn="l">
+              <a:lnSpc>
+                <a:spcPct val="150000"/>
+              </a:lnSpc>
+            </a:pPr>
+            <a:r>
+              <a:rPr lang="it-IT" sz="1200" dirty="0" err="1">
+                <a:ea typeface="+mn-lt"/>
+                <a:cs typeface="+mn-lt"/>
+              </a:rPr>
+              <a:t>Eviction</a:t>
+            </a:r>
+            <a:r>
+              <a:rPr lang="it-IT" sz="1200" dirty="0">
+                <a:ea typeface="+mn-lt"/>
+                <a:cs typeface="+mn-lt"/>
+              </a:rPr>
+              <a:t>: </a:t>
+            </a:r>
+            <a:r>
+              <a:rPr lang="it-IT" b="1" dirty="0">
+                <a:ea typeface="+mn-lt"/>
+                <a:cs typeface="+mn-lt"/>
+              </a:rPr>
+              <a:t> </a:t>
+            </a:r>
+            <a:r>
+              <a:rPr lang="it-IT" b="1" dirty="0" err="1">
+                <a:ea typeface="+mn-lt"/>
+                <a:cs typeface="+mn-lt"/>
+              </a:rPr>
+              <a:t>Eviction</a:t>
+            </a:r>
+            <a:endParaRPr lang="it-IT" dirty="0"/>
+          </a:p>
+          <a:p>
+            <a:pPr algn="l"/>
+            <a:r>
+              <a:rPr lang="it-IT" sz="1200" dirty="0" err="1">
+                <a:ea typeface="+mn-lt"/>
+                <a:cs typeface="+mn-lt"/>
+              </a:rPr>
+              <a:t>We</a:t>
+            </a:r>
+            <a:r>
+              <a:rPr lang="it-IT" sz="1200" dirty="0">
+                <a:ea typeface="+mn-lt"/>
+                <a:cs typeface="+mn-lt"/>
+              </a:rPr>
+              <a:t> can control the </a:t>
+            </a:r>
+            <a:r>
+              <a:rPr lang="it-IT" sz="1200" dirty="0" err="1">
+                <a:ea typeface="+mn-lt"/>
+                <a:cs typeface="+mn-lt"/>
+              </a:rPr>
+              <a:t>values</a:t>
+            </a:r>
+            <a:r>
+              <a:rPr lang="it-IT" sz="1200" dirty="0">
+                <a:ea typeface="+mn-lt"/>
+                <a:cs typeface="+mn-lt"/>
+              </a:rPr>
+              <a:t> </a:t>
+            </a:r>
+            <a:r>
+              <a:rPr lang="it-IT" sz="1200" dirty="0" err="1">
+                <a:ea typeface="+mn-lt"/>
+                <a:cs typeface="+mn-lt"/>
+              </a:rPr>
+              <a:t>that</a:t>
+            </a:r>
+            <a:r>
+              <a:rPr lang="it-IT" sz="1200" dirty="0">
+                <a:ea typeface="+mn-lt"/>
+                <a:cs typeface="+mn-lt"/>
+              </a:rPr>
+              <a:t> </a:t>
+            </a:r>
+            <a:r>
+              <a:rPr lang="it-IT" sz="1200" dirty="0" err="1">
+                <a:ea typeface="+mn-lt"/>
+                <a:cs typeface="+mn-lt"/>
+              </a:rPr>
+              <a:t>we</a:t>
+            </a:r>
+            <a:r>
+              <a:rPr lang="it-IT" sz="1200" dirty="0">
+                <a:ea typeface="+mn-lt"/>
+                <a:cs typeface="+mn-lt"/>
+              </a:rPr>
+              <a:t> leak from the </a:t>
+            </a:r>
+            <a:r>
+              <a:rPr lang="it-IT" sz="1200" dirty="0" err="1">
+                <a:ea typeface="+mn-lt"/>
+                <a:cs typeface="+mn-lt"/>
+              </a:rPr>
+              <a:t>victim</a:t>
+            </a:r>
+            <a:r>
+              <a:rPr lang="it-IT" sz="1200" dirty="0">
+                <a:ea typeface="+mn-lt"/>
+                <a:cs typeface="+mn-lt"/>
+              </a:rPr>
+              <a:t> by </a:t>
+            </a:r>
+            <a:r>
+              <a:rPr lang="it-IT" sz="1200" dirty="0" err="1">
+                <a:ea typeface="+mn-lt"/>
+                <a:cs typeface="+mn-lt"/>
+              </a:rPr>
+              <a:t>evicting</a:t>
+            </a:r>
+            <a:r>
+              <a:rPr lang="it-IT" sz="1200" dirty="0">
+                <a:ea typeface="+mn-lt"/>
+                <a:cs typeface="+mn-lt"/>
+              </a:rPr>
+              <a:t> cache entries from the cache set in </a:t>
+            </a:r>
+            <a:r>
+              <a:rPr lang="it-IT" sz="1200" dirty="0" err="1">
+                <a:ea typeface="+mn-lt"/>
+                <a:cs typeface="+mn-lt"/>
+              </a:rPr>
+              <a:t>which</a:t>
+            </a:r>
+            <a:r>
+              <a:rPr lang="it-IT" sz="1200" dirty="0">
+                <a:ea typeface="+mn-lt"/>
+                <a:cs typeface="+mn-lt"/>
+              </a:rPr>
+              <a:t> </a:t>
+            </a:r>
+            <a:r>
+              <a:rPr lang="it-IT" sz="1200" dirty="0" err="1">
+                <a:ea typeface="+mn-lt"/>
+                <a:cs typeface="+mn-lt"/>
+              </a:rPr>
+              <a:t>we</a:t>
+            </a:r>
+            <a:r>
+              <a:rPr lang="it-IT" sz="1200" dirty="0">
+                <a:ea typeface="+mn-lt"/>
+                <a:cs typeface="+mn-lt"/>
+              </a:rPr>
+              <a:t> are </a:t>
+            </a:r>
+            <a:r>
+              <a:rPr lang="it-IT" sz="1200" dirty="0" err="1">
+                <a:ea typeface="+mn-lt"/>
+                <a:cs typeface="+mn-lt"/>
+              </a:rPr>
+              <a:t>interested</a:t>
+            </a:r>
+            <a:r>
+              <a:rPr lang="it-IT" sz="1200" dirty="0">
+                <a:ea typeface="+mn-lt"/>
+                <a:cs typeface="+mn-lt"/>
+              </a:rPr>
+              <a:t>. </a:t>
+            </a:r>
+            <a:r>
+              <a:rPr lang="it-IT" sz="1200" dirty="0" err="1">
+                <a:ea typeface="+mn-lt"/>
+                <a:cs typeface="+mn-lt"/>
+              </a:rPr>
+              <a:t>If</a:t>
+            </a:r>
+            <a:r>
+              <a:rPr lang="it-IT" sz="1200" dirty="0">
+                <a:ea typeface="+mn-lt"/>
+                <a:cs typeface="+mn-lt"/>
+              </a:rPr>
+              <a:t> </a:t>
+            </a:r>
+            <a:r>
+              <a:rPr lang="it-IT" sz="1200" dirty="0" err="1">
+                <a:ea typeface="+mn-lt"/>
+                <a:cs typeface="+mn-lt"/>
+              </a:rPr>
+              <a:t>these</a:t>
+            </a:r>
+            <a:r>
+              <a:rPr lang="it-IT" sz="1200" dirty="0">
+                <a:ea typeface="+mn-lt"/>
+                <a:cs typeface="+mn-lt"/>
+              </a:rPr>
+              <a:t> cache lines </a:t>
+            </a:r>
+            <a:r>
+              <a:rPr lang="it-IT" sz="1200" dirty="0" err="1">
+                <a:ea typeface="+mn-lt"/>
+                <a:cs typeface="+mn-lt"/>
+              </a:rPr>
+              <a:t>were</a:t>
+            </a:r>
+            <a:r>
+              <a:rPr lang="it-IT" sz="1200" dirty="0">
+                <a:ea typeface="+mn-lt"/>
+                <a:cs typeface="+mn-lt"/>
+              </a:rPr>
+              <a:t> </a:t>
+            </a:r>
+            <a:r>
+              <a:rPr lang="it-IT" sz="1200" dirty="0" err="1">
+                <a:ea typeface="+mn-lt"/>
+                <a:cs typeface="+mn-lt"/>
+              </a:rPr>
+              <a:t>dirty</a:t>
+            </a:r>
+            <a:r>
+              <a:rPr lang="it-IT" sz="1200" dirty="0">
+                <a:ea typeface="+mn-lt"/>
+                <a:cs typeface="+mn-lt"/>
+              </a:rPr>
+              <a:t>, the processor </a:t>
+            </a:r>
+            <a:r>
+              <a:rPr lang="it-IT" sz="1200" dirty="0" err="1">
+                <a:ea typeface="+mn-lt"/>
+                <a:cs typeface="+mn-lt"/>
+              </a:rPr>
+              <a:t>has</a:t>
+            </a:r>
+            <a:r>
+              <a:rPr lang="it-IT" sz="1200" dirty="0">
+                <a:ea typeface="+mn-lt"/>
+                <a:cs typeface="+mn-lt"/>
+              </a:rPr>
+              <a:t> to </a:t>
+            </a:r>
+            <a:r>
+              <a:rPr lang="it-IT" sz="1200" dirty="0" err="1">
+                <a:ea typeface="+mn-lt"/>
+                <a:cs typeface="+mn-lt"/>
+              </a:rPr>
+              <a:t>write</a:t>
+            </a:r>
+            <a:r>
+              <a:rPr lang="it-IT" sz="1200" dirty="0">
+                <a:ea typeface="+mn-lt"/>
+                <a:cs typeface="+mn-lt"/>
+              </a:rPr>
+              <a:t> </a:t>
+            </a:r>
+            <a:r>
+              <a:rPr lang="it-IT" sz="1200" dirty="0" err="1">
+                <a:ea typeface="+mn-lt"/>
+                <a:cs typeface="+mn-lt"/>
+              </a:rPr>
+              <a:t>them</a:t>
+            </a:r>
+            <a:r>
+              <a:rPr lang="it-IT" sz="1200" dirty="0">
+                <a:ea typeface="+mn-lt"/>
+                <a:cs typeface="+mn-lt"/>
+              </a:rPr>
+              <a:t> back </a:t>
+            </a:r>
+            <a:r>
+              <a:rPr lang="it-IT" sz="1200" dirty="0" err="1">
+                <a:ea typeface="+mn-lt"/>
+                <a:cs typeface="+mn-lt"/>
+              </a:rPr>
+              <a:t>through</a:t>
+            </a:r>
+            <a:r>
+              <a:rPr lang="it-IT" sz="1200" dirty="0">
+                <a:ea typeface="+mn-lt"/>
+                <a:cs typeface="+mn-lt"/>
+              </a:rPr>
+              <a:t> the </a:t>
+            </a:r>
+            <a:r>
+              <a:rPr lang="it-IT" sz="1200" dirty="0" err="1">
+                <a:ea typeface="+mn-lt"/>
+                <a:cs typeface="+mn-lt"/>
+              </a:rPr>
+              <a:t>memory</a:t>
+            </a:r>
+            <a:r>
+              <a:rPr lang="it-IT" sz="1200" dirty="0">
+                <a:ea typeface="+mn-lt"/>
+                <a:cs typeface="+mn-lt"/>
+              </a:rPr>
+              <a:t> </a:t>
+            </a:r>
+            <a:r>
+              <a:rPr lang="it-IT" sz="1200" dirty="0" err="1">
+                <a:ea typeface="+mn-lt"/>
+                <a:cs typeface="+mn-lt"/>
+              </a:rPr>
+              <a:t>hierarchy</a:t>
+            </a:r>
+            <a:r>
+              <a:rPr lang="it-IT" sz="1200" dirty="0">
+                <a:ea typeface="+mn-lt"/>
+                <a:cs typeface="+mn-lt"/>
+              </a:rPr>
+              <a:t> and </a:t>
+            </a:r>
+            <a:r>
+              <a:rPr lang="it-IT" sz="1200" dirty="0" err="1">
+                <a:ea typeface="+mn-lt"/>
+                <a:cs typeface="+mn-lt"/>
+              </a:rPr>
+              <a:t>will</a:t>
+            </a:r>
+            <a:r>
+              <a:rPr lang="it-IT" sz="1200" dirty="0">
+                <a:ea typeface="+mn-lt"/>
+                <a:cs typeface="+mn-lt"/>
+              </a:rPr>
+              <a:t> do </a:t>
+            </a:r>
+            <a:r>
+              <a:rPr lang="it-IT" sz="1200" dirty="0" err="1">
+                <a:ea typeface="+mn-lt"/>
+                <a:cs typeface="+mn-lt"/>
+              </a:rPr>
+              <a:t>this</a:t>
+            </a:r>
+            <a:r>
+              <a:rPr lang="it-IT" sz="1200" dirty="0">
+                <a:ea typeface="+mn-lt"/>
+                <a:cs typeface="+mn-lt"/>
+              </a:rPr>
+              <a:t> </a:t>
+            </a:r>
+            <a:r>
+              <a:rPr lang="it-IT" sz="1200" dirty="0" err="1">
+                <a:ea typeface="+mn-lt"/>
+                <a:cs typeface="+mn-lt"/>
+              </a:rPr>
+              <a:t>through</a:t>
+            </a:r>
+            <a:r>
+              <a:rPr lang="it-IT" sz="1200" dirty="0">
+                <a:ea typeface="+mn-lt"/>
+                <a:cs typeface="+mn-lt"/>
+              </a:rPr>
+              <a:t> the LFB.</a:t>
+            </a:r>
+            <a:endParaRPr lang="it-IT" dirty="0"/>
+          </a:p>
+        </p:txBody>
+      </p:sp>
+      <p:sp>
+        <p:nvSpPr>
+          <p:cNvPr id="4" name="Segnaposto numero diapositiva 3"/>
+          <p:cNvSpPr>
+            <a:spLocks noGrp="1"/>
+          </p:cNvSpPr>
+          <p:nvPr>
+            <p:ph type="sldNum" sz="quarter" idx="5"/>
+          </p:nvPr>
+        </p:nvSpPr>
+        <p:spPr/>
+        <p:txBody>
+          <a:bodyPr/>
+          <a:lstStyle/>
+          <a:p>
+            <a:fld id="{5FA09126-2FC3-494C-AD10-3359904C3E9E}" type="slidenum">
+              <a:rPr lang="it-IT" smtClean="0"/>
+              <a:t>6</a:t>
+            </a:fld>
+            <a:endParaRPr lang="it-IT"/>
+          </a:p>
+        </p:txBody>
+      </p:sp>
+    </p:spTree>
+    <p:extLst>
+      <p:ext uri="{BB962C8B-B14F-4D97-AF65-F5344CB8AC3E}">
+        <p14:creationId xmlns:p14="http://schemas.microsoft.com/office/powerpoint/2010/main" val="1813981597"/>
+      </p:ext>
+    </p:extLst>
+  </p:cSld>
+  <p:clrMapOvr>
+    <a:masterClrMapping/>
+  </p:clrMapOvr>
+</p:notes>
+</file>
+
+<file path=ppt/notesSlides/notesSlide4.xml><?xml version="1.0" encoding="utf-8"?>
+<p:notes xmlns:a="http://schemas.openxmlformats.org/drawingml/2006/main" xmlns:r="http://schemas.openxmlformats.org/officeDocument/2006/relationships" xmlns:p="http://schemas.openxmlformats.org/presentationml/2006/main">
+  <p:cSld>
+    <p:spTree>
+      <p:nvGrpSpPr>
+        <p:cNvPr id="1" name=""/>
+        <p:cNvGrpSpPr/>
+        <p:nvPr/>
+      </p:nvGrpSpPr>
+      <p:grpSpPr>
+        <a:xfrm>
+          <a:off x="0" y="0"/>
+          <a:ext cx="0" cy="0"/>
+          <a:chOff x="0" y="0"/>
+          <a:chExt cx="0" cy="0"/>
+        </a:xfrm>
+      </p:grpSpPr>
+      <p:sp>
+        <p:nvSpPr>
+          <p:cNvPr id="2" name="Segnaposto immagine diapositiva 1"/>
+          <p:cNvSpPr>
+            <a:spLocks noGrp="1" noRot="1" noChangeAspect="1"/>
+          </p:cNvSpPr>
+          <p:nvPr>
+            <p:ph type="sldImg"/>
+          </p:nvPr>
+        </p:nvSpPr>
+        <p:spPr/>
+      </p:sp>
+      <p:sp>
+        <p:nvSpPr>
+          <p:cNvPr id="3" name="Segnaposto note 2"/>
+          <p:cNvSpPr>
+            <a:spLocks noGrp="1"/>
+          </p:cNvSpPr>
+          <p:nvPr>
+            <p:ph type="body" idx="1"/>
+          </p:nvPr>
+        </p:nvSpPr>
+        <p:spPr/>
+        <p:txBody>
+          <a:bodyPr/>
+          <a:lstStyle/>
+          <a:p>
+            <a:pPr marL="0" marR="0" lvl="0" indent="0" algn="l" defTabSz="914400" rtl="0" eaLnBrk="1" fontAlgn="auto" latinLnBrk="0" hangingPunct="1">
+              <a:lnSpc>
+                <a:spcPct val="100000"/>
+              </a:lnSpc>
+              <a:spcBef>
+                <a:spcPts val="0"/>
+              </a:spcBef>
+              <a:spcAft>
+                <a:spcPts val="0"/>
+              </a:spcAft>
+              <a:buClrTx/>
+              <a:buSzTx/>
+              <a:buFontTx/>
+              <a:buNone/>
+              <a:tabLst/>
+              <a:defRPr/>
+            </a:pPr>
+            <a:r>
+              <a:rPr lang="it-IT" dirty="0"/>
+              <a:t>2. RIDL </a:t>
+            </a:r>
+            <a:r>
+              <a:rPr lang="it-IT" dirty="0" err="1"/>
+              <a:t>demonstrates</a:t>
+            </a:r>
+            <a:r>
+              <a:rPr lang="it-IT" dirty="0"/>
+              <a:t> </a:t>
+            </a:r>
+            <a:r>
+              <a:rPr lang="it-IT" dirty="0" err="1"/>
+              <a:t>that</a:t>
+            </a:r>
+            <a:r>
+              <a:rPr lang="it-IT" dirty="0"/>
+              <a:t> </a:t>
+            </a:r>
+            <a:r>
+              <a:rPr lang="it-IT" dirty="0" err="1"/>
+              <a:t>not</a:t>
+            </a:r>
+            <a:r>
+              <a:rPr lang="it-IT" dirty="0"/>
+              <a:t> </a:t>
+            </a:r>
+            <a:r>
+              <a:rPr lang="it-IT" dirty="0" err="1"/>
+              <a:t>all</a:t>
+            </a:r>
+            <a:r>
+              <a:rPr lang="it-IT" dirty="0"/>
+              <a:t> the sources of data </a:t>
+            </a:r>
+            <a:r>
+              <a:rPr lang="it-IT" dirty="0" err="1"/>
+              <a:t>speculation</a:t>
+            </a:r>
+            <a:r>
+              <a:rPr lang="it-IT" dirty="0"/>
+              <a:t> </a:t>
+            </a:r>
+            <a:r>
+              <a:rPr lang="it-IT" dirty="0" err="1"/>
+              <a:t>rely</a:t>
+            </a:r>
+            <a:r>
+              <a:rPr lang="it-IT" dirty="0"/>
+              <a:t> on </a:t>
+            </a:r>
+            <a:r>
+              <a:rPr lang="it-IT" dirty="0" err="1"/>
+              <a:t>this</a:t>
+            </a:r>
+            <a:r>
+              <a:rPr lang="it-IT" dirty="0"/>
+              <a:t> </a:t>
+            </a:r>
+            <a:r>
+              <a:rPr lang="it-IT" dirty="0" err="1"/>
+              <a:t>assumption</a:t>
+            </a:r>
+            <a:r>
+              <a:rPr lang="it-IT" dirty="0"/>
+              <a:t>)</a:t>
+            </a:r>
+          </a:p>
+        </p:txBody>
+      </p:sp>
+      <p:sp>
+        <p:nvSpPr>
+          <p:cNvPr id="4" name="Segnaposto numero diapositiva 3"/>
+          <p:cNvSpPr>
+            <a:spLocks noGrp="1"/>
+          </p:cNvSpPr>
+          <p:nvPr>
+            <p:ph type="sldNum" sz="quarter" idx="5"/>
+          </p:nvPr>
+        </p:nvSpPr>
+        <p:spPr/>
+        <p:txBody>
+          <a:bodyPr/>
+          <a:lstStyle/>
+          <a:p>
+            <a:fld id="{5FA09126-2FC3-494C-AD10-3359904C3E9E}" type="slidenum">
+              <a:rPr lang="it-IT" smtClean="0"/>
+              <a:t>10</a:t>
+            </a:fld>
+            <a:endParaRPr lang="it-IT"/>
+          </a:p>
+        </p:txBody>
+      </p:sp>
+    </p:spTree>
+    <p:extLst>
+      <p:ext uri="{BB962C8B-B14F-4D97-AF65-F5344CB8AC3E}">
+        <p14:creationId xmlns:p14="http://schemas.microsoft.com/office/powerpoint/2010/main" val="209319917"/>
+      </p:ext>
+    </p:extLst>
+  </p:cSld>
+  <p:clrMapOvr>
+    <a:masterClrMapping/>
+  </p:clrMapOvr>
+</p:notes>
+</file>
+
+<file path=ppt/notesSlides/notesSlide5.xml><?xml version="1.0" encoding="utf-8"?>
+<p:notes xmlns:a="http://schemas.openxmlformats.org/drawingml/2006/main" xmlns:r="http://schemas.openxmlformats.org/officeDocument/2006/relationships" xmlns:p="http://schemas.openxmlformats.org/presentationml/2006/main">
+  <p:cSld>
+    <p:spTree>
+      <p:nvGrpSpPr>
+        <p:cNvPr id="1" name=""/>
+        <p:cNvGrpSpPr/>
+        <p:nvPr/>
+      </p:nvGrpSpPr>
+      <p:grpSpPr>
+        <a:xfrm>
+          <a:off x="0" y="0"/>
+          <a:ext cx="0" cy="0"/>
+          <a:chOff x="0" y="0"/>
+          <a:chExt cx="0" cy="0"/>
+        </a:xfrm>
+      </p:grpSpPr>
+      <p:sp>
+        <p:nvSpPr>
+          <p:cNvPr id="2" name="Segnaposto immagine diapositiva 1"/>
+          <p:cNvSpPr>
+            <a:spLocks noGrp="1" noRot="1" noChangeAspect="1"/>
+          </p:cNvSpPr>
+          <p:nvPr>
+            <p:ph type="sldImg"/>
+          </p:nvPr>
+        </p:nvSpPr>
+        <p:spPr/>
+      </p:sp>
+      <p:sp>
+        <p:nvSpPr>
+          <p:cNvPr id="3" name="Segnaposto note 2"/>
+          <p:cNvSpPr>
+            <a:spLocks noGrp="1"/>
+          </p:cNvSpPr>
+          <p:nvPr>
+            <p:ph type="body" idx="1"/>
+          </p:nvPr>
+        </p:nvSpPr>
+        <p:spPr/>
+        <p:txBody>
+          <a:bodyPr/>
+          <a:lstStyle/>
+          <a:p>
+            <a:pPr marL="0" marR="0" lvl="0" indent="0" algn="l" defTabSz="914400" rtl="0" eaLnBrk="1" fontAlgn="auto" latinLnBrk="0" hangingPunct="1">
+              <a:lnSpc>
+                <a:spcPct val="100000"/>
+              </a:lnSpc>
+              <a:spcBef>
+                <a:spcPts val="0"/>
+              </a:spcBef>
+              <a:spcAft>
+                <a:spcPts val="0"/>
+              </a:spcAft>
+              <a:buClrTx/>
+              <a:buSzTx/>
+              <a:buFontTx/>
+              <a:buNone/>
+              <a:tabLst/>
+              <a:defRPr/>
+            </a:pPr>
+            <a:r>
+              <a:rPr lang="it-IT" dirty="0"/>
+              <a:t>2. Flush the LFB </a:t>
+            </a:r>
+            <a:r>
+              <a:rPr lang="it-IT" dirty="0" err="1"/>
+              <a:t>when</a:t>
+            </a:r>
+            <a:r>
+              <a:rPr lang="it-IT" dirty="0"/>
+              <a:t> </a:t>
+            </a:r>
+            <a:r>
+              <a:rPr lang="it-IT" dirty="0" err="1"/>
+              <a:t>going</a:t>
+            </a:r>
+            <a:r>
+              <a:rPr lang="it-IT" dirty="0"/>
+              <a:t> back from kernel to user, or from </a:t>
+            </a:r>
+            <a:r>
+              <a:rPr lang="it-IT" dirty="0" err="1"/>
+              <a:t>hypervisor</a:t>
+            </a:r>
+            <a:r>
+              <a:rPr lang="it-IT" dirty="0"/>
+              <a:t> to VM </a:t>
+            </a:r>
+            <a:r>
+              <a:rPr lang="it-IT" dirty="0" err="1"/>
+              <a:t>execution</a:t>
+            </a:r>
+            <a:endParaRPr lang="it-IT" dirty="0"/>
+          </a:p>
+        </p:txBody>
+      </p:sp>
+      <p:sp>
+        <p:nvSpPr>
+          <p:cNvPr id="4" name="Segnaposto numero diapositiva 3"/>
+          <p:cNvSpPr>
+            <a:spLocks noGrp="1"/>
+          </p:cNvSpPr>
+          <p:nvPr>
+            <p:ph type="sldNum" sz="quarter" idx="5"/>
+          </p:nvPr>
+        </p:nvSpPr>
+        <p:spPr/>
+        <p:txBody>
+          <a:bodyPr/>
+          <a:lstStyle/>
+          <a:p>
+            <a:fld id="{5FA09126-2FC3-494C-AD10-3359904C3E9E}" type="slidenum">
+              <a:rPr lang="it-IT" smtClean="0"/>
+              <a:t>12</a:t>
+            </a:fld>
+            <a:endParaRPr lang="it-IT"/>
+          </a:p>
+        </p:txBody>
+      </p:sp>
+    </p:spTree>
+    <p:extLst>
+      <p:ext uri="{BB962C8B-B14F-4D97-AF65-F5344CB8AC3E}">
+        <p14:creationId xmlns:p14="http://schemas.microsoft.com/office/powerpoint/2010/main" val="2833730062"/>
+      </p:ext>
+    </p:extLst>
+  </p:cSld>
+  <p:clrMapOvr>
+    <a:masterClrMapping/>
+  </p:clrMapOvr>
+</p:notes>
+</file>
+
+<file path=ppt/notesSlides/notesSlide6.xml><?xml version="1.0" encoding="utf-8"?>
+<p:notes xmlns:a="http://schemas.openxmlformats.org/drawingml/2006/main" xmlns:r="http://schemas.openxmlformats.org/officeDocument/2006/relationships" xmlns:p="http://schemas.openxmlformats.org/presentationml/2006/main">
+  <p:cSld>
+    <p:spTree>
+      <p:nvGrpSpPr>
+        <p:cNvPr id="1" name=""/>
+        <p:cNvGrpSpPr/>
+        <p:nvPr/>
+      </p:nvGrpSpPr>
+      <p:grpSpPr>
+        <a:xfrm>
+          <a:off x="0" y="0"/>
+          <a:ext cx="0" cy="0"/>
+          <a:chOff x="0" y="0"/>
+          <a:chExt cx="0" cy="0"/>
+        </a:xfrm>
+      </p:grpSpPr>
+      <p:sp>
+        <p:nvSpPr>
+          <p:cNvPr id="2" name="Segnaposto immagine diapositiva 1"/>
+          <p:cNvSpPr>
+            <a:spLocks noGrp="1" noRot="1" noChangeAspect="1"/>
+          </p:cNvSpPr>
+          <p:nvPr>
+            <p:ph type="sldImg"/>
+          </p:nvPr>
+        </p:nvSpPr>
+        <p:spPr/>
+      </p:sp>
+      <p:sp>
+        <p:nvSpPr>
+          <p:cNvPr id="3" name="Segnaposto note 2"/>
+          <p:cNvSpPr>
+            <a:spLocks noGrp="1"/>
+          </p:cNvSpPr>
+          <p:nvPr>
+            <p:ph type="body" idx="1"/>
+          </p:nvPr>
+        </p:nvSpPr>
+        <p:spPr/>
+        <p:txBody>
+          <a:bodyPr/>
+          <a:lstStyle/>
+          <a:p>
+            <a:pPr marL="0" marR="0" lvl="0" indent="0" algn="l" defTabSz="914400" rtl="0" eaLnBrk="1" fontAlgn="auto" latinLnBrk="0" hangingPunct="1">
+              <a:lnSpc>
+                <a:spcPct val="100000"/>
+              </a:lnSpc>
+              <a:spcBef>
+                <a:spcPts val="0"/>
+              </a:spcBef>
+              <a:spcAft>
+                <a:spcPts val="0"/>
+              </a:spcAft>
+              <a:buClrTx/>
+              <a:buSzTx/>
+              <a:buFontTx/>
+              <a:buNone/>
+              <a:tabLst/>
+              <a:defRPr/>
+            </a:pPr>
+            <a:endParaRPr lang="it-IT" dirty="0"/>
+          </a:p>
+        </p:txBody>
+      </p:sp>
+      <p:sp>
+        <p:nvSpPr>
+          <p:cNvPr id="4" name="Segnaposto numero diapositiva 3"/>
+          <p:cNvSpPr>
+            <a:spLocks noGrp="1"/>
+          </p:cNvSpPr>
+          <p:nvPr>
+            <p:ph type="sldNum" sz="quarter" idx="5"/>
+          </p:nvPr>
+        </p:nvSpPr>
+        <p:spPr/>
+        <p:txBody>
+          <a:bodyPr/>
+          <a:lstStyle/>
+          <a:p>
+            <a:fld id="{5FA09126-2FC3-494C-AD10-3359904C3E9E}" type="slidenum">
+              <a:rPr lang="it-IT" smtClean="0"/>
+              <a:t>13</a:t>
+            </a:fld>
+            <a:endParaRPr lang="it-IT"/>
+          </a:p>
+        </p:txBody>
+      </p:sp>
+    </p:spTree>
+    <p:extLst>
+      <p:ext uri="{BB962C8B-B14F-4D97-AF65-F5344CB8AC3E}">
+        <p14:creationId xmlns:p14="http://schemas.microsoft.com/office/powerpoint/2010/main" val="416344128"/>
+      </p:ext>
+    </p:extLst>
+  </p:cSld>
+  <p:clrMapOvr>
+    <a:masterClrMapping/>
+  </p:clrMapOvr>
+</p:notes>
 </file>
 
 <file path=ppt/slideLayouts/slideLayout1.xml><?xml version="1.0" encoding="utf-8"?>
@@ -2401,16 +4133,26 @@
           <a:p>
             <a:pPr lvl="1" algn="just"/>
             <a:r>
-              <a:rPr lang="it-IT" sz="3200" spc="-1">
+              <a:rPr lang="it-IT" sz="3200" spc="-1" dirty="0" err="1">
                 <a:solidFill>
                   <a:srgbClr val="3465A4"/>
                 </a:solidFill>
                 <a:latin typeface="Arial"/>
                 <a:cs typeface="Arial"/>
               </a:rPr>
-              <a:t>Behaveour </a:t>
-            </a:r>
-            <a:endParaRPr lang="it-IT" sz="3200" spc="-1">
+              <a:t>Behaviour</a:t>
+            </a:r>
+            <a:r>
+              <a:rPr lang="it-IT" sz="3200" spc="-1" dirty="0">
+                <a:solidFill>
+                  <a:srgbClr val="3465A4"/>
+                </a:solidFill>
+                <a:latin typeface="Arial"/>
+                <a:cs typeface="Arial"/>
+              </a:rPr>
+              <a:t> </a:t>
+            </a:r>
+            <a:endParaRPr lang="it-IT" sz="3200" spc="-1" dirty="0">
               <a:solidFill>
                 <a:srgbClr val="3465A4"/>
               </a:solidFill>
@@ -2459,6 +4201,1314 @@
         </p:txBody>
       </p:sp>
     </p:spTree>
+  </p:cSld>
+  <p:clrMapOvr>
+    <a:masterClrMapping/>
+  </p:clrMapOvr>
+</p:sld>
+</file>
+
+<file path=ppt/slides/slide10.xml><?xml version="1.0" encoding="utf-8"?>
+<p:sld xmlns:a="http://schemas.openxmlformats.org/drawingml/2006/main" xmlns:r="http://schemas.openxmlformats.org/officeDocument/2006/relationships" xmlns:p="http://schemas.openxmlformats.org/presentationml/2006/main">
+  <p:cSld>
+    <p:spTree>
+      <p:nvGrpSpPr>
+        <p:cNvPr id="1" name=""/>
+        <p:cNvGrpSpPr/>
+        <p:nvPr/>
+      </p:nvGrpSpPr>
+      <p:grpSpPr>
+        <a:xfrm>
+          <a:off x="0" y="0"/>
+          <a:ext cx="0" cy="0"/>
+          <a:chOff x="0" y="0"/>
+          <a:chExt cx="0" cy="0"/>
+        </a:xfrm>
+      </p:grpSpPr>
+      <p:sp>
+        <p:nvSpPr>
+          <p:cNvPr id="2" name="Titolo 1">
+            <a:extLst>
+              <a:ext uri="{FF2B5EF4-FFF2-40B4-BE49-F238E27FC236}">
+                <a16:creationId xmlns:a16="http://schemas.microsoft.com/office/drawing/2014/main" id="{737972AB-B4B8-4A4A-8AD6-F2462FFA153F}"/>
+              </a:ext>
+            </a:extLst>
+          </p:cNvPr>
+          <p:cNvSpPr>
+            <a:spLocks noGrp="1"/>
+          </p:cNvSpPr>
+          <p:nvPr>
+            <p:ph type="title"/>
+          </p:nvPr>
+        </p:nvSpPr>
+        <p:spPr>
+          <a:xfrm>
+            <a:off x="504000" y="226080"/>
+            <a:ext cx="9071640" cy="719582"/>
+          </a:xfrm>
+        </p:spPr>
+        <p:txBody>
+          <a:bodyPr/>
+          <a:lstStyle/>
+          <a:p>
+            <a:r>
+              <a:rPr lang="it-IT" dirty="0" err="1"/>
+              <a:t>Existing</a:t>
+            </a:r>
+            <a:r>
+              <a:rPr lang="it-IT" dirty="0"/>
+              <a:t> </a:t>
+            </a:r>
+            <a:r>
+              <a:rPr lang="it-IT" dirty="0" err="1"/>
+              <a:t>mitigations</a:t>
+            </a:r>
+            <a:r>
+              <a:rPr lang="it-IT" dirty="0"/>
+              <a:t> for </a:t>
+            </a:r>
+            <a:r>
+              <a:rPr lang="it-IT" dirty="0" err="1"/>
+              <a:t>old</a:t>
+            </a:r>
+            <a:r>
+              <a:rPr lang="it-IT" dirty="0"/>
+              <a:t> </a:t>
+            </a:r>
+            <a:r>
+              <a:rPr lang="it-IT" dirty="0" err="1"/>
+              <a:t>attacks</a:t>
+            </a:r>
+            <a:endParaRPr lang="it-IT" dirty="0"/>
+          </a:p>
+        </p:txBody>
+      </p:sp>
+      <p:sp>
+        <p:nvSpPr>
+          <p:cNvPr id="3" name="Sottotitolo 2">
+            <a:extLst>
+              <a:ext uri="{FF2B5EF4-FFF2-40B4-BE49-F238E27FC236}">
+                <a16:creationId xmlns:a16="http://schemas.microsoft.com/office/drawing/2014/main" id="{96968A36-06BE-4EA4-AA97-4F0C928934D4}"/>
+              </a:ext>
+            </a:extLst>
+          </p:cNvPr>
+          <p:cNvSpPr>
+            <a:spLocks noGrp="1"/>
+          </p:cNvSpPr>
+          <p:nvPr>
+            <p:ph type="subTitle"/>
+          </p:nvPr>
+        </p:nvSpPr>
+        <p:spPr>
+          <a:xfrm>
+            <a:off x="504000" y="1109785"/>
+            <a:ext cx="9071640" cy="3871790"/>
+          </a:xfrm>
+        </p:spPr>
+        <p:txBody>
+          <a:bodyPr/>
+          <a:lstStyle/>
+          <a:p>
+            <a:pPr marL="0" indent="0">
+              <a:lnSpc>
+                <a:spcPct val="200000"/>
+              </a:lnSpc>
+              <a:buNone/>
+            </a:pPr>
+            <a:r>
+              <a:rPr lang="it-IT" sz="2400" dirty="0" err="1"/>
+              <a:t>Older</a:t>
+            </a:r>
+            <a:r>
+              <a:rPr lang="it-IT" sz="2400" dirty="0"/>
+              <a:t> speculative </a:t>
+            </a:r>
+            <a:r>
+              <a:rPr lang="it-IT" sz="2400" dirty="0" err="1"/>
+              <a:t>execution</a:t>
+            </a:r>
+            <a:r>
+              <a:rPr lang="it-IT" sz="2400" dirty="0"/>
+              <a:t> </a:t>
+            </a:r>
+            <a:r>
+              <a:rPr lang="it-IT" sz="2400" dirty="0" err="1"/>
+              <a:t>attacks</a:t>
+            </a:r>
+            <a:r>
+              <a:rPr lang="it-IT" sz="2400" dirty="0"/>
+              <a:t> </a:t>
+            </a:r>
+            <a:r>
+              <a:rPr lang="it-IT" sz="2400" dirty="0" err="1"/>
+              <a:t>have</a:t>
+            </a:r>
+            <a:r>
+              <a:rPr lang="it-IT" sz="2400" dirty="0"/>
+              <a:t> </a:t>
+            </a:r>
+            <a:r>
+              <a:rPr lang="it-IT" sz="2400" dirty="0" err="1"/>
+              <a:t>been</a:t>
+            </a:r>
+            <a:r>
+              <a:rPr lang="it-IT" sz="2400" dirty="0"/>
+              <a:t> </a:t>
+            </a:r>
+            <a:r>
+              <a:rPr lang="it-IT" sz="2400" dirty="0" err="1"/>
+              <a:t>mitigated</a:t>
+            </a:r>
+            <a:r>
+              <a:rPr lang="it-IT" sz="2400" dirty="0"/>
+              <a:t> in 3 ways:</a:t>
+            </a:r>
+          </a:p>
+          <a:p>
+            <a:pPr marL="457200" indent="-457200">
+              <a:lnSpc>
+                <a:spcPct val="200000"/>
+              </a:lnSpc>
+              <a:buFont typeface="+mj-lt"/>
+              <a:buAutoNum type="arabicPeriod"/>
+            </a:pPr>
+            <a:r>
+              <a:rPr lang="it-IT" sz="2400" dirty="0" err="1"/>
+              <a:t>Inhibit</a:t>
+            </a:r>
+            <a:r>
+              <a:rPr lang="it-IT" sz="2400" dirty="0"/>
+              <a:t> the trigger of the </a:t>
+            </a:r>
+            <a:r>
+              <a:rPr lang="it-IT" sz="2400" dirty="0" err="1"/>
+              <a:t>speculation</a:t>
+            </a:r>
+            <a:r>
+              <a:rPr lang="it-IT" sz="2400" dirty="0"/>
+              <a:t> (</a:t>
+            </a:r>
+            <a:r>
+              <a:rPr lang="en-US" sz="2400" dirty="0">
+                <a:cs typeface="Arial"/>
+              </a:rPr>
+              <a:t>µ-code updates)</a:t>
+            </a:r>
+          </a:p>
+          <a:p>
+            <a:pPr marL="457200" indent="-457200">
+              <a:lnSpc>
+                <a:spcPct val="200000"/>
+              </a:lnSpc>
+              <a:buFont typeface="+mj-lt"/>
+              <a:buAutoNum type="arabicPeriod"/>
+            </a:pPr>
+            <a:r>
+              <a:rPr lang="it-IT" sz="2400" dirty="0" err="1"/>
+              <a:t>Protect</a:t>
+            </a:r>
+            <a:r>
+              <a:rPr lang="it-IT" sz="2400" dirty="0"/>
+              <a:t> the secret (KPTI for Meltdown, multi-</a:t>
+            </a:r>
+            <a:r>
+              <a:rPr lang="it-IT" sz="2400" dirty="0" err="1"/>
+              <a:t>process</a:t>
+            </a:r>
+            <a:r>
+              <a:rPr lang="it-IT" sz="2400" dirty="0"/>
+              <a:t> </a:t>
+            </a:r>
+            <a:r>
+              <a:rPr lang="it-IT" sz="2400" dirty="0" err="1"/>
+              <a:t>isolation</a:t>
+            </a:r>
+            <a:r>
+              <a:rPr lang="it-IT" sz="2400" dirty="0"/>
+              <a:t>)</a:t>
+            </a:r>
+          </a:p>
+          <a:p>
+            <a:pPr marL="457200" indent="-457200">
+              <a:lnSpc>
+                <a:spcPct val="200000"/>
+              </a:lnSpc>
+              <a:buFont typeface="+mj-lt"/>
+              <a:buAutoNum type="arabicPeriod"/>
+            </a:pPr>
+            <a:r>
+              <a:rPr lang="it-IT" sz="2400" dirty="0" err="1"/>
+              <a:t>Disrupt</a:t>
+            </a:r>
+            <a:r>
+              <a:rPr lang="it-IT" sz="2400" dirty="0"/>
+              <a:t> the </a:t>
+            </a:r>
+            <a:r>
+              <a:rPr lang="it-IT" sz="2400" dirty="0" err="1"/>
+              <a:t>channel</a:t>
+            </a:r>
+            <a:r>
+              <a:rPr lang="it-IT" sz="2400" dirty="0"/>
+              <a:t> of the </a:t>
+            </a:r>
+            <a:r>
+              <a:rPr lang="it-IT" sz="2400" dirty="0" err="1"/>
+              <a:t>leakage</a:t>
+            </a:r>
+            <a:endParaRPr lang="it-IT" sz="2400" dirty="0"/>
+          </a:p>
+        </p:txBody>
+      </p:sp>
+    </p:spTree>
+    <p:extLst>
+      <p:ext uri="{BB962C8B-B14F-4D97-AF65-F5344CB8AC3E}">
+        <p14:creationId xmlns:p14="http://schemas.microsoft.com/office/powerpoint/2010/main" val="3551772681"/>
+      </p:ext>
+    </p:extLst>
+  </p:cSld>
+  <p:clrMapOvr>
+    <a:masterClrMapping/>
+  </p:clrMapOvr>
+</p:sld>
+</file>
+
+<file path=ppt/slides/slide11.xml><?xml version="1.0" encoding="utf-8"?>
+<p:sld xmlns:a="http://schemas.openxmlformats.org/drawingml/2006/main" xmlns:r="http://schemas.openxmlformats.org/officeDocument/2006/relationships" xmlns:p="http://schemas.openxmlformats.org/presentationml/2006/main">
+  <p:cSld>
+    <p:spTree>
+      <p:nvGrpSpPr>
+        <p:cNvPr id="1" name=""/>
+        <p:cNvGrpSpPr/>
+        <p:nvPr/>
+      </p:nvGrpSpPr>
+      <p:grpSpPr>
+        <a:xfrm>
+          <a:off x="0" y="0"/>
+          <a:ext cx="0" cy="0"/>
+          <a:chOff x="0" y="0"/>
+          <a:chExt cx="0" cy="0"/>
+        </a:xfrm>
+      </p:grpSpPr>
+      <p:sp>
+        <p:nvSpPr>
+          <p:cNvPr id="2" name="Titolo 1">
+            <a:extLst>
+              <a:ext uri="{FF2B5EF4-FFF2-40B4-BE49-F238E27FC236}">
+                <a16:creationId xmlns:a16="http://schemas.microsoft.com/office/drawing/2014/main" id="{3B5E9B83-2EE3-41A5-B281-04BA6503474C}"/>
+              </a:ext>
+            </a:extLst>
+          </p:cNvPr>
+          <p:cNvSpPr>
+            <a:spLocks noGrp="1"/>
+          </p:cNvSpPr>
+          <p:nvPr>
+            <p:ph type="title"/>
+          </p:nvPr>
+        </p:nvSpPr>
+        <p:spPr/>
+        <p:txBody>
+          <a:bodyPr/>
+          <a:lstStyle/>
+          <a:p>
+            <a:r>
+              <a:rPr lang="it-IT" dirty="0" err="1"/>
+              <a:t>Existing</a:t>
+            </a:r>
+            <a:r>
+              <a:rPr lang="it-IT" dirty="0"/>
+              <a:t> </a:t>
+            </a:r>
+            <a:r>
+              <a:rPr lang="it-IT" dirty="0" err="1"/>
+              <a:t>mitigations</a:t>
+            </a:r>
+            <a:r>
+              <a:rPr lang="it-IT" dirty="0"/>
+              <a:t> for </a:t>
+            </a:r>
+            <a:r>
+              <a:rPr lang="it-IT" dirty="0" err="1"/>
+              <a:t>old</a:t>
+            </a:r>
+            <a:r>
+              <a:rPr lang="it-IT" dirty="0"/>
+              <a:t> </a:t>
+            </a:r>
+            <a:r>
+              <a:rPr lang="it-IT" dirty="0" err="1"/>
+              <a:t>attacks</a:t>
+            </a:r>
+            <a:endParaRPr lang="it-IT" dirty="0"/>
+          </a:p>
+        </p:txBody>
+      </p:sp>
+      <p:sp>
+        <p:nvSpPr>
+          <p:cNvPr id="3" name="Sottotitolo 2">
+            <a:extLst>
+              <a:ext uri="{FF2B5EF4-FFF2-40B4-BE49-F238E27FC236}">
+                <a16:creationId xmlns:a16="http://schemas.microsoft.com/office/drawing/2014/main" id="{4586ABB4-5CA9-4775-A699-8E8E7E905204}"/>
+              </a:ext>
+            </a:extLst>
+          </p:cNvPr>
+          <p:cNvSpPr>
+            <a:spLocks noGrp="1"/>
+          </p:cNvSpPr>
+          <p:nvPr>
+            <p:ph type="subTitle"/>
+          </p:nvPr>
+        </p:nvSpPr>
+        <p:spPr>
+          <a:xfrm>
+            <a:off x="504000" y="1717125"/>
+            <a:ext cx="9071640" cy="3288240"/>
+          </a:xfrm>
+        </p:spPr>
+        <p:txBody>
+          <a:bodyPr/>
+          <a:lstStyle/>
+          <a:p>
+            <a:pPr>
+              <a:lnSpc>
+                <a:spcPct val="150000"/>
+              </a:lnSpc>
+            </a:pPr>
+            <a:r>
+              <a:rPr lang="it-IT" dirty="0"/>
+              <a:t>RIDL </a:t>
+            </a:r>
+            <a:r>
+              <a:rPr lang="it-IT" dirty="0" err="1"/>
+              <a:t>is</a:t>
+            </a:r>
+            <a:r>
+              <a:rPr lang="it-IT" dirty="0"/>
+              <a:t> </a:t>
+            </a:r>
+            <a:r>
+              <a:rPr lang="it-IT" dirty="0" err="1"/>
+              <a:t>not</a:t>
+            </a:r>
+            <a:r>
+              <a:rPr lang="it-IT" dirty="0"/>
+              <a:t> </a:t>
+            </a:r>
+            <a:r>
+              <a:rPr lang="it-IT" dirty="0" err="1"/>
+              <a:t>impacted</a:t>
+            </a:r>
+            <a:r>
+              <a:rPr lang="it-IT" dirty="0"/>
+              <a:t>:</a:t>
+            </a:r>
+          </a:p>
+          <a:p>
+            <a:pPr marL="342900" indent="-342900">
+              <a:lnSpc>
+                <a:spcPct val="150000"/>
+              </a:lnSpc>
+              <a:buAutoNum type="arabicPeriod"/>
+            </a:pPr>
+            <a:r>
+              <a:rPr lang="en-US" sz="2800" dirty="0">
+                <a:cs typeface="Arial"/>
+              </a:rPr>
+              <a:t>µ-code updates</a:t>
+            </a:r>
+            <a:r>
+              <a:rPr lang="it-IT" dirty="0"/>
+              <a:t> do </a:t>
+            </a:r>
+            <a:r>
+              <a:rPr lang="it-IT" dirty="0" err="1"/>
+              <a:t>not</a:t>
+            </a:r>
+            <a:r>
+              <a:rPr lang="it-IT" dirty="0"/>
+              <a:t> account for the LFB </a:t>
+            </a:r>
+          </a:p>
+          <a:p>
+            <a:pPr marL="342900" indent="-342900">
+              <a:lnSpc>
+                <a:spcPct val="150000"/>
+              </a:lnSpc>
+              <a:buAutoNum type="arabicPeriod"/>
+            </a:pPr>
+            <a:r>
+              <a:rPr lang="it-IT" dirty="0" err="1"/>
+              <a:t>Consider</a:t>
+            </a:r>
+            <a:r>
+              <a:rPr lang="it-IT" dirty="0"/>
+              <a:t> a </a:t>
+            </a:r>
+            <a:r>
+              <a:rPr lang="it-IT" dirty="0" err="1"/>
+              <a:t>valid</a:t>
+            </a:r>
+            <a:r>
+              <a:rPr lang="it-IT" dirty="0"/>
+              <a:t> </a:t>
+            </a:r>
+            <a:r>
+              <a:rPr lang="it-IT" dirty="0" err="1"/>
+              <a:t>address</a:t>
+            </a:r>
+            <a:r>
+              <a:rPr lang="it-IT" dirty="0"/>
+              <a:t> a </a:t>
+            </a:r>
+            <a:r>
+              <a:rPr lang="it-IT" dirty="0" err="1"/>
+              <a:t>strict</a:t>
+            </a:r>
+            <a:r>
+              <a:rPr lang="it-IT" dirty="0"/>
+              <a:t> </a:t>
+            </a:r>
+            <a:r>
+              <a:rPr lang="it-IT" dirty="0" err="1"/>
+              <a:t>requirement</a:t>
+            </a:r>
+            <a:r>
+              <a:rPr lang="it-IT" dirty="0"/>
+              <a:t> (</a:t>
+            </a:r>
+            <a:r>
+              <a:rPr lang="it-IT" dirty="0" err="1"/>
+              <a:t>not</a:t>
+            </a:r>
+            <a:r>
+              <a:rPr lang="it-IT" dirty="0"/>
+              <a:t> </a:t>
+            </a:r>
+            <a:r>
+              <a:rPr lang="it-IT" dirty="0" err="1"/>
+              <a:t>necessary</a:t>
+            </a:r>
+            <a:r>
+              <a:rPr lang="it-IT" dirty="0"/>
+              <a:t> for RIDL)</a:t>
+            </a:r>
+          </a:p>
+          <a:p>
+            <a:endParaRPr lang="it-IT" dirty="0"/>
+          </a:p>
+        </p:txBody>
+      </p:sp>
+    </p:spTree>
+    <p:extLst>
+      <p:ext uri="{BB962C8B-B14F-4D97-AF65-F5344CB8AC3E}">
+        <p14:creationId xmlns:p14="http://schemas.microsoft.com/office/powerpoint/2010/main" val="1097854856"/>
+      </p:ext>
+    </p:extLst>
+  </p:cSld>
+  <p:clrMapOvr>
+    <a:masterClrMapping/>
+  </p:clrMapOvr>
+</p:sld>
+</file>
+
+<file path=ppt/slides/slide12.xml><?xml version="1.0" encoding="utf-8"?>
+<p:sld xmlns:a="http://schemas.openxmlformats.org/drawingml/2006/main" xmlns:r="http://schemas.openxmlformats.org/officeDocument/2006/relationships" xmlns:p="http://schemas.openxmlformats.org/presentationml/2006/main">
+  <p:cSld>
+    <p:spTree>
+      <p:nvGrpSpPr>
+        <p:cNvPr id="1" name=""/>
+        <p:cNvGrpSpPr/>
+        <p:nvPr/>
+      </p:nvGrpSpPr>
+      <p:grpSpPr>
+        <a:xfrm>
+          <a:off x="0" y="0"/>
+          <a:ext cx="0" cy="0"/>
+          <a:chOff x="0" y="0"/>
+          <a:chExt cx="0" cy="0"/>
+        </a:xfrm>
+      </p:grpSpPr>
+      <p:sp>
+        <p:nvSpPr>
+          <p:cNvPr id="2" name="Titolo 1">
+            <a:extLst>
+              <a:ext uri="{FF2B5EF4-FFF2-40B4-BE49-F238E27FC236}">
+                <a16:creationId xmlns:a16="http://schemas.microsoft.com/office/drawing/2014/main" id="{737972AB-B4B8-4A4A-8AD6-F2462FFA153F}"/>
+              </a:ext>
+            </a:extLst>
+          </p:cNvPr>
+          <p:cNvSpPr>
+            <a:spLocks noGrp="1"/>
+          </p:cNvSpPr>
+          <p:nvPr>
+            <p:ph type="title"/>
+          </p:nvPr>
+        </p:nvSpPr>
+        <p:spPr>
+          <a:xfrm>
+            <a:off x="504000" y="226080"/>
+            <a:ext cx="9071640" cy="719582"/>
+          </a:xfrm>
+        </p:spPr>
+        <p:txBody>
+          <a:bodyPr/>
+          <a:lstStyle/>
+          <a:p>
+            <a:r>
+              <a:rPr lang="it-IT" dirty="0"/>
+              <a:t>New </a:t>
+            </a:r>
+            <a:r>
+              <a:rPr lang="it-IT" dirty="0" err="1"/>
+              <a:t>mitigations</a:t>
+            </a:r>
+            <a:r>
+              <a:rPr lang="it-IT" dirty="0"/>
+              <a:t> for RIDL</a:t>
+            </a:r>
+          </a:p>
+        </p:txBody>
+      </p:sp>
+      <p:sp>
+        <p:nvSpPr>
+          <p:cNvPr id="3" name="Sottotitolo 2">
+            <a:extLst>
+              <a:ext uri="{FF2B5EF4-FFF2-40B4-BE49-F238E27FC236}">
+                <a16:creationId xmlns:a16="http://schemas.microsoft.com/office/drawing/2014/main" id="{96968A36-06BE-4EA4-AA97-4F0C928934D4}"/>
+              </a:ext>
+            </a:extLst>
+          </p:cNvPr>
+          <p:cNvSpPr>
+            <a:spLocks noGrp="1"/>
+          </p:cNvSpPr>
+          <p:nvPr>
+            <p:ph type="subTitle"/>
+          </p:nvPr>
+        </p:nvSpPr>
+        <p:spPr>
+          <a:xfrm>
+            <a:off x="504000" y="1335818"/>
+            <a:ext cx="9071640" cy="1874107"/>
+          </a:xfrm>
+        </p:spPr>
+        <p:txBody>
+          <a:bodyPr/>
+          <a:lstStyle/>
+          <a:p>
+            <a:pPr marL="457200" indent="-457200">
+              <a:lnSpc>
+                <a:spcPct val="150000"/>
+              </a:lnSpc>
+              <a:buFont typeface="+mj-lt"/>
+              <a:buAutoNum type="arabicPeriod"/>
+            </a:pPr>
+            <a:r>
+              <a:rPr lang="it-IT" sz="2400" dirty="0" err="1"/>
+              <a:t>Disable</a:t>
+            </a:r>
+            <a:r>
+              <a:rPr lang="it-IT" sz="2400" dirty="0"/>
+              <a:t> SMT (</a:t>
+            </a:r>
+            <a:r>
+              <a:rPr lang="it-IT" sz="2400" dirty="0" err="1"/>
+              <a:t>however</a:t>
+            </a:r>
+            <a:r>
+              <a:rPr lang="it-IT" sz="2400" dirty="0"/>
+              <a:t> RIDL </a:t>
+            </a:r>
+            <a:r>
+              <a:rPr lang="it-IT" sz="2400" dirty="0" err="1"/>
+              <a:t>still</a:t>
+            </a:r>
+            <a:r>
+              <a:rPr lang="it-IT" sz="2400" dirty="0"/>
+              <a:t> </a:t>
+            </a:r>
+            <a:r>
+              <a:rPr lang="it-IT" sz="2400" dirty="0" err="1"/>
+              <a:t>possible</a:t>
+            </a:r>
+            <a:r>
+              <a:rPr lang="it-IT" sz="2400" dirty="0"/>
+              <a:t> in single-</a:t>
+            </a:r>
+            <a:r>
+              <a:rPr lang="it-IT" sz="2400" dirty="0" err="1"/>
+              <a:t>thread</a:t>
+            </a:r>
+            <a:r>
+              <a:rPr lang="it-IT" sz="2400" dirty="0"/>
+              <a:t>)</a:t>
+            </a:r>
+          </a:p>
+          <a:p>
+            <a:pPr marL="457200" indent="-457200">
+              <a:lnSpc>
+                <a:spcPct val="150000"/>
+              </a:lnSpc>
+              <a:buFont typeface="+mj-lt"/>
+              <a:buAutoNum type="arabicPeriod"/>
+            </a:pPr>
+            <a:r>
+              <a:rPr lang="it-IT" sz="2400" dirty="0"/>
+              <a:t>Flush the LFB </a:t>
+            </a:r>
+            <a:r>
+              <a:rPr lang="it-IT" sz="2400" dirty="0" err="1"/>
+              <a:t>when</a:t>
+            </a:r>
+            <a:r>
+              <a:rPr lang="it-IT" sz="2400" dirty="0"/>
+              <a:t> </a:t>
+            </a:r>
+            <a:r>
+              <a:rPr lang="it-IT" sz="2400" dirty="0" err="1"/>
+              <a:t>returing</a:t>
+            </a:r>
+            <a:r>
+              <a:rPr lang="it-IT" sz="2400" dirty="0"/>
+              <a:t> to </a:t>
+            </a:r>
+            <a:r>
+              <a:rPr lang="it-IT" sz="2400" dirty="0" err="1"/>
+              <a:t>less</a:t>
+            </a:r>
+            <a:r>
+              <a:rPr lang="it-IT" sz="2400" dirty="0"/>
+              <a:t> </a:t>
+            </a:r>
+            <a:r>
+              <a:rPr lang="it-IT" sz="2400" dirty="0" err="1"/>
+              <a:t>privileged</a:t>
+            </a:r>
+            <a:r>
+              <a:rPr lang="it-IT" sz="2400" dirty="0"/>
+              <a:t> </a:t>
+            </a:r>
+            <a:r>
+              <a:rPr lang="it-IT" sz="2400" dirty="0" err="1"/>
+              <a:t>environment</a:t>
+            </a:r>
+            <a:r>
+              <a:rPr lang="it-IT" sz="2400" dirty="0"/>
+              <a:t> (</a:t>
+            </a:r>
+            <a:r>
+              <a:rPr lang="it-IT" sz="2400" dirty="0" err="1"/>
+              <a:t>not</a:t>
+            </a:r>
+            <a:r>
+              <a:rPr lang="it-IT" sz="2400" dirty="0"/>
+              <a:t> </a:t>
+            </a:r>
+            <a:r>
+              <a:rPr lang="it-IT" sz="2400" dirty="0" err="1"/>
+              <a:t>easiliy</a:t>
+            </a:r>
+            <a:r>
+              <a:rPr lang="it-IT" sz="2400" dirty="0"/>
+              <a:t> </a:t>
+            </a:r>
+            <a:r>
+              <a:rPr lang="it-IT" sz="2400" dirty="0" err="1"/>
+              <a:t>done</a:t>
+            </a:r>
+            <a:r>
+              <a:rPr lang="it-IT" sz="2400" dirty="0"/>
+              <a:t> in SW for HW-</a:t>
+            </a:r>
+            <a:r>
+              <a:rPr lang="it-IT" sz="2400" dirty="0" err="1"/>
+              <a:t>based</a:t>
+            </a:r>
+            <a:r>
+              <a:rPr lang="it-IT" sz="2400" dirty="0"/>
+              <a:t> </a:t>
+            </a:r>
+            <a:r>
+              <a:rPr lang="it-IT" sz="2400" dirty="0" err="1"/>
+              <a:t>components</a:t>
+            </a:r>
+            <a:r>
+              <a:rPr lang="it-IT" sz="2400" dirty="0"/>
+              <a:t> </a:t>
+            </a:r>
+            <a:r>
+              <a:rPr lang="it-IT" sz="2400" dirty="0" err="1"/>
+              <a:t>such</a:t>
+            </a:r>
+            <a:r>
+              <a:rPr lang="it-IT" sz="2400" dirty="0"/>
+              <a:t> </a:t>
+            </a:r>
+            <a:r>
+              <a:rPr lang="it-IT" sz="2400" dirty="0" err="1"/>
+              <a:t>as</a:t>
+            </a:r>
+            <a:r>
+              <a:rPr lang="it-IT" sz="2400" dirty="0"/>
+              <a:t> SGX and MMU)</a:t>
+            </a:r>
+          </a:p>
+          <a:p>
+            <a:pPr marL="457200" indent="-457200">
+              <a:lnSpc>
+                <a:spcPct val="150000"/>
+              </a:lnSpc>
+              <a:buFont typeface="+mj-lt"/>
+              <a:buAutoNum type="arabicPeriod"/>
+            </a:pPr>
+            <a:endParaRPr lang="it-IT" sz="2400" dirty="0"/>
+          </a:p>
+        </p:txBody>
+      </p:sp>
+      <p:sp>
+        <p:nvSpPr>
+          <p:cNvPr id="4" name="CasellaDiTesto 3">
+            <a:extLst>
+              <a:ext uri="{FF2B5EF4-FFF2-40B4-BE49-F238E27FC236}">
+                <a16:creationId xmlns:a16="http://schemas.microsoft.com/office/drawing/2014/main" id="{ED82EEF2-5A45-4188-AF7A-93B9AA5D70D9}"/>
+              </a:ext>
+            </a:extLst>
+          </p:cNvPr>
+          <p:cNvSpPr txBox="1"/>
+          <p:nvPr/>
+        </p:nvSpPr>
+        <p:spPr>
+          <a:xfrm>
+            <a:off x="504000" y="3400424"/>
+            <a:ext cx="9071640" cy="2162175"/>
+          </a:xfrm>
+          <a:prstGeom prst="rect">
+            <a:avLst/>
+          </a:prstGeom>
+          <a:noFill/>
+        </p:spPr>
+        <p:txBody>
+          <a:bodyPr wrap="square" rtlCol="0">
+            <a:noAutofit/>
+          </a:bodyPr>
+          <a:lstStyle/>
+          <a:p>
+            <a:r>
+              <a:rPr lang="it-IT" sz="2400" dirty="0" err="1"/>
+              <a:t>Foreshadow</a:t>
+            </a:r>
+            <a:r>
+              <a:rPr lang="it-IT" sz="2400" dirty="0"/>
+              <a:t> </a:t>
+            </a:r>
+            <a:r>
+              <a:rPr lang="it-IT" sz="2400" dirty="0" err="1"/>
+              <a:t>mitigation</a:t>
+            </a:r>
+            <a:r>
+              <a:rPr lang="it-IT" sz="2400" dirty="0"/>
+              <a:t> </a:t>
+            </a:r>
+            <a:r>
+              <a:rPr lang="it-IT" sz="2400" dirty="0">
+                <a:sym typeface="Wingdings" panose="05000000000000000000" pitchFamily="2" charset="2"/>
+              </a:rPr>
+              <a:t> L1 cache flushing (</a:t>
+            </a:r>
+            <a:r>
+              <a:rPr lang="it-IT" sz="2400" dirty="0" err="1">
+                <a:sym typeface="Wingdings" panose="05000000000000000000" pitchFamily="2" charset="2"/>
+              </a:rPr>
+              <a:t>expensive</a:t>
+            </a:r>
+            <a:r>
+              <a:rPr lang="it-IT" sz="2400" dirty="0">
+                <a:sym typeface="Wingdings" panose="05000000000000000000" pitchFamily="2" charset="2"/>
+              </a:rPr>
+              <a:t>)</a:t>
+            </a:r>
+          </a:p>
+          <a:p>
+            <a:r>
+              <a:rPr lang="it-IT" sz="2400" dirty="0">
+                <a:sym typeface="Wingdings" panose="05000000000000000000" pitchFamily="2" charset="2"/>
+              </a:rPr>
+              <a:t>RIDL </a:t>
+            </a:r>
+            <a:r>
+              <a:rPr lang="it-IT" sz="2400" dirty="0" err="1">
+                <a:sym typeface="Wingdings" panose="05000000000000000000" pitchFamily="2" charset="2"/>
+              </a:rPr>
+              <a:t>mitigation</a:t>
+            </a:r>
+            <a:r>
+              <a:rPr lang="it-IT" sz="2400" dirty="0">
+                <a:sym typeface="Wingdings" panose="05000000000000000000" pitchFamily="2" charset="2"/>
+              </a:rPr>
+              <a:t>  L1 cache flushing + LFB flushing on </a:t>
+            </a:r>
+            <a:r>
+              <a:rPr lang="it-IT" sz="2400" dirty="0" err="1">
+                <a:sym typeface="Wingdings" panose="05000000000000000000" pitchFamily="2" charset="2"/>
+              </a:rPr>
+              <a:t>every</a:t>
+            </a:r>
+            <a:r>
+              <a:rPr lang="it-IT" sz="2400" dirty="0">
+                <a:sym typeface="Wingdings" panose="05000000000000000000" pitchFamily="2" charset="2"/>
+              </a:rPr>
+              <a:t> </a:t>
+            </a:r>
+            <a:r>
+              <a:rPr lang="it-IT" sz="2400" dirty="0" err="1">
+                <a:sym typeface="Wingdings" panose="05000000000000000000" pitchFamily="2" charset="2"/>
+              </a:rPr>
+              <a:t>context</a:t>
+            </a:r>
+            <a:r>
+              <a:rPr lang="it-IT" sz="2400" dirty="0">
+                <a:sym typeface="Wingdings" panose="05000000000000000000" pitchFamily="2" charset="2"/>
+              </a:rPr>
+              <a:t> switch (</a:t>
+            </a:r>
+            <a:r>
+              <a:rPr lang="it-IT" sz="2400" dirty="0" err="1">
+                <a:sym typeface="Wingdings" panose="05000000000000000000" pitchFamily="2" charset="2"/>
+              </a:rPr>
+              <a:t>even</a:t>
+            </a:r>
+            <a:r>
+              <a:rPr lang="it-IT" sz="2400" dirty="0">
+                <a:sym typeface="Wingdings" panose="05000000000000000000" pitchFamily="2" charset="2"/>
+              </a:rPr>
+              <a:t> more </a:t>
+            </a:r>
+            <a:r>
+              <a:rPr lang="it-IT" sz="2400" dirty="0" err="1">
+                <a:sym typeface="Wingdings" panose="05000000000000000000" pitchFamily="2" charset="2"/>
+              </a:rPr>
+              <a:t>expensive</a:t>
+            </a:r>
+            <a:r>
+              <a:rPr lang="it-IT" sz="2400" dirty="0">
+                <a:sym typeface="Wingdings" panose="05000000000000000000" pitchFamily="2" charset="2"/>
+              </a:rPr>
+              <a:t>)</a:t>
+            </a:r>
+          </a:p>
+          <a:p>
+            <a:endParaRPr lang="it-IT" sz="2400" dirty="0">
+              <a:sym typeface="Wingdings" panose="05000000000000000000" pitchFamily="2" charset="2"/>
+            </a:endParaRPr>
+          </a:p>
+          <a:p>
+            <a:r>
+              <a:rPr lang="it-IT" sz="2400" dirty="0" err="1">
+                <a:sym typeface="Wingdings" panose="05000000000000000000" pitchFamily="2" charset="2"/>
+              </a:rPr>
+              <a:t>Probably</a:t>
+            </a:r>
+            <a:r>
+              <a:rPr lang="it-IT" sz="2400" dirty="0">
+                <a:sym typeface="Wingdings" panose="05000000000000000000" pitchFamily="2" charset="2"/>
+              </a:rPr>
+              <a:t> </a:t>
+            </a:r>
+            <a:r>
+              <a:rPr lang="it-IT" sz="2400" dirty="0" err="1">
+                <a:sym typeface="Wingdings" panose="05000000000000000000" pitchFamily="2" charset="2"/>
+              </a:rPr>
+              <a:t>too</a:t>
+            </a:r>
+            <a:r>
+              <a:rPr lang="it-IT" sz="2400" dirty="0">
+                <a:sym typeface="Wingdings" panose="05000000000000000000" pitchFamily="2" charset="2"/>
+              </a:rPr>
+              <a:t> </a:t>
+            </a:r>
+            <a:r>
+              <a:rPr lang="it-IT" sz="2400" dirty="0" err="1">
+                <a:sym typeface="Wingdings" panose="05000000000000000000" pitchFamily="2" charset="2"/>
+              </a:rPr>
+              <a:t>expensive</a:t>
+            </a:r>
+            <a:r>
+              <a:rPr lang="it-IT" sz="2400" dirty="0">
+                <a:sym typeface="Wingdings" panose="05000000000000000000" pitchFamily="2" charset="2"/>
+              </a:rPr>
+              <a:t> to be </a:t>
+            </a:r>
+            <a:r>
+              <a:rPr lang="it-IT" sz="2400" dirty="0" err="1">
+                <a:sym typeface="Wingdings" panose="05000000000000000000" pitchFamily="2" charset="2"/>
+              </a:rPr>
+              <a:t>useful</a:t>
+            </a:r>
+            <a:r>
+              <a:rPr lang="it-IT" sz="2400" dirty="0">
+                <a:sym typeface="Wingdings" panose="05000000000000000000" pitchFamily="2" charset="2"/>
+              </a:rPr>
+              <a:t> in </a:t>
+            </a:r>
+            <a:r>
+              <a:rPr lang="it-IT" sz="2400" dirty="0" err="1">
+                <a:sym typeface="Wingdings" panose="05000000000000000000" pitchFamily="2" charset="2"/>
+              </a:rPr>
+              <a:t>practice</a:t>
+            </a:r>
+            <a:endParaRPr lang="it-IT" sz="2400" dirty="0"/>
+          </a:p>
+        </p:txBody>
+      </p:sp>
+    </p:spTree>
+    <p:extLst>
+      <p:ext uri="{BB962C8B-B14F-4D97-AF65-F5344CB8AC3E}">
+        <p14:creationId xmlns:p14="http://schemas.microsoft.com/office/powerpoint/2010/main" val="1594244247"/>
+      </p:ext>
+    </p:extLst>
+  </p:cSld>
+  <p:clrMapOvr>
+    <a:masterClrMapping/>
+  </p:clrMapOvr>
+</p:sld>
+</file>
+
+<file path=ppt/slides/slide13.xml><?xml version="1.0" encoding="utf-8"?>
+<p:sld xmlns:a="http://schemas.openxmlformats.org/drawingml/2006/main" xmlns:r="http://schemas.openxmlformats.org/officeDocument/2006/relationships" xmlns:p="http://schemas.openxmlformats.org/presentationml/2006/main">
+  <p:cSld>
+    <p:spTree>
+      <p:nvGrpSpPr>
+        <p:cNvPr id="1" name=""/>
+        <p:cNvGrpSpPr/>
+        <p:nvPr/>
+      </p:nvGrpSpPr>
+      <p:grpSpPr>
+        <a:xfrm>
+          <a:off x="0" y="0"/>
+          <a:ext cx="0" cy="0"/>
+          <a:chOff x="0" y="0"/>
+          <a:chExt cx="0" cy="0"/>
+        </a:xfrm>
+      </p:grpSpPr>
+      <p:sp>
+        <p:nvSpPr>
+          <p:cNvPr id="2" name="Titolo 1">
+            <a:extLst>
+              <a:ext uri="{FF2B5EF4-FFF2-40B4-BE49-F238E27FC236}">
+                <a16:creationId xmlns:a16="http://schemas.microsoft.com/office/drawing/2014/main" id="{737972AB-B4B8-4A4A-8AD6-F2462FFA153F}"/>
+              </a:ext>
+            </a:extLst>
+          </p:cNvPr>
+          <p:cNvSpPr>
+            <a:spLocks noGrp="1"/>
+          </p:cNvSpPr>
+          <p:nvPr>
+            <p:ph type="title"/>
+          </p:nvPr>
+        </p:nvSpPr>
+        <p:spPr>
+          <a:xfrm>
+            <a:off x="504000" y="226080"/>
+            <a:ext cx="9071640" cy="719582"/>
+          </a:xfrm>
+        </p:spPr>
+        <p:txBody>
+          <a:bodyPr/>
+          <a:lstStyle/>
+          <a:p>
+            <a:r>
+              <a:rPr lang="it-IT" dirty="0"/>
+              <a:t>Future </a:t>
+            </a:r>
+            <a:r>
+              <a:rPr lang="it-IT" dirty="0" err="1"/>
+              <a:t>directions</a:t>
+            </a:r>
+            <a:r>
+              <a:rPr lang="it-IT" dirty="0"/>
+              <a:t> for RIDL </a:t>
+            </a:r>
+            <a:r>
+              <a:rPr lang="it-IT" dirty="0" err="1"/>
+              <a:t>mitigation</a:t>
+            </a:r>
+            <a:endParaRPr lang="it-IT" dirty="0"/>
+          </a:p>
+        </p:txBody>
+      </p:sp>
+      <p:sp>
+        <p:nvSpPr>
+          <p:cNvPr id="3" name="Sottotitolo 2">
+            <a:extLst>
+              <a:ext uri="{FF2B5EF4-FFF2-40B4-BE49-F238E27FC236}">
+                <a16:creationId xmlns:a16="http://schemas.microsoft.com/office/drawing/2014/main" id="{96968A36-06BE-4EA4-AA97-4F0C928934D4}"/>
+              </a:ext>
+            </a:extLst>
+          </p:cNvPr>
+          <p:cNvSpPr>
+            <a:spLocks noGrp="1"/>
+          </p:cNvSpPr>
+          <p:nvPr>
+            <p:ph type="subTitle"/>
+          </p:nvPr>
+        </p:nvSpPr>
+        <p:spPr>
+          <a:xfrm>
+            <a:off x="504000" y="1121133"/>
+            <a:ext cx="9071640" cy="2431691"/>
+          </a:xfrm>
+        </p:spPr>
+        <p:txBody>
+          <a:bodyPr/>
+          <a:lstStyle/>
+          <a:p>
+            <a:pPr marL="457200" indent="-457200">
+              <a:lnSpc>
+                <a:spcPct val="150000"/>
+              </a:lnSpc>
+              <a:buFont typeface="Arial" panose="020B0604020202020204" pitchFamily="34" charset="0"/>
+              <a:buChar char="•"/>
+            </a:pPr>
+            <a:r>
+              <a:rPr lang="en-US" sz="2400" kern="1200" dirty="0">
+                <a:solidFill>
+                  <a:srgbClr val="000000"/>
+                </a:solidFill>
+                <a:effectLst/>
+                <a:latin typeface="Arial" panose="020B0604020202020204" pitchFamily="34" charset="0"/>
+                <a:ea typeface="DejaVu Sans"/>
+                <a:cs typeface="Arial" panose="020B0604020202020204" pitchFamily="34" charset="0"/>
+              </a:rPr>
+              <a:t>µ-</a:t>
+            </a:r>
+            <a:r>
+              <a:rPr lang="it-IT" sz="2400" dirty="0"/>
+              <a:t>code update to </a:t>
+            </a:r>
+            <a:r>
+              <a:rPr lang="it-IT" sz="2400" dirty="0" err="1"/>
+              <a:t>remove</a:t>
+            </a:r>
+            <a:r>
+              <a:rPr lang="it-IT" sz="2400" dirty="0"/>
+              <a:t> </a:t>
+            </a:r>
+            <a:r>
+              <a:rPr lang="it-IT" sz="2400" dirty="0" err="1"/>
+              <a:t>all</a:t>
+            </a:r>
+            <a:r>
+              <a:rPr lang="it-IT" sz="2400" dirty="0"/>
+              <a:t> </a:t>
+            </a:r>
+            <a:r>
+              <a:rPr lang="it-IT" sz="2400" dirty="0" err="1"/>
+              <a:t>possible</a:t>
+            </a:r>
+            <a:r>
+              <a:rPr lang="it-IT" sz="2400" dirty="0"/>
+              <a:t> sources of </a:t>
+            </a:r>
+            <a:r>
+              <a:rPr lang="it-IT" sz="2400" dirty="0" err="1"/>
+              <a:t>speculation</a:t>
+            </a:r>
+            <a:r>
+              <a:rPr lang="it-IT" sz="2400" dirty="0"/>
+              <a:t> </a:t>
+            </a:r>
+            <a:r>
+              <a:rPr lang="it-IT" sz="2400" dirty="0" err="1"/>
+              <a:t>when</a:t>
+            </a:r>
+            <a:r>
+              <a:rPr lang="it-IT" sz="2400" dirty="0"/>
+              <a:t> </a:t>
+            </a:r>
+            <a:r>
+              <a:rPr lang="it-IT" sz="2400" dirty="0" err="1"/>
+              <a:t>applying</a:t>
+            </a:r>
+            <a:r>
+              <a:rPr lang="it-IT" sz="2400" dirty="0"/>
+              <a:t>  </a:t>
+            </a:r>
+            <a:r>
+              <a:rPr lang="en-US" sz="2400" kern="1200" dirty="0">
+                <a:solidFill>
+                  <a:srgbClr val="000000"/>
+                </a:solidFill>
+                <a:effectLst/>
+                <a:latin typeface="Arial" panose="020B0604020202020204" pitchFamily="34" charset="0"/>
+                <a:ea typeface="DejaVu Sans"/>
+                <a:cs typeface="Arial" panose="020B0604020202020204" pitchFamily="34" charset="0"/>
+              </a:rPr>
+              <a:t>µ-optimizations</a:t>
+            </a:r>
+          </a:p>
+          <a:p>
+            <a:pPr marL="457200" indent="-457200">
+              <a:lnSpc>
+                <a:spcPct val="150000"/>
+              </a:lnSpc>
+              <a:buFont typeface="Arial" panose="020B0604020202020204" pitchFamily="34" charset="0"/>
+              <a:buChar char="•"/>
+            </a:pPr>
+            <a:r>
+              <a:rPr lang="it-IT" sz="2400" dirty="0"/>
+              <a:t>RIDL </a:t>
+            </a:r>
+            <a:r>
+              <a:rPr lang="it-IT" sz="2400" dirty="0" err="1"/>
+              <a:t>is</a:t>
+            </a:r>
+            <a:r>
+              <a:rPr lang="it-IT" sz="2400" dirty="0"/>
+              <a:t> a </a:t>
+            </a:r>
+            <a:r>
+              <a:rPr lang="it-IT" sz="2400" b="1" dirty="0" err="1"/>
+              <a:t>whole</a:t>
+            </a:r>
+            <a:r>
+              <a:rPr lang="it-IT" sz="2400" b="1" dirty="0"/>
+              <a:t> family</a:t>
+            </a:r>
+            <a:r>
+              <a:rPr lang="it-IT" sz="2400" dirty="0"/>
+              <a:t> of </a:t>
+            </a:r>
+            <a:r>
+              <a:rPr lang="it-IT" sz="2400" dirty="0" err="1"/>
+              <a:t>attacks</a:t>
+            </a:r>
+            <a:r>
+              <a:rPr lang="it-IT" sz="2400" dirty="0"/>
+              <a:t> </a:t>
+            </a:r>
+            <a:r>
+              <a:rPr lang="it-IT" sz="2400" dirty="0">
+                <a:sym typeface="Wingdings" panose="05000000000000000000" pitchFamily="2" charset="2"/>
+              </a:rPr>
+              <a:t> long time to </a:t>
+            </a:r>
+            <a:r>
+              <a:rPr lang="it-IT" sz="2400" dirty="0" err="1">
+                <a:sym typeface="Wingdings" panose="05000000000000000000" pitchFamily="2" charset="2"/>
+              </a:rPr>
+              <a:t>find</a:t>
+            </a:r>
+            <a:r>
+              <a:rPr lang="it-IT" sz="2400" dirty="0">
+                <a:sym typeface="Wingdings" panose="05000000000000000000" pitchFamily="2" charset="2"/>
+              </a:rPr>
+              <a:t> </a:t>
+            </a:r>
+            <a:r>
+              <a:rPr lang="it-IT" sz="2400" dirty="0" err="1">
+                <a:sym typeface="Wingdings" panose="05000000000000000000" pitchFamily="2" charset="2"/>
+              </a:rPr>
+              <a:t>all</a:t>
+            </a:r>
+            <a:r>
+              <a:rPr lang="it-IT" sz="2400" dirty="0">
+                <a:sym typeface="Wingdings" panose="05000000000000000000" pitchFamily="2" charset="2"/>
+              </a:rPr>
+              <a:t> </a:t>
+            </a:r>
+            <a:r>
+              <a:rPr lang="it-IT" sz="2400" dirty="0" err="1">
+                <a:sym typeface="Wingdings" panose="05000000000000000000" pitchFamily="2" charset="2"/>
+              </a:rPr>
+              <a:t>instances</a:t>
+            </a:r>
+            <a:endParaRPr lang="it-IT" sz="2400" dirty="0"/>
+          </a:p>
+        </p:txBody>
+      </p:sp>
+      <p:sp>
+        <p:nvSpPr>
+          <p:cNvPr id="5" name="Sottotitolo 2">
+            <a:extLst>
+              <a:ext uri="{FF2B5EF4-FFF2-40B4-BE49-F238E27FC236}">
+                <a16:creationId xmlns:a16="http://schemas.microsoft.com/office/drawing/2014/main" id="{A8866E41-3013-4F74-9B3A-05518F27BD3B}"/>
+              </a:ext>
+            </a:extLst>
+          </p:cNvPr>
+          <p:cNvSpPr>
+            <a:spLocks noGrp="1"/>
+          </p:cNvSpPr>
+          <p:nvPr>
+            <p:ph type="subTitle"/>
+          </p:nvPr>
+        </p:nvSpPr>
+        <p:spPr>
+          <a:xfrm>
+            <a:off x="504000" y="3226056"/>
+            <a:ext cx="9071640" cy="2218414"/>
+          </a:xfrm>
+        </p:spPr>
+        <p:txBody>
+          <a:bodyPr/>
+          <a:lstStyle/>
+          <a:p>
+            <a:pPr marL="457200" indent="-457200">
+              <a:buFont typeface="Arial" panose="020B0604020202020204" pitchFamily="34" charset="0"/>
+              <a:buChar char="•"/>
+            </a:pPr>
+            <a:r>
+              <a:rPr lang="it-IT" sz="2400" dirty="0" err="1"/>
+              <a:t>Rather</a:t>
+            </a:r>
+            <a:r>
+              <a:rPr lang="it-IT" sz="2400" dirty="0"/>
+              <a:t> </a:t>
+            </a:r>
+            <a:r>
+              <a:rPr lang="it-IT" sz="2400" dirty="0" err="1"/>
+              <a:t>than</a:t>
+            </a:r>
+            <a:r>
+              <a:rPr lang="it-IT" sz="2400" dirty="0"/>
+              <a:t> spot </a:t>
+            </a:r>
+            <a:r>
+              <a:rPr lang="it-IT" sz="2400" dirty="0" err="1"/>
+              <a:t>mitigations</a:t>
+            </a:r>
+            <a:r>
+              <a:rPr lang="it-IT" sz="2400" dirty="0"/>
+              <a:t>, </a:t>
+            </a:r>
+            <a:r>
+              <a:rPr lang="it-IT" sz="2400" dirty="0" err="1"/>
+              <a:t>developement</a:t>
+            </a:r>
+            <a:r>
+              <a:rPr lang="it-IT" sz="2400" dirty="0"/>
+              <a:t> and deployment of more </a:t>
+            </a:r>
+            <a:r>
+              <a:rPr lang="it-IT" sz="2400" dirty="0" err="1"/>
+              <a:t>fundamental</a:t>
+            </a:r>
+            <a:r>
+              <a:rPr lang="it-IT" sz="2400" dirty="0"/>
+              <a:t> </a:t>
+            </a:r>
+            <a:r>
+              <a:rPr lang="it-IT" sz="2400" dirty="0" err="1"/>
+              <a:t>ones</a:t>
+            </a:r>
+            <a:endParaRPr lang="it-IT" sz="2400" dirty="0"/>
+          </a:p>
+        </p:txBody>
+      </p:sp>
+    </p:spTree>
+    <p:extLst>
+      <p:ext uri="{BB962C8B-B14F-4D97-AF65-F5344CB8AC3E}">
+        <p14:creationId xmlns:p14="http://schemas.microsoft.com/office/powerpoint/2010/main" val="851242962"/>
+      </p:ext>
+    </p:extLst>
   </p:cSld>
   <p:clrMapOvr>
     <a:masterClrMapping/>
@@ -2623,35 +5673,68 @@
               <a:buChar char=""/>
             </a:pPr>
             <a:r>
-              <a:rPr lang="it-IT" sz="1800" b="0" strike="noStrike" spc="-1">
+              <a:rPr lang="it-IT" sz="2000" b="1" spc="-1" dirty="0">
                 <a:latin typeface="Arial"/>
               </a:rPr>
+              <a:t>P</a:t>
+            </a:r>
+            <a:r>
+              <a:rPr lang="it-IT" sz="2000" b="1" strike="noStrike" spc="-1" dirty="0">
+                <a:latin typeface="Arial"/>
+              </a:rPr>
+              <a:t>rivate data</a:t>
+            </a:r>
+            <a:r>
+              <a:rPr lang="it-IT" sz="2000" b="0" strike="noStrike" spc="-1" dirty="0">
+                <a:latin typeface="Arial"/>
+              </a:rPr>
+              <a:t> can </a:t>
+            </a:r>
+            <a:r>
+              <a:rPr lang="it-IT" sz="2000" b="1" strike="noStrike" spc="-1" dirty="0">
+                <a:latin typeface="Arial"/>
+              </a:rPr>
+              <a:t>leak</a:t>
+            </a:r>
+            <a:r>
+              <a:rPr lang="it-IT" sz="2000" b="0" strike="noStrike" spc="-1" dirty="0">
+                <a:latin typeface="Arial"/>
+              </a:rPr>
               <a:t> </a:t>
             </a:r>
             <a:r>
-              <a:rPr lang="it-IT" sz="2000" b="1" strike="noStrike" spc="-1">
+              <a:rPr lang="it-IT" sz="2000" b="0" strike="noStrike" spc="-1" dirty="0" err="1">
                 <a:latin typeface="Arial"/>
               </a:rPr>
-              <a:t>private data</a:t>
-            </a:r>
-            <a:r>
-              <a:rPr lang="it-IT" sz="2000" b="0" strike="noStrike" spc="-1">
+              <a:t>across</a:t>
+            </a:r>
+            <a:r>
+              <a:rPr lang="it-IT" sz="2000" b="0" strike="noStrike" spc="-1" dirty="0">
                 <a:latin typeface="Arial"/>
               </a:rPr>
-              <a:t> can </a:t>
-            </a:r>
-            <a:r>
-              <a:rPr lang="it-IT" sz="2000" b="1" strike="noStrike" spc="-1">
+              <a:t> </a:t>
+            </a:r>
+            <a:r>
+              <a:rPr lang="it-IT" sz="2000" b="0" strike="noStrike" spc="-1" dirty="0" err="1">
                 <a:latin typeface="Arial"/>
               </a:rPr>
-              <a:t>leak</a:t>
-            </a:r>
-            <a:r>
-              <a:rPr lang="it-IT" sz="2000" b="0" strike="noStrike" spc="-1">
+              <a:t>arbitrary</a:t>
+            </a:r>
+            <a:r>
+              <a:rPr lang="it-IT" sz="2000" b="0" strike="noStrike" spc="-1" dirty="0">
                 <a:latin typeface="Arial"/>
               </a:rPr>
-              <a:t> across arbitrary security boundaries</a:t>
-            </a:r>
+              <a:t> security </a:t>
+            </a:r>
+            <a:r>
+              <a:rPr lang="it-IT" sz="2000" b="0" strike="noStrike" spc="-1" dirty="0" err="1">
+                <a:latin typeface="Arial"/>
+              </a:rPr>
+              <a:t>boundaries</a:t>
+            </a:r>
+            <a:endParaRPr lang="it-IT" sz="2000" b="0" strike="noStrike" spc="-1" dirty="0">
+              <a:latin typeface="Arial"/>
+            </a:endParaRPr>
           </a:p>
         </p:txBody>
       </p:sp>
@@ -2793,7 +5876,7 @@
           <p:nvPr/>
         </p:nvPicPr>
         <p:blipFill>
-          <a:blip r:embed="rId2"/>
+          <a:blip r:embed="rId3"/>
           <a:stretch>
             <a:fillRect/>
           </a:stretch>
@@ -2887,7 +5970,7 @@
           <a:p>
             <a:r>
               <a:rPr lang="it-IT" dirty="0" err="1"/>
-              <a:t>It's</a:t>
+              <a:t>It</a:t>
             </a:r>
             <a:r>
               <a:rPr lang="it-IT" dirty="0"/>
@@ -2895,7 +5978,15 @@
             </a:r>
             <a:r>
               <a:rPr lang="it-IT" dirty="0" err="1"/>
-              <a:t>possbile</a:t>
+              <a:t>is</a:t>
+            </a:r>
+            <a:r>
+              <a:rPr lang="it-IT" dirty="0"/>
+              <a:t> </a:t>
+            </a:r>
+            <a:r>
+              <a:rPr lang="it-IT" dirty="0" err="1"/>
+              <a:t>possible</a:t>
             </a:r>
             <a:r>
               <a:rPr lang="it-IT" dirty="0"/>
@@ -2919,7 +6010,7 @@
             </a:r>
             <a:r>
               <a:rPr lang="it-IT" dirty="0" err="1"/>
-              <a:t>behaveour</a:t>
+              <a:t>behaviour</a:t>
             </a:r>
             <a:r>
               <a:rPr lang="it-IT" dirty="0"/>
@@ -2944,7 +6035,7 @@
               </a:rPr>
               <a:t>engineering</a:t>
             </a:r>
-            <a:endParaRPr lang="it-IT" b="1" dirty="0" err="1"/>
+            <a:endParaRPr lang="it-IT" b="1" dirty="0"/>
           </a:p>
         </p:txBody>
       </p:sp>
@@ -2980,14 +6071,13 @@
           <a:lstStyle/>
           <a:p>
             <a:r>
-              <a:rPr lang="en-US" b="1"/>
+              <a:rPr lang="en-US" b="1" dirty="0"/>
               <a:t>Performance counters</a:t>
             </a:r>
             <a:r>
-              <a:rPr lang="en-US"/>
+              <a:rPr lang="en-US" dirty="0"/>
               <a:t>:</a:t>
             </a:r>
-            <a:endParaRPr lang="en-US" dirty="0"/>
           </a:p>
           <a:p>
             <a:pPr marL="285750" indent="-285750">
@@ -2995,7 +6085,7 @@
               <a:buChar char="•"/>
             </a:pPr>
             <a:r>
-              <a:rPr lang="en-US"/>
+              <a:rPr lang="en-US" dirty="0"/>
               <a:t>Cache and buffers hits</a:t>
             </a:r>
           </a:p>
@@ -3005,11 +6095,32 @@
               <a:buChar char="•"/>
             </a:pPr>
             <a:r>
-              <a:rPr lang="it-IT">
-                <a:ea typeface="+mn-lt"/>
-                <a:cs typeface="+mn-lt"/>
-              </a:rPr>
-              <a:t>µ-architectural requests</a:t>
+              <a:rPr lang="it-IT" dirty="0">
+                <a:ea typeface="+mn-lt"/>
+                <a:cs typeface="+mn-lt"/>
+              </a:rPr>
+              <a:t>µ-</a:t>
+            </a:r>
+            <a:r>
+              <a:rPr lang="it-IT" dirty="0" err="1">
+                <a:ea typeface="+mn-lt"/>
+                <a:cs typeface="+mn-lt"/>
+              </a:rPr>
+              <a:t>architectural</a:t>
+            </a:r>
+            <a:r>
+              <a:rPr lang="it-IT" dirty="0">
+                <a:ea typeface="+mn-lt"/>
+                <a:cs typeface="+mn-lt"/>
+              </a:rPr>
+              <a:t> </a:t>
+            </a:r>
+            <a:r>
+              <a:rPr lang="it-IT" dirty="0" err="1">
+                <a:ea typeface="+mn-lt"/>
+                <a:cs typeface="+mn-lt"/>
+              </a:rPr>
+              <a:t>requests</a:t>
             </a:r>
             <a:endParaRPr lang="en-US" dirty="0"/>
           </a:p>
@@ -3047,22 +6158,25 @@
           <a:lstStyle/>
           <a:p>
             <a:r>
-              <a:rPr lang="en-US" b="1"/>
+              <a:rPr lang="en-US" b="1" dirty="0"/>
               <a:t>Speculative loads</a:t>
             </a:r>
             <a:r>
-              <a:rPr lang="en-US"/>
-              <a:t> (S</a:t>
-            </a:r>
-            <a:r>
-              <a:rPr lang="en-US" i="1"/>
+              <a:rPr lang="en-US" dirty="0"/>
+              <a:t> (</a:t>
+            </a:r>
+            <a:r>
+              <a:rPr lang="en-US" dirty="0" err="1"/>
+              <a:t>S</a:t>
+            </a:r>
+            <a:r>
+              <a:rPr lang="en-US" i="1" dirty="0" err="1"/>
               <a:t>pectre</a:t>
             </a:r>
             <a:r>
-              <a:rPr lang="en-US"/>
+              <a:rPr lang="en-US" dirty="0"/>
               <a:t>):</a:t>
             </a:r>
-            <a:endParaRPr lang="en-US" dirty="0"/>
           </a:p>
           <a:p>
             <a:pPr marL="285750" indent="-285750">
@@ -3070,8 +6184,8 @@
               <a:buChar char="•"/>
             </a:pPr>
             <a:r>
-              <a:rPr lang="en-US"/>
-              <a:t>FLUSH+RELOAD</a:t>
+              <a:rPr lang="en-US" dirty="0"/>
+              <a:t>FLUSH + RELOAD</a:t>
             </a:r>
           </a:p>
           <a:p>
@@ -3080,13 +6194,13 @@
               <a:buChar char="•"/>
             </a:pPr>
             <a:r>
-              <a:rPr lang="it-IT">
+              <a:rPr lang="it-IT" dirty="0">
                 <a:ea typeface="+mn-lt"/>
                 <a:cs typeface="+mn-lt"/>
               </a:rPr>
               <a:t>PRIME + PROBE</a:t>
             </a:r>
-            <a:endParaRPr lang="en-US"/>
+            <a:endParaRPr lang="en-US" dirty="0"/>
           </a:p>
         </p:txBody>
       </p:sp>
@@ -3125,7 +6239,7 @@
               <a:rPr lang="it-IT" sz="900" b="1" dirty="0">
                 <a:ea typeface="+mn-lt"/>
                 <a:cs typeface="+mn-lt"/>
-                <a:hlinkClick r:id="rId3"/>
+                <a:hlinkClick r:id="rId4"/>
               </a:rPr>
               <a:t>CrossTalk: Speculative Data Leaks Across Cores Are Real. </a:t>
             </a:r>
@@ -3140,7 +6254,7 @@
               <a:rPr lang="it-IT" sz="900" dirty="0">
                 <a:ea typeface="+mn-lt"/>
                 <a:cs typeface="+mn-lt"/>
-                <a:hlinkClick r:id="rId4"/>
+                <a:hlinkClick r:id="rId5"/>
               </a:rPr>
               <a:t>Razavi, K.</a:t>
             </a:r>
@@ -3155,7 +6269,7 @@
               <a:rPr lang="it-IT" sz="900" dirty="0">
                 <a:ea typeface="+mn-lt"/>
                 <a:cs typeface="+mn-lt"/>
-                <a:hlinkClick r:id="rId5"/>
+                <a:hlinkClick r:id="rId6"/>
               </a:rPr>
               <a:t>Bos, H.</a:t>
             </a:r>
@@ -3170,7 +6284,7 @@
               <a:rPr lang="it-IT" sz="900" dirty="0">
                 <a:ea typeface="+mn-lt"/>
                 <a:cs typeface="+mn-lt"/>
-                <a:hlinkClick r:id="rId6"/>
+                <a:hlinkClick r:id="rId7"/>
               </a:rPr>
               <a:t>Giuffrida, C.</a:t>
             </a:r>
@@ -3253,10 +6367,34 @@
           <a:lstStyle/>
           <a:p>
             <a:r>
-              <a:rPr lang="it-IT" sz="4000"/>
-              <a:t>Listen the "noise" from another thread</a:t>
-            </a:r>
-            <a:endParaRPr lang="it-IT" sz="4000" dirty="0"/>
+              <a:rPr lang="it-IT" sz="3900" dirty="0" err="1"/>
+              <a:t>Listen</a:t>
+            </a:r>
+            <a:r>
+              <a:rPr lang="it-IT" sz="3900" dirty="0"/>
+              <a:t> to the "</a:t>
+            </a:r>
+            <a:r>
+              <a:rPr lang="it-IT" sz="3900" dirty="0" err="1"/>
+              <a:t>noise</a:t>
+            </a:r>
+            <a:r>
+              <a:rPr lang="it-IT" sz="3900" dirty="0"/>
+              <a:t>" from </a:t>
+            </a:r>
+            <a:r>
+              <a:rPr lang="it-IT" sz="3900" dirty="0" err="1"/>
+              <a:t>another</a:t>
+            </a:r>
+            <a:r>
+              <a:rPr lang="it-IT" sz="3900" dirty="0"/>
+              <a:t> </a:t>
+            </a:r>
+            <a:r>
+              <a:rPr lang="it-IT" sz="3900" dirty="0" err="1"/>
+              <a:t>thread</a:t>
+            </a:r>
+            <a:endParaRPr lang="it-IT" sz="3900" dirty="0"/>
           </a:p>
         </p:txBody>
       </p:sp>
@@ -3443,8 +6581,16 @@
           <a:p>
             <a:pPr algn="ctr"/>
             <a:r>
-              <a:rPr lang="it-IT"/>
-              <a:t>Line Fill Buffer</a:t>
+              <a:rPr lang="it-IT" dirty="0"/>
+              <a:t>Line </a:t>
+            </a:r>
+            <a:r>
+              <a:rPr lang="it-IT" dirty="0" err="1"/>
+              <a:t>Fill</a:t>
+            </a:r>
+            <a:r>
+              <a:rPr lang="it-IT" dirty="0"/>
+              <a:t> Buffer (LFB)</a:t>
             </a:r>
           </a:p>
         </p:txBody>
@@ -3464,7 +6610,7 @@
           <p:nvPr/>
         </p:nvPicPr>
         <p:blipFill>
-          <a:blip r:embed="rId2"/>
+          <a:blip r:embed="rId3"/>
           <a:stretch>
             <a:fillRect/>
           </a:stretch>
@@ -3586,13 +6732,13 @@
               </a:lnSpc>
             </a:pPr>
             <a:r>
-              <a:rPr lang="en-US" sz="2000" b="1">
+              <a:rPr lang="en-US" sz="2000" b="1" dirty="0">
                 <a:ea typeface="+mn-lt"/>
                 <a:cs typeface="+mn-lt"/>
               </a:rPr>
               <a:t>µ-optimization:</a:t>
             </a:r>
-            <a:endParaRPr lang="it-IT" sz="2000" b="1"/>
+            <a:endParaRPr lang="it-IT" sz="2000" b="1" dirty="0"/>
           </a:p>
           <a:p>
             <a:pPr marL="285750" indent="-285750">
@@ -3603,13 +6749,13 @@
               <a:buChar char="•"/>
             </a:pPr>
             <a:r>
-              <a:rPr lang="en-US" sz="1600">
+              <a:rPr lang="en-US" sz="1600" dirty="0">
                 <a:ea typeface="+mn-lt"/>
                 <a:cs typeface="+mn-lt"/>
               </a:rPr>
               <a:t>Non-blocking cache</a:t>
             </a:r>
-            <a:endParaRPr lang="en-US" sz="1600"/>
+            <a:endParaRPr lang="en-US" sz="1600" dirty="0"/>
           </a:p>
           <a:p>
             <a:pPr marL="285750" indent="-285750">
@@ -3620,12 +6766,23 @@
               <a:buChar char="•"/>
             </a:pPr>
             <a:r>
-              <a:rPr lang="it-IT" sz="1600">
-                <a:ea typeface="+mn-lt"/>
-                <a:cs typeface="+mn-lt"/>
-              </a:rPr>
-              <a:t>Load squashing</a:t>
-            </a:r>
+              <a:rPr lang="it-IT" sz="1600" dirty="0">
+                <a:ea typeface="+mn-lt"/>
+                <a:cs typeface="+mn-lt"/>
+              </a:rPr>
+              <a:t>Load </a:t>
+            </a:r>
+            <a:r>
+              <a:rPr lang="it-IT" sz="1600" dirty="0" err="1">
+                <a:ea typeface="+mn-lt"/>
+                <a:cs typeface="+mn-lt"/>
+              </a:rPr>
+              <a:t>squashing</a:t>
+            </a:r>
+            <a:endParaRPr lang="it-IT" sz="1600" dirty="0">
+              <a:ea typeface="+mn-lt"/>
+              <a:cs typeface="+mn-lt"/>
+            </a:endParaRPr>
           </a:p>
           <a:p>
             <a:pPr marL="285750" indent="-285750">
@@ -3636,12 +6793,23 @@
               <a:buChar char="•"/>
             </a:pPr>
             <a:r>
-              <a:rPr lang="it-IT" sz="1600">
-                <a:ea typeface="+mn-lt"/>
-                <a:cs typeface="+mn-lt"/>
-              </a:rPr>
-              <a:t>Write combining</a:t>
-            </a:r>
+              <a:rPr lang="it-IT" sz="1600" dirty="0">
+                <a:ea typeface="+mn-lt"/>
+                <a:cs typeface="+mn-lt"/>
+              </a:rPr>
+              <a:t>Write </a:t>
+            </a:r>
+            <a:r>
+              <a:rPr lang="it-IT" sz="1600" dirty="0" err="1">
+                <a:ea typeface="+mn-lt"/>
+                <a:cs typeface="+mn-lt"/>
+              </a:rPr>
+              <a:t>combining</a:t>
+            </a:r>
+            <a:endParaRPr lang="it-IT" sz="1600" dirty="0">
+              <a:ea typeface="+mn-lt"/>
+              <a:cs typeface="+mn-lt"/>
+            </a:endParaRPr>
           </a:p>
           <a:p>
             <a:pPr marL="285750" indent="-285750">
@@ -3652,13 +6820,34 @@
               <a:buChar char="•"/>
             </a:pPr>
             <a:r>
-              <a:rPr lang="it-IT" sz="1600">
-                <a:ea typeface="+mn-lt"/>
-                <a:cs typeface="+mn-lt"/>
-              </a:rPr>
-              <a:t>Non-temporal requests</a:t>
-            </a:r>
-            <a:endParaRPr lang="it-IT" sz="1600">
+              <a:rPr lang="it-IT" sz="1600" dirty="0">
+                <a:ea typeface="+mn-lt"/>
+                <a:cs typeface="+mn-lt"/>
+              </a:rPr>
+              <a:t>Non-</a:t>
+            </a:r>
+            <a:r>
+              <a:rPr lang="it-IT" sz="1600" dirty="0" err="1">
+                <a:ea typeface="+mn-lt"/>
+                <a:cs typeface="+mn-lt"/>
+              </a:rPr>
+              <a:t>temporal</a:t>
+            </a:r>
+            <a:r>
+              <a:rPr lang="it-IT" sz="1600" dirty="0">
+                <a:ea typeface="+mn-lt"/>
+                <a:cs typeface="+mn-lt"/>
+              </a:rPr>
+              <a:t> </a:t>
+            </a:r>
+            <a:r>
+              <a:rPr lang="it-IT" sz="1600" dirty="0" err="1">
+                <a:ea typeface="+mn-lt"/>
+                <a:cs typeface="+mn-lt"/>
+              </a:rPr>
+              <a:t>requests</a:t>
+            </a:r>
+            <a:endParaRPr lang="it-IT" sz="1600" dirty="0">
               <a:cs typeface="Arial"/>
             </a:endParaRPr>
           </a:p>
@@ -3706,14 +6895,14 @@
               </a:lnSpc>
             </a:pPr>
             <a:r>
-              <a:rPr lang="en-US" sz="1600">
+              <a:rPr lang="en-US" sz="1600" dirty="0">
                 <a:ea typeface="+mn-lt"/>
                 <a:cs typeface="+mn-lt"/>
               </a:rPr>
               <a:t>Reads that are </a:t>
             </a:r>
             <a:r>
-              <a:rPr lang="en-US" sz="1600">
+              <a:rPr lang="en-US" sz="1600" dirty="0">
                 <a:solidFill>
                   <a:srgbClr val="FF0000"/>
                 </a:solidFill>
@@ -3723,13 +6912,13 @@
               <a:t>not served from L1d</a:t>
             </a:r>
             <a:r>
-              <a:rPr lang="en-US" sz="1600">
+              <a:rPr lang="en-US" sz="1600" dirty="0">
                 <a:ea typeface="+mn-lt"/>
                 <a:cs typeface="+mn-lt"/>
               </a:rPr>
               <a:t> pull data through the LFB, while writes push data through the LFB to either L1d or memory</a:t>
             </a:r>
-            <a:endParaRPr lang="it-IT" sz="1600"/>
+            <a:endParaRPr lang="it-IT" sz="1600" dirty="0"/>
           </a:p>
         </p:txBody>
       </p:sp>
@@ -3828,13 +7017,181 @@
           <a:lstStyle/>
           <a:p>
             <a:r>
-              <a:rPr lang="it-IT">
-                <a:ea typeface="+mn-lt"/>
-                <a:cs typeface="+mn-lt"/>
-              </a:rPr>
-              <a:t>To leak information, the attacker must make sure that the right data is visible in the LFB at the right time, by synchronizing with the victim. This can be done in 3 different ways:</a:t>
-            </a:r>
-            <a:endParaRPr lang="it-IT"/>
+              <a:rPr lang="it-IT" dirty="0">
+                <a:ea typeface="+mn-lt"/>
+                <a:cs typeface="+mn-lt"/>
+              </a:rPr>
+              <a:t>To leak information, the </a:t>
+            </a:r>
+            <a:r>
+              <a:rPr lang="it-IT" dirty="0" err="1">
+                <a:ea typeface="+mn-lt"/>
+                <a:cs typeface="+mn-lt"/>
+              </a:rPr>
+              <a:t>attacker</a:t>
+            </a:r>
+            <a:r>
+              <a:rPr lang="it-IT" dirty="0">
+                <a:ea typeface="+mn-lt"/>
+                <a:cs typeface="+mn-lt"/>
+              </a:rPr>
+              <a:t> must make sure </a:t>
+            </a:r>
+            <a:r>
+              <a:rPr lang="it-IT" dirty="0" err="1">
+                <a:ea typeface="+mn-lt"/>
+                <a:cs typeface="+mn-lt"/>
+              </a:rPr>
+              <a:t>that</a:t>
+            </a:r>
+            <a:r>
+              <a:rPr lang="it-IT" dirty="0">
+                <a:ea typeface="+mn-lt"/>
+                <a:cs typeface="+mn-lt"/>
+              </a:rPr>
+              <a:t> the </a:t>
+            </a:r>
+            <a:r>
+              <a:rPr lang="it-IT" dirty="0" err="1">
+                <a:ea typeface="+mn-lt"/>
+                <a:cs typeface="+mn-lt"/>
+              </a:rPr>
+              <a:t>right</a:t>
+            </a:r>
+            <a:r>
+              <a:rPr lang="it-IT" dirty="0">
+                <a:ea typeface="+mn-lt"/>
+                <a:cs typeface="+mn-lt"/>
+              </a:rPr>
+              <a:t> data </a:t>
+            </a:r>
+            <a:r>
+              <a:rPr lang="it-IT" dirty="0" err="1">
+                <a:ea typeface="+mn-lt"/>
+                <a:cs typeface="+mn-lt"/>
+              </a:rPr>
+              <a:t>is</a:t>
+            </a:r>
+            <a:r>
+              <a:rPr lang="it-IT" dirty="0">
+                <a:ea typeface="+mn-lt"/>
+                <a:cs typeface="+mn-lt"/>
+              </a:rPr>
+              <a:t> </a:t>
+            </a:r>
+            <a:r>
+              <a:rPr lang="it-IT" dirty="0" err="1">
+                <a:ea typeface="+mn-lt"/>
+                <a:cs typeface="+mn-lt"/>
+              </a:rPr>
+              <a:t>visible</a:t>
+            </a:r>
+            <a:r>
+              <a:rPr lang="it-IT" dirty="0">
+                <a:ea typeface="+mn-lt"/>
+                <a:cs typeface="+mn-lt"/>
+              </a:rPr>
+              <a:t> in the LFB </a:t>
+            </a:r>
+            <a:r>
+              <a:rPr lang="it-IT" dirty="0" err="1">
+                <a:ea typeface="+mn-lt"/>
+                <a:cs typeface="+mn-lt"/>
+              </a:rPr>
+              <a:t>at</a:t>
+            </a:r>
+            <a:r>
+              <a:rPr lang="it-IT" dirty="0">
+                <a:ea typeface="+mn-lt"/>
+                <a:cs typeface="+mn-lt"/>
+              </a:rPr>
+              <a:t> the </a:t>
+            </a:r>
+            <a:r>
+              <a:rPr lang="it-IT" dirty="0" err="1">
+                <a:ea typeface="+mn-lt"/>
+                <a:cs typeface="+mn-lt"/>
+              </a:rPr>
+              <a:t>right</a:t>
+            </a:r>
+            <a:r>
+              <a:rPr lang="it-IT" dirty="0">
+                <a:ea typeface="+mn-lt"/>
+                <a:cs typeface="+mn-lt"/>
+              </a:rPr>
+              <a:t> time, by </a:t>
+            </a:r>
+            <a:r>
+              <a:rPr lang="it-IT" dirty="0" err="1">
+                <a:ea typeface="+mn-lt"/>
+                <a:cs typeface="+mn-lt"/>
+              </a:rPr>
+              <a:t>synchronizing</a:t>
+            </a:r>
+            <a:r>
+              <a:rPr lang="it-IT" dirty="0">
+                <a:ea typeface="+mn-lt"/>
+                <a:cs typeface="+mn-lt"/>
+              </a:rPr>
+              <a:t> with the </a:t>
+            </a:r>
+            <a:r>
+              <a:rPr lang="it-IT" dirty="0" err="1">
+                <a:ea typeface="+mn-lt"/>
+                <a:cs typeface="+mn-lt"/>
+              </a:rPr>
+              <a:t>victim</a:t>
+            </a:r>
+            <a:r>
+              <a:rPr lang="it-IT" dirty="0">
+                <a:ea typeface="+mn-lt"/>
+                <a:cs typeface="+mn-lt"/>
+              </a:rPr>
+              <a:t>. </a:t>
+            </a:r>
+            <a:r>
+              <a:rPr lang="it-IT" dirty="0" err="1">
+                <a:ea typeface="+mn-lt"/>
+                <a:cs typeface="+mn-lt"/>
+              </a:rPr>
+              <a:t>This</a:t>
+            </a:r>
+            <a:r>
+              <a:rPr lang="it-IT" dirty="0">
+                <a:ea typeface="+mn-lt"/>
+                <a:cs typeface="+mn-lt"/>
+              </a:rPr>
+              <a:t> can be </a:t>
+            </a:r>
+            <a:r>
+              <a:rPr lang="it-IT" dirty="0" err="1">
+                <a:ea typeface="+mn-lt"/>
+                <a:cs typeface="+mn-lt"/>
+              </a:rPr>
+              <a:t>done</a:t>
+            </a:r>
+            <a:r>
+              <a:rPr lang="it-IT" dirty="0">
+                <a:ea typeface="+mn-lt"/>
+                <a:cs typeface="+mn-lt"/>
+              </a:rPr>
+              <a:t> in 3 </a:t>
+            </a:r>
+            <a:r>
+              <a:rPr lang="it-IT" dirty="0" err="1">
+                <a:ea typeface="+mn-lt"/>
+                <a:cs typeface="+mn-lt"/>
+              </a:rPr>
+              <a:t>different</a:t>
+            </a:r>
+            <a:r>
+              <a:rPr lang="it-IT" dirty="0">
+                <a:ea typeface="+mn-lt"/>
+                <a:cs typeface="+mn-lt"/>
+              </a:rPr>
+              <a:t> ways:</a:t>
+            </a:r>
+            <a:endParaRPr lang="it-IT" dirty="0"/>
           </a:p>
         </p:txBody>
       </p:sp>
@@ -3853,7 +7210,7 @@
         <p:spPr>
           <a:xfrm>
             <a:off x="279105" y="2164883"/>
-            <a:ext cx="3039688" cy="2723823"/>
+            <a:ext cx="3039688" cy="2970044"/>
           </a:xfrm>
           <a:prstGeom prst="rect">
             <a:avLst/>
@@ -3865,7 +7222,7 @@
             <a:prstTxWarp prst="textNoShape">
               <a:avLst/>
             </a:prstTxWarp>
-            <a:spAutoFit/>
+            <a:noAutofit/>
           </a:bodyPr>
           <a:lstStyle/>
           <a:p>
@@ -3875,82 +7232,161 @@
               </a:lnSpc>
             </a:pPr>
             <a:r>
-              <a:rPr lang="it-IT" b="1">
+              <a:rPr lang="it-IT" b="1" dirty="0" err="1">
                 <a:ea typeface="+mn-lt"/>
                 <a:cs typeface="+mn-lt"/>
               </a:rPr>
               <a:t>Serialization</a:t>
             </a:r>
-            <a:endParaRPr lang="it-IT"/>
-          </a:p>
-          <a:p>
-            <a:r>
-              <a:rPr lang="it-IT" sz="1600" i="1">
-                <a:ea typeface="+mn-lt"/>
-                <a:cs typeface="+mn-lt"/>
-              </a:rPr>
-              <a:t>mfence </a:t>
-            </a:r>
-            <a:r>
-              <a:rPr lang="it-IT" sz="1600">
-                <a:ea typeface="+mn-lt"/>
-                <a:cs typeface="+mn-lt"/>
-              </a:rPr>
-              <a:t>instruction</a:t>
-            </a:r>
-            <a:r>
-              <a:rPr lang="it-IT" sz="1600" i="1" dirty="0">
-                <a:ea typeface="+mn-lt"/>
-                <a:cs typeface="+mn-lt"/>
-              </a:rPr>
-              <a:t> </a:t>
-            </a:r>
-            <a:r>
-              <a:rPr lang="it-IT" sz="1600">
-                <a:ea typeface="+mn-lt"/>
-                <a:cs typeface="+mn-lt"/>
-              </a:rPr>
-              <a:t>guarantees that </a:t>
+            <a:endParaRPr lang="it-IT" dirty="0"/>
+          </a:p>
+          <a:p>
+            <a:pPr algn="ctr">
+              <a:lnSpc>
+                <a:spcPct val="150000"/>
+              </a:lnSpc>
+            </a:pPr>
+            <a:r>
+              <a:rPr lang="it-IT" sz="1600" dirty="0" err="1">
+                <a:ea typeface="+mn-lt"/>
+                <a:cs typeface="+mn-lt"/>
+              </a:rPr>
+              <a:t>Instructions</a:t>
             </a:r>
             <a:r>
               <a:rPr lang="it-IT" sz="1600" dirty="0">
                 <a:ea typeface="+mn-lt"/>
                 <a:cs typeface="+mn-lt"/>
               </a:rPr>
-              <a:t>both load and stores </a:t>
-            </a:r>
-            <a:r>
-              <a:rPr lang="it-IT" sz="1600">
-                <a:ea typeface="+mn-lt"/>
-                <a:cs typeface="+mn-lt"/>
-              </a:rPr>
-              <a:t>before it's execution become globally visible (eg in the LFB).</a:t>
-            </a:r>
-            <a:endParaRPr lang="it-IT"/>
-          </a:p>
-          <a:p>
-            <a:r>
-              <a:rPr lang="it-IT" sz="1600">
-                <a:ea typeface="+mn-lt"/>
-                <a:cs typeface="+mn-lt"/>
-              </a:rPr>
-              <a:t>The </a:t>
-            </a:r>
-            <a:r>
-              <a:rPr lang="it-IT" sz="1600" i="1">
-                <a:ea typeface="+mn-lt"/>
-                <a:cs typeface="+mn-lt"/>
-              </a:rPr>
-              <a:t>mfence </a:t>
-            </a:r>
-            <a:r>
-              <a:rPr lang="it-IT" sz="1600">
-                <a:ea typeface="+mn-lt"/>
-                <a:cs typeface="+mn-lt"/>
-              </a:rPr>
-              <a:t>instruction forms a point of synchronization that allows us to observe the last few loads and stores before the buffers are completely drained.</a:t>
-            </a:r>
-            <a:endParaRPr lang="it-IT" sz="1600"/>
+              <a:t> to create a point of </a:t>
+            </a:r>
+            <a:r>
+              <a:rPr lang="it-IT" sz="1600" dirty="0" err="1">
+                <a:ea typeface="+mn-lt"/>
+                <a:cs typeface="+mn-lt"/>
+              </a:rPr>
+              <a:t>synchronization</a:t>
+            </a:r>
+            <a:r>
+              <a:rPr lang="it-IT" sz="1600" dirty="0">
+                <a:ea typeface="+mn-lt"/>
+                <a:cs typeface="+mn-lt"/>
+              </a:rPr>
+              <a:t> </a:t>
+            </a:r>
+            <a:r>
+              <a:rPr lang="it-IT" sz="1600" dirty="0" err="1">
+                <a:ea typeface="+mn-lt"/>
+                <a:cs typeface="+mn-lt"/>
+              </a:rPr>
+              <a:t>that</a:t>
+            </a:r>
+            <a:r>
+              <a:rPr lang="it-IT" sz="1600" dirty="0">
+                <a:ea typeface="+mn-lt"/>
+                <a:cs typeface="+mn-lt"/>
+              </a:rPr>
+              <a:t> </a:t>
+            </a:r>
+            <a:r>
+              <a:rPr lang="it-IT" sz="1600" dirty="0" err="1">
+                <a:ea typeface="+mn-lt"/>
+                <a:cs typeface="+mn-lt"/>
+              </a:rPr>
+              <a:t>allows</a:t>
+            </a:r>
+            <a:r>
+              <a:rPr lang="it-IT" sz="1600" dirty="0">
+                <a:ea typeface="+mn-lt"/>
+                <a:cs typeface="+mn-lt"/>
+              </a:rPr>
+              <a:t> the </a:t>
+            </a:r>
+            <a:r>
+              <a:rPr lang="it-IT" sz="1600" dirty="0" err="1">
+                <a:ea typeface="+mn-lt"/>
+                <a:cs typeface="+mn-lt"/>
+              </a:rPr>
+              <a:t>attacker</a:t>
+            </a:r>
+            <a:r>
+              <a:rPr lang="it-IT" sz="1600" dirty="0">
+                <a:ea typeface="+mn-lt"/>
+                <a:cs typeface="+mn-lt"/>
+              </a:rPr>
+              <a:t> to </a:t>
+            </a:r>
+            <a:r>
+              <a:rPr lang="it-IT" sz="1600" dirty="0" err="1">
+                <a:ea typeface="+mn-lt"/>
+                <a:cs typeface="+mn-lt"/>
+              </a:rPr>
+              <a:t>observe</a:t>
+            </a:r>
+            <a:r>
+              <a:rPr lang="it-IT" sz="1600" dirty="0">
+                <a:ea typeface="+mn-lt"/>
+                <a:cs typeface="+mn-lt"/>
+              </a:rPr>
+              <a:t> the last </a:t>
+            </a:r>
+            <a:r>
+              <a:rPr lang="it-IT" sz="1600" dirty="0" err="1">
+                <a:ea typeface="+mn-lt"/>
+                <a:cs typeface="+mn-lt"/>
+              </a:rPr>
+              <a:t>few</a:t>
+            </a:r>
+            <a:r>
+              <a:rPr lang="it-IT" sz="1600" dirty="0">
+                <a:ea typeface="+mn-lt"/>
+                <a:cs typeface="+mn-lt"/>
+              </a:rPr>
+              <a:t> loads and stores </a:t>
+            </a:r>
+            <a:r>
+              <a:rPr lang="it-IT" sz="1600" dirty="0" err="1">
+                <a:ea typeface="+mn-lt"/>
+                <a:cs typeface="+mn-lt"/>
+              </a:rPr>
+              <a:t>before</a:t>
+            </a:r>
+            <a:r>
+              <a:rPr lang="it-IT" sz="1600" dirty="0">
+                <a:ea typeface="+mn-lt"/>
+                <a:cs typeface="+mn-lt"/>
+              </a:rPr>
+              <a:t> the buffers are </a:t>
+            </a:r>
+            <a:r>
+              <a:rPr lang="it-IT" sz="1600" dirty="0" err="1">
+                <a:ea typeface="+mn-lt"/>
+                <a:cs typeface="+mn-lt"/>
+              </a:rPr>
+              <a:t>completely</a:t>
+            </a:r>
+            <a:r>
+              <a:rPr lang="it-IT" sz="1600" dirty="0">
+                <a:ea typeface="+mn-lt"/>
+                <a:cs typeface="+mn-lt"/>
+              </a:rPr>
+              <a:t> </a:t>
+            </a:r>
+            <a:r>
+              <a:rPr lang="it-IT" sz="1600" dirty="0" err="1">
+                <a:ea typeface="+mn-lt"/>
+                <a:cs typeface="+mn-lt"/>
+              </a:rPr>
+              <a:t>drained</a:t>
+            </a:r>
+            <a:r>
+              <a:rPr lang="it-IT" sz="1600" dirty="0">
+                <a:ea typeface="+mn-lt"/>
+                <a:cs typeface="+mn-lt"/>
+              </a:rPr>
+              <a:t>.</a:t>
+            </a:r>
+            <a:endParaRPr lang="it-IT" sz="1600" dirty="0"/>
           </a:p>
         </p:txBody>
       </p:sp>
@@ -3969,7 +7405,7 @@
         <p:spPr>
           <a:xfrm>
             <a:off x="3678853" y="2164883"/>
-            <a:ext cx="2844630" cy="2231380"/>
+            <a:ext cx="2844630" cy="2970044"/>
           </a:xfrm>
           <a:prstGeom prst="rect">
             <a:avLst/>
@@ -3981,7 +7417,7 @@
             <a:prstTxWarp prst="textNoShape">
               <a:avLst/>
             </a:prstTxWarp>
-            <a:spAutoFit/>
+            <a:noAutofit/>
           </a:bodyPr>
           <a:lstStyle/>
           <a:p>
@@ -3991,34 +7427,43 @@
               </a:lnSpc>
             </a:pPr>
             <a:r>
-              <a:rPr lang="it-IT" b="1">
+              <a:rPr lang="it-IT" b="1" dirty="0" err="1">
                 <a:ea typeface="+mn-lt"/>
                 <a:cs typeface="+mn-lt"/>
               </a:rPr>
               <a:t>Contention</a:t>
             </a:r>
-          </a:p>
-          <a:p>
+            <a:endParaRPr lang="it-IT" b="1" dirty="0">
+              <a:ea typeface="+mn-lt"/>
+              <a:cs typeface="+mn-lt"/>
+            </a:endParaRPr>
+          </a:p>
+          <a:p>
+            <a:pPr algn="ctr">
+              <a:lnSpc>
+                <a:spcPct val="150000"/>
+              </a:lnSpc>
+            </a:pPr>
             <a:r>
               <a:rPr lang="it-IT" sz="1600" dirty="0">
                 <a:ea typeface="+mn-lt"/>
                 <a:cs typeface="+mn-lt"/>
               </a:rPr>
-              <a:t>With victim and attacker running in the same hardware thread (e.g., in a sandbox, without SMT), we can create contention forcing </a:t>
-            </a:r>
-            <a:r>
-              <a:rPr lang="it-IT" sz="1600">
-                <a:ea typeface="+mn-lt"/>
-                <a:cs typeface="+mn-lt"/>
-              </a:rPr>
-              <a:t>entries to be evicted from the LFB</a:t>
+              <a:t>With victim and attacker running in the same hardware thread (e.g., in a sandbox, without SMT), we can create contention forcing entries to be </a:t>
+            </a:r>
+            <a:r>
+              <a:rPr lang="it-IT" sz="1600" dirty="0" err="1">
+                <a:ea typeface="+mn-lt"/>
+                <a:cs typeface="+mn-lt"/>
+              </a:rPr>
+              <a:t>evicted</a:t>
             </a:r>
             <a:r>
               <a:rPr lang="it-IT" sz="1600" dirty="0">
                 <a:ea typeface="+mn-lt"/>
                 <a:cs typeface="+mn-lt"/>
               </a:rPr>
-              <a:t>.</a:t>
+              <a:t> from the LFB.</a:t>
             </a:r>
             <a:endParaRPr lang="it-IT" sz="1600" dirty="0"/>
           </a:p>
@@ -4039,7 +7484,7 @@
         <p:spPr>
           <a:xfrm>
             <a:off x="6718995" y="2164883"/>
-            <a:ext cx="2844630" cy="2970044"/>
+            <a:ext cx="2844630" cy="2678169"/>
           </a:xfrm>
           <a:prstGeom prst="rect">
             <a:avLst/>
@@ -4061,42 +7506,82 @@
               </a:lnSpc>
             </a:pPr>
             <a:r>
-              <a:rPr lang="it-IT" b="1">
+              <a:rPr lang="it-IT" b="1" dirty="0">
+                <a:ea typeface="+mn-lt"/>
+                <a:cs typeface="+mn-lt"/>
+              </a:rPr>
+              <a:t>    </a:t>
+            </a:r>
+            <a:r>
+              <a:rPr lang="it-IT" b="1" dirty="0" err="1">
                 <a:ea typeface="+mn-lt"/>
                 <a:cs typeface="+mn-lt"/>
               </a:rPr>
               <a:t>Eviction</a:t>
             </a:r>
-            <a:endParaRPr lang="it-IT"/>
-          </a:p>
-          <a:p>
+            <a:endParaRPr lang="it-IT" dirty="0"/>
+          </a:p>
+          <a:p>
+            <a:pPr algn="ctr">
+              <a:lnSpc>
+                <a:spcPct val="150000"/>
+              </a:lnSpc>
+            </a:pPr>
+            <a:r>
+              <a:rPr lang="it-IT" sz="1600" dirty="0" err="1">
+                <a:ea typeface="+mn-lt"/>
+                <a:cs typeface="+mn-lt"/>
+              </a:rPr>
+              <a:t>Evicting</a:t>
+            </a:r>
             <a:r>
               <a:rPr lang="it-IT" sz="1600" dirty="0">
                 <a:ea typeface="+mn-lt"/>
                 <a:cs typeface="+mn-lt"/>
               </a:rPr>
-              <a:t>We can control the values that we leak from the victim by evicting cache entries from the cache set in which we are interested. If these </a:t>
-            </a:r>
-            <a:r>
-              <a:rPr lang="it-IT" sz="1600">
-                <a:ea typeface="+mn-lt"/>
-                <a:cs typeface="+mn-lt"/>
-              </a:rPr>
-              <a:t>cache lines were dirty, the </a:t>
+              <a:t> cache entries from the cache set in which we are interested. If these cache lines </a:t>
+            </a:r>
+            <a:r>
+              <a:rPr lang="it-IT" sz="1600" dirty="0" err="1">
+                <a:ea typeface="+mn-lt"/>
+                <a:cs typeface="+mn-lt"/>
+              </a:rPr>
+              <a:t>were</a:t>
             </a:r>
             <a:r>
               <a:rPr lang="it-IT" sz="1600" dirty="0">
                 <a:ea typeface="+mn-lt"/>
                 <a:cs typeface="+mn-lt"/>
               </a:rPr>
-              <a:t>processor has to write them back through the memory hierarchy and will do this </a:t>
-            </a:r>
-            <a:r>
-              <a:rPr lang="it-IT" sz="1600">
-                <a:ea typeface="+mn-lt"/>
-                <a:cs typeface="+mn-lt"/>
-              </a:rPr>
-              <a:t>through the LFB.</a:t>
+              <a:t> </a:t>
+            </a:r>
+            <a:r>
+              <a:rPr lang="it-IT" sz="1600" dirty="0" err="1">
+                <a:ea typeface="+mn-lt"/>
+                <a:cs typeface="+mn-lt"/>
+              </a:rPr>
+              <a:t>dirty</a:t>
+            </a:r>
+            <a:r>
+              <a:rPr lang="it-IT" sz="1600" dirty="0">
+                <a:ea typeface="+mn-lt"/>
+                <a:cs typeface="+mn-lt"/>
+              </a:rPr>
+              <a:t>, CPU has to write them back </a:t>
+            </a:r>
+            <a:r>
+              <a:rPr lang="it-IT" sz="1600" dirty="0" err="1">
+                <a:ea typeface="+mn-lt"/>
+                <a:cs typeface="+mn-lt"/>
+              </a:rPr>
+              <a:t>through</a:t>
+            </a:r>
+            <a:r>
+              <a:rPr lang="it-IT" sz="1600" dirty="0">
+                <a:ea typeface="+mn-lt"/>
+                <a:cs typeface="+mn-lt"/>
+              </a:rPr>
+              <a:t> the LFB.</a:t>
             </a:r>
             <a:endParaRPr lang="it-IT" sz="1600" dirty="0"/>
           </a:p>
@@ -4352,14 +7837,53 @@
               <a:rPr lang="it-IT" dirty="0">
                 <a:cs typeface="Arial"/>
               </a:rPr>
-              <a:t>architectural buffers It's possible to leak the deep </a:t>
-            </a:r>
-            <a:r>
-              <a:rPr lang="it-IT">
+              <a:t>architectural buffers </a:t>
+            </a:r>
+            <a:r>
+              <a:rPr lang="it-IT" dirty="0" err="1">
                 <a:cs typeface="Arial"/>
               </a:rPr>
-              <a:t>impementation of instructions</a:t>
-            </a:r>
+              <a:t>it</a:t>
+            </a:r>
+            <a:r>
+              <a:rPr lang="it-IT" dirty="0">
+                <a:cs typeface="Arial"/>
+              </a:rPr>
+              <a:t> </a:t>
+            </a:r>
+            <a:r>
+              <a:rPr lang="it-IT" dirty="0" err="1">
+                <a:cs typeface="Arial"/>
+              </a:rPr>
+              <a:t>is</a:t>
+            </a:r>
+            <a:r>
+              <a:rPr lang="it-IT" dirty="0">
+                <a:cs typeface="Arial"/>
+              </a:rPr>
+              <a:t> possible to leak the deep </a:t>
+            </a:r>
+            <a:r>
+              <a:rPr lang="it-IT" dirty="0" err="1">
+                <a:cs typeface="Arial"/>
+              </a:rPr>
+              <a:t>implementation</a:t>
+            </a:r>
+            <a:r>
+              <a:rPr lang="it-IT" dirty="0">
+                <a:cs typeface="Arial"/>
+              </a:rPr>
+              <a:t> of </a:t>
+            </a:r>
+            <a:r>
+              <a:rPr lang="it-IT" dirty="0" err="1">
+                <a:cs typeface="Arial"/>
+              </a:rPr>
+              <a:t>instructions</a:t>
+            </a:r>
+            <a:endParaRPr lang="it-IT" dirty="0">
+              <a:cs typeface="Arial"/>
+            </a:endParaRPr>
           </a:p>
         </p:txBody>
       </p:sp>
@@ -4395,7 +7919,7 @@
           <a:lstStyle/>
           <a:p>
             <a:r>
-              <a:rPr lang="it-IT">
+              <a:rPr lang="it-IT" dirty="0">
                 <a:solidFill>
                   <a:srgbClr val="0070C0"/>
                 </a:solidFill>
@@ -4438,10 +7962,21 @@
           <a:lstStyle/>
           <a:p>
             <a:r>
-              <a:rPr lang="it-IT"/>
-              <a:t>We are intrested in:</a:t>
-            </a:r>
-            <a:endParaRPr lang="it-IT" dirty="0"/>
+              <a:rPr lang="it-IT" dirty="0" err="1"/>
+              <a:t>We</a:t>
+            </a:r>
+            <a:r>
+              <a:rPr lang="it-IT" dirty="0"/>
+              <a:t> are </a:t>
+            </a:r>
+            <a:r>
+              <a:rPr lang="it-IT" dirty="0" err="1"/>
+              <a:t>intrested</a:t>
+            </a:r>
+            <a:r>
+              <a:rPr lang="it-IT" dirty="0"/>
+              <a:t> in:</a:t>
+            </a:r>
           </a:p>
           <a:p>
             <a:pPr marL="285750" indent="-285750">
@@ -4449,7 +7984,7 @@
               <a:buChar char="•"/>
             </a:pPr>
             <a:r>
-              <a:rPr lang="it-IT"/>
+              <a:rPr lang="it-IT" dirty="0"/>
               <a:t>OFFCORE_REQUESTS</a:t>
             </a:r>
           </a:p>
@@ -4459,7 +7994,7 @@
               <a:buChar char="•"/>
             </a:pPr>
             <a:r>
-              <a:rPr lang="it-IT"/>
+              <a:rPr lang="it-IT" dirty="0"/>
               <a:t>OFFCORE_RESPONSE</a:t>
             </a:r>
           </a:p>
@@ -4469,9 +8004,14 @@
               <a:buChar char="•"/>
             </a:pPr>
             <a:r>
-              <a:rPr lang="it-IT"/>
-              <a:t>buffers flush</a:t>
-            </a:r>
+              <a:rPr lang="it-IT" dirty="0"/>
+              <a:t>buffers </a:t>
+            </a:r>
+            <a:r>
+              <a:rPr lang="it-IT" dirty="0" err="1"/>
+              <a:t>flush</a:t>
+            </a:r>
+            <a:endParaRPr lang="it-IT" dirty="0"/>
           </a:p>
         </p:txBody>
       </p:sp>
@@ -4604,22 +8144,43 @@
               <a:t>CrossTalk: Speculative Data Leaks Across Cores Are Real. </a:t>
             </a:r>
             <a:r>
-              <a:rPr lang="it-IT" sz="900">
-                <a:ea typeface="+mn-lt"/>
-                <a:cs typeface="+mn-lt"/>
-              </a:rPr>
-              <a:t>Ragab, H.; Milburn, A.; </a:t>
+              <a:rPr lang="it-IT" sz="900" dirty="0" err="1">
+                <a:ea typeface="+mn-lt"/>
+                <a:cs typeface="+mn-lt"/>
+              </a:rPr>
+              <a:t>Ragab</a:t>
             </a:r>
             <a:r>
               <a:rPr lang="it-IT" sz="900" dirty="0">
                 <a:ea typeface="+mn-lt"/>
                 <a:cs typeface="+mn-lt"/>
+              </a:rPr>
+              <a:t>, H.; </a:t>
+            </a:r>
+            <a:r>
+              <a:rPr lang="it-IT" sz="900" dirty="0" err="1">
+                <a:ea typeface="+mn-lt"/>
+                <a:cs typeface="+mn-lt"/>
+              </a:rPr>
+              <a:t>Milburn</a:t>
+            </a:r>
+            <a:r>
+              <a:rPr lang="it-IT" sz="900" dirty="0">
+                <a:ea typeface="+mn-lt"/>
+                <a:cs typeface="+mn-lt"/>
+              </a:rPr>
+              <a:t>, A.; </a:t>
+            </a:r>
+            <a:r>
+              <a:rPr lang="it-IT" sz="900" dirty="0">
+                <a:ea typeface="+mn-lt"/>
+                <a:cs typeface="+mn-lt"/>
                 <a:hlinkClick r:id="rId4"/>
               </a:rPr>
               <a:t>Razavi, K.</a:t>
             </a:r>
             <a:r>
-              <a:rPr lang="it-IT" sz="900">
+              <a:rPr lang="it-IT" sz="900" dirty="0">
                 <a:ea typeface="+mn-lt"/>
                 <a:cs typeface="+mn-lt"/>
               </a:rPr>
@@ -4634,7 +8195,7 @@
               <a:t>Bos, H.</a:t>
             </a:r>
             <a:r>
-              <a:rPr lang="it-IT" sz="900">
+              <a:rPr lang="it-IT" sz="900" dirty="0">
                 <a:ea typeface="+mn-lt"/>
                 <a:cs typeface="+mn-lt"/>
               </a:rPr>
@@ -4649,34 +8210,55 @@
               <a:t>Giuffrida, C.</a:t>
             </a:r>
             <a:r>
-              <a:rPr lang="it-IT" sz="900">
+              <a:rPr lang="it-IT" sz="900" dirty="0">
                 <a:ea typeface="+mn-lt"/>
                 <a:cs typeface="+mn-lt"/>
               </a:rPr>
               <a:t> In </a:t>
             </a:r>
             <a:r>
-              <a:rPr lang="it-IT" sz="900" i="1">
+              <a:rPr lang="it-IT" sz="900" i="1" dirty="0">
                 <a:ea typeface="+mn-lt"/>
                 <a:cs typeface="+mn-lt"/>
               </a:rPr>
               <a:t>S&amp;P</a:t>
             </a:r>
             <a:r>
-              <a:rPr lang="it-IT" sz="900">
-                <a:ea typeface="+mn-lt"/>
-                <a:cs typeface="+mn-lt"/>
-              </a:rPr>
-              <a:t>, May 2021. </a:t>
-            </a:r>
-            <a:r>
-              <a:rPr lang="it-IT" sz="900" i="1">
-                <a:ea typeface="+mn-lt"/>
-                <a:cs typeface="+mn-lt"/>
-              </a:rPr>
-              <a:t>Intel Bounty Reward</a:t>
-            </a:r>
-            <a:endParaRPr lang="it-IT"/>
+              <a:rPr lang="it-IT" sz="900" dirty="0">
+                <a:ea typeface="+mn-lt"/>
+                <a:cs typeface="+mn-lt"/>
+              </a:rPr>
+              <a:t>, </a:t>
+            </a:r>
+            <a:r>
+              <a:rPr lang="it-IT" sz="900" dirty="0" err="1">
+                <a:ea typeface="+mn-lt"/>
+                <a:cs typeface="+mn-lt"/>
+              </a:rPr>
+              <a:t>May</a:t>
+            </a:r>
+            <a:r>
+              <a:rPr lang="it-IT" sz="900" dirty="0">
+                <a:ea typeface="+mn-lt"/>
+                <a:cs typeface="+mn-lt"/>
+              </a:rPr>
+              <a:t> 2021. </a:t>
+            </a:r>
+            <a:r>
+              <a:rPr lang="it-IT" sz="900" i="1" dirty="0">
+                <a:ea typeface="+mn-lt"/>
+                <a:cs typeface="+mn-lt"/>
+              </a:rPr>
+              <a:t>Intel Bounty </a:t>
+            </a:r>
+            <a:r>
+              <a:rPr lang="it-IT" sz="900" i="1" dirty="0" err="1">
+                <a:ea typeface="+mn-lt"/>
+                <a:cs typeface="+mn-lt"/>
+              </a:rPr>
+              <a:t>Reward</a:t>
+            </a:r>
+            <a:endParaRPr lang="it-IT" dirty="0"/>
           </a:p>
         </p:txBody>
       </p:sp>
@@ -4712,26 +8294,53 @@
           <a:lstStyle/>
           <a:p>
             <a:r>
-              <a:rPr lang="it-IT"/>
+              <a:rPr lang="it-IT" dirty="0"/>
               <a:t>The </a:t>
             </a:r>
             <a:r>
-              <a:rPr lang="it-IT" b="1"/>
-              <a:t>Staging Buffer</a:t>
-            </a:r>
-            <a:r>
-              <a:rPr lang="it-IT"/>
-              <a:t> is </a:t>
-            </a:r>
-            <a:r>
-              <a:rPr lang="it-IT" b="1"/>
-              <a:t>Shared </a:t>
-            </a:r>
-            <a:r>
-              <a:rPr lang="it-IT"/>
-              <a:t>among all cores</a:t>
-            </a:r>
-            <a:endParaRPr lang="it-IT" dirty="0"/>
+              <a:rPr lang="it-IT" b="1" dirty="0" err="1"/>
+              <a:t>Staging</a:t>
+            </a:r>
+            <a:r>
+              <a:rPr lang="it-IT" b="1" dirty="0"/>
+              <a:t> Buffer</a:t>
+            </a:r>
+            <a:r>
+              <a:rPr lang="it-IT" dirty="0"/>
+              <a:t> </a:t>
+            </a:r>
+            <a:r>
+              <a:rPr lang="it-IT" dirty="0" err="1"/>
+              <a:t>is</a:t>
+            </a:r>
+            <a:r>
+              <a:rPr lang="it-IT" dirty="0"/>
+              <a:t> </a:t>
+            </a:r>
+            <a:r>
+              <a:rPr lang="it-IT" b="1" dirty="0" err="1"/>
+              <a:t>shared</a:t>
+            </a:r>
+            <a:r>
+              <a:rPr lang="it-IT" b="1" dirty="0"/>
+              <a:t> </a:t>
+            </a:r>
+            <a:r>
+              <a:rPr lang="it-IT" dirty="0" err="1"/>
+              <a:t>among</a:t>
+            </a:r>
+            <a:r>
+              <a:rPr lang="it-IT" dirty="0"/>
+              <a:t> </a:t>
+            </a:r>
+            <a:r>
+              <a:rPr lang="it-IT" dirty="0" err="1"/>
+              <a:t>all</a:t>
+            </a:r>
+            <a:r>
+              <a:rPr lang="it-IT" dirty="0"/>
+              <a:t> cores</a:t>
+            </a:r>
           </a:p>
         </p:txBody>
       </p:sp>
@@ -4777,12 +8386,24 @@
               </a:lnSpc>
             </a:pPr>
             <a:r>
-              <a:rPr lang="it-IT"/>
-              <a:t>The Staging Buffer is </a:t>
-            </a:r>
-            <a:r>
               <a:rPr lang="it-IT" dirty="0"/>
-              <a:t>used to store pending request to unique (shared) resources like the </a:t>
+              <a:t>The </a:t>
+            </a:r>
+            <a:r>
+              <a:rPr lang="it-IT" dirty="0" err="1"/>
+              <a:t>Staging</a:t>
+            </a:r>
+            <a:r>
+              <a:rPr lang="it-IT" dirty="0"/>
+              <a:t> Buffer </a:t>
+            </a:r>
+            <a:r>
+              <a:rPr lang="it-IT" dirty="0" err="1"/>
+              <a:t>is</a:t>
+            </a:r>
+            <a:r>
+              <a:rPr lang="it-IT" dirty="0"/>
+              <a:t> used to store pending request to unique (shared) resources like the </a:t>
             </a:r>
             <a:r>
               <a:rPr lang="it-IT" u="sng" dirty="0"/>
@@ -4793,8 +8414,28 @@
               <a:t>; for optimization purpose </a:t>
             </a:r>
             <a:r>
-              <a:rPr lang="it-IT"/>
-              <a:t>this buffer is able to aggregate</a:t>
+              <a:rPr lang="it-IT" dirty="0" err="1"/>
+              <a:t>this</a:t>
+            </a:r>
+            <a:r>
+              <a:rPr lang="it-IT" dirty="0"/>
+              <a:t> buffer </a:t>
+            </a:r>
+            <a:r>
+              <a:rPr lang="it-IT" dirty="0" err="1"/>
+              <a:t>is</a:t>
+            </a:r>
+            <a:r>
+              <a:rPr lang="it-IT" dirty="0"/>
+              <a:t> </a:t>
+            </a:r>
+            <a:r>
+              <a:rPr lang="it-IT" dirty="0" err="1"/>
+              <a:t>able</a:t>
+            </a:r>
+            <a:r>
+              <a:rPr lang="it-IT" dirty="0"/>
+              <a:t> to aggregate</a:t>
             </a:r>
           </a:p>
           <a:p>
@@ -4815,16 +8456,9 @@
                 <a:ea typeface="+mn-lt"/>
                 <a:cs typeface="+mn-lt"/>
               </a:rPr>
-              <a:t>delivering unrequested </a:t>
-            </a:r>
-            <a:r>
-              <a:rPr lang="en-US" b="1">
-                <a:ea typeface="+mn-lt"/>
-                <a:cs typeface="+mn-lt"/>
-              </a:rPr>
-              <a:t>data to ALL cores LFB</a:t>
-            </a:r>
-            <a:endParaRPr lang="it-IT" b="1"/>
+              <a:t>delivering unrequested data to ALL cores LFB</a:t>
+            </a:r>
+            <a:endParaRPr lang="it-IT" b="1" dirty="0"/>
           </a:p>
         </p:txBody>
       </p:sp>
@@ -4860,8 +8494,52 @@
           <a:lstStyle/>
           <a:p>
             <a:r>
-              <a:rPr lang="it-IT"/>
-              <a:t>Note that the interconnection mechanis is (probably) asincronous</a:t>
+              <a:rPr lang="it-IT" dirty="0"/>
+              <a:t>Note </a:t>
+            </a:r>
+            <a:r>
+              <a:rPr lang="it-IT" dirty="0" err="1"/>
+              <a:t>that</a:t>
+            </a:r>
+            <a:r>
+              <a:rPr lang="it-IT" dirty="0"/>
+              <a:t> the </a:t>
+            </a:r>
+            <a:r>
+              <a:rPr lang="it-IT" dirty="0" err="1"/>
+              <a:t>interconnection</a:t>
+            </a:r>
+            <a:r>
+              <a:rPr lang="it-IT" dirty="0"/>
+              <a:t> </a:t>
+            </a:r>
+            <a:r>
+              <a:rPr lang="it-IT" dirty="0" err="1"/>
+              <a:t>mechanism</a:t>
+            </a:r>
+            <a:r>
+              <a:rPr lang="it-IT" dirty="0"/>
+              <a:t> </a:t>
+            </a:r>
+            <a:r>
+              <a:rPr lang="it-IT" dirty="0" err="1"/>
+              <a:t>is</a:t>
+            </a:r>
+            <a:r>
+              <a:rPr lang="it-IT" dirty="0"/>
+              <a:t> (</a:t>
+            </a:r>
+            <a:r>
+              <a:rPr lang="it-IT" dirty="0" err="1"/>
+              <a:t>probably</a:t>
+            </a:r>
+            <a:r>
+              <a:rPr lang="it-IT" dirty="0"/>
+              <a:t>) </a:t>
+            </a:r>
+            <a:r>
+              <a:rPr lang="it-IT" dirty="0" err="1"/>
+              <a:t>asincronous</a:t>
             </a:r>
             <a:endParaRPr lang="it-IT" dirty="0"/>
           </a:p>
@@ -4996,22 +8674,43 @@
               <a:t>CrossTalk: Speculative Data Leaks Across Cores Are Real. </a:t>
             </a:r>
             <a:r>
-              <a:rPr lang="it-IT" sz="900">
-                <a:ea typeface="+mn-lt"/>
-                <a:cs typeface="+mn-lt"/>
-              </a:rPr>
-              <a:t>Ragab, H.; Milburn, A.; </a:t>
+              <a:rPr lang="it-IT" sz="900" dirty="0" err="1">
+                <a:ea typeface="+mn-lt"/>
+                <a:cs typeface="+mn-lt"/>
+              </a:rPr>
+              <a:t>Ragab</a:t>
             </a:r>
             <a:r>
               <a:rPr lang="it-IT" sz="900" dirty="0">
                 <a:ea typeface="+mn-lt"/>
                 <a:cs typeface="+mn-lt"/>
+              </a:rPr>
+              <a:t>, H.; </a:t>
+            </a:r>
+            <a:r>
+              <a:rPr lang="it-IT" sz="900" dirty="0" err="1">
+                <a:ea typeface="+mn-lt"/>
+                <a:cs typeface="+mn-lt"/>
+              </a:rPr>
+              <a:t>Milburn</a:t>
+            </a:r>
+            <a:r>
+              <a:rPr lang="it-IT" sz="900" dirty="0">
+                <a:ea typeface="+mn-lt"/>
+                <a:cs typeface="+mn-lt"/>
+              </a:rPr>
+              <a:t>, A.; </a:t>
+            </a:r>
+            <a:r>
+              <a:rPr lang="it-IT" sz="900" dirty="0">
+                <a:ea typeface="+mn-lt"/>
+                <a:cs typeface="+mn-lt"/>
                 <a:hlinkClick r:id="rId4"/>
               </a:rPr>
               <a:t>Razavi, K.</a:t>
             </a:r>
             <a:r>
-              <a:rPr lang="it-IT" sz="900">
+              <a:rPr lang="it-IT" sz="900" dirty="0">
                 <a:ea typeface="+mn-lt"/>
                 <a:cs typeface="+mn-lt"/>
               </a:rPr>
@@ -5026,7 +8725,7 @@
               <a:t>Bos, H.</a:t>
             </a:r>
             <a:r>
-              <a:rPr lang="it-IT" sz="900">
+              <a:rPr lang="it-IT" sz="900" dirty="0">
                 <a:ea typeface="+mn-lt"/>
                 <a:cs typeface="+mn-lt"/>
               </a:rPr>
@@ -5041,34 +8740,55 @@
               <a:t>Giuffrida, C.</a:t>
             </a:r>
             <a:r>
-              <a:rPr lang="it-IT" sz="900">
+              <a:rPr lang="it-IT" sz="900" dirty="0">
                 <a:ea typeface="+mn-lt"/>
                 <a:cs typeface="+mn-lt"/>
               </a:rPr>
               <a:t> In </a:t>
             </a:r>
             <a:r>
-              <a:rPr lang="it-IT" sz="900" i="1">
+              <a:rPr lang="it-IT" sz="900" i="1" dirty="0">
                 <a:ea typeface="+mn-lt"/>
                 <a:cs typeface="+mn-lt"/>
               </a:rPr>
               <a:t>S&amp;P</a:t>
             </a:r>
             <a:r>
-              <a:rPr lang="it-IT" sz="900">
-                <a:ea typeface="+mn-lt"/>
-                <a:cs typeface="+mn-lt"/>
-              </a:rPr>
-              <a:t>, May 2021. </a:t>
-            </a:r>
-            <a:r>
-              <a:rPr lang="it-IT" sz="900" i="1">
-                <a:ea typeface="+mn-lt"/>
-                <a:cs typeface="+mn-lt"/>
-              </a:rPr>
-              <a:t>Intel Bounty Reward</a:t>
-            </a:r>
-            <a:endParaRPr lang="it-IT"/>
+              <a:rPr lang="it-IT" sz="900" dirty="0">
+                <a:ea typeface="+mn-lt"/>
+                <a:cs typeface="+mn-lt"/>
+              </a:rPr>
+              <a:t>, </a:t>
+            </a:r>
+            <a:r>
+              <a:rPr lang="it-IT" sz="900" dirty="0" err="1">
+                <a:ea typeface="+mn-lt"/>
+                <a:cs typeface="+mn-lt"/>
+              </a:rPr>
+              <a:t>May</a:t>
+            </a:r>
+            <a:r>
+              <a:rPr lang="it-IT" sz="900" dirty="0">
+                <a:ea typeface="+mn-lt"/>
+                <a:cs typeface="+mn-lt"/>
+              </a:rPr>
+              <a:t> 2021. </a:t>
+            </a:r>
+            <a:r>
+              <a:rPr lang="it-IT" sz="900" i="1" dirty="0">
+                <a:ea typeface="+mn-lt"/>
+                <a:cs typeface="+mn-lt"/>
+              </a:rPr>
+              <a:t>Intel Bounty </a:t>
+            </a:r>
+            <a:r>
+              <a:rPr lang="it-IT" sz="900" i="1" dirty="0" err="1">
+                <a:ea typeface="+mn-lt"/>
+                <a:cs typeface="+mn-lt"/>
+              </a:rPr>
+              <a:t>Reward</a:t>
+            </a:r>
+            <a:endParaRPr lang="it-IT" dirty="0"/>
           </a:p>
         </p:txBody>
       </p:sp>
@@ -5311,4 +9031,299 @@
   <a:objectDefaults/>
   <a:extraClrSchemeLst/>
 </a:theme>
+</file>
+
+<file path=ppt/theme/theme2.xml><?xml version="1.0" encoding="utf-8"?>
+<a:theme xmlns:a="http://schemas.openxmlformats.org/drawingml/2006/main" name="Tema di Office">
+  <a:themeElements>
+    <a:clrScheme name="Office">
+      <a:dk1>
+        <a:sysClr val="windowText" lastClr="000000"/>
+      </a:dk1>
+      <a:lt1>
+        <a:sysClr val="window" lastClr="FFFFFF"/>
+      </a:lt1>
+      <a:dk2>
+        <a:srgbClr val="44546A"/>
+      </a:dk2>
+      <a:lt2>
+        <a:srgbClr val="E7E6E6"/>
+      </a:lt2>
+      <a:accent1>
+        <a:srgbClr val="4472C4"/>
+      </a:accent1>
+      <a:accent2>
+        <a:srgbClr val="ED7D31"/>
+      </a:accent2>
+      <a:accent3>
+        <a:srgbClr val="A5A5A5"/>
+      </a:accent3>
+      <a:accent4>
+        <a:srgbClr val="FFC000"/>
+      </a:accent4>
+      <a:accent5>
+        <a:srgbClr val="5B9BD5"/>
+      </a:accent5>
+      <a:accent6>
+        <a:srgbClr val="70AD47"/>
+      </a:accent6>
+      <a:hlink>
+        <a:srgbClr val="0563C1"/>
+      </a:hlink>
+      <a:folHlink>
+        <a:srgbClr val="954F72"/>
+      </a:folHlink>
+    </a:clrScheme>
+    <a:fontScheme name="Office">
+      <a:majorFont>
+        <a:latin typeface="Calibri Light" panose="020F0302020204030204"/>
+        <a:ea typeface=""/>
+        <a:cs typeface=""/>
+        <a:font script="Jpan" typeface="游ゴシック Light"/>
+        <a:font script="Hang" typeface="맑은 고딕"/>
+        <a:font script="Hans" typeface="等线 Light"/>
+        <a:font script="Hant" typeface="新細明體"/>
+        <a:font script="Arab" typeface="Times New Roman"/>
+        <a:font script="Hebr" typeface="Times New Roman"/>
+        <a:font script="Thai" typeface="Angsana New"/>
+        <a:font script="Ethi" typeface="Nyala"/>
+        <a:font script="Beng" typeface="Vrinda"/>
+        <a:font script="Gujr" typeface="Shruti"/>
+        <a:font script="Khmr" typeface="MoolBoran"/>
+        <a:font script="Knda" typeface="Tunga"/>
+        <a:font script="Guru" typeface="Raavi"/>
+        <a:font script="Cans" typeface="Euphemia"/>
+        <a:font script="Cher" typeface="Plantagenet Cherokee"/>
+        <a:font script="Yiii" typeface="Microsoft Yi Baiti"/>
+        <a:font script="Tibt" typeface="Microsoft Himalaya"/>
+        <a:font script="Thaa" typeface="MV Boli"/>
+        <a:font script="Deva" typeface="Mangal"/>
+        <a:font script="Telu" typeface="Gautami"/>
+        <a:font script="Taml" typeface="Latha"/>
+        <a:font script="Syrc" typeface="Estrangelo Edessa"/>
+        <a:font script="Orya" typeface="Kalinga"/>
+        <a:font script="Mlym" typeface="Kartika"/>
+        <a:font script="Laoo" typeface="DokChampa"/>
+        <a:font script="Sinh" typeface="Iskoola Pota"/>
+        <a:font script="Mong" typeface="Mongolian Baiti"/>
+        <a:font script="Viet" typeface="Times New Roman"/>
+        <a:font script="Uigh" typeface="Microsoft Uighur"/>
+        <a:font script="Geor" typeface="Sylfaen"/>
+        <a:font script="Armn" typeface="Arial"/>
+        <a:font script="Bugi" typeface="Leelawadee UI"/>
+        <a:font script="Bopo" typeface="Microsoft JhengHei"/>
+        <a:font script="Java" typeface="Javanese Text"/>
+        <a:font script="Lisu" typeface="Segoe UI"/>
+        <a:font script="Mymr" typeface="Myanmar Text"/>
+        <a:font script="Nkoo" typeface="Ebrima"/>
+        <a:font script="Olck" typeface="Nirmala UI"/>
+        <a:font script="Osma" typeface="Ebrima"/>
+        <a:font script="Phag" typeface="Phagspa"/>
+        <a:font script="Syrn" typeface="Estrangelo Edessa"/>
+        <a:font script="Syrj" typeface="Estrangelo Edessa"/>
+        <a:font script="Syre" typeface="Estrangelo Edessa"/>
+        <a:font script="Sora" typeface="Nirmala UI"/>
+        <a:font script="Tale" typeface="Microsoft Tai Le"/>
+        <a:font script="Talu" typeface="Microsoft New Tai Lue"/>
+        <a:font script="Tfng" typeface="Ebrima"/>
+      </a:majorFont>
+      <a:minorFont>
+        <a:latin typeface="Calibri" panose="020F0502020204030204"/>
+        <a:ea typeface=""/>
+        <a:cs typeface=""/>
+        <a:font script="Jpan" typeface="游ゴシック"/>
+        <a:font script="Hang" typeface="맑은 고딕"/>
+        <a:font script="Hans" typeface="等线"/>
+        <a:font script="Hant" typeface="新細明體"/>
+        <a:font script="Arab" typeface="Arial"/>
+        <a:font script="Hebr" typeface="Arial"/>
+        <a:font script="Thai" typeface="Cordia New"/>
+        <a:font script="Ethi" typeface="Nyala"/>
+        <a:font script="Beng" typeface="Vrinda"/>
+        <a:font script="Gujr" typeface="Shruti"/>
+        <a:font script="Khmr" typeface="DaunPenh"/>
+        <a:font script="Knda" typeface="Tunga"/>
+        <a:font script="Guru" typeface="Raavi"/>
+        <a:font script="Cans" typeface="Euphemia"/>
+        <a:font script="Cher" typeface="Plantagenet Cherokee"/>
+        <a:font script="Yiii" typeface="Microsoft Yi Baiti"/>
+        <a:font script="Tibt" typeface="Microsoft Himalaya"/>
+        <a:font script="Thaa" typeface="MV Boli"/>
+        <a:font script="Deva" typeface="Mangal"/>
+        <a:font script="Telu" typeface="Gautami"/>
+        <a:font script="Taml" typeface="Latha"/>
+        <a:font script="Syrc" typeface="Estrangelo Edessa"/>
+        <a:font script="Orya" typeface="Kalinga"/>
+        <a:font script="Mlym" typeface="Kartika"/>
+        <a:font script="Laoo" typeface="DokChampa"/>
+        <a:font script="Sinh" typeface="Iskoola Pota"/>
+        <a:font script="Mong" typeface="Mongolian Baiti"/>
+        <a:font script="Viet" typeface="Arial"/>
+        <a:font script="Uigh" typeface="Microsoft Uighur"/>
+        <a:font script="Geor" typeface="Sylfaen"/>
+        <a:font script="Armn" typeface="Arial"/>
+        <a:font script="Bugi" typeface="Leelawadee UI"/>
+        <a:font script="Bopo" typeface="Microsoft JhengHei"/>
+        <a:font script="Java" typeface="Javanese Text"/>
+        <a:font script="Lisu" typeface="Segoe UI"/>
+        <a:font script="Mymr" typeface="Myanmar Text"/>
+        <a:font script="Nkoo" typeface="Ebrima"/>
+        <a:font script="Olck" typeface="Nirmala UI"/>
+        <a:font script="Osma" typeface="Ebrima"/>
+        <a:font script="Phag" typeface="Phagspa"/>
+        <a:font script="Syrn" typeface="Estrangelo Edessa"/>
+        <a:font script="Syrj" typeface="Estrangelo Edessa"/>
+        <a:font script="Syre" typeface="Estrangelo Edessa"/>
+        <a:font script="Sora" typeface="Nirmala UI"/>
+        <a:font script="Tale" typeface="Microsoft Tai Le"/>
+        <a:font script="Talu" typeface="Microsoft New Tai Lue"/>
+        <a:font script="Tfng" typeface="Ebrima"/>
+      </a:minorFont>
+    </a:fontScheme>
+    <a:fmtScheme name="Office">
+      <a:fillStyleLst>
+        <a:solidFill>
+          <a:schemeClr val="phClr"/>
+        </a:solidFill>
+        <a:gradFill rotWithShape="1">
+          <a:gsLst>
+            <a:gs pos="0">
+              <a:schemeClr val="phClr">
+                <a:lumMod val="110000"/>
+                <a:satMod val="105000"/>
+                <a:tint val="67000"/>
+              </a:schemeClr>
+            </a:gs>
+            <a:gs pos="50000">
+              <a:schemeClr val="phClr">
+                <a:lumMod val="105000"/>
+                <a:satMod val="103000"/>
+                <a:tint val="73000"/>
+              </a:schemeClr>
+            </a:gs>
+            <a:gs pos="100000">
+              <a:schemeClr val="phClr">
+                <a:lumMod val="105000"/>
+                <a:satMod val="109000"/>
+                <a:tint val="81000"/>
+              </a:schemeClr>
+            </a:gs>
+          </a:gsLst>
+          <a:lin ang="5400000" scaled="0"/>
+        </a:gradFill>
+        <a:gradFill rotWithShape="1">
+          <a:gsLst>
+            <a:gs pos="0">
+              <a:schemeClr val="phClr">
+                <a:satMod val="103000"/>
+                <a:lumMod val="102000"/>
+                <a:tint val="94000"/>
+              </a:schemeClr>
+            </a:gs>
+            <a:gs pos="50000">
+              <a:schemeClr val="phClr">
+                <a:satMod val="110000"/>
+                <a:lumMod val="100000"/>
+                <a:shade val="100000"/>
+              </a:schemeClr>
+            </a:gs>
+            <a:gs pos="100000">
+              <a:schemeClr val="phClr">
+                <a:lumMod val="99000"/>
+                <a:satMod val="120000"/>
+                <a:shade val="78000"/>
+              </a:schemeClr>
+            </a:gs>
+          </a:gsLst>
+          <a:lin ang="5400000" scaled="0"/>
+        </a:gradFill>
+      </a:fillStyleLst>
+      <a:lnStyleLst>
+        <a:ln w="6350" cap="flat" cmpd="sng" algn="ctr">
+          <a:solidFill>
+            <a:schemeClr val="phClr"/>
+          </a:solidFill>
+          <a:prstDash val="solid"/>
+          <a:miter lim="800000"/>
+        </a:ln>
+        <a:ln w="12700" cap="flat" cmpd="sng" algn="ctr">
+          <a:solidFill>
+            <a:schemeClr val="phClr"/>
+          </a:solidFill>
+          <a:prstDash val="solid"/>
+          <a:miter lim="800000"/>
+        </a:ln>
+        <a:ln w="19050" cap="flat" cmpd="sng" algn="ctr">
+          <a:solidFill>
+            <a:schemeClr val="phClr"/>
+          </a:solidFill>
+          <a:prstDash val="solid"/>
+          <a:miter lim="800000"/>
+        </a:ln>
+      </a:lnStyleLst>
+      <a:effectStyleLst>
+        <a:effectStyle>
+          <a:effectLst/>
+        </a:effectStyle>
+        <a:effectStyle>
+          <a:effectLst/>
+        </a:effectStyle>
+        <a:effectStyle>
+          <a:effectLst>
+            <a:outerShdw blurRad="57150" dist="19050" dir="5400000" algn="ctr" rotWithShape="0">
+              <a:srgbClr val="000000">
+                <a:alpha val="63000"/>
+              </a:srgbClr>
+            </a:outerShdw>
+          </a:effectLst>
+        </a:effectStyle>
+      </a:effectStyleLst>
+      <a:bgFillStyleLst>
+        <a:solidFill>
+          <a:schemeClr val="phClr"/>
+        </a:solidFill>
+        <a:solidFill>
+          <a:schemeClr val="phClr">
+            <a:tint val="95000"/>
+            <a:satMod val="170000"/>
+          </a:schemeClr>
+        </a:solidFill>
+        <a:gradFill rotWithShape="1">
+          <a:gsLst>
+            <a:gs pos="0">
+              <a:schemeClr val="phClr">
+                <a:tint val="93000"/>
+                <a:satMod val="150000"/>
+                <a:shade val="98000"/>
+                <a:lumMod val="102000"/>
+              </a:schemeClr>
+            </a:gs>
+            <a:gs pos="50000">
+              <a:schemeClr val="phClr">
+                <a:tint val="98000"/>
+                <a:satMod val="130000"/>
+                <a:shade val="90000"/>
+                <a:lumMod val="103000"/>
+              </a:schemeClr>
+            </a:gs>
+            <a:gs pos="100000">
+              <a:schemeClr val="phClr">
+                <a:shade val="63000"/>
+                <a:satMod val="120000"/>
+              </a:schemeClr>
+            </a:gs>
+          </a:gsLst>
+          <a:lin ang="5400000" scaled="0"/>
+        </a:gradFill>
+      </a:bgFillStyleLst>
+    </a:fmtScheme>
+  </a:themeElements>
+  <a:objectDefaults/>
+  <a:extraClrSchemeLst/>
+  <a:extLst>
+    <a:ext uri="{05A4C25C-085E-4340-85A3-A5531E510DB2}">
+      <thm15:themeFamily xmlns:thm15="http://schemas.microsoft.com/office/thememl/2012/main" name="Office Theme" id="{62F939B6-93AF-4DB8-9C6B-D6C7DFDC589F}" vid="{4A3C46E8-61CC-4603-A589-7422A47A8E4A}"/>
+    </a:ext>
+  </a:extLst>
+</a:theme>
 </file>
--- a/presentation1.pptx
+++ b/presentation1.pptx
@@ -24,6 +24,9 @@
     <p:sldId id="267" r:id="rId17"/>
     <p:sldId id="268" r:id="rId18"/>
     <p:sldId id="269" r:id="rId19"/>
+    <p:sldId id="270" r:id="rId20"/>
+    <p:sldId id="271" r:id="rId21"/>
+    <p:sldId id="272" r:id="rId22"/>
   </p:sldIdLst>
   <p:sldSz cx="10080625" cy="5670550"/>
   <p:notesSz cx="7772400" cy="10058400"/>
@@ -71,19 +74,14 @@
             <a:noAutofit/>
           </a:bodyPr>
           <a:p>
+            <a:pPr algn="ctr"/>
             <a:r>
               <a:rPr b="0" lang="it-IT" sz="4400" spc="-1" strike="noStrike">
-                <a:solidFill>
-                  <a:srgbClr val="000000"/>
-                </a:solidFill>
                 <a:latin typeface="Arial"/>
               </a:rPr>
               <a:t>Click to move the slide</a:t>
             </a:r>
             <a:endParaRPr b="0" lang="it-IT" sz="4400" spc="-1" strike="noStrike">
-              <a:solidFill>
-                <a:srgbClr val="000000"/>
-              </a:solidFill>
               <a:latin typeface="Arial"/>
             </a:endParaRPr>
           </a:p>
@@ -259,7 +257,7 @@
           </a:bodyPr>
           <a:p>
             <a:pPr algn="r"/>
-            <a:fld id="{DEC60C59-4339-446A-A43A-0B64959C2E34}" type="slidenum">
+            <a:fld id="{10667B0B-A22D-4340-8876-8378369B736E}" type="slidenum">
               <a:rPr b="0" lang="it-IT" sz="1400" spc="-1" strike="noStrike">
                 <a:latin typeface="Times New Roman"/>
               </a:rPr>
@@ -277,7 +275,7 @@
 </p:notesMaster>
 </file>
 
-<file path=ppt/notesSlides/notesSlide10.xml><?xml version="1.0" encoding="utf-8"?>
+<file path=ppt/notesSlides/notesSlide11.xml><?xml version="1.0" encoding="utf-8"?>
 <p:notes xmlns:a="http://schemas.openxmlformats.org/drawingml/2006/main" xmlns:p="http://schemas.openxmlformats.org/presentationml/2006/main" xmlns:r="http://schemas.openxmlformats.org/officeDocument/2006/relationships" xmlns:p14="http://schemas.microsoft.com/office/powerpoint/2010/main" xmlns:p15="http://schemas.microsoft.com/office/powerpoint/2012/main" xmlns:mc="http://schemas.openxmlformats.org/markup-compatibility/2006">
   <p:cSld>
     <p:spTree>
@@ -296,7 +294,7 @@
       </p:grpSpPr>
       <p:sp>
         <p:nvSpPr>
-          <p:cNvPr id="188" name="PlaceHolder 1"/>
+          <p:cNvPr id="199" name="PlaceHolder 1"/>
           <p:cNvSpPr>
             <a:spLocks noGrp="1"/>
           </p:cNvSpPr>
@@ -307,16 +305,16 @@
         <p:spPr>
           <a:xfrm>
             <a:off x="870120" y="1257480"/>
-            <a:ext cx="6032160" cy="3393720"/>
-          </a:xfrm>
-          <a:prstGeom prst="rect">
-            <a:avLst/>
-          </a:prstGeom>
-        </p:spPr>
-      </p:sp>
-      <p:sp>
-        <p:nvSpPr>
-          <p:cNvPr id="189" name="PlaceHolder 2"/>
+            <a:ext cx="6031440" cy="3393000"/>
+          </a:xfrm>
+          <a:prstGeom prst="rect">
+            <a:avLst/>
+          </a:prstGeom>
+        </p:spPr>
+      </p:sp>
+      <p:sp>
+        <p:nvSpPr>
+          <p:cNvPr id="200" name="PlaceHolder 2"/>
           <p:cNvSpPr>
             <a:spLocks noGrp="1"/>
           </p:cNvSpPr>
@@ -327,18 +325,18 @@
         <p:spPr>
           <a:xfrm>
             <a:off x="777960" y="4840200"/>
-            <a:ext cx="6216120" cy="3960360"/>
-          </a:xfrm>
-          <a:prstGeom prst="rect">
-            <a:avLst/>
-          </a:prstGeom>
-        </p:spPr>
-        <p:txBody>
-          <a:bodyPr>
+            <a:ext cx="6215400" cy="3959640"/>
+          </a:xfrm>
+          <a:prstGeom prst="rect">
+            <a:avLst/>
+          </a:prstGeom>
+        </p:spPr>
+        <p:txBody>
+          <a:bodyPr lIns="0" rIns="0" tIns="0" bIns="0">
             <a:noAutofit/>
           </a:bodyPr>
           <a:p>
-            <a:pPr>
+            <a:pPr marL="216000" indent="-215640">
               <a:lnSpc>
                 <a:spcPct val="100000"/>
               </a:lnSpc>
@@ -360,14 +358,14 @@
       </p:sp>
       <p:sp>
         <p:nvSpPr>
-          <p:cNvPr id="190" name="TextShape 3"/>
-          <p:cNvSpPr txBox="1"/>
+          <p:cNvPr id="201" name="CustomShape 3"/>
+          <p:cNvSpPr/>
           <p:nvPr/>
         </p:nvSpPr>
         <p:spPr>
           <a:xfrm>
             <a:off x="4402080" y="9553680"/>
-            <a:ext cx="3368160" cy="504360"/>
+            <a:ext cx="3367440" cy="503640"/>
           </a:xfrm>
           <a:prstGeom prst="rect">
             <a:avLst/>
@@ -377,8 +375,14 @@
             <a:noFill/>
           </a:ln>
         </p:spPr>
-        <p:txBody>
-          <a:bodyPr anchor="b">
+        <p:style>
+          <a:lnRef idx="0"/>
+          <a:fillRef idx="0"/>
+          <a:effectRef idx="0"/>
+          <a:fontRef idx="minor"/>
+        </p:style>
+        <p:txBody>
+          <a:bodyPr lIns="90000" rIns="90000" tIns="45000" bIns="45000" anchor="b">
             <a:noAutofit/>
           </a:bodyPr>
           <a:p>
@@ -387,141 +391,17 @@
                 <a:spcPct val="100000"/>
               </a:lnSpc>
             </a:pPr>
-            <a:fld id="{A1861A99-BA62-4893-A0E8-6B494D1DF54B}" type="slidenum">
+            <a:fld id="{CBFC06FB-E6A1-4850-90C4-79DA31687202}" type="slidenum">
               <a:rPr b="0" lang="it-IT" sz="1200" spc="-1" strike="noStrike">
+                <a:solidFill>
+                  <a:srgbClr val="000000"/>
+                </a:solidFill>
                 <a:latin typeface="Times New Roman"/>
               </a:rPr>
               <a:t>&lt;number&gt;</a:t>
             </a:fld>
             <a:endParaRPr b="0" lang="it-IT" sz="1200" spc="-1" strike="noStrike">
-              <a:latin typeface="Times New Roman"/>
-            </a:endParaRPr>
-          </a:p>
-        </p:txBody>
-      </p:sp>
-    </p:spTree>
-  </p:cSld>
-</p:notes>
-</file>
-
-<file path=ppt/notesSlides/notesSlide13.xml><?xml version="1.0" encoding="utf-8"?>
-<p:notes xmlns:a="http://schemas.openxmlformats.org/drawingml/2006/main" xmlns:p="http://schemas.openxmlformats.org/presentationml/2006/main" xmlns:r="http://schemas.openxmlformats.org/officeDocument/2006/relationships" xmlns:p14="http://schemas.microsoft.com/office/powerpoint/2010/main" xmlns:p15="http://schemas.microsoft.com/office/powerpoint/2012/main" xmlns:mc="http://schemas.openxmlformats.org/markup-compatibility/2006">
-  <p:cSld>
-    <p:spTree>
-      <p:nvGrpSpPr>
-        <p:cNvPr id="1" name=""/>
-        <p:cNvGrpSpPr/>
-        <p:nvPr/>
-      </p:nvGrpSpPr>
-      <p:grpSpPr>
-        <a:xfrm>
-          <a:off x="0" y="0"/>
-          <a:ext cx="0" cy="0"/>
-          <a:chOff x="0" y="0"/>
-          <a:chExt cx="0" cy="0"/>
-        </a:xfrm>
-      </p:grpSpPr>
-      <p:sp>
-        <p:nvSpPr>
-          <p:cNvPr id="191" name="PlaceHolder 1"/>
-          <p:cNvSpPr>
-            <a:spLocks noGrp="1"/>
-          </p:cNvSpPr>
-          <p:nvPr>
-            <p:ph type="sldImg"/>
-          </p:nvPr>
-        </p:nvSpPr>
-        <p:spPr>
-          <a:xfrm>
-            <a:off x="870120" y="1257480"/>
-            <a:ext cx="6032160" cy="3393720"/>
-          </a:xfrm>
-          <a:prstGeom prst="rect">
-            <a:avLst/>
-          </a:prstGeom>
-        </p:spPr>
-      </p:sp>
-      <p:sp>
-        <p:nvSpPr>
-          <p:cNvPr id="192" name="PlaceHolder 2"/>
-          <p:cNvSpPr>
-            <a:spLocks noGrp="1"/>
-          </p:cNvSpPr>
-          <p:nvPr>
-            <p:ph type="body"/>
-          </p:nvPr>
-        </p:nvSpPr>
-        <p:spPr>
-          <a:xfrm>
-            <a:off x="777960" y="4840200"/>
-            <a:ext cx="6216120" cy="3960360"/>
-          </a:xfrm>
-          <a:prstGeom prst="rect">
-            <a:avLst/>
-          </a:prstGeom>
-        </p:spPr>
-        <p:txBody>
-          <a:bodyPr>
-            <a:noAutofit/>
-          </a:bodyPr>
-          <a:p>
-            <a:pPr>
-              <a:lnSpc>
-                <a:spcPct val="100000"/>
-              </a:lnSpc>
-              <a:tabLst>
-                <a:tab algn="l" pos="0"/>
-              </a:tabLst>
-            </a:pPr>
-            <a:r>
-              <a:rPr b="0" lang="it-IT" sz="2000" spc="-1" strike="noStrike">
-                <a:latin typeface="Arial"/>
-              </a:rPr>
-              <a:t>2. Flush the LFB when going back from kernel to user, or from hypervisor to VM execution</a:t>
-            </a:r>
-            <a:endParaRPr b="0" lang="it-IT" sz="2000" spc="-1" strike="noStrike">
-              <a:latin typeface="Arial"/>
-            </a:endParaRPr>
-          </a:p>
-        </p:txBody>
-      </p:sp>
-      <p:sp>
-        <p:nvSpPr>
-          <p:cNvPr id="193" name="TextShape 3"/>
-          <p:cNvSpPr txBox="1"/>
-          <p:nvPr/>
-        </p:nvSpPr>
-        <p:spPr>
-          <a:xfrm>
-            <a:off x="4402080" y="9553680"/>
-            <a:ext cx="3368160" cy="504360"/>
-          </a:xfrm>
-          <a:prstGeom prst="rect">
-            <a:avLst/>
-          </a:prstGeom>
-          <a:noFill/>
-          <a:ln w="0">
-            <a:noFill/>
-          </a:ln>
-        </p:spPr>
-        <p:txBody>
-          <a:bodyPr anchor="b">
-            <a:noAutofit/>
-          </a:bodyPr>
-          <a:p>
-            <a:pPr algn="r">
-              <a:lnSpc>
-                <a:spcPct val="100000"/>
-              </a:lnSpc>
-            </a:pPr>
-            <a:fld id="{4F93273C-6680-4650-A0B7-B91DC1ECC7D7}" type="slidenum">
-              <a:rPr b="0" lang="it-IT" sz="1200" spc="-1" strike="noStrike">
-                <a:latin typeface="Times New Roman"/>
-              </a:rPr>
-              <a:t>&lt;number&gt;</a:t>
-            </a:fld>
-            <a:endParaRPr b="0" lang="it-IT" sz="1200" spc="-1" strike="noStrike">
-              <a:latin typeface="Times New Roman"/>
+              <a:latin typeface="Arial"/>
             </a:endParaRPr>
           </a:p>
         </p:txBody>
@@ -550,7 +430,7 @@
       </p:grpSpPr>
       <p:sp>
         <p:nvSpPr>
-          <p:cNvPr id="194" name="PlaceHolder 1"/>
+          <p:cNvPr id="202" name="PlaceHolder 1"/>
           <p:cNvSpPr>
             <a:spLocks noGrp="1"/>
           </p:cNvSpPr>
@@ -561,16 +441,16 @@
         <p:spPr>
           <a:xfrm>
             <a:off x="870120" y="1257480"/>
-            <a:ext cx="6032160" cy="3393720"/>
-          </a:xfrm>
-          <a:prstGeom prst="rect">
-            <a:avLst/>
-          </a:prstGeom>
-        </p:spPr>
-      </p:sp>
-      <p:sp>
-        <p:nvSpPr>
-          <p:cNvPr id="195" name="PlaceHolder 2"/>
+            <a:ext cx="6031440" cy="3393000"/>
+          </a:xfrm>
+          <a:prstGeom prst="rect">
+            <a:avLst/>
+          </a:prstGeom>
+        </p:spPr>
+      </p:sp>
+      <p:sp>
+        <p:nvSpPr>
+          <p:cNvPr id="203" name="PlaceHolder 2"/>
           <p:cNvSpPr>
             <a:spLocks noGrp="1"/>
           </p:cNvSpPr>
@@ -581,17 +461,31 @@
         <p:spPr>
           <a:xfrm>
             <a:off x="777960" y="4840200"/>
-            <a:ext cx="6216120" cy="3960360"/>
-          </a:xfrm>
-          <a:prstGeom prst="rect">
-            <a:avLst/>
-          </a:prstGeom>
-        </p:spPr>
-        <p:txBody>
-          <a:bodyPr>
+            <a:ext cx="6215400" cy="3959640"/>
+          </a:xfrm>
+          <a:prstGeom prst="rect">
+            <a:avLst/>
+          </a:prstGeom>
+        </p:spPr>
+        <p:txBody>
+          <a:bodyPr lIns="0" rIns="0" tIns="0" bIns="0">
             <a:noAutofit/>
           </a:bodyPr>
           <a:p>
+            <a:pPr marL="216000" indent="-215640">
+              <a:lnSpc>
+                <a:spcPct val="100000"/>
+              </a:lnSpc>
+              <a:tabLst>
+                <a:tab algn="l" pos="0"/>
+              </a:tabLst>
+            </a:pPr>
+            <a:r>
+              <a:rPr b="0" lang="it-IT" sz="2000" spc="-1" strike="noStrike">
+                <a:latin typeface="Arial"/>
+              </a:rPr>
+              <a:t>2. Flush the LFB when going back from kernel to user, or from hypervisor to VM execution</a:t>
+            </a:r>
             <a:endParaRPr b="0" lang="it-IT" sz="2000" spc="-1" strike="noStrike">
               <a:latin typeface="Arial"/>
             </a:endParaRPr>
@@ -600,14 +494,14 @@
       </p:sp>
       <p:sp>
         <p:nvSpPr>
-          <p:cNvPr id="196" name="TextShape 3"/>
-          <p:cNvSpPr txBox="1"/>
+          <p:cNvPr id="204" name="CustomShape 3"/>
+          <p:cNvSpPr/>
           <p:nvPr/>
         </p:nvSpPr>
         <p:spPr>
           <a:xfrm>
             <a:off x="4402080" y="9553680"/>
-            <a:ext cx="3368160" cy="504360"/>
+            <a:ext cx="3367440" cy="503640"/>
           </a:xfrm>
           <a:prstGeom prst="rect">
             <a:avLst/>
@@ -617,8 +511,14 @@
             <a:noFill/>
           </a:ln>
         </p:spPr>
-        <p:txBody>
-          <a:bodyPr anchor="b">
+        <p:style>
+          <a:lnRef idx="0"/>
+          <a:fillRef idx="0"/>
+          <a:effectRef idx="0"/>
+          <a:fontRef idx="minor"/>
+        </p:style>
+        <p:txBody>
+          <a:bodyPr lIns="90000" rIns="90000" tIns="45000" bIns="45000" anchor="b">
             <a:noAutofit/>
           </a:bodyPr>
           <a:p>
@@ -627,14 +527,139 @@
                 <a:spcPct val="100000"/>
               </a:lnSpc>
             </a:pPr>
-            <a:fld id="{CC5F690B-1514-4046-969A-87D467406E3A}" type="slidenum">
+            <a:fld id="{A06D3D9B-74BB-4192-BCAB-9D9E09959981}" type="slidenum">
               <a:rPr b="0" lang="it-IT" sz="1200" spc="-1" strike="noStrike">
+                <a:solidFill>
+                  <a:srgbClr val="000000"/>
+                </a:solidFill>
                 <a:latin typeface="Times New Roman"/>
               </a:rPr>
               <a:t>&lt;number&gt;</a:t>
             </a:fld>
             <a:endParaRPr b="0" lang="it-IT" sz="1200" spc="-1" strike="noStrike">
-              <a:latin typeface="Times New Roman"/>
+              <a:latin typeface="Arial"/>
+            </a:endParaRPr>
+          </a:p>
+        </p:txBody>
+      </p:sp>
+    </p:spTree>
+  </p:cSld>
+</p:notes>
+</file>
+
+<file path=ppt/notesSlides/notesSlide15.xml><?xml version="1.0" encoding="utf-8"?>
+<p:notes xmlns:a="http://schemas.openxmlformats.org/drawingml/2006/main" xmlns:p="http://schemas.openxmlformats.org/presentationml/2006/main" xmlns:r="http://schemas.openxmlformats.org/officeDocument/2006/relationships" xmlns:p14="http://schemas.microsoft.com/office/powerpoint/2010/main" xmlns:p15="http://schemas.microsoft.com/office/powerpoint/2012/main" xmlns:mc="http://schemas.openxmlformats.org/markup-compatibility/2006">
+  <p:cSld>
+    <p:spTree>
+      <p:nvGrpSpPr>
+        <p:cNvPr id="1" name=""/>
+        <p:cNvGrpSpPr/>
+        <p:nvPr/>
+      </p:nvGrpSpPr>
+      <p:grpSpPr>
+        <a:xfrm>
+          <a:off x="0" y="0"/>
+          <a:ext cx="0" cy="0"/>
+          <a:chOff x="0" y="0"/>
+          <a:chExt cx="0" cy="0"/>
+        </a:xfrm>
+      </p:grpSpPr>
+      <p:sp>
+        <p:nvSpPr>
+          <p:cNvPr id="205" name="PlaceHolder 1"/>
+          <p:cNvSpPr>
+            <a:spLocks noGrp="1"/>
+          </p:cNvSpPr>
+          <p:nvPr>
+            <p:ph type="sldImg"/>
+          </p:nvPr>
+        </p:nvSpPr>
+        <p:spPr>
+          <a:xfrm>
+            <a:off x="870120" y="1257480"/>
+            <a:ext cx="6031440" cy="3393000"/>
+          </a:xfrm>
+          <a:prstGeom prst="rect">
+            <a:avLst/>
+          </a:prstGeom>
+        </p:spPr>
+      </p:sp>
+      <p:sp>
+        <p:nvSpPr>
+          <p:cNvPr id="206" name="PlaceHolder 2"/>
+          <p:cNvSpPr>
+            <a:spLocks noGrp="1"/>
+          </p:cNvSpPr>
+          <p:nvPr>
+            <p:ph type="body"/>
+          </p:nvPr>
+        </p:nvSpPr>
+        <p:spPr>
+          <a:xfrm>
+            <a:off x="777960" y="4840200"/>
+            <a:ext cx="6215400" cy="3959640"/>
+          </a:xfrm>
+          <a:prstGeom prst="rect">
+            <a:avLst/>
+          </a:prstGeom>
+        </p:spPr>
+        <p:txBody>
+          <a:bodyPr lIns="0" rIns="0" tIns="0" bIns="0">
+            <a:noAutofit/>
+          </a:bodyPr>
+          <a:p>
+            <a:endParaRPr b="0" lang="it-IT" sz="2000" spc="-1" strike="noStrike">
+              <a:latin typeface="Arial"/>
+            </a:endParaRPr>
+          </a:p>
+        </p:txBody>
+      </p:sp>
+      <p:sp>
+        <p:nvSpPr>
+          <p:cNvPr id="207" name="CustomShape 3"/>
+          <p:cNvSpPr/>
+          <p:nvPr/>
+        </p:nvSpPr>
+        <p:spPr>
+          <a:xfrm>
+            <a:off x="4402080" y="9553680"/>
+            <a:ext cx="3367440" cy="503640"/>
+          </a:xfrm>
+          <a:prstGeom prst="rect">
+            <a:avLst/>
+          </a:prstGeom>
+          <a:noFill/>
+          <a:ln w="0">
+            <a:noFill/>
+          </a:ln>
+        </p:spPr>
+        <p:style>
+          <a:lnRef idx="0"/>
+          <a:fillRef idx="0"/>
+          <a:effectRef idx="0"/>
+          <a:fontRef idx="minor"/>
+        </p:style>
+        <p:txBody>
+          <a:bodyPr lIns="90000" rIns="90000" tIns="45000" bIns="45000" anchor="b">
+            <a:noAutofit/>
+          </a:bodyPr>
+          <a:p>
+            <a:pPr algn="r">
+              <a:lnSpc>
+                <a:spcPct val="100000"/>
+              </a:lnSpc>
+            </a:pPr>
+            <a:fld id="{41288345-447B-4EFD-A3EE-B80CEC983181}" type="slidenum">
+              <a:rPr b="0" lang="it-IT" sz="1200" spc="-1" strike="noStrike">
+                <a:solidFill>
+                  <a:srgbClr val="000000"/>
+                </a:solidFill>
+                <a:latin typeface="Times New Roman"/>
+              </a:rPr>
+              <a:t>&lt;number&gt;</a:t>
+            </a:fld>
+            <a:endParaRPr b="0" lang="it-IT" sz="1200" spc="-1" strike="noStrike">
+              <a:latin typeface="Arial"/>
             </a:endParaRPr>
           </a:p>
         </p:txBody>
@@ -663,7 +688,7 @@
       </p:grpSpPr>
       <p:sp>
         <p:nvSpPr>
-          <p:cNvPr id="179" name="PlaceHolder 1"/>
+          <p:cNvPr id="190" name="PlaceHolder 1"/>
           <p:cNvSpPr>
             <a:spLocks noGrp="1"/>
           </p:cNvSpPr>
@@ -674,16 +699,16 @@
         <p:spPr>
           <a:xfrm>
             <a:off x="870120" y="1257480"/>
-            <a:ext cx="6032160" cy="3393720"/>
-          </a:xfrm>
-          <a:prstGeom prst="rect">
-            <a:avLst/>
-          </a:prstGeom>
-        </p:spPr>
-      </p:sp>
-      <p:sp>
-        <p:nvSpPr>
-          <p:cNvPr id="180" name="PlaceHolder 2"/>
+            <a:ext cx="6031440" cy="3393000"/>
+          </a:xfrm>
+          <a:prstGeom prst="rect">
+            <a:avLst/>
+          </a:prstGeom>
+        </p:spPr>
+      </p:sp>
+      <p:sp>
+        <p:nvSpPr>
+          <p:cNvPr id="191" name="PlaceHolder 2"/>
           <p:cNvSpPr>
             <a:spLocks noGrp="1"/>
           </p:cNvSpPr>
@@ -694,27 +719,30 @@
         <p:spPr>
           <a:xfrm>
             <a:off x="777960" y="4840200"/>
-            <a:ext cx="6216120" cy="3960360"/>
-          </a:xfrm>
-          <a:prstGeom prst="rect">
-            <a:avLst/>
-          </a:prstGeom>
-        </p:spPr>
-        <p:txBody>
-          <a:bodyPr>
+            <a:ext cx="6215400" cy="3959640"/>
+          </a:xfrm>
+          <a:prstGeom prst="rect">
+            <a:avLst/>
+          </a:prstGeom>
+        </p:spPr>
+        <p:txBody>
+          <a:bodyPr lIns="0" rIns="0" tIns="0" bIns="0">
             <a:noAutofit/>
           </a:bodyPr>
           <a:p>
-            <a:pPr marL="216000" indent="-216000">
+            <a:pPr marL="216000" indent="-215280">
               <a:lnSpc>
                 <a:spcPct val="100000"/>
               </a:lnSpc>
+              <a:tabLst>
+                <a:tab algn="l" pos="0"/>
+              </a:tabLst>
             </a:pPr>
             <a:r>
               <a:rPr b="0" lang="it-IT" sz="2000" spc="-1" strike="noStrike">
                 <a:latin typeface="Arial"/>
               </a:rPr>
-              <a:t>Richieste micro-architetturali: se un'istruzione fa 20 micro-richieste, vuol dire che c'è stato qualche buffer flushato</a:t>
+              <a:t>Per le micro-opt v. pag. 5 del paper</a:t>
             </a:r>
             <a:endParaRPr b="0" lang="it-IT" sz="2000" spc="-1" strike="noStrike">
               <a:latin typeface="Arial"/>
@@ -724,14 +752,14 @@
       </p:sp>
       <p:sp>
         <p:nvSpPr>
-          <p:cNvPr id="181" name="TextShape 3"/>
-          <p:cNvSpPr txBox="1"/>
+          <p:cNvPr id="192" name="CustomShape 3"/>
+          <p:cNvSpPr/>
           <p:nvPr/>
         </p:nvSpPr>
         <p:spPr>
           <a:xfrm>
             <a:off x="4402080" y="9553680"/>
-            <a:ext cx="3368160" cy="504360"/>
+            <a:ext cx="3367440" cy="503640"/>
           </a:xfrm>
           <a:prstGeom prst="rect">
             <a:avLst/>
@@ -741,8 +769,14 @@
             <a:noFill/>
           </a:ln>
         </p:spPr>
-        <p:txBody>
-          <a:bodyPr anchor="b">
+        <p:style>
+          <a:lnRef idx="0"/>
+          <a:fillRef idx="0"/>
+          <a:effectRef idx="0"/>
+          <a:fontRef idx="minor"/>
+        </p:style>
+        <p:txBody>
+          <a:bodyPr lIns="90000" rIns="90000" tIns="45000" bIns="45000" anchor="b">
             <a:noAutofit/>
           </a:bodyPr>
           <a:p>
@@ -751,14 +785,17 @@
                 <a:spcPct val="100000"/>
               </a:lnSpc>
             </a:pPr>
-            <a:fld id="{09188165-3E5C-4CAE-8306-7003FFB97ADA}" type="slidenum">
+            <a:fld id="{77E7D1DE-6FF0-4E39-BDE4-9A5C23E3F6D2}" type="slidenum">
               <a:rPr b="0" lang="it-IT" sz="1200" spc="-1" strike="noStrike">
+                <a:solidFill>
+                  <a:srgbClr val="000000"/>
+                </a:solidFill>
                 <a:latin typeface="Times New Roman"/>
               </a:rPr>
-              <a:t>&lt;number&gt;</a:t>
+              <a:t>13</a:t>
             </a:fld>
             <a:endParaRPr b="0" lang="it-IT" sz="1200" spc="-1" strike="noStrike">
-              <a:latin typeface="Times New Roman"/>
+              <a:latin typeface="Arial"/>
             </a:endParaRPr>
           </a:p>
         </p:txBody>
@@ -768,7 +805,7 @@
 </p:notes>
 </file>
 
-<file path=ppt/notesSlides/notesSlide5.xml><?xml version="1.0" encoding="utf-8"?>
+<file path=ppt/notesSlides/notesSlide4.xml><?xml version="1.0" encoding="utf-8"?>
 <p:notes xmlns:a="http://schemas.openxmlformats.org/drawingml/2006/main" xmlns:p="http://schemas.openxmlformats.org/presentationml/2006/main" xmlns:r="http://schemas.openxmlformats.org/officeDocument/2006/relationships" xmlns:p14="http://schemas.microsoft.com/office/powerpoint/2010/main" xmlns:p15="http://schemas.microsoft.com/office/powerpoint/2012/main" xmlns:mc="http://schemas.openxmlformats.org/markup-compatibility/2006">
   <p:cSld>
     <p:spTree>
@@ -787,7 +824,7 @@
       </p:grpSpPr>
       <p:sp>
         <p:nvSpPr>
-          <p:cNvPr id="182" name="PlaceHolder 1"/>
+          <p:cNvPr id="193" name="PlaceHolder 1"/>
           <p:cNvSpPr>
             <a:spLocks noGrp="1"/>
           </p:cNvSpPr>
@@ -798,16 +835,16 @@
         <p:spPr>
           <a:xfrm>
             <a:off x="870120" y="1257480"/>
-            <a:ext cx="6032160" cy="3393720"/>
-          </a:xfrm>
-          <a:prstGeom prst="rect">
-            <a:avLst/>
-          </a:prstGeom>
-        </p:spPr>
-      </p:sp>
-      <p:sp>
-        <p:nvSpPr>
-          <p:cNvPr id="183" name="PlaceHolder 2"/>
+            <a:ext cx="6031440" cy="3393000"/>
+          </a:xfrm>
+          <a:prstGeom prst="rect">
+            <a:avLst/>
+          </a:prstGeom>
+        </p:spPr>
+      </p:sp>
+      <p:sp>
+        <p:nvSpPr>
+          <p:cNvPr id="194" name="PlaceHolder 2"/>
           <p:cNvSpPr>
             <a:spLocks noGrp="1"/>
           </p:cNvSpPr>
@@ -818,27 +855,30 @@
         <p:spPr>
           <a:xfrm>
             <a:off x="777960" y="4840200"/>
-            <a:ext cx="6216120" cy="3960360"/>
-          </a:xfrm>
-          <a:prstGeom prst="rect">
-            <a:avLst/>
-          </a:prstGeom>
-        </p:spPr>
-        <p:txBody>
-          <a:bodyPr>
+            <a:ext cx="6215400" cy="3959640"/>
+          </a:xfrm>
+          <a:prstGeom prst="rect">
+            <a:avLst/>
+          </a:prstGeom>
+        </p:spPr>
+        <p:txBody>
+          <a:bodyPr lIns="0" rIns="0" tIns="0" bIns="0">
             <a:noAutofit/>
           </a:bodyPr>
           <a:p>
-            <a:pPr marL="216000" indent="-216000">
+            <a:pPr marL="216000" indent="-215280">
               <a:lnSpc>
                 <a:spcPct val="100000"/>
               </a:lnSpc>
+              <a:tabLst>
+                <a:tab algn="l" pos="0"/>
+              </a:tabLst>
             </a:pPr>
             <a:r>
               <a:rPr b="0" lang="it-IT" sz="2000" spc="-1" strike="noStrike">
                 <a:latin typeface="Arial"/>
               </a:rPr>
-              <a:t>Per le micro-opt v. pag. 5 del paper</a:t>
+              <a:t>Richieste micro-architetturali: se un'istruzione fa 20 micro-richieste, vuol dire che c'è stato qualche buffer flushato</a:t>
             </a:r>
             <a:endParaRPr b="0" lang="it-IT" sz="2000" spc="-1" strike="noStrike">
               <a:latin typeface="Arial"/>
@@ -848,14 +888,14 @@
       </p:sp>
       <p:sp>
         <p:nvSpPr>
-          <p:cNvPr id="184" name="TextShape 3"/>
-          <p:cNvSpPr txBox="1"/>
+          <p:cNvPr id="195" name="CustomShape 3"/>
+          <p:cNvSpPr/>
           <p:nvPr/>
         </p:nvSpPr>
         <p:spPr>
           <a:xfrm>
             <a:off x="4402080" y="9553680"/>
-            <a:ext cx="3368160" cy="504360"/>
+            <a:ext cx="3367440" cy="503640"/>
           </a:xfrm>
           <a:prstGeom prst="rect">
             <a:avLst/>
@@ -865,8 +905,14 @@
             <a:noFill/>
           </a:ln>
         </p:spPr>
-        <p:txBody>
-          <a:bodyPr anchor="b">
+        <p:style>
+          <a:lnRef idx="0"/>
+          <a:fillRef idx="0"/>
+          <a:effectRef idx="0"/>
+          <a:fontRef idx="minor"/>
+        </p:style>
+        <p:txBody>
+          <a:bodyPr lIns="90000" rIns="90000" tIns="45000" bIns="45000" anchor="b">
             <a:noAutofit/>
           </a:bodyPr>
           <a:p>
@@ -875,14 +921,17 @@
                 <a:spcPct val="100000"/>
               </a:lnSpc>
             </a:pPr>
-            <a:fld id="{398D3052-61EC-4BB5-A337-E0F583C3272C}" type="slidenum">
+            <a:fld id="{8EE7FDFE-3D80-40E1-B9D8-14BD30CCDDDB}" type="slidenum">
               <a:rPr b="0" lang="it-IT" sz="1200" spc="-1" strike="noStrike">
+                <a:solidFill>
+                  <a:srgbClr val="000000"/>
+                </a:solidFill>
                 <a:latin typeface="Times New Roman"/>
               </a:rPr>
               <a:t>&lt;number&gt;</a:t>
             </a:fld>
             <a:endParaRPr b="0" lang="it-IT" sz="1200" spc="-1" strike="noStrike">
-              <a:latin typeface="Times New Roman"/>
+              <a:latin typeface="Arial"/>
             </a:endParaRPr>
           </a:p>
         </p:txBody>
@@ -911,7 +960,7 @@
       </p:grpSpPr>
       <p:sp>
         <p:nvSpPr>
-          <p:cNvPr id="185" name="PlaceHolder 1"/>
+          <p:cNvPr id="196" name="PlaceHolder 1"/>
           <p:cNvSpPr>
             <a:spLocks noGrp="1"/>
           </p:cNvSpPr>
@@ -922,16 +971,16 @@
         <p:spPr>
           <a:xfrm>
             <a:off x="870120" y="1257480"/>
-            <a:ext cx="6032160" cy="3393720"/>
-          </a:xfrm>
-          <a:prstGeom prst="rect">
-            <a:avLst/>
-          </a:prstGeom>
-        </p:spPr>
-      </p:sp>
-      <p:sp>
-        <p:nvSpPr>
-          <p:cNvPr id="186" name="PlaceHolder 2"/>
+            <a:ext cx="6031440" cy="3393000"/>
+          </a:xfrm>
+          <a:prstGeom prst="rect">
+            <a:avLst/>
+          </a:prstGeom>
+        </p:spPr>
+      </p:sp>
+      <p:sp>
+        <p:nvSpPr>
+          <p:cNvPr id="197" name="PlaceHolder 2"/>
           <p:cNvSpPr>
             <a:spLocks noGrp="1"/>
           </p:cNvSpPr>
@@ -942,21 +991,24 @@
         <p:spPr>
           <a:xfrm>
             <a:off x="777960" y="4840200"/>
-            <a:ext cx="6216120" cy="3960360"/>
-          </a:xfrm>
-          <a:prstGeom prst="rect">
-            <a:avLst/>
-          </a:prstGeom>
-        </p:spPr>
-        <p:txBody>
-          <a:bodyPr>
+            <a:ext cx="6215400" cy="3959640"/>
+          </a:xfrm>
+          <a:prstGeom prst="rect">
+            <a:avLst/>
+          </a:prstGeom>
+        </p:spPr>
+        <p:txBody>
+          <a:bodyPr lIns="0" rIns="0" tIns="0" bIns="0">
             <a:noAutofit/>
           </a:bodyPr>
           <a:p>
-            <a:pPr marL="216000" indent="-216000">
+            <a:pPr marL="216000" indent="-215280">
               <a:lnSpc>
                 <a:spcPct val="100000"/>
               </a:lnSpc>
+              <a:tabLst>
+                <a:tab algn="l" pos="0"/>
+              </a:tabLst>
             </a:pPr>
             <a:r>
               <a:rPr b="0" lang="it-IT" sz="2000" spc="-1" strike="noStrike">
@@ -997,10 +1049,13 @@
             </a:endParaRPr>
           </a:p>
           <a:p>
-            <a:pPr marL="216000" indent="-216000">
+            <a:pPr marL="216000" indent="-215280">
               <a:lnSpc>
                 <a:spcPct val="100000"/>
               </a:lnSpc>
+              <a:tabLst>
+                <a:tab algn="l" pos="0"/>
+              </a:tabLst>
             </a:pPr>
             <a:r>
               <a:rPr b="0" lang="it-IT" sz="1200" spc="-1" strike="noStrike">
@@ -1028,10 +1083,13 @@
             </a:endParaRPr>
           </a:p>
           <a:p>
-            <a:pPr marL="216000" indent="-216000">
+            <a:pPr marL="216000" indent="-215280">
               <a:lnSpc>
                 <a:spcPct val="150000"/>
               </a:lnSpc>
+              <a:tabLst>
+                <a:tab algn="l" pos="0"/>
+              </a:tabLst>
             </a:pPr>
             <a:r>
               <a:rPr b="0" lang="it-IT" sz="1200" spc="-1" strike="noStrike">
@@ -1052,10 +1110,13 @@
             </a:endParaRPr>
           </a:p>
           <a:p>
-            <a:pPr marL="216000" indent="-216000">
+            <a:pPr marL="216000" indent="-215280">
               <a:lnSpc>
                 <a:spcPct val="100000"/>
               </a:lnSpc>
+              <a:tabLst>
+                <a:tab algn="l" pos="0"/>
+              </a:tabLst>
             </a:pPr>
             <a:r>
               <a:rPr b="0" lang="it-IT" sz="1200" spc="-1" strike="noStrike">
@@ -1072,14 +1133,14 @@
       </p:sp>
       <p:sp>
         <p:nvSpPr>
-          <p:cNvPr id="187" name="TextShape 3"/>
-          <p:cNvSpPr txBox="1"/>
+          <p:cNvPr id="198" name="CustomShape 3"/>
+          <p:cNvSpPr/>
           <p:nvPr/>
         </p:nvSpPr>
         <p:spPr>
           <a:xfrm>
             <a:off x="4402080" y="9553680"/>
-            <a:ext cx="3368160" cy="504360"/>
+            <a:ext cx="3367440" cy="503640"/>
           </a:xfrm>
           <a:prstGeom prst="rect">
             <a:avLst/>
@@ -1089,8 +1150,14 @@
             <a:noFill/>
           </a:ln>
         </p:spPr>
-        <p:txBody>
-          <a:bodyPr anchor="b">
+        <p:style>
+          <a:lnRef idx="0"/>
+          <a:fillRef idx="0"/>
+          <a:effectRef idx="0"/>
+          <a:fontRef idx="minor"/>
+        </p:style>
+        <p:txBody>
+          <a:bodyPr lIns="90000" rIns="90000" tIns="45000" bIns="45000" anchor="b">
             <a:noAutofit/>
           </a:bodyPr>
           <a:p>
@@ -1099,14 +1166,17 @@
                 <a:spcPct val="100000"/>
               </a:lnSpc>
             </a:pPr>
-            <a:fld id="{531F4A59-8D65-4A0B-90FD-6C4063EB3E01}" type="slidenum">
+            <a:fld id="{BBAA9ACA-BFB9-4BC9-BC26-B4D0D78E15D5}" type="slidenum">
               <a:rPr b="0" lang="it-IT" sz="1200" spc="-1" strike="noStrike">
+                <a:solidFill>
+                  <a:srgbClr val="000000"/>
+                </a:solidFill>
                 <a:latin typeface="Times New Roman"/>
               </a:rPr>
               <a:t>&lt;number&gt;</a:t>
             </a:fld>
             <a:endParaRPr b="0" lang="it-IT" sz="1200" spc="-1" strike="noStrike">
-              <a:latin typeface="Times New Roman"/>
+              <a:latin typeface="Arial"/>
             </a:endParaRPr>
           </a:p>
         </p:txBody>
@@ -1168,7 +1238,7 @@
         <p:spPr>
           <a:xfrm>
             <a:off x="504000" y="226080"/>
-            <a:ext cx="9071280" cy="946080"/>
+            <a:ext cx="9072000" cy="946440"/>
           </a:xfrm>
           <a:prstGeom prst="rect">
             <a:avLst/>
@@ -1179,10 +1249,8 @@
             <a:noAutofit/>
           </a:bodyPr>
           <a:p>
+            <a:pPr algn="ctr"/>
             <a:endParaRPr b="0" lang="it-IT" sz="4400" spc="-1" strike="noStrike">
-              <a:solidFill>
-                <a:srgbClr val="000000"/>
-              </a:solidFill>
               <a:latin typeface="Arial"/>
             </a:endParaRPr>
           </a:p>
@@ -1212,10 +1280,7 @@
             <a:normAutofit/>
           </a:bodyPr>
           <a:p>
-            <a:endParaRPr b="0" lang="it-IT" sz="2800" spc="-1" strike="noStrike">
-              <a:solidFill>
-                <a:srgbClr val="000000"/>
-              </a:solidFill>
+            <a:endParaRPr b="0" lang="it-IT" sz="3200" spc="-1" strike="noStrike">
               <a:latin typeface="Arial"/>
             </a:endParaRPr>
           </a:p>
@@ -1245,10 +1310,7 @@
             <a:normAutofit/>
           </a:bodyPr>
           <a:p>
-            <a:endParaRPr b="0" lang="it-IT" sz="2800" spc="-1" strike="noStrike">
-              <a:solidFill>
-                <a:srgbClr val="000000"/>
-              </a:solidFill>
+            <a:endParaRPr b="0" lang="it-IT" sz="3200" spc="-1" strike="noStrike">
               <a:latin typeface="Arial"/>
             </a:endParaRPr>
           </a:p>
@@ -1289,7 +1351,7 @@
         <p:spPr>
           <a:xfrm>
             <a:off x="504000" y="226080"/>
-            <a:ext cx="9071280" cy="946080"/>
+            <a:ext cx="9072000" cy="946440"/>
           </a:xfrm>
           <a:prstGeom prst="rect">
             <a:avLst/>
@@ -1300,10 +1362,8 @@
             <a:noAutofit/>
           </a:bodyPr>
           <a:p>
+            <a:pPr algn="ctr"/>
             <a:endParaRPr b="0" lang="it-IT" sz="4400" spc="-1" strike="noStrike">
-              <a:solidFill>
-                <a:srgbClr val="000000"/>
-              </a:solidFill>
               <a:latin typeface="Arial"/>
             </a:endParaRPr>
           </a:p>
@@ -1333,10 +1393,7 @@
             <a:normAutofit/>
           </a:bodyPr>
           <a:p>
-            <a:endParaRPr b="0" lang="it-IT" sz="2800" spc="-1" strike="noStrike">
-              <a:solidFill>
-                <a:srgbClr val="000000"/>
-              </a:solidFill>
+            <a:endParaRPr b="0" lang="it-IT" sz="3200" spc="-1" strike="noStrike">
               <a:latin typeface="Arial"/>
             </a:endParaRPr>
           </a:p>
@@ -1366,10 +1423,7 @@
             <a:normAutofit/>
           </a:bodyPr>
           <a:p>
-            <a:endParaRPr b="0" lang="it-IT" sz="2800" spc="-1" strike="noStrike">
-              <a:solidFill>
-                <a:srgbClr val="000000"/>
-              </a:solidFill>
+            <a:endParaRPr b="0" lang="it-IT" sz="3200" spc="-1" strike="noStrike">
               <a:latin typeface="Arial"/>
             </a:endParaRPr>
           </a:p>
@@ -1399,10 +1453,7 @@
             <a:normAutofit/>
           </a:bodyPr>
           <a:p>
-            <a:endParaRPr b="0" lang="it-IT" sz="2800" spc="-1" strike="noStrike">
-              <a:solidFill>
-                <a:srgbClr val="000000"/>
-              </a:solidFill>
+            <a:endParaRPr b="0" lang="it-IT" sz="3200" spc="-1" strike="noStrike">
               <a:latin typeface="Arial"/>
             </a:endParaRPr>
           </a:p>
@@ -1432,10 +1483,7 @@
             <a:normAutofit/>
           </a:bodyPr>
           <a:p>
-            <a:endParaRPr b="0" lang="it-IT" sz="2800" spc="-1" strike="noStrike">
-              <a:solidFill>
-                <a:srgbClr val="000000"/>
-              </a:solidFill>
+            <a:endParaRPr b="0" lang="it-IT" sz="3200" spc="-1" strike="noStrike">
               <a:latin typeface="Arial"/>
             </a:endParaRPr>
           </a:p>
@@ -1476,7 +1524,7 @@
         <p:spPr>
           <a:xfrm>
             <a:off x="504000" y="226080"/>
-            <a:ext cx="9071280" cy="946080"/>
+            <a:ext cx="9072000" cy="946440"/>
           </a:xfrm>
           <a:prstGeom prst="rect">
             <a:avLst/>
@@ -1487,10 +1535,8 @@
             <a:noAutofit/>
           </a:bodyPr>
           <a:p>
+            <a:pPr algn="ctr"/>
             <a:endParaRPr b="0" lang="it-IT" sz="4400" spc="-1" strike="noStrike">
-              <a:solidFill>
-                <a:srgbClr val="000000"/>
-              </a:solidFill>
               <a:latin typeface="Arial"/>
             </a:endParaRPr>
           </a:p>
@@ -1520,10 +1566,7 @@
             <a:normAutofit/>
           </a:bodyPr>
           <a:p>
-            <a:endParaRPr b="0" lang="it-IT" sz="2800" spc="-1" strike="noStrike">
-              <a:solidFill>
-                <a:srgbClr val="000000"/>
-              </a:solidFill>
+            <a:endParaRPr b="0" lang="it-IT" sz="3200" spc="-1" strike="noStrike">
               <a:latin typeface="Arial"/>
             </a:endParaRPr>
           </a:p>
@@ -1553,10 +1596,7 @@
             <a:normAutofit/>
           </a:bodyPr>
           <a:p>
-            <a:endParaRPr b="0" lang="it-IT" sz="2800" spc="-1" strike="noStrike">
-              <a:solidFill>
-                <a:srgbClr val="000000"/>
-              </a:solidFill>
+            <a:endParaRPr b="0" lang="it-IT" sz="3200" spc="-1" strike="noStrike">
               <a:latin typeface="Arial"/>
             </a:endParaRPr>
           </a:p>
@@ -1586,10 +1626,7 @@
             <a:normAutofit/>
           </a:bodyPr>
           <a:p>
-            <a:endParaRPr b="0" lang="it-IT" sz="2800" spc="-1" strike="noStrike">
-              <a:solidFill>
-                <a:srgbClr val="000000"/>
-              </a:solidFill>
+            <a:endParaRPr b="0" lang="it-IT" sz="3200" spc="-1" strike="noStrike">
               <a:latin typeface="Arial"/>
             </a:endParaRPr>
           </a:p>
@@ -1619,10 +1656,7 @@
             <a:normAutofit/>
           </a:bodyPr>
           <a:p>
-            <a:endParaRPr b="0" lang="it-IT" sz="2800" spc="-1" strike="noStrike">
-              <a:solidFill>
-                <a:srgbClr val="000000"/>
-              </a:solidFill>
+            <a:endParaRPr b="0" lang="it-IT" sz="3200" spc="-1" strike="noStrike">
               <a:latin typeface="Arial"/>
             </a:endParaRPr>
           </a:p>
@@ -1652,10 +1686,7 @@
             <a:normAutofit/>
           </a:bodyPr>
           <a:p>
-            <a:endParaRPr b="0" lang="it-IT" sz="2800" spc="-1" strike="noStrike">
-              <a:solidFill>
-                <a:srgbClr val="000000"/>
-              </a:solidFill>
+            <a:endParaRPr b="0" lang="it-IT" sz="3200" spc="-1" strike="noStrike">
               <a:latin typeface="Arial"/>
             </a:endParaRPr>
           </a:p>
@@ -1685,10 +1716,7 @@
             <a:normAutofit/>
           </a:bodyPr>
           <a:p>
-            <a:endParaRPr b="0" lang="it-IT" sz="2800" spc="-1" strike="noStrike">
-              <a:solidFill>
-                <a:srgbClr val="000000"/>
-              </a:solidFill>
+            <a:endParaRPr b="0" lang="it-IT" sz="3200" spc="-1" strike="noStrike">
               <a:latin typeface="Arial"/>
             </a:endParaRPr>
           </a:p>
@@ -1751,7 +1779,7 @@
         <p:spPr>
           <a:xfrm>
             <a:off x="504000" y="226080"/>
-            <a:ext cx="9071280" cy="946080"/>
+            <a:ext cx="9072000" cy="946440"/>
           </a:xfrm>
           <a:prstGeom prst="rect">
             <a:avLst/>
@@ -1762,10 +1790,8 @@
             <a:noAutofit/>
           </a:bodyPr>
           <a:p>
+            <a:pPr algn="ctr"/>
             <a:endParaRPr b="0" lang="it-IT" sz="4400" spc="-1" strike="noStrike">
-              <a:solidFill>
-                <a:srgbClr val="000000"/>
-              </a:solidFill>
               <a:latin typeface="Arial"/>
             </a:endParaRPr>
           </a:p>
@@ -1837,7 +1863,7 @@
         <p:spPr>
           <a:xfrm>
             <a:off x="504000" y="226080"/>
-            <a:ext cx="9071280" cy="946080"/>
+            <a:ext cx="9072000" cy="946440"/>
           </a:xfrm>
           <a:prstGeom prst="rect">
             <a:avLst/>
@@ -1848,10 +1874,8 @@
             <a:noAutofit/>
           </a:bodyPr>
           <a:p>
+            <a:pPr algn="ctr"/>
             <a:endParaRPr b="0" lang="it-IT" sz="4400" spc="-1" strike="noStrike">
-              <a:solidFill>
-                <a:srgbClr val="000000"/>
-              </a:solidFill>
               <a:latin typeface="Arial"/>
             </a:endParaRPr>
           </a:p>
@@ -1881,10 +1905,7 @@
             <a:normAutofit/>
           </a:bodyPr>
           <a:p>
-            <a:endParaRPr b="0" lang="it-IT" sz="2800" spc="-1" strike="noStrike">
-              <a:solidFill>
-                <a:srgbClr val="000000"/>
-              </a:solidFill>
+            <a:endParaRPr b="0" lang="it-IT" sz="3200" spc="-1" strike="noStrike">
               <a:latin typeface="Arial"/>
             </a:endParaRPr>
           </a:p>
@@ -1925,7 +1946,7 @@
         <p:spPr>
           <a:xfrm>
             <a:off x="504000" y="226080"/>
-            <a:ext cx="9071280" cy="946080"/>
+            <a:ext cx="9072000" cy="946440"/>
           </a:xfrm>
           <a:prstGeom prst="rect">
             <a:avLst/>
@@ -1936,10 +1957,8 @@
             <a:noAutofit/>
           </a:bodyPr>
           <a:p>
+            <a:pPr algn="ctr"/>
             <a:endParaRPr b="0" lang="it-IT" sz="4400" spc="-1" strike="noStrike">
-              <a:solidFill>
-                <a:srgbClr val="000000"/>
-              </a:solidFill>
               <a:latin typeface="Arial"/>
             </a:endParaRPr>
           </a:p>
@@ -1969,10 +1988,7 @@
             <a:normAutofit/>
           </a:bodyPr>
           <a:p>
-            <a:endParaRPr b="0" lang="it-IT" sz="2800" spc="-1" strike="noStrike">
-              <a:solidFill>
-                <a:srgbClr val="000000"/>
-              </a:solidFill>
+            <a:endParaRPr b="0" lang="it-IT" sz="3200" spc="-1" strike="noStrike">
               <a:latin typeface="Arial"/>
             </a:endParaRPr>
           </a:p>
@@ -2002,10 +2018,7 @@
             <a:normAutofit/>
           </a:bodyPr>
           <a:p>
-            <a:endParaRPr b="0" lang="it-IT" sz="2800" spc="-1" strike="noStrike">
-              <a:solidFill>
-                <a:srgbClr val="000000"/>
-              </a:solidFill>
+            <a:endParaRPr b="0" lang="it-IT" sz="3200" spc="-1" strike="noStrike">
               <a:latin typeface="Arial"/>
             </a:endParaRPr>
           </a:p>
@@ -2046,7 +2059,7 @@
         <p:spPr>
           <a:xfrm>
             <a:off x="504000" y="226080"/>
-            <a:ext cx="9071280" cy="946080"/>
+            <a:ext cx="9072000" cy="946440"/>
           </a:xfrm>
           <a:prstGeom prst="rect">
             <a:avLst/>
@@ -2057,10 +2070,8 @@
             <a:noAutofit/>
           </a:bodyPr>
           <a:p>
+            <a:pPr algn="ctr"/>
             <a:endParaRPr b="0" lang="it-IT" sz="4400" spc="-1" strike="noStrike">
-              <a:solidFill>
-                <a:srgbClr val="000000"/>
-              </a:solidFill>
               <a:latin typeface="Arial"/>
             </a:endParaRPr>
           </a:p>
@@ -2101,7 +2112,7 @@
         <p:spPr>
           <a:xfrm>
             <a:off x="504000" y="226080"/>
-            <a:ext cx="9071280" cy="4386600"/>
+            <a:ext cx="9072000" cy="4388400"/>
           </a:xfrm>
           <a:prstGeom prst="rect">
             <a:avLst/>
@@ -2154,7 +2165,7 @@
         <p:spPr>
           <a:xfrm>
             <a:off x="504000" y="226080"/>
-            <a:ext cx="9071280" cy="946080"/>
+            <a:ext cx="9072000" cy="946440"/>
           </a:xfrm>
           <a:prstGeom prst="rect">
             <a:avLst/>
@@ -2165,10 +2176,8 @@
             <a:noAutofit/>
           </a:bodyPr>
           <a:p>
+            <a:pPr algn="ctr"/>
             <a:endParaRPr b="0" lang="it-IT" sz="4400" spc="-1" strike="noStrike">
-              <a:solidFill>
-                <a:srgbClr val="000000"/>
-              </a:solidFill>
               <a:latin typeface="Arial"/>
             </a:endParaRPr>
           </a:p>
@@ -2198,10 +2207,7 @@
             <a:normAutofit/>
           </a:bodyPr>
           <a:p>
-            <a:endParaRPr b="0" lang="it-IT" sz="2800" spc="-1" strike="noStrike">
-              <a:solidFill>
-                <a:srgbClr val="000000"/>
-              </a:solidFill>
+            <a:endParaRPr b="0" lang="it-IT" sz="3200" spc="-1" strike="noStrike">
               <a:latin typeface="Arial"/>
             </a:endParaRPr>
           </a:p>
@@ -2231,10 +2237,7 @@
             <a:normAutofit/>
           </a:bodyPr>
           <a:p>
-            <a:endParaRPr b="0" lang="it-IT" sz="2800" spc="-1" strike="noStrike">
-              <a:solidFill>
-                <a:srgbClr val="000000"/>
-              </a:solidFill>
+            <a:endParaRPr b="0" lang="it-IT" sz="3200" spc="-1" strike="noStrike">
               <a:latin typeface="Arial"/>
             </a:endParaRPr>
           </a:p>
@@ -2264,10 +2267,7 @@
             <a:normAutofit/>
           </a:bodyPr>
           <a:p>
-            <a:endParaRPr b="0" lang="it-IT" sz="2800" spc="-1" strike="noStrike">
-              <a:solidFill>
-                <a:srgbClr val="000000"/>
-              </a:solidFill>
+            <a:endParaRPr b="0" lang="it-IT" sz="3200" spc="-1" strike="noStrike">
               <a:latin typeface="Arial"/>
             </a:endParaRPr>
           </a:p>
@@ -2308,7 +2308,7 @@
         <p:spPr>
           <a:xfrm>
             <a:off x="504000" y="226080"/>
-            <a:ext cx="9071280" cy="946080"/>
+            <a:ext cx="9072000" cy="946440"/>
           </a:xfrm>
           <a:prstGeom prst="rect">
             <a:avLst/>
@@ -2319,10 +2319,8 @@
             <a:noAutofit/>
           </a:bodyPr>
           <a:p>
+            <a:pPr algn="ctr"/>
             <a:endParaRPr b="0" lang="it-IT" sz="4400" spc="-1" strike="noStrike">
-              <a:solidFill>
-                <a:srgbClr val="000000"/>
-              </a:solidFill>
               <a:latin typeface="Arial"/>
             </a:endParaRPr>
           </a:p>
@@ -2394,7 +2392,7 @@
         <p:spPr>
           <a:xfrm>
             <a:off x="504000" y="226080"/>
-            <a:ext cx="9071280" cy="946080"/>
+            <a:ext cx="9072000" cy="946440"/>
           </a:xfrm>
           <a:prstGeom prst="rect">
             <a:avLst/>
@@ -2405,10 +2403,8 @@
             <a:noAutofit/>
           </a:bodyPr>
           <a:p>
+            <a:pPr algn="ctr"/>
             <a:endParaRPr b="0" lang="it-IT" sz="4400" spc="-1" strike="noStrike">
-              <a:solidFill>
-                <a:srgbClr val="000000"/>
-              </a:solidFill>
               <a:latin typeface="Arial"/>
             </a:endParaRPr>
           </a:p>
@@ -2438,10 +2434,7 @@
             <a:normAutofit/>
           </a:bodyPr>
           <a:p>
-            <a:endParaRPr b="0" lang="it-IT" sz="2800" spc="-1" strike="noStrike">
-              <a:solidFill>
-                <a:srgbClr val="000000"/>
-              </a:solidFill>
+            <a:endParaRPr b="0" lang="it-IT" sz="3200" spc="-1" strike="noStrike">
               <a:latin typeface="Arial"/>
             </a:endParaRPr>
           </a:p>
@@ -2471,10 +2464,7 @@
             <a:normAutofit/>
           </a:bodyPr>
           <a:p>
-            <a:endParaRPr b="0" lang="it-IT" sz="2800" spc="-1" strike="noStrike">
-              <a:solidFill>
-                <a:srgbClr val="000000"/>
-              </a:solidFill>
+            <a:endParaRPr b="0" lang="it-IT" sz="3200" spc="-1" strike="noStrike">
               <a:latin typeface="Arial"/>
             </a:endParaRPr>
           </a:p>
@@ -2504,10 +2494,7 @@
             <a:normAutofit/>
           </a:bodyPr>
           <a:p>
-            <a:endParaRPr b="0" lang="it-IT" sz="2800" spc="-1" strike="noStrike">
-              <a:solidFill>
-                <a:srgbClr val="000000"/>
-              </a:solidFill>
+            <a:endParaRPr b="0" lang="it-IT" sz="3200" spc="-1" strike="noStrike">
               <a:latin typeface="Arial"/>
             </a:endParaRPr>
           </a:p>
@@ -2548,7 +2535,7 @@
         <p:spPr>
           <a:xfrm>
             <a:off x="504000" y="226080"/>
-            <a:ext cx="9071280" cy="946080"/>
+            <a:ext cx="9072000" cy="946440"/>
           </a:xfrm>
           <a:prstGeom prst="rect">
             <a:avLst/>
@@ -2559,10 +2546,8 @@
             <a:noAutofit/>
           </a:bodyPr>
           <a:p>
+            <a:pPr algn="ctr"/>
             <a:endParaRPr b="0" lang="it-IT" sz="4400" spc="-1" strike="noStrike">
-              <a:solidFill>
-                <a:srgbClr val="000000"/>
-              </a:solidFill>
               <a:latin typeface="Arial"/>
             </a:endParaRPr>
           </a:p>
@@ -2592,10 +2577,7 @@
             <a:normAutofit/>
           </a:bodyPr>
           <a:p>
-            <a:endParaRPr b="0" lang="it-IT" sz="2800" spc="-1" strike="noStrike">
-              <a:solidFill>
-                <a:srgbClr val="000000"/>
-              </a:solidFill>
+            <a:endParaRPr b="0" lang="it-IT" sz="3200" spc="-1" strike="noStrike">
               <a:latin typeface="Arial"/>
             </a:endParaRPr>
           </a:p>
@@ -2625,10 +2607,7 @@
             <a:normAutofit/>
           </a:bodyPr>
           <a:p>
-            <a:endParaRPr b="0" lang="it-IT" sz="2800" spc="-1" strike="noStrike">
-              <a:solidFill>
-                <a:srgbClr val="000000"/>
-              </a:solidFill>
+            <a:endParaRPr b="0" lang="it-IT" sz="3200" spc="-1" strike="noStrike">
               <a:latin typeface="Arial"/>
             </a:endParaRPr>
           </a:p>
@@ -2658,10 +2637,7 @@
             <a:normAutofit/>
           </a:bodyPr>
           <a:p>
-            <a:endParaRPr b="0" lang="it-IT" sz="2800" spc="-1" strike="noStrike">
-              <a:solidFill>
-                <a:srgbClr val="000000"/>
-              </a:solidFill>
+            <a:endParaRPr b="0" lang="it-IT" sz="3200" spc="-1" strike="noStrike">
               <a:latin typeface="Arial"/>
             </a:endParaRPr>
           </a:p>
@@ -2702,7 +2678,7 @@
         <p:spPr>
           <a:xfrm>
             <a:off x="504000" y="226080"/>
-            <a:ext cx="9071280" cy="946080"/>
+            <a:ext cx="9072000" cy="946440"/>
           </a:xfrm>
           <a:prstGeom prst="rect">
             <a:avLst/>
@@ -2713,10 +2689,8 @@
             <a:noAutofit/>
           </a:bodyPr>
           <a:p>
+            <a:pPr algn="ctr"/>
             <a:endParaRPr b="0" lang="it-IT" sz="4400" spc="-1" strike="noStrike">
-              <a:solidFill>
-                <a:srgbClr val="000000"/>
-              </a:solidFill>
               <a:latin typeface="Arial"/>
             </a:endParaRPr>
           </a:p>
@@ -2746,10 +2720,7 @@
             <a:normAutofit/>
           </a:bodyPr>
           <a:p>
-            <a:endParaRPr b="0" lang="it-IT" sz="2800" spc="-1" strike="noStrike">
-              <a:solidFill>
-                <a:srgbClr val="000000"/>
-              </a:solidFill>
+            <a:endParaRPr b="0" lang="it-IT" sz="3200" spc="-1" strike="noStrike">
               <a:latin typeface="Arial"/>
             </a:endParaRPr>
           </a:p>
@@ -2779,10 +2750,7 @@
             <a:normAutofit/>
           </a:bodyPr>
           <a:p>
-            <a:endParaRPr b="0" lang="it-IT" sz="2800" spc="-1" strike="noStrike">
-              <a:solidFill>
-                <a:srgbClr val="000000"/>
-              </a:solidFill>
+            <a:endParaRPr b="0" lang="it-IT" sz="3200" spc="-1" strike="noStrike">
               <a:latin typeface="Arial"/>
             </a:endParaRPr>
           </a:p>
@@ -2823,7 +2791,7 @@
         <p:spPr>
           <a:xfrm>
             <a:off x="504000" y="226080"/>
-            <a:ext cx="9071280" cy="946080"/>
+            <a:ext cx="9072000" cy="946440"/>
           </a:xfrm>
           <a:prstGeom prst="rect">
             <a:avLst/>
@@ -2834,10 +2802,8 @@
             <a:noAutofit/>
           </a:bodyPr>
           <a:p>
+            <a:pPr algn="ctr"/>
             <a:endParaRPr b="0" lang="it-IT" sz="4400" spc="-1" strike="noStrike">
-              <a:solidFill>
-                <a:srgbClr val="000000"/>
-              </a:solidFill>
               <a:latin typeface="Arial"/>
             </a:endParaRPr>
           </a:p>
@@ -2867,10 +2833,7 @@
             <a:normAutofit/>
           </a:bodyPr>
           <a:p>
-            <a:endParaRPr b="0" lang="it-IT" sz="2800" spc="-1" strike="noStrike">
-              <a:solidFill>
-                <a:srgbClr val="000000"/>
-              </a:solidFill>
+            <a:endParaRPr b="0" lang="it-IT" sz="3200" spc="-1" strike="noStrike">
               <a:latin typeface="Arial"/>
             </a:endParaRPr>
           </a:p>
@@ -2900,10 +2863,7 @@
             <a:normAutofit/>
           </a:bodyPr>
           <a:p>
-            <a:endParaRPr b="0" lang="it-IT" sz="2800" spc="-1" strike="noStrike">
-              <a:solidFill>
-                <a:srgbClr val="000000"/>
-              </a:solidFill>
+            <a:endParaRPr b="0" lang="it-IT" sz="3200" spc="-1" strike="noStrike">
               <a:latin typeface="Arial"/>
             </a:endParaRPr>
           </a:p>
@@ -2933,10 +2893,7 @@
             <a:normAutofit/>
           </a:bodyPr>
           <a:p>
-            <a:endParaRPr b="0" lang="it-IT" sz="2800" spc="-1" strike="noStrike">
-              <a:solidFill>
-                <a:srgbClr val="000000"/>
-              </a:solidFill>
+            <a:endParaRPr b="0" lang="it-IT" sz="3200" spc="-1" strike="noStrike">
               <a:latin typeface="Arial"/>
             </a:endParaRPr>
           </a:p>
@@ -2966,10 +2923,7 @@
             <a:normAutofit/>
           </a:bodyPr>
           <a:p>
-            <a:endParaRPr b="0" lang="it-IT" sz="2800" spc="-1" strike="noStrike">
-              <a:solidFill>
-                <a:srgbClr val="000000"/>
-              </a:solidFill>
+            <a:endParaRPr b="0" lang="it-IT" sz="3200" spc="-1" strike="noStrike">
               <a:latin typeface="Arial"/>
             </a:endParaRPr>
           </a:p>
@@ -3010,7 +2964,7 @@
         <p:spPr>
           <a:xfrm>
             <a:off x="504000" y="226080"/>
-            <a:ext cx="9071280" cy="946080"/>
+            <a:ext cx="9072000" cy="946440"/>
           </a:xfrm>
           <a:prstGeom prst="rect">
             <a:avLst/>
@@ -3021,10 +2975,8 @@
             <a:noAutofit/>
           </a:bodyPr>
           <a:p>
+            <a:pPr algn="ctr"/>
             <a:endParaRPr b="0" lang="it-IT" sz="4400" spc="-1" strike="noStrike">
-              <a:solidFill>
-                <a:srgbClr val="000000"/>
-              </a:solidFill>
               <a:latin typeface="Arial"/>
             </a:endParaRPr>
           </a:p>
@@ -3054,10 +3006,7 @@
             <a:normAutofit/>
           </a:bodyPr>
           <a:p>
-            <a:endParaRPr b="0" lang="it-IT" sz="2800" spc="-1" strike="noStrike">
-              <a:solidFill>
-                <a:srgbClr val="000000"/>
-              </a:solidFill>
+            <a:endParaRPr b="0" lang="it-IT" sz="3200" spc="-1" strike="noStrike">
               <a:latin typeface="Arial"/>
             </a:endParaRPr>
           </a:p>
@@ -3087,10 +3036,7 @@
             <a:normAutofit/>
           </a:bodyPr>
           <a:p>
-            <a:endParaRPr b="0" lang="it-IT" sz="2800" spc="-1" strike="noStrike">
-              <a:solidFill>
-                <a:srgbClr val="000000"/>
-              </a:solidFill>
+            <a:endParaRPr b="0" lang="it-IT" sz="3200" spc="-1" strike="noStrike">
               <a:latin typeface="Arial"/>
             </a:endParaRPr>
           </a:p>
@@ -3120,10 +3066,7 @@
             <a:normAutofit/>
           </a:bodyPr>
           <a:p>
-            <a:endParaRPr b="0" lang="it-IT" sz="2800" spc="-1" strike="noStrike">
-              <a:solidFill>
-                <a:srgbClr val="000000"/>
-              </a:solidFill>
+            <a:endParaRPr b="0" lang="it-IT" sz="3200" spc="-1" strike="noStrike">
               <a:latin typeface="Arial"/>
             </a:endParaRPr>
           </a:p>
@@ -3153,10 +3096,7 @@
             <a:normAutofit/>
           </a:bodyPr>
           <a:p>
-            <a:endParaRPr b="0" lang="it-IT" sz="2800" spc="-1" strike="noStrike">
-              <a:solidFill>
-                <a:srgbClr val="000000"/>
-              </a:solidFill>
+            <a:endParaRPr b="0" lang="it-IT" sz="3200" spc="-1" strike="noStrike">
               <a:latin typeface="Arial"/>
             </a:endParaRPr>
           </a:p>
@@ -3186,10 +3126,7 @@
             <a:normAutofit/>
           </a:bodyPr>
           <a:p>
-            <a:endParaRPr b="0" lang="it-IT" sz="2800" spc="-1" strike="noStrike">
-              <a:solidFill>
-                <a:srgbClr val="000000"/>
-              </a:solidFill>
+            <a:endParaRPr b="0" lang="it-IT" sz="3200" spc="-1" strike="noStrike">
               <a:latin typeface="Arial"/>
             </a:endParaRPr>
           </a:p>
@@ -3219,10 +3156,7 @@
             <a:normAutofit/>
           </a:bodyPr>
           <a:p>
-            <a:endParaRPr b="0" lang="it-IT" sz="2800" spc="-1" strike="noStrike">
-              <a:solidFill>
-                <a:srgbClr val="000000"/>
-              </a:solidFill>
+            <a:endParaRPr b="0" lang="it-IT" sz="3200" spc="-1" strike="noStrike">
               <a:latin typeface="Arial"/>
             </a:endParaRPr>
           </a:p>
@@ -3285,7 +3219,7 @@
         <p:spPr>
           <a:xfrm>
             <a:off x="504000" y="226080"/>
-            <a:ext cx="9071280" cy="946080"/>
+            <a:ext cx="9072000" cy="946440"/>
           </a:xfrm>
           <a:prstGeom prst="rect">
             <a:avLst/>
@@ -3296,10 +3230,8 @@
             <a:noAutofit/>
           </a:bodyPr>
           <a:p>
+            <a:pPr algn="ctr"/>
             <a:endParaRPr b="0" lang="it-IT" sz="4400" spc="-1" strike="noStrike">
-              <a:solidFill>
-                <a:srgbClr val="000000"/>
-              </a:solidFill>
               <a:latin typeface="Arial"/>
             </a:endParaRPr>
           </a:p>
@@ -3371,7 +3303,7 @@
         <p:spPr>
           <a:xfrm>
             <a:off x="504000" y="226080"/>
-            <a:ext cx="9071280" cy="946080"/>
+            <a:ext cx="9072000" cy="946440"/>
           </a:xfrm>
           <a:prstGeom prst="rect">
             <a:avLst/>
@@ -3382,10 +3314,8 @@
             <a:noAutofit/>
           </a:bodyPr>
           <a:p>
+            <a:pPr algn="ctr"/>
             <a:endParaRPr b="0" lang="it-IT" sz="4400" spc="-1" strike="noStrike">
-              <a:solidFill>
-                <a:srgbClr val="000000"/>
-              </a:solidFill>
               <a:latin typeface="Arial"/>
             </a:endParaRPr>
           </a:p>
@@ -3415,10 +3345,7 @@
             <a:normAutofit/>
           </a:bodyPr>
           <a:p>
-            <a:endParaRPr b="0" lang="it-IT" sz="2800" spc="-1" strike="noStrike">
-              <a:solidFill>
-                <a:srgbClr val="000000"/>
-              </a:solidFill>
+            <a:endParaRPr b="0" lang="it-IT" sz="3200" spc="-1" strike="noStrike">
               <a:latin typeface="Arial"/>
             </a:endParaRPr>
           </a:p>
@@ -3459,7 +3386,7 @@
         <p:spPr>
           <a:xfrm>
             <a:off x="504000" y="226080"/>
-            <a:ext cx="9071280" cy="946080"/>
+            <a:ext cx="9072000" cy="946440"/>
           </a:xfrm>
           <a:prstGeom prst="rect">
             <a:avLst/>
@@ -3470,10 +3397,8 @@
             <a:noAutofit/>
           </a:bodyPr>
           <a:p>
+            <a:pPr algn="ctr"/>
             <a:endParaRPr b="0" lang="it-IT" sz="4400" spc="-1" strike="noStrike">
-              <a:solidFill>
-                <a:srgbClr val="000000"/>
-              </a:solidFill>
               <a:latin typeface="Arial"/>
             </a:endParaRPr>
           </a:p>
@@ -3503,10 +3428,7 @@
             <a:normAutofit/>
           </a:bodyPr>
           <a:p>
-            <a:endParaRPr b="0" lang="it-IT" sz="2800" spc="-1" strike="noStrike">
-              <a:solidFill>
-                <a:srgbClr val="000000"/>
-              </a:solidFill>
+            <a:endParaRPr b="0" lang="it-IT" sz="3200" spc="-1" strike="noStrike">
               <a:latin typeface="Arial"/>
             </a:endParaRPr>
           </a:p>
@@ -3536,10 +3458,7 @@
             <a:normAutofit/>
           </a:bodyPr>
           <a:p>
-            <a:endParaRPr b="0" lang="it-IT" sz="2800" spc="-1" strike="noStrike">
-              <a:solidFill>
-                <a:srgbClr val="000000"/>
-              </a:solidFill>
+            <a:endParaRPr b="0" lang="it-IT" sz="3200" spc="-1" strike="noStrike">
               <a:latin typeface="Arial"/>
             </a:endParaRPr>
           </a:p>
@@ -3580,7 +3499,7 @@
         <p:spPr>
           <a:xfrm>
             <a:off x="504000" y="226080"/>
-            <a:ext cx="9071280" cy="946080"/>
+            <a:ext cx="9072000" cy="946440"/>
           </a:xfrm>
           <a:prstGeom prst="rect">
             <a:avLst/>
@@ -3591,10 +3510,8 @@
             <a:noAutofit/>
           </a:bodyPr>
           <a:p>
+            <a:pPr algn="ctr"/>
             <a:endParaRPr b="0" lang="it-IT" sz="4400" spc="-1" strike="noStrike">
-              <a:solidFill>
-                <a:srgbClr val="000000"/>
-              </a:solidFill>
               <a:latin typeface="Arial"/>
             </a:endParaRPr>
           </a:p>
@@ -3635,7 +3552,7 @@
         <p:spPr>
           <a:xfrm>
             <a:off x="504000" y="226080"/>
-            <a:ext cx="9071280" cy="946080"/>
+            <a:ext cx="9072000" cy="946440"/>
           </a:xfrm>
           <a:prstGeom prst="rect">
             <a:avLst/>
@@ -3646,10 +3563,8 @@
             <a:noAutofit/>
           </a:bodyPr>
           <a:p>
+            <a:pPr algn="ctr"/>
             <a:endParaRPr b="0" lang="it-IT" sz="4400" spc="-1" strike="noStrike">
-              <a:solidFill>
-                <a:srgbClr val="000000"/>
-              </a:solidFill>
               <a:latin typeface="Arial"/>
             </a:endParaRPr>
           </a:p>
@@ -3679,10 +3594,7 @@
             <a:normAutofit/>
           </a:bodyPr>
           <a:p>
-            <a:endParaRPr b="0" lang="it-IT" sz="2800" spc="-1" strike="noStrike">
-              <a:solidFill>
-                <a:srgbClr val="000000"/>
-              </a:solidFill>
+            <a:endParaRPr b="0" lang="it-IT" sz="3200" spc="-1" strike="noStrike">
               <a:latin typeface="Arial"/>
             </a:endParaRPr>
           </a:p>
@@ -3723,7 +3635,7 @@
         <p:spPr>
           <a:xfrm>
             <a:off x="504000" y="226080"/>
-            <a:ext cx="9071280" cy="4386600"/>
+            <a:ext cx="9072000" cy="4388400"/>
           </a:xfrm>
           <a:prstGeom prst="rect">
             <a:avLst/>
@@ -3776,7 +3688,7 @@
         <p:spPr>
           <a:xfrm>
             <a:off x="504000" y="226080"/>
-            <a:ext cx="9071280" cy="946080"/>
+            <a:ext cx="9072000" cy="946440"/>
           </a:xfrm>
           <a:prstGeom prst="rect">
             <a:avLst/>
@@ -3787,10 +3699,8 @@
             <a:noAutofit/>
           </a:bodyPr>
           <a:p>
+            <a:pPr algn="ctr"/>
             <a:endParaRPr b="0" lang="it-IT" sz="4400" spc="-1" strike="noStrike">
-              <a:solidFill>
-                <a:srgbClr val="000000"/>
-              </a:solidFill>
               <a:latin typeface="Arial"/>
             </a:endParaRPr>
           </a:p>
@@ -3820,10 +3730,7 @@
             <a:normAutofit/>
           </a:bodyPr>
           <a:p>
-            <a:endParaRPr b="0" lang="it-IT" sz="2800" spc="-1" strike="noStrike">
-              <a:solidFill>
-                <a:srgbClr val="000000"/>
-              </a:solidFill>
+            <a:endParaRPr b="0" lang="it-IT" sz="3200" spc="-1" strike="noStrike">
               <a:latin typeface="Arial"/>
             </a:endParaRPr>
           </a:p>
@@ -3853,10 +3760,7 @@
             <a:normAutofit/>
           </a:bodyPr>
           <a:p>
-            <a:endParaRPr b="0" lang="it-IT" sz="2800" spc="-1" strike="noStrike">
-              <a:solidFill>
-                <a:srgbClr val="000000"/>
-              </a:solidFill>
+            <a:endParaRPr b="0" lang="it-IT" sz="3200" spc="-1" strike="noStrike">
               <a:latin typeface="Arial"/>
             </a:endParaRPr>
           </a:p>
@@ -3886,10 +3790,7 @@
             <a:normAutofit/>
           </a:bodyPr>
           <a:p>
-            <a:endParaRPr b="0" lang="it-IT" sz="2800" spc="-1" strike="noStrike">
-              <a:solidFill>
-                <a:srgbClr val="000000"/>
-              </a:solidFill>
+            <a:endParaRPr b="0" lang="it-IT" sz="3200" spc="-1" strike="noStrike">
               <a:latin typeface="Arial"/>
             </a:endParaRPr>
           </a:p>
@@ -3930,7 +3831,7 @@
         <p:spPr>
           <a:xfrm>
             <a:off x="504000" y="226080"/>
-            <a:ext cx="9071280" cy="946080"/>
+            <a:ext cx="9072000" cy="946440"/>
           </a:xfrm>
           <a:prstGeom prst="rect">
             <a:avLst/>
@@ -3941,10 +3842,8 @@
             <a:noAutofit/>
           </a:bodyPr>
           <a:p>
+            <a:pPr algn="ctr"/>
             <a:endParaRPr b="0" lang="it-IT" sz="4400" spc="-1" strike="noStrike">
-              <a:solidFill>
-                <a:srgbClr val="000000"/>
-              </a:solidFill>
               <a:latin typeface="Arial"/>
             </a:endParaRPr>
           </a:p>
@@ -3974,10 +3873,7 @@
             <a:normAutofit/>
           </a:bodyPr>
           <a:p>
-            <a:endParaRPr b="0" lang="it-IT" sz="2800" spc="-1" strike="noStrike">
-              <a:solidFill>
-                <a:srgbClr val="000000"/>
-              </a:solidFill>
+            <a:endParaRPr b="0" lang="it-IT" sz="3200" spc="-1" strike="noStrike">
               <a:latin typeface="Arial"/>
             </a:endParaRPr>
           </a:p>
@@ -4007,10 +3903,7 @@
             <a:normAutofit/>
           </a:bodyPr>
           <a:p>
-            <a:endParaRPr b="0" lang="it-IT" sz="2800" spc="-1" strike="noStrike">
-              <a:solidFill>
-                <a:srgbClr val="000000"/>
-              </a:solidFill>
+            <a:endParaRPr b="0" lang="it-IT" sz="3200" spc="-1" strike="noStrike">
               <a:latin typeface="Arial"/>
             </a:endParaRPr>
           </a:p>
@@ -4040,10 +3933,7 @@
             <a:normAutofit/>
           </a:bodyPr>
           <a:p>
-            <a:endParaRPr b="0" lang="it-IT" sz="2800" spc="-1" strike="noStrike">
-              <a:solidFill>
-                <a:srgbClr val="000000"/>
-              </a:solidFill>
+            <a:endParaRPr b="0" lang="it-IT" sz="3200" spc="-1" strike="noStrike">
               <a:latin typeface="Arial"/>
             </a:endParaRPr>
           </a:p>
@@ -4084,7 +3974,7 @@
         <p:spPr>
           <a:xfrm>
             <a:off x="504000" y="226080"/>
-            <a:ext cx="9071280" cy="946080"/>
+            <a:ext cx="9072000" cy="946440"/>
           </a:xfrm>
           <a:prstGeom prst="rect">
             <a:avLst/>
@@ -4095,10 +3985,8 @@
             <a:noAutofit/>
           </a:bodyPr>
           <a:p>
+            <a:pPr algn="ctr"/>
             <a:endParaRPr b="0" lang="it-IT" sz="4400" spc="-1" strike="noStrike">
-              <a:solidFill>
-                <a:srgbClr val="000000"/>
-              </a:solidFill>
               <a:latin typeface="Arial"/>
             </a:endParaRPr>
           </a:p>
@@ -4128,10 +4016,7 @@
             <a:normAutofit/>
           </a:bodyPr>
           <a:p>
-            <a:endParaRPr b="0" lang="it-IT" sz="2800" spc="-1" strike="noStrike">
-              <a:solidFill>
-                <a:srgbClr val="000000"/>
-              </a:solidFill>
+            <a:endParaRPr b="0" lang="it-IT" sz="3200" spc="-1" strike="noStrike">
               <a:latin typeface="Arial"/>
             </a:endParaRPr>
           </a:p>
@@ -4161,10 +4046,7 @@
             <a:normAutofit/>
           </a:bodyPr>
           <a:p>
-            <a:endParaRPr b="0" lang="it-IT" sz="2800" spc="-1" strike="noStrike">
-              <a:solidFill>
-                <a:srgbClr val="000000"/>
-              </a:solidFill>
+            <a:endParaRPr b="0" lang="it-IT" sz="3200" spc="-1" strike="noStrike">
               <a:latin typeface="Arial"/>
             </a:endParaRPr>
           </a:p>
@@ -4194,10 +4076,7 @@
             <a:normAutofit/>
           </a:bodyPr>
           <a:p>
-            <a:endParaRPr b="0" lang="it-IT" sz="2800" spc="-1" strike="noStrike">
-              <a:solidFill>
-                <a:srgbClr val="000000"/>
-              </a:solidFill>
+            <a:endParaRPr b="0" lang="it-IT" sz="3200" spc="-1" strike="noStrike">
               <a:latin typeface="Arial"/>
             </a:endParaRPr>
           </a:p>
@@ -4238,7 +4117,7 @@
         <p:spPr>
           <a:xfrm>
             <a:off x="504000" y="226080"/>
-            <a:ext cx="9071280" cy="946080"/>
+            <a:ext cx="9072000" cy="946440"/>
           </a:xfrm>
           <a:prstGeom prst="rect">
             <a:avLst/>
@@ -4249,10 +4128,8 @@
             <a:noAutofit/>
           </a:bodyPr>
           <a:p>
+            <a:pPr algn="ctr"/>
             <a:endParaRPr b="0" lang="it-IT" sz="4400" spc="-1" strike="noStrike">
-              <a:solidFill>
-                <a:srgbClr val="000000"/>
-              </a:solidFill>
               <a:latin typeface="Arial"/>
             </a:endParaRPr>
           </a:p>
@@ -4282,10 +4159,7 @@
             <a:normAutofit/>
           </a:bodyPr>
           <a:p>
-            <a:endParaRPr b="0" lang="it-IT" sz="2800" spc="-1" strike="noStrike">
-              <a:solidFill>
-                <a:srgbClr val="000000"/>
-              </a:solidFill>
+            <a:endParaRPr b="0" lang="it-IT" sz="3200" spc="-1" strike="noStrike">
               <a:latin typeface="Arial"/>
             </a:endParaRPr>
           </a:p>
@@ -4315,10 +4189,7 @@
             <a:normAutofit/>
           </a:bodyPr>
           <a:p>
-            <a:endParaRPr b="0" lang="it-IT" sz="2800" spc="-1" strike="noStrike">
-              <a:solidFill>
-                <a:srgbClr val="000000"/>
-              </a:solidFill>
+            <a:endParaRPr b="0" lang="it-IT" sz="3200" spc="-1" strike="noStrike">
               <a:latin typeface="Arial"/>
             </a:endParaRPr>
           </a:p>
@@ -4359,7 +4230,7 @@
         <p:spPr>
           <a:xfrm>
             <a:off x="504000" y="226080"/>
-            <a:ext cx="9071280" cy="946080"/>
+            <a:ext cx="9072000" cy="946440"/>
           </a:xfrm>
           <a:prstGeom prst="rect">
             <a:avLst/>
@@ -4370,10 +4241,8 @@
             <a:noAutofit/>
           </a:bodyPr>
           <a:p>
+            <a:pPr algn="ctr"/>
             <a:endParaRPr b="0" lang="it-IT" sz="4400" spc="-1" strike="noStrike">
-              <a:solidFill>
-                <a:srgbClr val="000000"/>
-              </a:solidFill>
               <a:latin typeface="Arial"/>
             </a:endParaRPr>
           </a:p>
@@ -4403,10 +4272,7 @@
             <a:normAutofit/>
           </a:bodyPr>
           <a:p>
-            <a:endParaRPr b="0" lang="it-IT" sz="2800" spc="-1" strike="noStrike">
-              <a:solidFill>
-                <a:srgbClr val="000000"/>
-              </a:solidFill>
+            <a:endParaRPr b="0" lang="it-IT" sz="3200" spc="-1" strike="noStrike">
               <a:latin typeface="Arial"/>
             </a:endParaRPr>
           </a:p>
@@ -4436,10 +4302,7 @@
             <a:normAutofit/>
           </a:bodyPr>
           <a:p>
-            <a:endParaRPr b="0" lang="it-IT" sz="2800" spc="-1" strike="noStrike">
-              <a:solidFill>
-                <a:srgbClr val="000000"/>
-              </a:solidFill>
+            <a:endParaRPr b="0" lang="it-IT" sz="3200" spc="-1" strike="noStrike">
               <a:latin typeface="Arial"/>
             </a:endParaRPr>
           </a:p>
@@ -4469,10 +4332,7 @@
             <a:normAutofit/>
           </a:bodyPr>
           <a:p>
-            <a:endParaRPr b="0" lang="it-IT" sz="2800" spc="-1" strike="noStrike">
-              <a:solidFill>
-                <a:srgbClr val="000000"/>
-              </a:solidFill>
+            <a:endParaRPr b="0" lang="it-IT" sz="3200" spc="-1" strike="noStrike">
               <a:latin typeface="Arial"/>
             </a:endParaRPr>
           </a:p>
@@ -4502,10 +4362,7 @@
             <a:normAutofit/>
           </a:bodyPr>
           <a:p>
-            <a:endParaRPr b="0" lang="it-IT" sz="2800" spc="-1" strike="noStrike">
-              <a:solidFill>
-                <a:srgbClr val="000000"/>
-              </a:solidFill>
+            <a:endParaRPr b="0" lang="it-IT" sz="3200" spc="-1" strike="noStrike">
               <a:latin typeface="Arial"/>
             </a:endParaRPr>
           </a:p>
@@ -4546,7 +4403,7 @@
         <p:spPr>
           <a:xfrm>
             <a:off x="504000" y="226080"/>
-            <a:ext cx="9071280" cy="946080"/>
+            <a:ext cx="9072000" cy="946440"/>
           </a:xfrm>
           <a:prstGeom prst="rect">
             <a:avLst/>
@@ -4557,10 +4414,8 @@
             <a:noAutofit/>
           </a:bodyPr>
           <a:p>
+            <a:pPr algn="ctr"/>
             <a:endParaRPr b="0" lang="it-IT" sz="4400" spc="-1" strike="noStrike">
-              <a:solidFill>
-                <a:srgbClr val="000000"/>
-              </a:solidFill>
               <a:latin typeface="Arial"/>
             </a:endParaRPr>
           </a:p>
@@ -4590,10 +4445,7 @@
             <a:normAutofit/>
           </a:bodyPr>
           <a:p>
-            <a:endParaRPr b="0" lang="it-IT" sz="2800" spc="-1" strike="noStrike">
-              <a:solidFill>
-                <a:srgbClr val="000000"/>
-              </a:solidFill>
+            <a:endParaRPr b="0" lang="it-IT" sz="3200" spc="-1" strike="noStrike">
               <a:latin typeface="Arial"/>
             </a:endParaRPr>
           </a:p>
@@ -4623,10 +4475,7 @@
             <a:normAutofit/>
           </a:bodyPr>
           <a:p>
-            <a:endParaRPr b="0" lang="it-IT" sz="2800" spc="-1" strike="noStrike">
-              <a:solidFill>
-                <a:srgbClr val="000000"/>
-              </a:solidFill>
+            <a:endParaRPr b="0" lang="it-IT" sz="3200" spc="-1" strike="noStrike">
               <a:latin typeface="Arial"/>
             </a:endParaRPr>
           </a:p>
@@ -4656,10 +4505,7 @@
             <a:normAutofit/>
           </a:bodyPr>
           <a:p>
-            <a:endParaRPr b="0" lang="it-IT" sz="2800" spc="-1" strike="noStrike">
-              <a:solidFill>
-                <a:srgbClr val="000000"/>
-              </a:solidFill>
+            <a:endParaRPr b="0" lang="it-IT" sz="3200" spc="-1" strike="noStrike">
               <a:latin typeface="Arial"/>
             </a:endParaRPr>
           </a:p>
@@ -4689,10 +4535,7 @@
             <a:normAutofit/>
           </a:bodyPr>
           <a:p>
-            <a:endParaRPr b="0" lang="it-IT" sz="2800" spc="-1" strike="noStrike">
-              <a:solidFill>
-                <a:srgbClr val="000000"/>
-              </a:solidFill>
+            <a:endParaRPr b="0" lang="it-IT" sz="3200" spc="-1" strike="noStrike">
               <a:latin typeface="Arial"/>
             </a:endParaRPr>
           </a:p>
@@ -4722,10 +4565,7 @@
             <a:normAutofit/>
           </a:bodyPr>
           <a:p>
-            <a:endParaRPr b="0" lang="it-IT" sz="2800" spc="-1" strike="noStrike">
-              <a:solidFill>
-                <a:srgbClr val="000000"/>
-              </a:solidFill>
+            <a:endParaRPr b="0" lang="it-IT" sz="3200" spc="-1" strike="noStrike">
               <a:latin typeface="Arial"/>
             </a:endParaRPr>
           </a:p>
@@ -4755,10 +4595,7 @@
             <a:normAutofit/>
           </a:bodyPr>
           <a:p>
-            <a:endParaRPr b="0" lang="it-IT" sz="2800" spc="-1" strike="noStrike">
-              <a:solidFill>
-                <a:srgbClr val="000000"/>
-              </a:solidFill>
+            <a:endParaRPr b="0" lang="it-IT" sz="3200" spc="-1" strike="noStrike">
               <a:latin typeface="Arial"/>
             </a:endParaRPr>
           </a:p>
@@ -4799,7 +4636,7 @@
         <p:spPr>
           <a:xfrm>
             <a:off x="504000" y="226080"/>
-            <a:ext cx="9071280" cy="946080"/>
+            <a:ext cx="9072000" cy="946440"/>
           </a:xfrm>
           <a:prstGeom prst="rect">
             <a:avLst/>
@@ -4810,10 +4647,8 @@
             <a:noAutofit/>
           </a:bodyPr>
           <a:p>
+            <a:pPr algn="ctr"/>
             <a:endParaRPr b="0" lang="it-IT" sz="4400" spc="-1" strike="noStrike">
-              <a:solidFill>
-                <a:srgbClr val="000000"/>
-              </a:solidFill>
               <a:latin typeface="Arial"/>
             </a:endParaRPr>
           </a:p>
@@ -4843,10 +4678,7 @@
             <a:normAutofit/>
           </a:bodyPr>
           <a:p>
-            <a:endParaRPr b="0" lang="it-IT" sz="2800" spc="-1" strike="noStrike">
-              <a:solidFill>
-                <a:srgbClr val="000000"/>
-              </a:solidFill>
+            <a:endParaRPr b="0" lang="it-IT" sz="3200" spc="-1" strike="noStrike">
               <a:latin typeface="Arial"/>
             </a:endParaRPr>
           </a:p>
@@ -4876,10 +4708,7 @@
             <a:normAutofit/>
           </a:bodyPr>
           <a:p>
-            <a:endParaRPr b="0" lang="it-IT" sz="2800" spc="-1" strike="noStrike">
-              <a:solidFill>
-                <a:srgbClr val="000000"/>
-              </a:solidFill>
+            <a:endParaRPr b="0" lang="it-IT" sz="3200" spc="-1" strike="noStrike">
               <a:latin typeface="Arial"/>
             </a:endParaRPr>
           </a:p>
@@ -4920,7 +4749,7 @@
         <p:spPr>
           <a:xfrm>
             <a:off x="504000" y="226080"/>
-            <a:ext cx="9071280" cy="946080"/>
+            <a:ext cx="9072000" cy="946440"/>
           </a:xfrm>
           <a:prstGeom prst="rect">
             <a:avLst/>
@@ -4931,10 +4760,8 @@
             <a:noAutofit/>
           </a:bodyPr>
           <a:p>
+            <a:pPr algn="ctr"/>
             <a:endParaRPr b="0" lang="it-IT" sz="4400" spc="-1" strike="noStrike">
-              <a:solidFill>
-                <a:srgbClr val="000000"/>
-              </a:solidFill>
               <a:latin typeface="Arial"/>
             </a:endParaRPr>
           </a:p>
@@ -4975,7 +4802,7 @@
         <p:spPr>
           <a:xfrm>
             <a:off x="504000" y="226080"/>
-            <a:ext cx="9071280" cy="4386600"/>
+            <a:ext cx="9072000" cy="4388400"/>
           </a:xfrm>
           <a:prstGeom prst="rect">
             <a:avLst/>
@@ -5028,7 +4855,7 @@
         <p:spPr>
           <a:xfrm>
             <a:off x="504000" y="226080"/>
-            <a:ext cx="9071280" cy="946080"/>
+            <a:ext cx="9072000" cy="946440"/>
           </a:xfrm>
           <a:prstGeom prst="rect">
             <a:avLst/>
@@ -5039,10 +4866,8 @@
             <a:noAutofit/>
           </a:bodyPr>
           <a:p>
+            <a:pPr algn="ctr"/>
             <a:endParaRPr b="0" lang="it-IT" sz="4400" spc="-1" strike="noStrike">
-              <a:solidFill>
-                <a:srgbClr val="000000"/>
-              </a:solidFill>
               <a:latin typeface="Arial"/>
             </a:endParaRPr>
           </a:p>
@@ -5072,10 +4897,7 @@
             <a:normAutofit/>
           </a:bodyPr>
           <a:p>
-            <a:endParaRPr b="0" lang="it-IT" sz="2800" spc="-1" strike="noStrike">
-              <a:solidFill>
-                <a:srgbClr val="000000"/>
-              </a:solidFill>
+            <a:endParaRPr b="0" lang="it-IT" sz="3200" spc="-1" strike="noStrike">
               <a:latin typeface="Arial"/>
             </a:endParaRPr>
           </a:p>
@@ -5105,10 +4927,7 @@
             <a:normAutofit/>
           </a:bodyPr>
           <a:p>
-            <a:endParaRPr b="0" lang="it-IT" sz="2800" spc="-1" strike="noStrike">
-              <a:solidFill>
-                <a:srgbClr val="000000"/>
-              </a:solidFill>
+            <a:endParaRPr b="0" lang="it-IT" sz="3200" spc="-1" strike="noStrike">
               <a:latin typeface="Arial"/>
             </a:endParaRPr>
           </a:p>
@@ -5138,10 +4957,7 @@
             <a:normAutofit/>
           </a:bodyPr>
           <a:p>
-            <a:endParaRPr b="0" lang="it-IT" sz="2800" spc="-1" strike="noStrike">
-              <a:solidFill>
-                <a:srgbClr val="000000"/>
-              </a:solidFill>
+            <a:endParaRPr b="0" lang="it-IT" sz="3200" spc="-1" strike="noStrike">
               <a:latin typeface="Arial"/>
             </a:endParaRPr>
           </a:p>
@@ -5182,7 +4998,7 @@
         <p:spPr>
           <a:xfrm>
             <a:off x="504000" y="226080"/>
-            <a:ext cx="9071280" cy="946080"/>
+            <a:ext cx="9072000" cy="946440"/>
           </a:xfrm>
           <a:prstGeom prst="rect">
             <a:avLst/>
@@ -5193,10 +5009,8 @@
             <a:noAutofit/>
           </a:bodyPr>
           <a:p>
+            <a:pPr algn="ctr"/>
             <a:endParaRPr b="0" lang="it-IT" sz="4400" spc="-1" strike="noStrike">
-              <a:solidFill>
-                <a:srgbClr val="000000"/>
-              </a:solidFill>
               <a:latin typeface="Arial"/>
             </a:endParaRPr>
           </a:p>
@@ -5226,10 +5040,7 @@
             <a:normAutofit/>
           </a:bodyPr>
           <a:p>
-            <a:endParaRPr b="0" lang="it-IT" sz="2800" spc="-1" strike="noStrike">
-              <a:solidFill>
-                <a:srgbClr val="000000"/>
-              </a:solidFill>
+            <a:endParaRPr b="0" lang="it-IT" sz="3200" spc="-1" strike="noStrike">
               <a:latin typeface="Arial"/>
             </a:endParaRPr>
           </a:p>
@@ -5259,10 +5070,7 @@
             <a:normAutofit/>
           </a:bodyPr>
           <a:p>
-            <a:endParaRPr b="0" lang="it-IT" sz="2800" spc="-1" strike="noStrike">
-              <a:solidFill>
-                <a:srgbClr val="000000"/>
-              </a:solidFill>
+            <a:endParaRPr b="0" lang="it-IT" sz="3200" spc="-1" strike="noStrike">
               <a:latin typeface="Arial"/>
             </a:endParaRPr>
           </a:p>
@@ -5292,10 +5100,7 @@
             <a:normAutofit/>
           </a:bodyPr>
           <a:p>
-            <a:endParaRPr b="0" lang="it-IT" sz="2800" spc="-1" strike="noStrike">
-              <a:solidFill>
-                <a:srgbClr val="000000"/>
-              </a:solidFill>
+            <a:endParaRPr b="0" lang="it-IT" sz="3200" spc="-1" strike="noStrike">
               <a:latin typeface="Arial"/>
             </a:endParaRPr>
           </a:p>
@@ -5336,7 +5141,7 @@
         <p:spPr>
           <a:xfrm>
             <a:off x="504000" y="226080"/>
-            <a:ext cx="9071280" cy="946080"/>
+            <a:ext cx="9072000" cy="946440"/>
           </a:xfrm>
           <a:prstGeom prst="rect">
             <a:avLst/>
@@ -5347,10 +5152,8 @@
             <a:noAutofit/>
           </a:bodyPr>
           <a:p>
+            <a:pPr algn="ctr"/>
             <a:endParaRPr b="0" lang="it-IT" sz="4400" spc="-1" strike="noStrike">
-              <a:solidFill>
-                <a:srgbClr val="000000"/>
-              </a:solidFill>
               <a:latin typeface="Arial"/>
             </a:endParaRPr>
           </a:p>
@@ -5380,10 +5183,7 @@
             <a:normAutofit/>
           </a:bodyPr>
           <a:p>
-            <a:endParaRPr b="0" lang="it-IT" sz="2800" spc="-1" strike="noStrike">
-              <a:solidFill>
-                <a:srgbClr val="000000"/>
-              </a:solidFill>
+            <a:endParaRPr b="0" lang="it-IT" sz="3200" spc="-1" strike="noStrike">
               <a:latin typeface="Arial"/>
             </a:endParaRPr>
           </a:p>
@@ -5413,10 +5213,7 @@
             <a:normAutofit/>
           </a:bodyPr>
           <a:p>
-            <a:endParaRPr b="0" lang="it-IT" sz="2800" spc="-1" strike="noStrike">
-              <a:solidFill>
-                <a:srgbClr val="000000"/>
-              </a:solidFill>
+            <a:endParaRPr b="0" lang="it-IT" sz="3200" spc="-1" strike="noStrike">
               <a:latin typeface="Arial"/>
             </a:endParaRPr>
           </a:p>
@@ -5446,10 +5243,7 @@
             <a:normAutofit/>
           </a:bodyPr>
           <a:p>
-            <a:endParaRPr b="0" lang="it-IT" sz="2800" spc="-1" strike="noStrike">
-              <a:solidFill>
-                <a:srgbClr val="000000"/>
-              </a:solidFill>
+            <a:endParaRPr b="0" lang="it-IT" sz="3200" spc="-1" strike="noStrike">
               <a:latin typeface="Arial"/>
             </a:endParaRPr>
           </a:p>
@@ -5497,7 +5291,7 @@
         <p:spPr>
           <a:xfrm>
             <a:off x="504000" y="226080"/>
-            <a:ext cx="9071280" cy="946080"/>
+            <a:ext cx="9072000" cy="946440"/>
           </a:xfrm>
           <a:prstGeom prst="rect">
             <a:avLst/>
@@ -5508,19 +5302,14 @@
             <a:noAutofit/>
           </a:bodyPr>
           <a:p>
+            <a:pPr algn="ctr"/>
             <a:r>
               <a:rPr b="0" lang="it-IT" sz="4400" spc="-1" strike="noStrike">
-                <a:solidFill>
-                  <a:srgbClr val="000000"/>
-                </a:solidFill>
                 <a:latin typeface="Arial"/>
               </a:rPr>
               <a:t>Click to edit the title text format</a:t>
             </a:r>
             <a:endParaRPr b="0" lang="it-IT" sz="4400" spc="-1" strike="noStrike">
-              <a:solidFill>
-                <a:srgbClr val="000000"/>
-              </a:solidFill>
               <a:latin typeface="Arial"/>
             </a:endParaRPr>
           </a:p>
@@ -5562,18 +5351,12 @@
               <a:buChar char=""/>
             </a:pPr>
             <a:r>
-              <a:rPr b="0" lang="it-IT" sz="2800" spc="-1" strike="noStrike">
-                <a:solidFill>
-                  <a:srgbClr val="000000"/>
-                </a:solidFill>
+              <a:rPr b="0" lang="it-IT" sz="3200" spc="-1" strike="noStrike">
                 <a:latin typeface="Arial"/>
               </a:rPr>
               <a:t>Click to edit the outline text format</a:t>
             </a:r>
-            <a:endParaRPr b="0" lang="it-IT" sz="2800" spc="-1" strike="noStrike">
-              <a:solidFill>
-                <a:srgbClr val="000000"/>
-              </a:solidFill>
+            <a:endParaRPr b="0" lang="it-IT" sz="3200" spc="-1" strike="noStrike">
               <a:latin typeface="Arial"/>
             </a:endParaRPr>
           </a:p>
@@ -5590,18 +5373,12 @@
               <a:buChar char=""/>
             </a:pPr>
             <a:r>
-              <a:rPr b="0" lang="it-IT" sz="2000" spc="-1" strike="noStrike">
-                <a:solidFill>
-                  <a:srgbClr val="000000"/>
-                </a:solidFill>
+              <a:rPr b="0" lang="it-IT" sz="2800" spc="-1" strike="noStrike">
                 <a:latin typeface="Arial"/>
               </a:rPr>
               <a:t>Second Outline Level</a:t>
             </a:r>
-            <a:endParaRPr b="0" lang="it-IT" sz="2000" spc="-1" strike="noStrike">
-              <a:solidFill>
-                <a:srgbClr val="000000"/>
-              </a:solidFill>
+            <a:endParaRPr b="0" lang="it-IT" sz="2800" spc="-1" strike="noStrike">
               <a:latin typeface="Arial"/>
             </a:endParaRPr>
           </a:p>
@@ -5618,18 +5395,12 @@
               <a:buChar char=""/>
             </a:pPr>
             <a:r>
-              <a:rPr b="0" lang="it-IT" sz="1800" spc="-1" strike="noStrike">
-                <a:solidFill>
-                  <a:srgbClr val="000000"/>
-                </a:solidFill>
+              <a:rPr b="0" lang="it-IT" sz="2400" spc="-1" strike="noStrike">
                 <a:latin typeface="Arial"/>
               </a:rPr>
               <a:t>Third Outline Level</a:t>
             </a:r>
-            <a:endParaRPr b="0" lang="it-IT" sz="1800" spc="-1" strike="noStrike">
-              <a:solidFill>
-                <a:srgbClr val="000000"/>
-              </a:solidFill>
+            <a:endParaRPr b="0" lang="it-IT" sz="2400" spc="-1" strike="noStrike">
               <a:latin typeface="Arial"/>
             </a:endParaRPr>
           </a:p>
@@ -5646,18 +5417,12 @@
               <a:buChar char=""/>
             </a:pPr>
             <a:r>
-              <a:rPr b="0" lang="it-IT" sz="1800" spc="-1" strike="noStrike">
-                <a:solidFill>
-                  <a:srgbClr val="000000"/>
-                </a:solidFill>
+              <a:rPr b="0" lang="it-IT" sz="2000" spc="-1" strike="noStrike">
                 <a:latin typeface="Arial"/>
               </a:rPr>
               <a:t>Fourth Outline Level</a:t>
             </a:r>
-            <a:endParaRPr b="0" lang="it-IT" sz="1800" spc="-1" strike="noStrike">
-              <a:solidFill>
-                <a:srgbClr val="000000"/>
-              </a:solidFill>
+            <a:endParaRPr b="0" lang="it-IT" sz="2000" spc="-1" strike="noStrike">
               <a:latin typeface="Arial"/>
             </a:endParaRPr>
           </a:p>
@@ -5675,17 +5440,11 @@
             </a:pPr>
             <a:r>
               <a:rPr b="0" lang="it-IT" sz="2000" spc="-1" strike="noStrike">
-                <a:solidFill>
-                  <a:srgbClr val="000000"/>
-                </a:solidFill>
                 <a:latin typeface="Arial"/>
               </a:rPr>
               <a:t>Fifth Outline Level</a:t>
             </a:r>
             <a:endParaRPr b="0" lang="it-IT" sz="2000" spc="-1" strike="noStrike">
-              <a:solidFill>
-                <a:srgbClr val="000000"/>
-              </a:solidFill>
               <a:latin typeface="Arial"/>
             </a:endParaRPr>
           </a:p>
@@ -5703,17 +5462,11 @@
             </a:pPr>
             <a:r>
               <a:rPr b="0" lang="it-IT" sz="2000" spc="-1" strike="noStrike">
-                <a:solidFill>
-                  <a:srgbClr val="000000"/>
-                </a:solidFill>
                 <a:latin typeface="Arial"/>
               </a:rPr>
               <a:t>Sixth Outline Level</a:t>
             </a:r>
             <a:endParaRPr b="0" lang="it-IT" sz="2000" spc="-1" strike="noStrike">
-              <a:solidFill>
-                <a:srgbClr val="000000"/>
-              </a:solidFill>
               <a:latin typeface="Arial"/>
             </a:endParaRPr>
           </a:p>
@@ -5731,17 +5484,11 @@
             </a:pPr>
             <a:r>
               <a:rPr b="0" lang="it-IT" sz="2000" spc="-1" strike="noStrike">
-                <a:solidFill>
-                  <a:srgbClr val="000000"/>
-                </a:solidFill>
                 <a:latin typeface="Arial"/>
               </a:rPr>
               <a:t>Seventh Outline Level</a:t>
             </a:r>
             <a:endParaRPr b="0" lang="it-IT" sz="2000" spc="-1" strike="noStrike">
-              <a:solidFill>
-                <a:srgbClr val="000000"/>
-              </a:solidFill>
               <a:latin typeface="Arial"/>
             </a:endParaRPr>
           </a:p>
@@ -5804,7 +5551,7 @@
         <p:spPr>
           <a:xfrm>
             <a:off x="504000" y="226080"/>
-            <a:ext cx="9071280" cy="946080"/>
+            <a:ext cx="9072000" cy="946440"/>
           </a:xfrm>
           <a:prstGeom prst="rect">
             <a:avLst/>
@@ -5815,19 +5562,14 @@
             <a:noAutofit/>
           </a:bodyPr>
           <a:p>
+            <a:pPr algn="ctr"/>
             <a:r>
               <a:rPr b="0" lang="it-IT" sz="4400" spc="-1" strike="noStrike">
-                <a:solidFill>
-                  <a:srgbClr val="000000"/>
-                </a:solidFill>
                 <a:latin typeface="Arial"/>
               </a:rPr>
               <a:t>Click to edit the title text format</a:t>
             </a:r>
             <a:endParaRPr b="0" lang="it-IT" sz="4400" spc="-1" strike="noStrike">
-              <a:solidFill>
-                <a:srgbClr val="000000"/>
-              </a:solidFill>
               <a:latin typeface="Arial"/>
             </a:endParaRPr>
           </a:p>
@@ -5846,7 +5588,7 @@
         <p:spPr>
           <a:xfrm>
             <a:off x="504000" y="1326600"/>
-            <a:ext cx="9071280" cy="3287880"/>
+            <a:ext cx="9072000" cy="3288600"/>
           </a:xfrm>
           <a:prstGeom prst="rect">
             <a:avLst/>
@@ -5869,18 +5611,12 @@
               <a:buChar char=""/>
             </a:pPr>
             <a:r>
-              <a:rPr b="0" lang="it-IT" sz="2800" spc="-1" strike="noStrike">
-                <a:solidFill>
-                  <a:srgbClr val="000000"/>
-                </a:solidFill>
+              <a:rPr b="0" lang="it-IT" sz="3200" spc="-1" strike="noStrike">
                 <a:latin typeface="Arial"/>
               </a:rPr>
               <a:t>Click to edit the outline text format</a:t>
             </a:r>
-            <a:endParaRPr b="0" lang="it-IT" sz="2800" spc="-1" strike="noStrike">
-              <a:solidFill>
-                <a:srgbClr val="000000"/>
-              </a:solidFill>
+            <a:endParaRPr b="0" lang="it-IT" sz="3200" spc="-1" strike="noStrike">
               <a:latin typeface="Arial"/>
             </a:endParaRPr>
           </a:p>
@@ -5898,17 +5634,11 @@
             </a:pPr>
             <a:r>
               <a:rPr b="0" lang="it-IT" sz="2800" spc="-1" strike="noStrike">
-                <a:solidFill>
-                  <a:srgbClr val="000000"/>
-                </a:solidFill>
                 <a:latin typeface="Arial"/>
               </a:rPr>
               <a:t>Second Outline Level</a:t>
             </a:r>
             <a:endParaRPr b="0" lang="it-IT" sz="2800" spc="-1" strike="noStrike">
-              <a:solidFill>
-                <a:srgbClr val="000000"/>
-              </a:solidFill>
               <a:latin typeface="Arial"/>
             </a:endParaRPr>
           </a:p>
@@ -5925,18 +5655,12 @@
               <a:buChar char=""/>
             </a:pPr>
             <a:r>
-              <a:rPr b="0" lang="it-IT" sz="2800" spc="-1" strike="noStrike">
-                <a:solidFill>
-                  <a:srgbClr val="000000"/>
-                </a:solidFill>
+              <a:rPr b="0" lang="it-IT" sz="2400" spc="-1" strike="noStrike">
                 <a:latin typeface="Arial"/>
               </a:rPr>
               <a:t>Third Outline Level</a:t>
             </a:r>
-            <a:endParaRPr b="0" lang="it-IT" sz="2800" spc="-1" strike="noStrike">
-              <a:solidFill>
-                <a:srgbClr val="000000"/>
-              </a:solidFill>
+            <a:endParaRPr b="0" lang="it-IT" sz="2400" spc="-1" strike="noStrike">
               <a:latin typeface="Arial"/>
             </a:endParaRPr>
           </a:p>
@@ -5953,18 +5677,12 @@
               <a:buChar char=""/>
             </a:pPr>
             <a:r>
-              <a:rPr b="0" lang="it-IT" sz="2800" spc="-1" strike="noStrike">
-                <a:solidFill>
-                  <a:srgbClr val="000000"/>
-                </a:solidFill>
+              <a:rPr b="0" lang="it-IT" sz="2000" spc="-1" strike="noStrike">
                 <a:latin typeface="Arial"/>
               </a:rPr>
               <a:t>Fourth Outline Level</a:t>
             </a:r>
-            <a:endParaRPr b="0" lang="it-IT" sz="2800" spc="-1" strike="noStrike">
-              <a:solidFill>
-                <a:srgbClr val="000000"/>
-              </a:solidFill>
+            <a:endParaRPr b="0" lang="it-IT" sz="2000" spc="-1" strike="noStrike">
               <a:latin typeface="Arial"/>
             </a:endParaRPr>
           </a:p>
@@ -5981,18 +5699,12 @@
               <a:buChar char=""/>
             </a:pPr>
             <a:r>
-              <a:rPr b="0" lang="it-IT" sz="2800" spc="-1" strike="noStrike">
-                <a:solidFill>
-                  <a:srgbClr val="000000"/>
-                </a:solidFill>
+              <a:rPr b="0" lang="it-IT" sz="2000" spc="-1" strike="noStrike">
                 <a:latin typeface="Arial"/>
               </a:rPr>
               <a:t>Fifth Outline Level</a:t>
             </a:r>
-            <a:endParaRPr b="0" lang="it-IT" sz="2800" spc="-1" strike="noStrike">
-              <a:solidFill>
-                <a:srgbClr val="000000"/>
-              </a:solidFill>
+            <a:endParaRPr b="0" lang="it-IT" sz="2000" spc="-1" strike="noStrike">
               <a:latin typeface="Arial"/>
             </a:endParaRPr>
           </a:p>
@@ -6009,18 +5721,12 @@
               <a:buChar char=""/>
             </a:pPr>
             <a:r>
-              <a:rPr b="0" lang="it-IT" sz="2800" spc="-1" strike="noStrike">
-                <a:solidFill>
-                  <a:srgbClr val="000000"/>
-                </a:solidFill>
+              <a:rPr b="0" lang="it-IT" sz="2000" spc="-1" strike="noStrike">
                 <a:latin typeface="Arial"/>
               </a:rPr>
               <a:t>Sixth Outline Level</a:t>
             </a:r>
-            <a:endParaRPr b="0" lang="it-IT" sz="2800" spc="-1" strike="noStrike">
-              <a:solidFill>
-                <a:srgbClr val="000000"/>
-              </a:solidFill>
+            <a:endParaRPr b="0" lang="it-IT" sz="2000" spc="-1" strike="noStrike">
               <a:latin typeface="Arial"/>
             </a:endParaRPr>
           </a:p>
@@ -6037,18 +5743,12 @@
               <a:buChar char=""/>
             </a:pPr>
             <a:r>
-              <a:rPr b="0" lang="it-IT" sz="2800" spc="-1" strike="noStrike">
-                <a:solidFill>
-                  <a:srgbClr val="000000"/>
-                </a:solidFill>
+              <a:rPr b="0" lang="it-IT" sz="2000" spc="-1" strike="noStrike">
                 <a:latin typeface="Arial"/>
               </a:rPr>
               <a:t>Seventh Outline Level</a:t>
             </a:r>
-            <a:endParaRPr b="0" lang="it-IT" sz="2800" spc="-1" strike="noStrike">
-              <a:solidFill>
-                <a:srgbClr val="000000"/>
-              </a:solidFill>
+            <a:endParaRPr b="0" lang="it-IT" sz="2000" spc="-1" strike="noStrike">
               <a:latin typeface="Arial"/>
             </a:endParaRPr>
           </a:p>
@@ -6111,7 +5811,7 @@
         <p:spPr>
           <a:xfrm>
             <a:off x="504000" y="226080"/>
-            <a:ext cx="9071280" cy="946080"/>
+            <a:ext cx="9070560" cy="945360"/>
           </a:xfrm>
           <a:prstGeom prst="rect">
             <a:avLst/>
@@ -6123,18 +5823,12 @@
           </a:bodyPr>
           <a:p>
             <a:r>
-              <a:rPr b="0" lang="it-IT" sz="4400" spc="-1" strike="noStrike">
-                <a:solidFill>
-                  <a:srgbClr val="000000"/>
-                </a:solidFill>
+              <a:rPr b="0" lang="it-IT" sz="1800" spc="-1" strike="noStrike">
                 <a:latin typeface="Arial"/>
               </a:rPr>
               <a:t>Click to edit the title text format</a:t>
             </a:r>
-            <a:endParaRPr b="0" lang="it-IT" sz="4400" spc="-1" strike="noStrike">
-              <a:solidFill>
-                <a:srgbClr val="000000"/>
-              </a:solidFill>
+            <a:endParaRPr b="0" lang="it-IT" sz="1800" spc="-1" strike="noStrike">
               <a:latin typeface="Arial"/>
             </a:endParaRPr>
           </a:p>
@@ -6176,18 +5870,12 @@
               <a:buChar char=""/>
             </a:pPr>
             <a:r>
-              <a:rPr b="0" lang="it-IT" sz="2800" spc="-1" strike="noStrike">
-                <a:solidFill>
-                  <a:srgbClr val="000000"/>
-                </a:solidFill>
+              <a:rPr b="0" lang="it-IT" sz="3200" spc="-1" strike="noStrike">
                 <a:latin typeface="Arial"/>
               </a:rPr>
               <a:t>Click to edit the outline text format</a:t>
             </a:r>
-            <a:endParaRPr b="0" lang="it-IT" sz="2800" spc="-1" strike="noStrike">
-              <a:solidFill>
-                <a:srgbClr val="000000"/>
-              </a:solidFill>
+            <a:endParaRPr b="0" lang="it-IT" sz="3200" spc="-1" strike="noStrike">
               <a:latin typeface="Arial"/>
             </a:endParaRPr>
           </a:p>
@@ -6204,18 +5892,12 @@
               <a:buChar char=""/>
             </a:pPr>
             <a:r>
-              <a:rPr b="0" lang="it-IT" sz="2000" spc="-1" strike="noStrike">
-                <a:solidFill>
-                  <a:srgbClr val="000000"/>
-                </a:solidFill>
+              <a:rPr b="0" lang="it-IT" sz="2800" spc="-1" strike="noStrike">
                 <a:latin typeface="Arial"/>
               </a:rPr>
               <a:t>Second Outline Level</a:t>
             </a:r>
-            <a:endParaRPr b="0" lang="it-IT" sz="2000" spc="-1" strike="noStrike">
-              <a:solidFill>
-                <a:srgbClr val="000000"/>
-              </a:solidFill>
+            <a:endParaRPr b="0" lang="it-IT" sz="2800" spc="-1" strike="noStrike">
               <a:latin typeface="Arial"/>
             </a:endParaRPr>
           </a:p>
@@ -6232,18 +5914,12 @@
               <a:buChar char=""/>
             </a:pPr>
             <a:r>
-              <a:rPr b="0" lang="it-IT" sz="1800" spc="-1" strike="noStrike">
-                <a:solidFill>
-                  <a:srgbClr val="000000"/>
-                </a:solidFill>
+              <a:rPr b="0" lang="it-IT" sz="2400" spc="-1" strike="noStrike">
                 <a:latin typeface="Arial"/>
               </a:rPr>
               <a:t>Third Outline Level</a:t>
             </a:r>
-            <a:endParaRPr b="0" lang="it-IT" sz="1800" spc="-1" strike="noStrike">
-              <a:solidFill>
-                <a:srgbClr val="000000"/>
-              </a:solidFill>
+            <a:endParaRPr b="0" lang="it-IT" sz="2400" spc="-1" strike="noStrike">
               <a:latin typeface="Arial"/>
             </a:endParaRPr>
           </a:p>
@@ -6260,18 +5936,12 @@
               <a:buChar char=""/>
             </a:pPr>
             <a:r>
-              <a:rPr b="0" lang="it-IT" sz="1800" spc="-1" strike="noStrike">
-                <a:solidFill>
-                  <a:srgbClr val="000000"/>
-                </a:solidFill>
+              <a:rPr b="0" lang="it-IT" sz="2000" spc="-1" strike="noStrike">
                 <a:latin typeface="Arial"/>
               </a:rPr>
               <a:t>Fourth Outline Level</a:t>
             </a:r>
-            <a:endParaRPr b="0" lang="it-IT" sz="1800" spc="-1" strike="noStrike">
-              <a:solidFill>
-                <a:srgbClr val="000000"/>
-              </a:solidFill>
+            <a:endParaRPr b="0" lang="it-IT" sz="2000" spc="-1" strike="noStrike">
               <a:latin typeface="Arial"/>
             </a:endParaRPr>
           </a:p>
@@ -6289,17 +5959,11 @@
             </a:pPr>
             <a:r>
               <a:rPr b="0" lang="it-IT" sz="2000" spc="-1" strike="noStrike">
-                <a:solidFill>
-                  <a:srgbClr val="000000"/>
-                </a:solidFill>
                 <a:latin typeface="Arial"/>
               </a:rPr>
               <a:t>Fifth Outline Level</a:t>
             </a:r>
             <a:endParaRPr b="0" lang="it-IT" sz="2000" spc="-1" strike="noStrike">
-              <a:solidFill>
-                <a:srgbClr val="000000"/>
-              </a:solidFill>
               <a:latin typeface="Arial"/>
             </a:endParaRPr>
           </a:p>
@@ -6317,17 +5981,11 @@
             </a:pPr>
             <a:r>
               <a:rPr b="0" lang="it-IT" sz="2000" spc="-1" strike="noStrike">
-                <a:solidFill>
-                  <a:srgbClr val="000000"/>
-                </a:solidFill>
                 <a:latin typeface="Arial"/>
               </a:rPr>
               <a:t>Sixth Outline Level</a:t>
             </a:r>
             <a:endParaRPr b="0" lang="it-IT" sz="2000" spc="-1" strike="noStrike">
-              <a:solidFill>
-                <a:srgbClr val="000000"/>
-              </a:solidFill>
               <a:latin typeface="Arial"/>
             </a:endParaRPr>
           </a:p>
@@ -6345,17 +6003,11 @@
             </a:pPr>
             <a:r>
               <a:rPr b="0" lang="it-IT" sz="2000" spc="-1" strike="noStrike">
-                <a:solidFill>
-                  <a:srgbClr val="000000"/>
-                </a:solidFill>
                 <a:latin typeface="Arial"/>
               </a:rPr>
               <a:t>Seventh Outline Level</a:t>
             </a:r>
             <a:endParaRPr b="0" lang="it-IT" sz="2000" spc="-1" strike="noStrike">
-              <a:solidFill>
-                <a:srgbClr val="000000"/>
-              </a:solidFill>
               <a:latin typeface="Arial"/>
             </a:endParaRPr>
           </a:p>
@@ -6411,7 +6063,7 @@
         <p:spPr>
           <a:xfrm>
             <a:off x="532080" y="595440"/>
-            <a:ext cx="3152160" cy="2933280"/>
+            <a:ext cx="3151440" cy="2932560"/>
           </a:xfrm>
           <a:prstGeom prst="rect">
             <a:avLst/>
@@ -6430,7 +6082,7 @@
         <p:spPr>
           <a:xfrm>
             <a:off x="6811920" y="3688560"/>
-            <a:ext cx="2629800" cy="429840"/>
+            <a:ext cx="2629080" cy="429120"/>
           </a:xfrm>
           <a:prstGeom prst="rect">
             <a:avLst/>
@@ -6481,7 +6133,7 @@
         <p:spPr>
           <a:xfrm>
             <a:off x="3060000" y="540000"/>
-            <a:ext cx="6479640" cy="2519640"/>
+            <a:ext cx="6478920" cy="2518920"/>
           </a:xfrm>
           <a:prstGeom prst="rect">
             <a:avLst/>
@@ -6543,7 +6195,7 @@
         <p:spPr>
           <a:xfrm>
             <a:off x="4043520" y="3688560"/>
-            <a:ext cx="2341080" cy="429840"/>
+            <a:ext cx="2340360" cy="429120"/>
           </a:xfrm>
           <a:prstGeom prst="rect">
             <a:avLst/>
@@ -6594,7 +6246,7 @@
         <p:spPr>
           <a:xfrm>
             <a:off x="635760" y="3688560"/>
-            <a:ext cx="2746800" cy="429840"/>
+            <a:ext cx="2746080" cy="429120"/>
           </a:xfrm>
           <a:prstGeom prst="rect">
             <a:avLst/>
@@ -6645,7 +6297,7 @@
         <p:spPr>
           <a:xfrm>
             <a:off x="495000" y="4875120"/>
-            <a:ext cx="2742840" cy="366120"/>
+            <a:ext cx="2742120" cy="364320"/>
           </a:xfrm>
           <a:prstGeom prst="rect">
             <a:avLst/>
@@ -6662,7 +6314,7 @@
           <a:fontRef idx="minor"/>
         </p:style>
         <p:txBody>
-          <a:bodyPr>
+          <a:bodyPr lIns="90000" rIns="90000" tIns="45000" bIns="45000">
             <a:spAutoFit/>
           </a:bodyPr>
           <a:p>
@@ -6717,16 +6369,39 @@
           <a:chExt cx="0" cy="0"/>
         </a:xfrm>
       </p:grpSpPr>
-      <p:sp>
-        <p:nvSpPr>
-          <p:cNvPr id="167" name="TextShape 1"/>
-          <p:cNvSpPr txBox="1"/>
+      <p:pic>
+        <p:nvPicPr>
+          <p:cNvPr id="167" name="" descr=""/>
+          <p:cNvPicPr/>
           <p:nvPr/>
-        </p:nvSpPr>
-        <p:spPr>
-          <a:xfrm>
-            <a:off x="504000" y="226080"/>
-            <a:ext cx="9071280" cy="719280"/>
+        </p:nvPicPr>
+        <p:blipFill>
+          <a:blip r:embed="rId1"/>
+          <a:stretch/>
+        </p:blipFill>
+        <p:spPr>
+          <a:xfrm rot="21595200">
+            <a:off x="362520" y="726480"/>
+            <a:ext cx="9439200" cy="3766680"/>
+          </a:xfrm>
+          <a:prstGeom prst="rect">
+            <a:avLst/>
+          </a:prstGeom>
+          <a:ln w="0">
+            <a:noFill/>
+          </a:ln>
+        </p:spPr>
+      </p:pic>
+      <p:sp>
+        <p:nvSpPr>
+          <p:cNvPr id="168" name="CustomShape 1"/>
+          <p:cNvSpPr/>
+          <p:nvPr/>
+        </p:nvSpPr>
+        <p:spPr>
+          <a:xfrm>
+            <a:off x="471600" y="5116680"/>
+            <a:ext cx="9498960" cy="227160"/>
           </a:xfrm>
           <a:prstGeom prst="rect">
             <a:avLst/>
@@ -6736,184 +6411,141 @@
             <a:noFill/>
           </a:ln>
         </p:spPr>
-        <p:txBody>
-          <a:bodyPr lIns="0" rIns="0" tIns="0" bIns="0" anchor="ctr">
-            <a:noAutofit/>
-          </a:bodyPr>
-          <a:p>
-            <a:pPr algn="ctr">
+        <p:style>
+          <a:lnRef idx="0"/>
+          <a:fillRef idx="0"/>
+          <a:effectRef idx="0"/>
+          <a:fontRef idx="minor"/>
+        </p:style>
+        <p:txBody>
+          <a:bodyPr lIns="90000" rIns="90000" tIns="45000" bIns="45000">
+            <a:spAutoFit/>
+          </a:bodyPr>
+          <a:p>
+            <a:pPr>
               <a:lnSpc>
-                <a:spcPct val="90000"/>
+                <a:spcPct val="100000"/>
               </a:lnSpc>
             </a:pPr>
             <a:r>
-              <a:rPr b="0" lang="it-IT" sz="4400" spc="-1" strike="noStrike">
-                <a:solidFill>
-                  <a:srgbClr val="000000"/>
-                </a:solidFill>
-                <a:latin typeface="Arial"/>
-                <a:ea typeface="DejaVu Sans"/>
-              </a:rPr>
-              <a:t>Existing mitigations for old attacks</a:t>
-            </a:r>
-            <a:endParaRPr b="0" lang="it-IT" sz="4400" spc="-1" strike="noStrike">
-              <a:solidFill>
-                <a:srgbClr val="000000"/>
-              </a:solidFill>
-              <a:latin typeface="Arial"/>
-            </a:endParaRPr>
-          </a:p>
-        </p:txBody>
-      </p:sp>
-      <p:sp>
-        <p:nvSpPr>
-          <p:cNvPr id="168" name="TextShape 2"/>
-          <p:cNvSpPr txBox="1"/>
-          <p:nvPr/>
-        </p:nvSpPr>
-        <p:spPr>
-          <a:xfrm>
-            <a:off x="504000" y="1109880"/>
-            <a:ext cx="9071280" cy="3871440"/>
-          </a:xfrm>
-          <a:prstGeom prst="rect">
-            <a:avLst/>
-          </a:prstGeom>
-          <a:noFill/>
-          <a:ln w="0">
-            <a:noFill/>
-          </a:ln>
-        </p:spPr>
-        <p:txBody>
-          <a:bodyPr lIns="0" rIns="0" tIns="0" bIns="0" anchor="ctr">
-            <a:noAutofit/>
-          </a:bodyPr>
-          <a:p>
-            <a:pPr>
-              <a:lnSpc>
-                <a:spcPct val="200000"/>
-              </a:lnSpc>
-              <a:spcBef>
-                <a:spcPts val="1001"/>
-              </a:spcBef>
-              <a:tabLst>
-                <a:tab algn="l" pos="0"/>
-              </a:tabLst>
-            </a:pPr>
-            <a:r>
-              <a:rPr b="0" lang="it-IT" sz="2400" spc="-1" strike="noStrike">
-                <a:solidFill>
-                  <a:srgbClr val="000000"/>
-                </a:solidFill>
-                <a:latin typeface="Arial"/>
-                <a:ea typeface="DejaVu Sans"/>
-              </a:rPr>
-              <a:t>Older speculative execution attacks have been mitigated in 3 ways:</a:t>
-            </a:r>
-            <a:endParaRPr b="0" lang="it-IT" sz="2400" spc="-1" strike="noStrike">
-              <a:latin typeface="Arial"/>
-            </a:endParaRPr>
-          </a:p>
-          <a:p>
-            <a:pPr marL="457200" indent="-456840">
-              <a:lnSpc>
-                <a:spcPct val="200000"/>
-              </a:lnSpc>
-              <a:spcBef>
-                <a:spcPts val="1001"/>
-              </a:spcBef>
-              <a:buClr>
-                <a:srgbClr val="000000"/>
-              </a:buClr>
-              <a:buFont typeface="Arial"/>
-              <a:buAutoNum type="arabicPeriod"/>
-              <a:tabLst>
-                <a:tab algn="l" pos="0"/>
-              </a:tabLst>
-            </a:pPr>
-            <a:r>
-              <a:rPr b="0" lang="it-IT" sz="2400" spc="-1" strike="noStrike">
-                <a:solidFill>
-                  <a:srgbClr val="000000"/>
-                </a:solidFill>
-                <a:latin typeface="Arial"/>
-                <a:ea typeface="DejaVu Sans"/>
-              </a:rPr>
-              <a:t>Inhibit the trigger of the speculation (</a:t>
-            </a:r>
-            <a:r>
-              <a:rPr b="0" lang="en-US" sz="2400" spc="-1" strike="noStrike">
-                <a:solidFill>
-                  <a:srgbClr val="000000"/>
-                </a:solidFill>
-                <a:latin typeface="Arial"/>
-                <a:ea typeface="DejaVu Sans"/>
-              </a:rPr>
-              <a:t>µ-code updates)</a:t>
-            </a:r>
-            <a:endParaRPr b="0" lang="it-IT" sz="2400" spc="-1" strike="noStrike">
-              <a:latin typeface="Arial"/>
-            </a:endParaRPr>
-          </a:p>
-          <a:p>
-            <a:pPr marL="457200" indent="-456840">
-              <a:lnSpc>
-                <a:spcPct val="200000"/>
-              </a:lnSpc>
-              <a:spcBef>
-                <a:spcPts val="1001"/>
-              </a:spcBef>
-              <a:buClr>
-                <a:srgbClr val="000000"/>
-              </a:buClr>
-              <a:buFont typeface="Arial"/>
-              <a:buAutoNum type="arabicPeriod"/>
-              <a:tabLst>
-                <a:tab algn="l" pos="0"/>
-              </a:tabLst>
-            </a:pPr>
-            <a:r>
-              <a:rPr b="0" lang="it-IT" sz="2400" spc="-1" strike="noStrike">
-                <a:solidFill>
-                  <a:srgbClr val="000000"/>
-                </a:solidFill>
-                <a:latin typeface="Arial"/>
-                <a:ea typeface="DejaVu Sans"/>
-              </a:rPr>
-              <a:t>Protect the secret (KPTI for Meltdown, multi-process isolation)</a:t>
-            </a:r>
-            <a:endParaRPr b="0" lang="it-IT" sz="2400" spc="-1" strike="noStrike">
-              <a:latin typeface="Arial"/>
-            </a:endParaRPr>
-          </a:p>
-          <a:p>
-            <a:pPr marL="457200" indent="-456840">
-              <a:lnSpc>
-                <a:spcPct val="200000"/>
-              </a:lnSpc>
-              <a:spcBef>
-                <a:spcPts val="1001"/>
-              </a:spcBef>
-              <a:buClr>
-                <a:srgbClr val="000000"/>
-              </a:buClr>
-              <a:buFont typeface="Arial"/>
-              <a:buAutoNum type="arabicPeriod"/>
-              <a:tabLst>
-                <a:tab algn="l" pos="0"/>
-              </a:tabLst>
-            </a:pPr>
-            <a:r>
-              <a:rPr b="0" lang="it-IT" sz="2400" spc="-1" strike="noStrike">
-                <a:solidFill>
-                  <a:srgbClr val="000000"/>
-                </a:solidFill>
-                <a:latin typeface="Arial"/>
-                <a:ea typeface="DejaVu Sans"/>
-              </a:rPr>
-              <a:t>Disrupt the channel of the leakage</a:t>
-            </a:r>
-            <a:endParaRPr b="0" lang="it-IT" sz="2400" spc="-1" strike="noStrike">
+              <a:rPr b="1" lang="it-IT" sz="900" spc="-1" strike="noStrike" u="sng">
+                <a:solidFill>
+                  <a:srgbClr val="0000ff"/>
+                </a:solidFill>
+                <a:uFillTx/>
+                <a:latin typeface="Arial"/>
+                <a:ea typeface="Arial"/>
+                <a:hlinkClick r:id="rId2"/>
+              </a:rPr>
+              <a:t>CrossTalk: Speculative Data Leaks Across Cores Are Real. </a:t>
+            </a:r>
+            <a:r>
+              <a:rPr b="0" lang="it-IT" sz="900" spc="-1" strike="noStrike">
+                <a:solidFill>
+                  <a:srgbClr val="000000"/>
+                </a:solidFill>
+                <a:latin typeface="Arial"/>
+                <a:ea typeface="Arial"/>
+              </a:rPr>
+              <a:t>Ragab, H.; Milburn, A.; </a:t>
+            </a:r>
+            <a:r>
+              <a:rPr b="0" lang="it-IT" sz="900" spc="-1" strike="noStrike" u="sng">
+                <a:solidFill>
+                  <a:srgbClr val="0000ff"/>
+                </a:solidFill>
+                <a:uFillTx/>
+                <a:latin typeface="Arial"/>
+                <a:ea typeface="Arial"/>
+                <a:hlinkClick r:id="rId3"/>
+              </a:rPr>
+              <a:t>Razavi, K.</a:t>
+            </a:r>
+            <a:r>
+              <a:rPr b="0" lang="it-IT" sz="900" spc="-1" strike="noStrike">
+                <a:solidFill>
+                  <a:srgbClr val="000000"/>
+                </a:solidFill>
+                <a:latin typeface="Arial"/>
+                <a:ea typeface="Arial"/>
+              </a:rPr>
+              <a:t>; </a:t>
+            </a:r>
+            <a:r>
+              <a:rPr b="0" lang="it-IT" sz="900" spc="-1" strike="noStrike" u="sng">
+                <a:solidFill>
+                  <a:srgbClr val="0000ff"/>
+                </a:solidFill>
+                <a:uFillTx/>
+                <a:latin typeface="Arial"/>
+                <a:ea typeface="Arial"/>
+                <a:hlinkClick r:id="rId4"/>
+              </a:rPr>
+              <a:t>Bos, H.</a:t>
+            </a:r>
+            <a:r>
+              <a:rPr b="0" lang="it-IT" sz="900" spc="-1" strike="noStrike">
+                <a:solidFill>
+                  <a:srgbClr val="000000"/>
+                </a:solidFill>
+                <a:latin typeface="Arial"/>
+                <a:ea typeface="Arial"/>
+              </a:rPr>
+              <a:t>; and </a:t>
+            </a:r>
+            <a:r>
+              <a:rPr b="0" lang="it-IT" sz="900" spc="-1" strike="noStrike" u="sng">
+                <a:solidFill>
+                  <a:srgbClr val="0000ff"/>
+                </a:solidFill>
+                <a:uFillTx/>
+                <a:latin typeface="Arial"/>
+                <a:ea typeface="Arial"/>
+                <a:hlinkClick r:id="rId5"/>
+              </a:rPr>
+              <a:t>Giuffrida, C.</a:t>
+            </a:r>
+            <a:r>
+              <a:rPr b="0" lang="it-IT" sz="900" spc="-1" strike="noStrike">
+                <a:solidFill>
+                  <a:srgbClr val="000000"/>
+                </a:solidFill>
+                <a:latin typeface="Arial"/>
+                <a:ea typeface="Arial"/>
+              </a:rPr>
+              <a:t> In </a:t>
+            </a:r>
+            <a:r>
+              <a:rPr b="0" i="1" lang="it-IT" sz="900" spc="-1" strike="noStrike">
+                <a:solidFill>
+                  <a:srgbClr val="000000"/>
+                </a:solidFill>
+                <a:latin typeface="Arial"/>
+                <a:ea typeface="Arial"/>
+              </a:rPr>
+              <a:t>S&amp;P</a:t>
+            </a:r>
+            <a:r>
+              <a:rPr b="0" lang="it-IT" sz="900" spc="-1" strike="noStrike">
+                <a:solidFill>
+                  <a:srgbClr val="000000"/>
+                </a:solidFill>
+                <a:latin typeface="Arial"/>
+                <a:ea typeface="Arial"/>
+              </a:rPr>
+              <a:t>, May 2021. </a:t>
+            </a:r>
+            <a:r>
+              <a:rPr b="0" i="1" lang="it-IT" sz="900" spc="-1" strike="noStrike">
+                <a:solidFill>
+                  <a:srgbClr val="000000"/>
+                </a:solidFill>
+                <a:latin typeface="Arial"/>
+                <a:ea typeface="Arial"/>
+              </a:rPr>
+              <a:t>Intel Bounty Reward</a:t>
+            </a:r>
+            <a:endParaRPr b="0" lang="it-IT" sz="900" spc="-1" strike="noStrike">
               <a:latin typeface="Arial"/>
             </a:endParaRPr>
           </a:p>
@@ -6951,14 +6583,14 @@
       </p:grpSpPr>
       <p:sp>
         <p:nvSpPr>
-          <p:cNvPr id="169" name="TextShape 1"/>
-          <p:cNvSpPr txBox="1"/>
+          <p:cNvPr id="169" name="CustomShape 1"/>
+          <p:cNvSpPr/>
           <p:nvPr/>
         </p:nvSpPr>
         <p:spPr>
           <a:xfrm>
             <a:off x="504000" y="226080"/>
-            <a:ext cx="9071280" cy="946080"/>
+            <a:ext cx="9070560" cy="718560"/>
           </a:xfrm>
           <a:prstGeom prst="rect">
             <a:avLst/>
@@ -6968,6 +6600,12 @@
             <a:noFill/>
           </a:ln>
         </p:spPr>
+        <p:style>
+          <a:lnRef idx="0"/>
+          <a:fillRef idx="0"/>
+          <a:effectRef idx="0"/>
+          <a:fontRef idx="minor"/>
+        </p:style>
         <p:txBody>
           <a:bodyPr lIns="0" rIns="0" tIns="0" bIns="0" anchor="ctr">
             <a:noAutofit/>
@@ -6989,24 +6627,21 @@
               <a:t>Existing mitigations for old attacks</a:t>
             </a:r>
             <a:endParaRPr b="0" lang="it-IT" sz="4400" spc="-1" strike="noStrike">
-              <a:solidFill>
-                <a:srgbClr val="000000"/>
-              </a:solidFill>
-              <a:latin typeface="Arial"/>
-            </a:endParaRPr>
-          </a:p>
-        </p:txBody>
-      </p:sp>
-      <p:sp>
-        <p:nvSpPr>
-          <p:cNvPr id="170" name="TextShape 2"/>
-          <p:cNvSpPr txBox="1"/>
+              <a:latin typeface="Arial"/>
+            </a:endParaRPr>
+          </a:p>
+        </p:txBody>
+      </p:sp>
+      <p:sp>
+        <p:nvSpPr>
+          <p:cNvPr id="170" name="CustomShape 2"/>
+          <p:cNvSpPr/>
           <p:nvPr/>
         </p:nvSpPr>
         <p:spPr>
           <a:xfrm>
-            <a:off x="504000" y="1717200"/>
-            <a:ext cx="9071280" cy="3287880"/>
+            <a:off x="504000" y="1109880"/>
+            <a:ext cx="9070560" cy="3870720"/>
           </a:xfrm>
           <a:prstGeom prst="rect">
             <a:avLst/>
@@ -7016,42 +6651,46 @@
             <a:noFill/>
           </a:ln>
         </p:spPr>
+        <p:style>
+          <a:lnRef idx="0"/>
+          <a:fillRef idx="0"/>
+          <a:effectRef idx="0"/>
+          <a:fontRef idx="minor"/>
+        </p:style>
         <p:txBody>
           <a:bodyPr lIns="0" rIns="0" tIns="0" bIns="0" anchor="ctr">
             <a:noAutofit/>
           </a:bodyPr>
           <a:p>
-            <a:pPr marL="228600" indent="-228240">
+            <a:pPr>
               <a:lnSpc>
-                <a:spcPct val="150000"/>
+                <a:spcPct val="200000"/>
               </a:lnSpc>
               <a:spcBef>
                 <a:spcPts val="1001"/>
               </a:spcBef>
-              <a:buClr>
-                <a:srgbClr val="000000"/>
-              </a:buClr>
-              <a:buFont typeface="Arial"/>
-              <a:buChar char="•"/>
+              <a:tabLst>
+                <a:tab algn="l" pos="0"/>
+              </a:tabLst>
             </a:pPr>
             <a:r>
-              <a:rPr b="0" lang="it-IT" sz="2800" spc="-1" strike="noStrike">
+              <a:rPr b="0" lang="it-IT" sz="2400" spc="-1" strike="noStrike">
                 <a:solidFill>
                   <a:srgbClr val="000000"/>
                 </a:solidFill>
                 <a:latin typeface="Arial"/>
                 <a:ea typeface="DejaVu Sans"/>
               </a:rPr>
-              <a:t>RIDL is not impacted:</a:t>
-            </a:r>
-            <a:endParaRPr b="0" lang="it-IT" sz="2800" spc="-1" strike="noStrike">
-              <a:latin typeface="Arial"/>
-            </a:endParaRPr>
-          </a:p>
-          <a:p>
-            <a:pPr marL="343080" indent="-342720">
+              <a:t>Older speculative execution attacks have been mitigated in 3 ways:</a:t>
+            </a:r>
+            <a:endParaRPr b="0" lang="it-IT" sz="2400" spc="-1" strike="noStrike">
+              <a:latin typeface="Arial"/>
+            </a:endParaRPr>
+          </a:p>
+          <a:p>
+            <a:pPr marL="457200" indent="-456120">
               <a:lnSpc>
-                <a:spcPct val="150000"/>
+                <a:spcPct val="200000"/>
               </a:lnSpc>
               <a:spcBef>
                 <a:spcPts val="1001"/>
@@ -7061,35 +6700,38 @@
               </a:buClr>
               <a:buFont typeface="Arial"/>
               <a:buAutoNum type="arabicPeriod"/>
+              <a:tabLst>
+                <a:tab algn="l" pos="0"/>
+              </a:tabLst>
             </a:pPr>
             <a:r>
-              <a:rPr b="0" lang="en-US" sz="2800" spc="-1" strike="noStrike">
+              <a:rPr b="0" lang="it-IT" sz="2400" spc="-1" strike="noStrike">
                 <a:solidFill>
                   <a:srgbClr val="000000"/>
                 </a:solidFill>
                 <a:latin typeface="Arial"/>
                 <a:ea typeface="DejaVu Sans"/>
               </a:rPr>
-              <a:t>µ-code updates</a:t>
-            </a:r>
-            <a:r>
-              <a:rPr b="0" lang="it-IT" sz="2800" spc="-1" strike="noStrike">
+              <a:t>Inhibit the trigger of the speculation (</a:t>
+            </a:r>
+            <a:r>
+              <a:rPr b="0" lang="en-US" sz="2400" spc="-1" strike="noStrike">
                 <a:solidFill>
                   <a:srgbClr val="000000"/>
                 </a:solidFill>
                 <a:latin typeface="Arial"/>
                 <a:ea typeface="DejaVu Sans"/>
               </a:rPr>
-              <a:t> do not account for the LFB </a:t>
-            </a:r>
-            <a:endParaRPr b="0" lang="it-IT" sz="2800" spc="-1" strike="noStrike">
-              <a:latin typeface="Arial"/>
-            </a:endParaRPr>
-          </a:p>
-          <a:p>
-            <a:pPr marL="343080" indent="-342720">
+              <a:t>µ-code updates)</a:t>
+            </a:r>
+            <a:endParaRPr b="0" lang="it-IT" sz="2400" spc="-1" strike="noStrike">
+              <a:latin typeface="Arial"/>
+            </a:endParaRPr>
+          </a:p>
+          <a:p>
+            <a:pPr marL="457200" indent="-456120">
               <a:lnSpc>
-                <a:spcPct val="150000"/>
+                <a:spcPct val="200000"/>
               </a:lnSpc>
               <a:spcBef>
                 <a:spcPts val="1001"/>
@@ -7099,31 +6741,52 @@
               </a:buClr>
               <a:buFont typeface="Arial"/>
               <a:buAutoNum type="arabicPeriod"/>
+              <a:tabLst>
+                <a:tab algn="l" pos="0"/>
+              </a:tabLst>
             </a:pPr>
             <a:r>
-              <a:rPr b="0" lang="it-IT" sz="2800" spc="-1" strike="noStrike">
+              <a:rPr b="0" lang="it-IT" sz="2400" spc="-1" strike="noStrike">
                 <a:solidFill>
                   <a:srgbClr val="000000"/>
                 </a:solidFill>
                 <a:latin typeface="Arial"/>
                 <a:ea typeface="DejaVu Sans"/>
               </a:rPr>
-              <a:t>Consider a valid address a strict requirement (not necessary for RIDL)</a:t>
-            </a:r>
-            <a:endParaRPr b="0" lang="it-IT" sz="2800" spc="-1" strike="noStrike">
-              <a:latin typeface="Arial"/>
-            </a:endParaRPr>
-          </a:p>
-          <a:p>
-            <a:pPr>
+              <a:t>Protect the secret (KPTI for Meltdown, multi-process isolation)</a:t>
+            </a:r>
+            <a:endParaRPr b="0" lang="it-IT" sz="2400" spc="-1" strike="noStrike">
+              <a:latin typeface="Arial"/>
+            </a:endParaRPr>
+          </a:p>
+          <a:p>
+            <a:pPr marL="457200" indent="-456120">
               <a:lnSpc>
-                <a:spcPct val="90000"/>
+                <a:spcPct val="200000"/>
               </a:lnSpc>
               <a:spcBef>
                 <a:spcPts val="1001"/>
               </a:spcBef>
+              <a:buClr>
+                <a:srgbClr val="000000"/>
+              </a:buClr>
+              <a:buFont typeface="Arial"/>
+              <a:buAutoNum type="arabicPeriod"/>
+              <a:tabLst>
+                <a:tab algn="l" pos="0"/>
+              </a:tabLst>
             </a:pPr>
-            <a:endParaRPr b="0" lang="it-IT" sz="2800" spc="-1" strike="noStrike">
+            <a:r>
+              <a:rPr b="0" lang="it-IT" sz="2400" spc="-1" strike="noStrike">
+                <a:solidFill>
+                  <a:srgbClr val="000000"/>
+                </a:solidFill>
+                <a:latin typeface="Arial"/>
+                <a:ea typeface="DejaVu Sans"/>
+              </a:rPr>
+              <a:t>Disrupt the channel of the leakage</a:t>
+            </a:r>
+            <a:endParaRPr b="0" lang="it-IT" sz="2400" spc="-1" strike="noStrike">
               <a:latin typeface="Arial"/>
             </a:endParaRPr>
           </a:p>
@@ -7161,14 +6824,14 @@
       </p:grpSpPr>
       <p:sp>
         <p:nvSpPr>
-          <p:cNvPr id="171" name="TextShape 1"/>
-          <p:cNvSpPr txBox="1"/>
+          <p:cNvPr id="171" name="CustomShape 1"/>
+          <p:cNvSpPr/>
           <p:nvPr/>
         </p:nvSpPr>
         <p:spPr>
           <a:xfrm>
-            <a:off x="504000" y="1326600"/>
-            <a:ext cx="9072000" cy="3288600"/>
+            <a:off x="504000" y="226080"/>
+            <a:ext cx="9070560" cy="945360"/>
           </a:xfrm>
           <a:prstGeom prst="rect">
             <a:avLst/>
@@ -7178,133 +6841,12 @@
             <a:noFill/>
           </a:ln>
         </p:spPr>
-        <p:txBody>
-          <a:bodyPr lIns="0" rIns="0" tIns="0" bIns="0">
-            <a:normAutofit/>
-          </a:bodyPr>
-          <a:p>
-            <a:pPr marL="432000" indent="-324000">
-              <a:spcBef>
-                <a:spcPts val="1417"/>
-              </a:spcBef>
-              <a:buClr>
-                <a:srgbClr val="000000"/>
-              </a:buClr>
-              <a:buSzPct val="45000"/>
-              <a:buFont typeface="Wingdings" charset="2"/>
-              <a:buChar char=""/>
-            </a:pPr>
-            <a:r>
-              <a:rPr b="0" lang="it-IT" sz="2800" spc="-1" strike="noStrike">
-                <a:solidFill>
-                  <a:srgbClr val="000000"/>
-                </a:solidFill>
-                <a:latin typeface="Arial"/>
-              </a:rPr>
-              <a:t>Locks the entire memory bus before updating the staging buffer and only unlocks it after clearing its content</a:t>
-            </a:r>
-            <a:endParaRPr b="0" lang="it-IT" sz="2800" spc="-1" strike="noStrike">
-              <a:solidFill>
-                <a:srgbClr val="000000"/>
-              </a:solidFill>
-              <a:latin typeface="Arial"/>
-            </a:endParaRPr>
-          </a:p>
-          <a:p>
-            <a:pPr marL="432000" indent="-324000">
-              <a:spcBef>
-                <a:spcPts val="1417"/>
-              </a:spcBef>
-              <a:buClr>
-                <a:srgbClr val="000000"/>
-              </a:buClr>
-              <a:buSzPct val="45000"/>
-              <a:buFont typeface="Wingdings" charset="2"/>
-              <a:buChar char=""/>
-            </a:pPr>
-            <a:r>
-              <a:rPr b="0" lang="it-IT" sz="2800" spc="-1" strike="noStrike">
-                <a:solidFill>
-                  <a:srgbClr val="000000"/>
-                </a:solidFill>
-                <a:latin typeface="Arial"/>
-              </a:rPr>
-              <a:t>Implemented only in RDRAND, RDSEED, and EGETKEY instructions due to performance overhead</a:t>
-            </a:r>
-            <a:endParaRPr b="0" lang="it-IT" sz="2800" spc="-1" strike="noStrike">
-              <a:solidFill>
-                <a:srgbClr val="000000"/>
-              </a:solidFill>
-              <a:latin typeface="Arial"/>
-            </a:endParaRPr>
-          </a:p>
-          <a:p>
-            <a:pPr marL="432000" indent="-324000">
-              <a:spcBef>
-                <a:spcPts val="1417"/>
-              </a:spcBef>
-              <a:buClr>
-                <a:srgbClr val="000000"/>
-              </a:buClr>
-              <a:buSzPct val="45000"/>
-              <a:buFont typeface="Wingdings" charset="2"/>
-              <a:buChar char=""/>
-            </a:pPr>
-            <a:r>
-              <a:rPr b="0" lang="it-IT" sz="2800" spc="-1" strike="noStrike">
-                <a:solidFill>
-                  <a:srgbClr val="000000"/>
-                </a:solidFill>
-                <a:latin typeface="Arial"/>
-              </a:rPr>
-              <a:t>output from any other instruction that issues offcore requests </a:t>
-            </a:r>
-            <a:r>
-              <a:rPr b="1" lang="it-IT" sz="2800" spc="-1" strike="noStrike">
-                <a:solidFill>
-                  <a:srgbClr val="000000"/>
-                </a:solidFill>
-                <a:latin typeface="Arial"/>
-              </a:rPr>
-              <a:t>can be still leaked</a:t>
-            </a:r>
-            <a:r>
-              <a:rPr b="0" lang="it-IT" sz="2800" spc="-1" strike="noStrike">
-                <a:solidFill>
-                  <a:srgbClr val="000000"/>
-                </a:solidFill>
-                <a:latin typeface="Arial"/>
-              </a:rPr>
-              <a:t> across CPU cores.</a:t>
-            </a:r>
-            <a:endParaRPr b="0" lang="it-IT" sz="2800" spc="-1" strike="noStrike">
-              <a:solidFill>
-                <a:srgbClr val="000000"/>
-              </a:solidFill>
-              <a:latin typeface="Arial"/>
-            </a:endParaRPr>
-          </a:p>
-        </p:txBody>
-      </p:sp>
-      <p:sp>
-        <p:nvSpPr>
-          <p:cNvPr id="172" name="TextShape 2"/>
-          <p:cNvSpPr txBox="1"/>
-          <p:nvPr/>
-        </p:nvSpPr>
-        <p:spPr>
-          <a:xfrm>
-            <a:off x="504000" y="226080"/>
-            <a:ext cx="9071280" cy="946080"/>
-          </a:xfrm>
-          <a:prstGeom prst="rect">
-            <a:avLst/>
-          </a:prstGeom>
-          <a:noFill/>
-          <a:ln w="0">
-            <a:noFill/>
-          </a:ln>
-        </p:spPr>
+        <p:style>
+          <a:lnRef idx="0"/>
+          <a:fillRef idx="0"/>
+          <a:effectRef idx="0"/>
+          <a:fontRef idx="minor"/>
+        </p:style>
         <p:txBody>
           <a:bodyPr lIns="0" rIns="0" tIns="0" bIns="0" anchor="ctr">
             <a:noAutofit/>
@@ -7321,13 +6863,149 @@
                   <a:srgbClr val="000000"/>
                 </a:solidFill>
                 <a:latin typeface="Arial"/>
-              </a:rPr>
-              <a:t>Intel mitigation for CrossTalk</a:t>
+                <a:ea typeface="DejaVu Sans"/>
+              </a:rPr>
+              <a:t>Existing mitigations for old attacks</a:t>
             </a:r>
             <a:endParaRPr b="0" lang="it-IT" sz="4400" spc="-1" strike="noStrike">
-              <a:solidFill>
+              <a:latin typeface="Arial"/>
+            </a:endParaRPr>
+          </a:p>
+        </p:txBody>
+      </p:sp>
+      <p:sp>
+        <p:nvSpPr>
+          <p:cNvPr id="172" name="CustomShape 2"/>
+          <p:cNvSpPr/>
+          <p:nvPr/>
+        </p:nvSpPr>
+        <p:spPr>
+          <a:xfrm>
+            <a:off x="504000" y="1717200"/>
+            <a:ext cx="9070560" cy="3287160"/>
+          </a:xfrm>
+          <a:prstGeom prst="rect">
+            <a:avLst/>
+          </a:prstGeom>
+          <a:noFill/>
+          <a:ln w="0">
+            <a:noFill/>
+          </a:ln>
+        </p:spPr>
+        <p:style>
+          <a:lnRef idx="0"/>
+          <a:fillRef idx="0"/>
+          <a:effectRef idx="0"/>
+          <a:fontRef idx="minor"/>
+        </p:style>
+        <p:txBody>
+          <a:bodyPr lIns="0" rIns="0" tIns="0" bIns="0" anchor="ctr">
+            <a:noAutofit/>
+          </a:bodyPr>
+          <a:p>
+            <a:pPr marL="228600" indent="-227520">
+              <a:lnSpc>
+                <a:spcPct val="150000"/>
+              </a:lnSpc>
+              <a:spcBef>
+                <a:spcPts val="1001"/>
+              </a:spcBef>
+              <a:buClr>
                 <a:srgbClr val="000000"/>
-              </a:solidFill>
+              </a:buClr>
+              <a:buFont typeface="Arial"/>
+              <a:buChar char="•"/>
+            </a:pPr>
+            <a:r>
+              <a:rPr b="0" lang="it-IT" sz="2800" spc="-1" strike="noStrike">
+                <a:solidFill>
+                  <a:srgbClr val="000000"/>
+                </a:solidFill>
+                <a:latin typeface="Arial"/>
+                <a:ea typeface="DejaVu Sans"/>
+              </a:rPr>
+              <a:t>RIDL is not impacted:</a:t>
+            </a:r>
+            <a:endParaRPr b="0" lang="it-IT" sz="2800" spc="-1" strike="noStrike">
+              <a:latin typeface="Arial"/>
+            </a:endParaRPr>
+          </a:p>
+          <a:p>
+            <a:pPr marL="343080" indent="-342000">
+              <a:lnSpc>
+                <a:spcPct val="150000"/>
+              </a:lnSpc>
+              <a:spcBef>
+                <a:spcPts val="1001"/>
+              </a:spcBef>
+              <a:buClr>
+                <a:srgbClr val="000000"/>
+              </a:buClr>
+              <a:buFont typeface="Arial"/>
+              <a:buAutoNum type="arabicPeriod"/>
+            </a:pPr>
+            <a:r>
+              <a:rPr b="0" lang="en-US" sz="2800" spc="-1" strike="noStrike">
+                <a:solidFill>
+                  <a:srgbClr val="000000"/>
+                </a:solidFill>
+                <a:latin typeface="Arial"/>
+                <a:ea typeface="DejaVu Sans"/>
+              </a:rPr>
+              <a:t>µ-code updates</a:t>
+            </a:r>
+            <a:r>
+              <a:rPr b="0" lang="it-IT" sz="2800" spc="-1" strike="noStrike">
+                <a:solidFill>
+                  <a:srgbClr val="000000"/>
+                </a:solidFill>
+                <a:latin typeface="Arial"/>
+                <a:ea typeface="DejaVu Sans"/>
+              </a:rPr>
+              <a:t> do not account for the LFB </a:t>
+            </a:r>
+            <a:endParaRPr b="0" lang="it-IT" sz="2800" spc="-1" strike="noStrike">
+              <a:latin typeface="Arial"/>
+            </a:endParaRPr>
+          </a:p>
+          <a:p>
+            <a:pPr marL="343080" indent="-342000">
+              <a:lnSpc>
+                <a:spcPct val="150000"/>
+              </a:lnSpc>
+              <a:spcBef>
+                <a:spcPts val="1001"/>
+              </a:spcBef>
+              <a:buClr>
+                <a:srgbClr val="000000"/>
+              </a:buClr>
+              <a:buFont typeface="Arial"/>
+              <a:buAutoNum type="arabicPeriod"/>
+            </a:pPr>
+            <a:r>
+              <a:rPr b="0" lang="it-IT" sz="2800" spc="-1" strike="noStrike">
+                <a:solidFill>
+                  <a:srgbClr val="000000"/>
+                </a:solidFill>
+                <a:latin typeface="Arial"/>
+                <a:ea typeface="DejaVu Sans"/>
+              </a:rPr>
+              <a:t>Consider a valid address a strict requirement (not necessary for RIDL)</a:t>
+            </a:r>
+            <a:endParaRPr b="0" lang="it-IT" sz="2800" spc="-1" strike="noStrike">
+              <a:latin typeface="Arial"/>
+            </a:endParaRPr>
+          </a:p>
+          <a:p>
+            <a:pPr>
+              <a:lnSpc>
+                <a:spcPct val="90000"/>
+              </a:lnSpc>
+              <a:spcBef>
+                <a:spcPts val="1001"/>
+              </a:spcBef>
+            </a:pPr>
+            <a:endParaRPr b="0" lang="it-IT" sz="2800" spc="-1" strike="noStrike">
               <a:latin typeface="Arial"/>
             </a:endParaRPr>
           </a:p>
@@ -7365,156 +7043,14 @@
       </p:grpSpPr>
       <p:sp>
         <p:nvSpPr>
-          <p:cNvPr id="173" name="TextShape 1"/>
-          <p:cNvSpPr txBox="1"/>
-          <p:nvPr/>
-        </p:nvSpPr>
-        <p:spPr>
-          <a:xfrm>
-            <a:off x="504000" y="226080"/>
-            <a:ext cx="9071280" cy="719280"/>
-          </a:xfrm>
-          <a:prstGeom prst="rect">
-            <a:avLst/>
-          </a:prstGeom>
-          <a:noFill/>
-          <a:ln w="0">
-            <a:noFill/>
-          </a:ln>
-        </p:spPr>
-        <p:txBody>
-          <a:bodyPr lIns="0" rIns="0" tIns="0" bIns="0" anchor="ctr">
-            <a:noAutofit/>
-          </a:bodyPr>
-          <a:p>
-            <a:pPr algn="ctr">
-              <a:lnSpc>
-                <a:spcPct val="90000"/>
-              </a:lnSpc>
-            </a:pPr>
-            <a:r>
-              <a:rPr b="0" lang="it-IT" sz="4400" spc="-1" strike="noStrike">
-                <a:solidFill>
-                  <a:srgbClr val="000000"/>
-                </a:solidFill>
-                <a:latin typeface="Arial"/>
-                <a:ea typeface="DejaVu Sans"/>
-              </a:rPr>
-              <a:t>New mitigations for RIDL</a:t>
-            </a:r>
-            <a:endParaRPr b="0" lang="it-IT" sz="4400" spc="-1" strike="noStrike">
-              <a:solidFill>
-                <a:srgbClr val="000000"/>
-              </a:solidFill>
-              <a:latin typeface="Arial"/>
-            </a:endParaRPr>
-          </a:p>
-        </p:txBody>
-      </p:sp>
-      <p:sp>
-        <p:nvSpPr>
-          <p:cNvPr id="174" name="TextShape 2"/>
-          <p:cNvSpPr txBox="1"/>
-          <p:nvPr/>
-        </p:nvSpPr>
-        <p:spPr>
-          <a:xfrm>
-            <a:off x="504000" y="1335960"/>
-            <a:ext cx="9071280" cy="1873800"/>
-          </a:xfrm>
-          <a:prstGeom prst="rect">
-            <a:avLst/>
-          </a:prstGeom>
-          <a:noFill/>
-          <a:ln w="0">
-            <a:noFill/>
-          </a:ln>
-        </p:spPr>
-        <p:txBody>
-          <a:bodyPr lIns="0" rIns="0" tIns="0" bIns="0" anchor="ctr">
-            <a:noAutofit/>
-          </a:bodyPr>
-          <a:p>
-            <a:pPr marL="457200" indent="-456840">
-              <a:lnSpc>
-                <a:spcPct val="150000"/>
-              </a:lnSpc>
-              <a:spcBef>
-                <a:spcPts val="1001"/>
-              </a:spcBef>
-              <a:buClr>
-                <a:srgbClr val="000000"/>
-              </a:buClr>
-              <a:buFont typeface="Arial"/>
-              <a:buAutoNum type="arabicPeriod"/>
-            </a:pPr>
-            <a:r>
-              <a:rPr b="0" lang="it-IT" sz="2400" spc="-1" strike="noStrike">
-                <a:solidFill>
-                  <a:srgbClr val="000000"/>
-                </a:solidFill>
-                <a:latin typeface="Arial"/>
-                <a:ea typeface="DejaVu Sans"/>
-              </a:rPr>
-              <a:t>Disable SMT (however RIDL still possible in single-thread)</a:t>
-            </a:r>
-            <a:endParaRPr b="0" lang="it-IT" sz="2400" spc="-1" strike="noStrike">
-              <a:latin typeface="Arial"/>
-            </a:endParaRPr>
-          </a:p>
-          <a:p>
-            <a:pPr marL="457200" indent="-456840">
-              <a:lnSpc>
-                <a:spcPct val="150000"/>
-              </a:lnSpc>
-              <a:spcBef>
-                <a:spcPts val="1001"/>
-              </a:spcBef>
-              <a:buClr>
-                <a:srgbClr val="000000"/>
-              </a:buClr>
-              <a:buFont typeface="Arial"/>
-              <a:buAutoNum type="arabicPeriod"/>
-            </a:pPr>
-            <a:r>
-              <a:rPr b="0" lang="it-IT" sz="2400" spc="-1" strike="noStrike">
-                <a:solidFill>
-                  <a:srgbClr val="000000"/>
-                </a:solidFill>
-                <a:latin typeface="Arial"/>
-                <a:ea typeface="DejaVu Sans"/>
-              </a:rPr>
-              <a:t>Flush the LFB when returing to less privileged environment (not easiliy done in SW for HW-based components such as SGX and MMU)</a:t>
-            </a:r>
-            <a:endParaRPr b="0" lang="it-IT" sz="2400" spc="-1" strike="noStrike">
-              <a:latin typeface="Arial"/>
-            </a:endParaRPr>
-          </a:p>
-          <a:p>
-            <a:pPr>
-              <a:lnSpc>
-                <a:spcPct val="150000"/>
-              </a:lnSpc>
-              <a:spcBef>
-                <a:spcPts val="1001"/>
-              </a:spcBef>
-            </a:pPr>
-            <a:endParaRPr b="0" lang="it-IT" sz="2400" spc="-1" strike="noStrike">
-              <a:latin typeface="Arial"/>
-            </a:endParaRPr>
-          </a:p>
-        </p:txBody>
-      </p:sp>
-      <p:sp>
-        <p:nvSpPr>
-          <p:cNvPr id="175" name="CustomShape 3"/>
+          <p:cNvPr id="173" name="CustomShape 1"/>
           <p:cNvSpPr/>
           <p:nvPr/>
         </p:nvSpPr>
         <p:spPr>
           <a:xfrm>
-            <a:off x="504000" y="3400560"/>
-            <a:ext cx="9071280" cy="2161800"/>
+            <a:off x="504000" y="1326600"/>
+            <a:ext cx="9071280" cy="3287880"/>
           </a:xfrm>
           <a:prstGeom prst="rect">
             <a:avLst/>
@@ -7531,116 +7067,164 @@
           <a:fontRef idx="minor"/>
         </p:style>
         <p:txBody>
-          <a:bodyPr lIns="90000" rIns="90000" tIns="45000" bIns="45000">
-            <a:noAutofit/>
-          </a:bodyPr>
-          <a:p>
-            <a:pPr>
+          <a:bodyPr lIns="0" rIns="0" tIns="0" bIns="0">
+            <a:normAutofit/>
+          </a:bodyPr>
+          <a:p>
+            <a:pPr marL="432000" indent="-323280">
               <a:lnSpc>
                 <a:spcPct val="100000"/>
               </a:lnSpc>
+              <a:spcBef>
+                <a:spcPts val="1417"/>
+              </a:spcBef>
+              <a:buClr>
+                <a:srgbClr val="000000"/>
+              </a:buClr>
+              <a:buSzPct val="45000"/>
+              <a:buFont typeface="Wingdings" charset="2"/>
+              <a:buChar char=""/>
             </a:pPr>
             <a:r>
-              <a:rPr b="0" lang="it-IT" sz="2400" spc="-1" strike="noStrike">
+              <a:rPr b="0" lang="it-IT" sz="2800" spc="-1" strike="noStrike">
                 <a:solidFill>
                   <a:srgbClr val="000000"/>
                 </a:solidFill>
                 <a:latin typeface="Arial"/>
                 <a:ea typeface="DejaVu Sans"/>
               </a:rPr>
-              <a:t>Foreshadow mitigation </a:t>
-            </a:r>
-            <a:r>
-              <a:rPr b="0" lang="it-IT" sz="2400" spc="-1" strike="noStrike">
-                <a:solidFill>
-                  <a:srgbClr val="000000"/>
-                </a:solidFill>
-                <a:latin typeface="Wingdings"/>
-                <a:ea typeface="DejaVu Sans"/>
-              </a:rPr>
-              <a:t></a:t>
-            </a:r>
-            <a:r>
-              <a:rPr b="0" lang="it-IT" sz="2400" spc="-1" strike="noStrike">
-                <a:solidFill>
-                  <a:srgbClr val="000000"/>
-                </a:solidFill>
-                <a:latin typeface="Arial"/>
-                <a:ea typeface="DejaVu Sans"/>
-              </a:rPr>
-              <a:t> L1 cache flushing (expensive)</a:t>
-            </a:r>
-            <a:endParaRPr b="0" lang="it-IT" sz="2400" spc="-1" strike="noStrike">
-              <a:latin typeface="Arial"/>
-            </a:endParaRPr>
-          </a:p>
-          <a:p>
-            <a:pPr>
+              <a:t>Locks the entire memory bus before updating the staging buffer and only unlocks it after clearing its content</a:t>
+            </a:r>
+            <a:endParaRPr b="0" lang="it-IT" sz="2800" spc="-1" strike="noStrike">
+              <a:latin typeface="Arial"/>
+            </a:endParaRPr>
+          </a:p>
+          <a:p>
+            <a:pPr marL="432000" indent="-323280">
               <a:lnSpc>
                 <a:spcPct val="100000"/>
               </a:lnSpc>
+              <a:spcBef>
+                <a:spcPts val="1417"/>
+              </a:spcBef>
+              <a:buClr>
+                <a:srgbClr val="000000"/>
+              </a:buClr>
+              <a:buSzPct val="45000"/>
+              <a:buFont typeface="Wingdings" charset="2"/>
+              <a:buChar char=""/>
             </a:pPr>
             <a:r>
-              <a:rPr b="0" lang="it-IT" sz="2400" spc="-1" strike="noStrike">
+              <a:rPr b="0" lang="it-IT" sz="2800" spc="-1" strike="noStrike">
                 <a:solidFill>
                   <a:srgbClr val="000000"/>
                 </a:solidFill>
                 <a:latin typeface="Arial"/>
                 <a:ea typeface="DejaVu Sans"/>
               </a:rPr>
-              <a:t>RIDL mitigation </a:t>
-            </a:r>
-            <a:r>
-              <a:rPr b="0" lang="it-IT" sz="2400" spc="-1" strike="noStrike">
-                <a:solidFill>
-                  <a:srgbClr val="000000"/>
-                </a:solidFill>
-                <a:latin typeface="Wingdings"/>
-                <a:ea typeface="DejaVu Sans"/>
-              </a:rPr>
-              <a:t></a:t>
-            </a:r>
-            <a:r>
-              <a:rPr b="0" lang="it-IT" sz="2400" spc="-1" strike="noStrike">
-                <a:solidFill>
-                  <a:srgbClr val="000000"/>
-                </a:solidFill>
-                <a:latin typeface="Arial"/>
-                <a:ea typeface="DejaVu Sans"/>
-              </a:rPr>
-              <a:t> L1 cache flushing + LFB flushing on every context switch (even more expensive)</a:t>
-            </a:r>
-            <a:endParaRPr b="0" lang="it-IT" sz="2400" spc="-1" strike="noStrike">
-              <a:latin typeface="Arial"/>
-            </a:endParaRPr>
-          </a:p>
-          <a:p>
-            <a:pPr>
+              <a:t>Implemented only in RDRAND, RDSEED, and EGETKEY instructions due to performance overhead</a:t>
+            </a:r>
+            <a:endParaRPr b="0" lang="it-IT" sz="2800" spc="-1" strike="noStrike">
+              <a:latin typeface="Arial"/>
+            </a:endParaRPr>
+          </a:p>
+          <a:p>
+            <a:pPr marL="432000" indent="-323280">
               <a:lnSpc>
                 <a:spcPct val="100000"/>
               </a:lnSpc>
+              <a:spcBef>
+                <a:spcPts val="1417"/>
+              </a:spcBef>
+              <a:buClr>
+                <a:srgbClr val="000000"/>
+              </a:buClr>
+              <a:buSzPct val="45000"/>
+              <a:buFont typeface="Wingdings" charset="2"/>
+              <a:buChar char=""/>
             </a:pPr>
-            <a:endParaRPr b="0" lang="it-IT" sz="2400" spc="-1" strike="noStrike">
-              <a:latin typeface="Arial"/>
-            </a:endParaRPr>
-          </a:p>
-          <a:p>
-            <a:pPr>
+            <a:r>
+              <a:rPr b="0" lang="it-IT" sz="2800" spc="-1" strike="noStrike">
+                <a:solidFill>
+                  <a:srgbClr val="000000"/>
+                </a:solidFill>
+                <a:latin typeface="Arial"/>
+                <a:ea typeface="DejaVu Sans"/>
+              </a:rPr>
+              <a:t>output from any other instruction that issues offcore requests </a:t>
+            </a:r>
+            <a:r>
+              <a:rPr b="1" lang="it-IT" sz="2800" spc="-1" strike="noStrike">
+                <a:solidFill>
+                  <a:srgbClr val="000000"/>
+                </a:solidFill>
+                <a:latin typeface="Arial"/>
+                <a:ea typeface="DejaVu Sans"/>
+              </a:rPr>
+              <a:t>can be still leaked</a:t>
+            </a:r>
+            <a:r>
+              <a:rPr b="0" lang="it-IT" sz="2800" spc="-1" strike="noStrike">
+                <a:solidFill>
+                  <a:srgbClr val="000000"/>
+                </a:solidFill>
+                <a:latin typeface="Arial"/>
+                <a:ea typeface="DejaVu Sans"/>
+              </a:rPr>
+              <a:t> across CPU cores.</a:t>
+            </a:r>
+            <a:endParaRPr b="0" lang="it-IT" sz="2800" spc="-1" strike="noStrike">
+              <a:latin typeface="Arial"/>
+            </a:endParaRPr>
+          </a:p>
+        </p:txBody>
+      </p:sp>
+      <p:sp>
+        <p:nvSpPr>
+          <p:cNvPr id="174" name="CustomShape 2"/>
+          <p:cNvSpPr/>
+          <p:nvPr/>
+        </p:nvSpPr>
+        <p:spPr>
+          <a:xfrm>
+            <a:off x="504000" y="226080"/>
+            <a:ext cx="9070560" cy="945360"/>
+          </a:xfrm>
+          <a:prstGeom prst="rect">
+            <a:avLst/>
+          </a:prstGeom>
+          <a:noFill/>
+          <a:ln w="0">
+            <a:noFill/>
+          </a:ln>
+        </p:spPr>
+        <p:style>
+          <a:lnRef idx="0"/>
+          <a:fillRef idx="0"/>
+          <a:effectRef idx="0"/>
+          <a:fontRef idx="minor"/>
+        </p:style>
+        <p:txBody>
+          <a:bodyPr lIns="0" rIns="0" tIns="0" bIns="0" anchor="ctr">
+            <a:noAutofit/>
+          </a:bodyPr>
+          <a:p>
+            <a:pPr algn="ctr">
               <a:lnSpc>
-                <a:spcPct val="100000"/>
+                <a:spcPct val="90000"/>
               </a:lnSpc>
             </a:pPr>
             <a:r>
-              <a:rPr b="0" lang="it-IT" sz="2400" spc="-1" strike="noStrike">
+              <a:rPr b="0" lang="it-IT" sz="4400" spc="-1" strike="noStrike">
                 <a:solidFill>
                   <a:srgbClr val="000000"/>
                 </a:solidFill>
                 <a:latin typeface="Arial"/>
                 <a:ea typeface="DejaVu Sans"/>
               </a:rPr>
-              <a:t>Probably too expensive to be useful in practice</a:t>
-            </a:r>
-            <a:endParaRPr b="0" lang="it-IT" sz="2400" spc="-1" strike="noStrike">
+              <a:t>Intel mitigation for CrossTalk</a:t>
+            </a:r>
+            <a:endParaRPr b="0" lang="it-IT" sz="4400" spc="-1" strike="noStrike">
               <a:latin typeface="Arial"/>
             </a:endParaRPr>
           </a:p>
@@ -7678,14 +7262,14 @@
       </p:grpSpPr>
       <p:sp>
         <p:nvSpPr>
-          <p:cNvPr id="176" name="TextShape 1"/>
-          <p:cNvSpPr txBox="1"/>
+          <p:cNvPr id="175" name="CustomShape 1"/>
+          <p:cNvSpPr/>
           <p:nvPr/>
         </p:nvSpPr>
         <p:spPr>
           <a:xfrm>
             <a:off x="504000" y="226080"/>
-            <a:ext cx="9071280" cy="719280"/>
+            <a:ext cx="9070560" cy="718560"/>
           </a:xfrm>
           <a:prstGeom prst="rect">
             <a:avLst/>
@@ -7695,6 +7279,12 @@
             <a:noFill/>
           </a:ln>
         </p:spPr>
+        <p:style>
+          <a:lnRef idx="0"/>
+          <a:fillRef idx="0"/>
+          <a:effectRef idx="0"/>
+          <a:fontRef idx="minor"/>
+        </p:style>
         <p:txBody>
           <a:bodyPr lIns="0" rIns="0" tIns="0" bIns="0" anchor="ctr">
             <a:noAutofit/>
@@ -7713,27 +7303,24 @@
                 <a:latin typeface="Arial"/>
                 <a:ea typeface="DejaVu Sans"/>
               </a:rPr>
-              <a:t>Future directions for RIDL mitigation</a:t>
+              <a:t>New mitigations for RIDL</a:t>
             </a:r>
             <a:endParaRPr b="0" lang="it-IT" sz="4400" spc="-1" strike="noStrike">
-              <a:solidFill>
-                <a:srgbClr val="000000"/>
-              </a:solidFill>
-              <a:latin typeface="Arial"/>
-            </a:endParaRPr>
-          </a:p>
-        </p:txBody>
-      </p:sp>
-      <p:sp>
-        <p:nvSpPr>
-          <p:cNvPr id="177" name="TextShape 2"/>
-          <p:cNvSpPr txBox="1"/>
+              <a:latin typeface="Arial"/>
+            </a:endParaRPr>
+          </a:p>
+        </p:txBody>
+      </p:sp>
+      <p:sp>
+        <p:nvSpPr>
+          <p:cNvPr id="176" name="CustomShape 2"/>
+          <p:cNvSpPr/>
           <p:nvPr/>
         </p:nvSpPr>
         <p:spPr>
           <a:xfrm>
-            <a:off x="504000" y="1121040"/>
-            <a:ext cx="9071280" cy="2431440"/>
+            <a:off x="504000" y="1335960"/>
+            <a:ext cx="9070560" cy="1873080"/>
           </a:xfrm>
           <a:prstGeom prst="rect">
             <a:avLst/>
@@ -7743,12 +7330,340 @@
             <a:noFill/>
           </a:ln>
         </p:spPr>
+        <p:style>
+          <a:lnRef idx="0"/>
+          <a:fillRef idx="0"/>
+          <a:effectRef idx="0"/>
+          <a:fontRef idx="minor"/>
+        </p:style>
         <p:txBody>
           <a:bodyPr lIns="0" rIns="0" tIns="0" bIns="0" anchor="ctr">
             <a:noAutofit/>
           </a:bodyPr>
           <a:p>
-            <a:pPr marL="457200" indent="-456840">
+            <a:pPr marL="457200" indent="-456120">
+              <a:lnSpc>
+                <a:spcPct val="150000"/>
+              </a:lnSpc>
+              <a:spcBef>
+                <a:spcPts val="1001"/>
+              </a:spcBef>
+              <a:buClr>
+                <a:srgbClr val="000000"/>
+              </a:buClr>
+              <a:buFont typeface="Arial"/>
+              <a:buAutoNum type="arabicPeriod"/>
+            </a:pPr>
+            <a:r>
+              <a:rPr b="0" lang="it-IT" sz="2400" spc="-1" strike="noStrike">
+                <a:solidFill>
+                  <a:srgbClr val="000000"/>
+                </a:solidFill>
+                <a:latin typeface="Arial"/>
+                <a:ea typeface="DejaVu Sans"/>
+              </a:rPr>
+              <a:t>Disable SMT (however RIDL still possible in single-thread)</a:t>
+            </a:r>
+            <a:endParaRPr b="0" lang="it-IT" sz="2400" spc="-1" strike="noStrike">
+              <a:latin typeface="Arial"/>
+            </a:endParaRPr>
+          </a:p>
+          <a:p>
+            <a:pPr marL="457200" indent="-456120">
+              <a:lnSpc>
+                <a:spcPct val="150000"/>
+              </a:lnSpc>
+              <a:spcBef>
+                <a:spcPts val="1001"/>
+              </a:spcBef>
+              <a:buClr>
+                <a:srgbClr val="000000"/>
+              </a:buClr>
+              <a:buFont typeface="Arial"/>
+              <a:buAutoNum type="arabicPeriod"/>
+            </a:pPr>
+            <a:r>
+              <a:rPr b="0" lang="it-IT" sz="2400" spc="-1" strike="noStrike">
+                <a:solidFill>
+                  <a:srgbClr val="000000"/>
+                </a:solidFill>
+                <a:latin typeface="Arial"/>
+                <a:ea typeface="DejaVu Sans"/>
+              </a:rPr>
+              <a:t>Flush the LFB when returing to less privileged environment (not easiliy done in SW for HW-based components such as SGX and MMU)</a:t>
+            </a:r>
+            <a:endParaRPr b="0" lang="it-IT" sz="2400" spc="-1" strike="noStrike">
+              <a:latin typeface="Arial"/>
+            </a:endParaRPr>
+          </a:p>
+          <a:p>
+            <a:pPr>
+              <a:lnSpc>
+                <a:spcPct val="150000"/>
+              </a:lnSpc>
+              <a:spcBef>
+                <a:spcPts val="1001"/>
+              </a:spcBef>
+            </a:pPr>
+            <a:endParaRPr b="0" lang="it-IT" sz="2400" spc="-1" strike="noStrike">
+              <a:latin typeface="Arial"/>
+            </a:endParaRPr>
+          </a:p>
+        </p:txBody>
+      </p:sp>
+      <p:sp>
+        <p:nvSpPr>
+          <p:cNvPr id="177" name="CustomShape 3"/>
+          <p:cNvSpPr/>
+          <p:nvPr/>
+        </p:nvSpPr>
+        <p:spPr>
+          <a:xfrm>
+            <a:off x="504000" y="3400560"/>
+            <a:ext cx="9070560" cy="2161080"/>
+          </a:xfrm>
+          <a:prstGeom prst="rect">
+            <a:avLst/>
+          </a:prstGeom>
+          <a:noFill/>
+          <a:ln w="0">
+            <a:noFill/>
+          </a:ln>
+        </p:spPr>
+        <p:style>
+          <a:lnRef idx="0"/>
+          <a:fillRef idx="0"/>
+          <a:effectRef idx="0"/>
+          <a:fontRef idx="minor"/>
+        </p:style>
+        <p:txBody>
+          <a:bodyPr lIns="90000" rIns="90000" tIns="45000" bIns="45000">
+            <a:noAutofit/>
+          </a:bodyPr>
+          <a:p>
+            <a:pPr>
+              <a:lnSpc>
+                <a:spcPct val="100000"/>
+              </a:lnSpc>
+            </a:pPr>
+            <a:r>
+              <a:rPr b="0" lang="it-IT" sz="2400" spc="-1" strike="noStrike">
+                <a:solidFill>
+                  <a:srgbClr val="000000"/>
+                </a:solidFill>
+                <a:latin typeface="Arial"/>
+                <a:ea typeface="DejaVu Sans"/>
+              </a:rPr>
+              <a:t>Foreshadow mitigation </a:t>
+            </a:r>
+            <a:r>
+              <a:rPr b="0" lang="it-IT" sz="2400" spc="-1" strike="noStrike">
+                <a:solidFill>
+                  <a:srgbClr val="000000"/>
+                </a:solidFill>
+                <a:latin typeface="Wingdings"/>
+                <a:ea typeface="DejaVu Sans"/>
+              </a:rPr>
+              <a:t>→ </a:t>
+            </a:r>
+            <a:r>
+              <a:rPr b="0" lang="it-IT" sz="2400" spc="-1" strike="noStrike">
+                <a:solidFill>
+                  <a:srgbClr val="000000"/>
+                </a:solidFill>
+                <a:latin typeface="Arial"/>
+                <a:ea typeface="DejaVu Sans"/>
+              </a:rPr>
+              <a:t>L1 cache flushing (expensive)</a:t>
+            </a:r>
+            <a:endParaRPr b="0" lang="it-IT" sz="2400" spc="-1" strike="noStrike">
+              <a:latin typeface="Arial"/>
+            </a:endParaRPr>
+          </a:p>
+          <a:p>
+            <a:pPr>
+              <a:lnSpc>
+                <a:spcPct val="100000"/>
+              </a:lnSpc>
+            </a:pPr>
+            <a:r>
+              <a:rPr b="0" lang="it-IT" sz="2400" spc="-1" strike="noStrike">
+                <a:solidFill>
+                  <a:srgbClr val="000000"/>
+                </a:solidFill>
+                <a:latin typeface="Arial"/>
+                <a:ea typeface="DejaVu Sans"/>
+              </a:rPr>
+              <a:t>RIDL mitigation </a:t>
+            </a:r>
+            <a:r>
+              <a:rPr b="0" lang="it-IT" sz="2400" spc="-1" strike="noStrike">
+                <a:solidFill>
+                  <a:srgbClr val="000000"/>
+                </a:solidFill>
+                <a:latin typeface="Wingdings"/>
+                <a:ea typeface="DejaVu Sans"/>
+              </a:rPr>
+              <a:t>→</a:t>
+            </a:r>
+            <a:r>
+              <a:rPr b="0" lang="it-IT" sz="2400" spc="-1" strike="noStrike">
+                <a:solidFill>
+                  <a:srgbClr val="000000"/>
+                </a:solidFill>
+                <a:latin typeface="Arial"/>
+                <a:ea typeface="DejaVu Sans"/>
+              </a:rPr>
+              <a:t> L1 cache flushing + LFB flushing on every context switch (even more expensive)</a:t>
+            </a:r>
+            <a:endParaRPr b="0" lang="it-IT" sz="2400" spc="-1" strike="noStrike">
+              <a:latin typeface="Arial"/>
+            </a:endParaRPr>
+          </a:p>
+          <a:p>
+            <a:pPr>
+              <a:lnSpc>
+                <a:spcPct val="100000"/>
+              </a:lnSpc>
+            </a:pPr>
+            <a:endParaRPr b="0" lang="it-IT" sz="2400" spc="-1" strike="noStrike">
+              <a:latin typeface="Arial"/>
+            </a:endParaRPr>
+          </a:p>
+          <a:p>
+            <a:pPr>
+              <a:lnSpc>
+                <a:spcPct val="100000"/>
+              </a:lnSpc>
+            </a:pPr>
+            <a:r>
+              <a:rPr b="0" lang="it-IT" sz="2400" spc="-1" strike="noStrike">
+                <a:solidFill>
+                  <a:srgbClr val="000000"/>
+                </a:solidFill>
+                <a:latin typeface="Arial"/>
+                <a:ea typeface="DejaVu Sans"/>
+              </a:rPr>
+              <a:t>Probably too expensive to be useful in practice</a:t>
+            </a:r>
+            <a:endParaRPr b="0" lang="it-IT" sz="2400" spc="-1" strike="noStrike">
+              <a:latin typeface="Arial"/>
+            </a:endParaRPr>
+          </a:p>
+        </p:txBody>
+      </p:sp>
+    </p:spTree>
+  </p:cSld>
+  <mc:AlternateContent>
+    <mc:Choice Requires="p14">
+      <p:transition spd="slow" p14:dur="2000"/>
+    </mc:Choice>
+    <mc:Fallback>
+      <p:transition spd="slow"/>
+    </mc:Fallback>
+  </mc:AlternateContent>
+</p:sld>
+</file>
+
+<file path=ppt/slides/slide15.xml><?xml version="1.0" encoding="utf-8"?>
+<p:sld xmlns:a="http://schemas.openxmlformats.org/drawingml/2006/main" xmlns:p="http://schemas.openxmlformats.org/presentationml/2006/main" xmlns:r="http://schemas.openxmlformats.org/officeDocument/2006/relationships" xmlns:p14="http://schemas.microsoft.com/office/powerpoint/2010/main" xmlns:p15="http://schemas.microsoft.com/office/powerpoint/2012/main" xmlns:mc="http://schemas.openxmlformats.org/markup-compatibility/2006">
+  <p:cSld>
+    <p:spTree>
+      <p:nvGrpSpPr>
+        <p:cNvPr id="1" name=""/>
+        <p:cNvGrpSpPr/>
+        <p:nvPr/>
+      </p:nvGrpSpPr>
+      <p:grpSpPr>
+        <a:xfrm>
+          <a:off x="0" y="0"/>
+          <a:ext cx="0" cy="0"/>
+          <a:chOff x="0" y="0"/>
+          <a:chExt cx="0" cy="0"/>
+        </a:xfrm>
+      </p:grpSpPr>
+      <p:sp>
+        <p:nvSpPr>
+          <p:cNvPr id="178" name="CustomShape 1"/>
+          <p:cNvSpPr/>
+          <p:nvPr/>
+        </p:nvSpPr>
+        <p:spPr>
+          <a:xfrm>
+            <a:off x="504000" y="226080"/>
+            <a:ext cx="9070560" cy="718560"/>
+          </a:xfrm>
+          <a:prstGeom prst="rect">
+            <a:avLst/>
+          </a:prstGeom>
+          <a:noFill/>
+          <a:ln w="0">
+            <a:noFill/>
+          </a:ln>
+        </p:spPr>
+        <p:style>
+          <a:lnRef idx="0"/>
+          <a:fillRef idx="0"/>
+          <a:effectRef idx="0"/>
+          <a:fontRef idx="minor"/>
+        </p:style>
+        <p:txBody>
+          <a:bodyPr lIns="0" rIns="0" tIns="0" bIns="0" anchor="ctr">
+            <a:noAutofit/>
+          </a:bodyPr>
+          <a:p>
+            <a:pPr algn="ctr">
+              <a:lnSpc>
+                <a:spcPct val="90000"/>
+              </a:lnSpc>
+            </a:pPr>
+            <a:r>
+              <a:rPr b="0" lang="it-IT" sz="4400" spc="-1" strike="noStrike">
+                <a:solidFill>
+                  <a:srgbClr val="000000"/>
+                </a:solidFill>
+                <a:latin typeface="Arial"/>
+                <a:ea typeface="DejaVu Sans"/>
+              </a:rPr>
+              <a:t>Future directions for RIDL mitigation</a:t>
+            </a:r>
+            <a:endParaRPr b="0" lang="it-IT" sz="4400" spc="-1" strike="noStrike">
+              <a:latin typeface="Arial"/>
+            </a:endParaRPr>
+          </a:p>
+        </p:txBody>
+      </p:sp>
+      <p:sp>
+        <p:nvSpPr>
+          <p:cNvPr id="179" name="CustomShape 2"/>
+          <p:cNvSpPr/>
+          <p:nvPr/>
+        </p:nvSpPr>
+        <p:spPr>
+          <a:xfrm>
+            <a:off x="504000" y="1121040"/>
+            <a:ext cx="9070560" cy="2430720"/>
+          </a:xfrm>
+          <a:prstGeom prst="rect">
+            <a:avLst/>
+          </a:prstGeom>
+          <a:noFill/>
+          <a:ln w="0">
+            <a:noFill/>
+          </a:ln>
+        </p:spPr>
+        <p:style>
+          <a:lnRef idx="0"/>
+          <a:fillRef idx="0"/>
+          <a:effectRef idx="0"/>
+          <a:fontRef idx="minor"/>
+        </p:style>
+        <p:txBody>
+          <a:bodyPr lIns="0" rIns="0" tIns="0" bIns="0" anchor="ctr">
+            <a:noAutofit/>
+          </a:bodyPr>
+          <a:p>
+            <a:pPr marL="457200" indent="-456120">
               <a:lnSpc>
                 <a:spcPct val="150000"/>
               </a:lnSpc>
@@ -7796,18 +7711,13 @@
             </a:endParaRPr>
           </a:p>
           <a:p>
-            <a:pPr marL="457200" indent="-456840">
+            <a:pPr>
               <a:lnSpc>
                 <a:spcPct val="150000"/>
               </a:lnSpc>
               <a:spcBef>
                 <a:spcPts val="1001"/>
               </a:spcBef>
-              <a:buClr>
-                <a:srgbClr val="000000"/>
-              </a:buClr>
-              <a:buFont typeface="Arial"/>
-              <a:buChar char="•"/>
             </a:pPr>
             <a:r>
               <a:rPr b="0" lang="it-IT" sz="2400" spc="-1" strike="noStrike">
@@ -7847,7 +7757,7 @@
                 <a:latin typeface="Wingdings"/>
                 <a:ea typeface="DejaVu Sans"/>
               </a:rPr>
-              <a:t></a:t>
+              <a:t>→</a:t>
             </a:r>
             <a:r>
               <a:rPr b="0" lang="it-IT" sz="2400" spc="-1" strike="noStrike">
@@ -7867,14 +7777,14 @@
       </p:sp>
       <p:sp>
         <p:nvSpPr>
-          <p:cNvPr id="178" name="TextShape 3"/>
-          <p:cNvSpPr txBox="1"/>
+          <p:cNvPr id="180" name="CustomShape 3"/>
+          <p:cNvSpPr/>
           <p:nvPr/>
         </p:nvSpPr>
         <p:spPr>
           <a:xfrm>
             <a:off x="504000" y="3225960"/>
-            <a:ext cx="9071280" cy="2217960"/>
+            <a:ext cx="9070560" cy="2217240"/>
           </a:xfrm>
           <a:prstGeom prst="rect">
             <a:avLst/>
@@ -7884,12 +7794,18 @@
             <a:noFill/>
           </a:ln>
         </p:spPr>
+        <p:style>
+          <a:lnRef idx="0"/>
+          <a:fillRef idx="0"/>
+          <a:effectRef idx="0"/>
+          <a:fontRef idx="minor"/>
+        </p:style>
         <p:txBody>
           <a:bodyPr lIns="0" rIns="0" tIns="0" bIns="0" anchor="ctr">
             <a:noAutofit/>
           </a:bodyPr>
           <a:p>
-            <a:pPr marL="457200" indent="-456840">
+            <a:pPr marL="457200" indent="-456120">
               <a:lnSpc>
                 <a:spcPct val="90000"/>
               </a:lnSpc>
@@ -7913,6 +7829,553 @@
               <a:t>Rather than spot mitigations, developement and deployment of more fundamental ones</a:t>
             </a:r>
             <a:endParaRPr b="0" lang="it-IT" sz="2400" spc="-1" strike="noStrike">
+              <a:latin typeface="Arial"/>
+            </a:endParaRPr>
+          </a:p>
+        </p:txBody>
+      </p:sp>
+    </p:spTree>
+  </p:cSld>
+  <mc:AlternateContent>
+    <mc:Choice Requires="p14">
+      <p:transition spd="slow" p14:dur="2000"/>
+    </mc:Choice>
+    <mc:Fallback>
+      <p:transition spd="slow"/>
+    </mc:Fallback>
+  </mc:AlternateContent>
+</p:sld>
+</file>
+
+<file path=ppt/slides/slide16.xml><?xml version="1.0" encoding="utf-8"?>
+<p:sld xmlns:a="http://schemas.openxmlformats.org/drawingml/2006/main" xmlns:p="http://schemas.openxmlformats.org/presentationml/2006/main" xmlns:r="http://schemas.openxmlformats.org/officeDocument/2006/relationships" xmlns:p14="http://schemas.microsoft.com/office/powerpoint/2010/main" xmlns:p15="http://schemas.microsoft.com/office/powerpoint/2012/main" xmlns:mc="http://schemas.openxmlformats.org/markup-compatibility/2006">
+  <p:cSld>
+    <p:spTree>
+      <p:nvGrpSpPr>
+        <p:cNvPr id="1" name=""/>
+        <p:cNvGrpSpPr/>
+        <p:nvPr/>
+      </p:nvGrpSpPr>
+      <p:grpSpPr>
+        <a:xfrm>
+          <a:off x="0" y="0"/>
+          <a:ext cx="0" cy="0"/>
+          <a:chOff x="0" y="0"/>
+          <a:chExt cx="0" cy="0"/>
+        </a:xfrm>
+      </p:grpSpPr>
+      <p:sp>
+        <p:nvSpPr>
+          <p:cNvPr id="181" name="CustomShape 1"/>
+          <p:cNvSpPr/>
+          <p:nvPr/>
+        </p:nvSpPr>
+        <p:spPr>
+          <a:xfrm>
+            <a:off x="504000" y="226080"/>
+            <a:ext cx="9070560" cy="945360"/>
+          </a:xfrm>
+          <a:prstGeom prst="rect">
+            <a:avLst/>
+          </a:prstGeom>
+          <a:noFill/>
+          <a:ln w="0">
+            <a:noFill/>
+          </a:ln>
+        </p:spPr>
+        <p:style>
+          <a:lnRef idx="0"/>
+          <a:fillRef idx="0"/>
+          <a:effectRef idx="0"/>
+          <a:fontRef idx="minor"/>
+        </p:style>
+        <p:txBody>
+          <a:bodyPr lIns="0" rIns="0" tIns="0" bIns="0" anchor="ctr">
+            <a:noAutofit/>
+          </a:bodyPr>
+          <a:p>
+            <a:pPr algn="ctr">
+              <a:lnSpc>
+                <a:spcPct val="100000"/>
+              </a:lnSpc>
+            </a:pPr>
+            <a:r>
+              <a:rPr b="0" lang="it-IT" sz="4400" spc="-1" strike="noStrike">
+                <a:latin typeface="Arial"/>
+              </a:rPr>
+              <a:t>Secure design tips </a:t>
+            </a:r>
+            <a:endParaRPr b="0" lang="it-IT" sz="4400" spc="-1" strike="noStrike">
+              <a:latin typeface="Arial"/>
+            </a:endParaRPr>
+          </a:p>
+        </p:txBody>
+      </p:sp>
+      <p:sp>
+        <p:nvSpPr>
+          <p:cNvPr id="182" name="TextShape 2"/>
+          <p:cNvSpPr txBox="1"/>
+          <p:nvPr/>
+        </p:nvSpPr>
+        <p:spPr>
+          <a:xfrm>
+            <a:off x="4860000" y="1260000"/>
+            <a:ext cx="5040000" cy="2608560"/>
+          </a:xfrm>
+          <a:prstGeom prst="rect">
+            <a:avLst/>
+          </a:prstGeom>
+          <a:noFill/>
+          <a:ln w="0">
+            <a:noFill/>
+          </a:ln>
+        </p:spPr>
+        <p:txBody>
+          <a:bodyPr lIns="90000" rIns="90000" tIns="45000" bIns="45000">
+            <a:noAutofit/>
+          </a:bodyPr>
+          <a:p>
+            <a:pPr>
+              <a:lnSpc>
+                <a:spcPct val="150000"/>
+              </a:lnSpc>
+              <a:spcBef>
+                <a:spcPts val="1001"/>
+              </a:spcBef>
+            </a:pPr>
+            <a:r>
+              <a:rPr b="0" lang="it-IT" sz="1800" spc="-1" strike="noStrike">
+                <a:solidFill>
+                  <a:srgbClr val="000000"/>
+                </a:solidFill>
+                <a:latin typeface="Arial"/>
+                <a:ea typeface="DejaVu Sans"/>
+              </a:rPr>
+              <a:t>The shared buffer communication technique is by design unsecure and should be avoided for every security critical task </a:t>
+            </a:r>
+            <a:r>
+              <a:rPr b="0" lang="it-IT" sz="2400" spc="-1" strike="noStrike">
+                <a:solidFill>
+                  <a:srgbClr val="000000"/>
+                </a:solidFill>
+                <a:latin typeface="Wingdings"/>
+                <a:ea typeface="DejaVu Sans"/>
+              </a:rPr>
+              <a:t>→ </a:t>
+            </a:r>
+            <a:endParaRPr b="0" lang="it-IT" sz="2400" spc="-1" strike="noStrike">
+              <a:latin typeface="Arial"/>
+            </a:endParaRPr>
+          </a:p>
+          <a:p>
+            <a:pPr>
+              <a:lnSpc>
+                <a:spcPct val="150000"/>
+              </a:lnSpc>
+              <a:spcBef>
+                <a:spcPts val="1001"/>
+              </a:spcBef>
+            </a:pPr>
+            <a:r>
+              <a:rPr b="0" lang="it-IT" sz="1800" spc="-1" strike="noStrike">
+                <a:solidFill>
+                  <a:srgbClr val="000000"/>
+                </a:solidFill>
+                <a:latin typeface="Arial"/>
+                <a:ea typeface="DejaVu Sans"/>
+              </a:rPr>
+              <a:t>A dedicated communication interface for the access to shared resources has to be adopted when possible;</a:t>
+            </a:r>
+            <a:endParaRPr b="0" lang="it-IT" sz="1800" spc="-1" strike="noStrike">
+              <a:latin typeface="Arial"/>
+            </a:endParaRPr>
+          </a:p>
+        </p:txBody>
+      </p:sp>
+      <p:sp>
+        <p:nvSpPr>
+          <p:cNvPr id="183" name="CustomShape 3"/>
+          <p:cNvSpPr/>
+          <p:nvPr/>
+        </p:nvSpPr>
+        <p:spPr>
+          <a:xfrm rot="1800">
+            <a:off x="-110880" y="1617840"/>
+            <a:ext cx="9645480" cy="2080080"/>
+          </a:xfrm>
+          <a:prstGeom prst="rect">
+            <a:avLst/>
+          </a:prstGeom>
+          <a:noFill/>
+          <a:ln w="0">
+            <a:noFill/>
+          </a:ln>
+        </p:spPr>
+        <p:style>
+          <a:lnRef idx="0"/>
+          <a:fillRef idx="0"/>
+          <a:effectRef idx="0"/>
+          <a:fontRef idx="minor"/>
+        </p:style>
+      </p:sp>
+      <p:sp>
+        <p:nvSpPr>
+          <p:cNvPr id="184" name="CustomShape 4"/>
+          <p:cNvSpPr/>
+          <p:nvPr/>
+        </p:nvSpPr>
+        <p:spPr>
+          <a:xfrm>
+            <a:off x="360000" y="1249200"/>
+            <a:ext cx="9359640" cy="4150440"/>
+          </a:xfrm>
+          <a:prstGeom prst="rect">
+            <a:avLst/>
+          </a:prstGeom>
+          <a:noFill/>
+          <a:ln w="0">
+            <a:noFill/>
+          </a:ln>
+        </p:spPr>
+        <p:style>
+          <a:lnRef idx="0"/>
+          <a:fillRef idx="0"/>
+          <a:effectRef idx="0"/>
+          <a:fontRef idx="minor"/>
+        </p:style>
+      </p:sp>
+      <p:pic>
+        <p:nvPicPr>
+          <p:cNvPr id="185" name="Immagine 3_0" descr="Immagine che contiene testo, segnale, screenshot&#10;&#10;Descrizione generata automaticamente"/>
+          <p:cNvPicPr/>
+          <p:nvPr/>
+        </p:nvPicPr>
+        <p:blipFill>
+          <a:blip r:embed="rId1"/>
+          <a:stretch/>
+        </p:blipFill>
+        <p:spPr>
+          <a:xfrm>
+            <a:off x="431280" y="1440000"/>
+            <a:ext cx="4248720" cy="2465640"/>
+          </a:xfrm>
+          <a:prstGeom prst="rect">
+            <a:avLst/>
+          </a:prstGeom>
+          <a:ln w="0">
+            <a:noFill/>
+          </a:ln>
+        </p:spPr>
+      </p:pic>
+      <p:sp>
+        <p:nvSpPr>
+          <p:cNvPr id="186" name="TextShape 5"/>
+          <p:cNvSpPr txBox="1"/>
+          <p:nvPr/>
+        </p:nvSpPr>
+        <p:spPr>
+          <a:xfrm>
+            <a:off x="360000" y="4140000"/>
+            <a:ext cx="9359640" cy="1259640"/>
+          </a:xfrm>
+          <a:prstGeom prst="rect">
+            <a:avLst/>
+          </a:prstGeom>
+          <a:noFill/>
+          <a:ln w="0">
+            <a:noFill/>
+          </a:ln>
+        </p:spPr>
+        <p:txBody>
+          <a:bodyPr lIns="90000" rIns="90000" tIns="45000" bIns="45000">
+            <a:noAutofit/>
+          </a:bodyPr>
+          <a:p>
+            <a:pPr>
+              <a:lnSpc>
+                <a:spcPct val="150000"/>
+              </a:lnSpc>
+              <a:spcBef>
+                <a:spcPts val="1001"/>
+              </a:spcBef>
+            </a:pPr>
+            <a:r>
+              <a:rPr b="1" lang="it-IT" sz="2000" spc="-1" strike="noStrike">
+                <a:solidFill>
+                  <a:srgbClr val="000000"/>
+                </a:solidFill>
+                <a:latin typeface="Arial"/>
+                <a:ea typeface="DejaVu Sans"/>
+              </a:rPr>
+              <a:t>Drawback</a:t>
+            </a:r>
+            <a:r>
+              <a:rPr b="0" lang="it-IT" sz="2000" spc="-1" strike="noStrike">
+                <a:solidFill>
+                  <a:srgbClr val="000000"/>
+                </a:solidFill>
+                <a:latin typeface="Arial"/>
+                <a:ea typeface="DejaVu Sans"/>
+              </a:rPr>
+              <a:t> </a:t>
+            </a:r>
+            <a:r>
+              <a:rPr b="0" lang="it-IT" sz="2400" spc="-1" strike="noStrike">
+                <a:solidFill>
+                  <a:srgbClr val="000000"/>
+                </a:solidFill>
+                <a:latin typeface="Wingdings"/>
+                <a:ea typeface="DejaVu Sans"/>
+              </a:rPr>
+              <a:t>→ </a:t>
+            </a:r>
+            <a:r>
+              <a:rPr b="0" lang="it-IT" sz="2000" spc="-1" strike="noStrike">
+                <a:solidFill>
+                  <a:srgbClr val="000000"/>
+                </a:solidFill>
+                <a:latin typeface="Arial"/>
+                <a:ea typeface="DejaVu Sans"/>
+              </a:rPr>
+              <a:t>Dedicated lines are more complex to implement, involving more hadware components, causing higher powe consumption of the chip.</a:t>
+            </a:r>
+            <a:endParaRPr b="0" lang="it-IT" sz="2000" spc="-1" strike="noStrike">
+              <a:latin typeface="Arial"/>
+            </a:endParaRPr>
+          </a:p>
+        </p:txBody>
+      </p:sp>
+    </p:spTree>
+  </p:cSld>
+  <mc:AlternateContent>
+    <mc:Choice Requires="p14">
+      <p:transition spd="slow" p14:dur="2000"/>
+    </mc:Choice>
+    <mc:Fallback>
+      <p:transition spd="slow"/>
+    </mc:Fallback>
+  </mc:AlternateContent>
+</p:sld>
+</file>
+
+<file path=ppt/slides/slide17.xml><?xml version="1.0" encoding="utf-8"?>
+<p:sld xmlns:a="http://schemas.openxmlformats.org/drawingml/2006/main" xmlns:p="http://schemas.openxmlformats.org/presentationml/2006/main" xmlns:r="http://schemas.openxmlformats.org/officeDocument/2006/relationships" xmlns:p14="http://schemas.microsoft.com/office/powerpoint/2010/main" xmlns:p15="http://schemas.microsoft.com/office/powerpoint/2012/main" xmlns:mc="http://schemas.openxmlformats.org/markup-compatibility/2006">
+  <p:cSld>
+    <p:spTree>
+      <p:nvGrpSpPr>
+        <p:cNvPr id="1" name=""/>
+        <p:cNvGrpSpPr/>
+        <p:nvPr/>
+      </p:nvGrpSpPr>
+      <p:grpSpPr>
+        <a:xfrm>
+          <a:off x="0" y="0"/>
+          <a:ext cx="0" cy="0"/>
+          <a:chOff x="0" y="0"/>
+          <a:chExt cx="0" cy="0"/>
+        </a:xfrm>
+      </p:grpSpPr>
+      <p:sp>
+        <p:nvSpPr>
+          <p:cNvPr id="187" name="CustomShape 1"/>
+          <p:cNvSpPr/>
+          <p:nvPr/>
+        </p:nvSpPr>
+        <p:spPr>
+          <a:xfrm>
+            <a:off x="504000" y="226080"/>
+            <a:ext cx="9070560" cy="945360"/>
+          </a:xfrm>
+          <a:prstGeom prst="rect">
+            <a:avLst/>
+          </a:prstGeom>
+          <a:noFill/>
+          <a:ln w="0">
+            <a:noFill/>
+          </a:ln>
+        </p:spPr>
+        <p:style>
+          <a:lnRef idx="0"/>
+          <a:fillRef idx="0"/>
+          <a:effectRef idx="0"/>
+          <a:fontRef idx="minor"/>
+        </p:style>
+        <p:txBody>
+          <a:bodyPr lIns="0" rIns="0" tIns="0" bIns="0" anchor="ctr">
+            <a:noAutofit/>
+          </a:bodyPr>
+          <a:p>
+            <a:pPr algn="ctr">
+              <a:lnSpc>
+                <a:spcPct val="100000"/>
+              </a:lnSpc>
+            </a:pPr>
+            <a:r>
+              <a:rPr b="0" lang="it-IT" sz="4400" spc="-1" strike="noStrike">
+                <a:latin typeface="Arial"/>
+              </a:rPr>
+              <a:t>Secure design tips</a:t>
+            </a:r>
+            <a:endParaRPr b="0" lang="it-IT" sz="4400" spc="-1" strike="noStrike">
+              <a:latin typeface="Arial"/>
+            </a:endParaRPr>
+          </a:p>
+        </p:txBody>
+      </p:sp>
+      <p:sp>
+        <p:nvSpPr>
+          <p:cNvPr id="188" name="CustomShape 2"/>
+          <p:cNvSpPr/>
+          <p:nvPr/>
+        </p:nvSpPr>
+        <p:spPr>
+          <a:xfrm rot="1800">
+            <a:off x="-110880" y="1617840"/>
+            <a:ext cx="9645480" cy="2080080"/>
+          </a:xfrm>
+          <a:prstGeom prst="rect">
+            <a:avLst/>
+          </a:prstGeom>
+          <a:noFill/>
+          <a:ln w="0">
+            <a:noFill/>
+          </a:ln>
+        </p:spPr>
+        <p:style>
+          <a:lnRef idx="0"/>
+          <a:fillRef idx="0"/>
+          <a:effectRef idx="0"/>
+          <a:fontRef idx="minor"/>
+        </p:style>
+      </p:sp>
+      <p:sp>
+        <p:nvSpPr>
+          <p:cNvPr id="189" name="CustomShape 3"/>
+          <p:cNvSpPr/>
+          <p:nvPr/>
+        </p:nvSpPr>
+        <p:spPr>
+          <a:xfrm>
+            <a:off x="360000" y="1249200"/>
+            <a:ext cx="9359640" cy="4150440"/>
+          </a:xfrm>
+          <a:prstGeom prst="rect">
+            <a:avLst/>
+          </a:prstGeom>
+          <a:noFill/>
+          <a:ln w="0">
+            <a:noFill/>
+          </a:ln>
+        </p:spPr>
+        <p:style>
+          <a:lnRef idx="0"/>
+          <a:fillRef idx="0"/>
+          <a:effectRef idx="0"/>
+          <a:fontRef idx="minor"/>
+        </p:style>
+        <p:txBody>
+          <a:bodyPr lIns="90000" rIns="90000" tIns="45000" bIns="45000">
+            <a:noAutofit/>
+          </a:bodyPr>
+          <a:p>
+            <a:pPr>
+              <a:lnSpc>
+                <a:spcPct val="150000"/>
+              </a:lnSpc>
+              <a:spcBef>
+                <a:spcPts val="1001"/>
+              </a:spcBef>
+            </a:pPr>
+            <a:r>
+              <a:rPr b="0" lang="it-IT" sz="2000" spc="-1" strike="noStrike">
+                <a:solidFill>
+                  <a:srgbClr val="000000"/>
+                </a:solidFill>
+                <a:latin typeface="Arial"/>
+                <a:ea typeface="DejaVu Sans"/>
+              </a:rPr>
+              <a:t>In order to prevent data leakage through FLUSH+RELOAD cache side channel, we have to invalidate cache loads executed during a speculative window.  This implies keeping track of which instruction requested every load. Then, in commit phase, </a:t>
+            </a:r>
+            <a:r>
+              <a:rPr b="0" lang="it-IT" sz="2000" spc="-1" strike="noStrike">
+                <a:solidFill>
+                  <a:srgbClr val="000000"/>
+                </a:solidFill>
+                <a:latin typeface="Arial"/>
+                <a:ea typeface="DejaVu Sans"/>
+              </a:rPr>
+              <a:t>speculatively loaded cache lines have to be invalidated.  </a:t>
+            </a:r>
+            <a:endParaRPr b="0" lang="it-IT" sz="2000" spc="-1" strike="noStrike">
+              <a:latin typeface="Arial"/>
+            </a:endParaRPr>
+          </a:p>
+          <a:p>
+            <a:pPr>
+              <a:lnSpc>
+                <a:spcPct val="150000"/>
+              </a:lnSpc>
+              <a:spcBef>
+                <a:spcPts val="1001"/>
+              </a:spcBef>
+            </a:pPr>
+            <a:r>
+              <a:rPr b="0" lang="it-IT" sz="2000" spc="-1" strike="noStrike">
+                <a:solidFill>
+                  <a:srgbClr val="000000"/>
+                </a:solidFill>
+                <a:latin typeface="Arial"/>
+                <a:ea typeface="DejaVu Sans"/>
+              </a:rPr>
+              <a:t>This solution comes with two high performance drawbacks:</a:t>
+            </a:r>
+            <a:endParaRPr b="0" lang="it-IT" sz="2000" spc="-1" strike="noStrike">
+              <a:latin typeface="Arial"/>
+            </a:endParaRPr>
+          </a:p>
+          <a:p>
+            <a:pPr>
+              <a:lnSpc>
+                <a:spcPct val="150000"/>
+              </a:lnSpc>
+              <a:spcBef>
+                <a:spcPts val="1001"/>
+              </a:spcBef>
+            </a:pPr>
+            <a:r>
+              <a:rPr b="0" lang="it-IT" sz="2000" spc="-1" strike="noStrike">
+                <a:solidFill>
+                  <a:srgbClr val="000000"/>
+                </a:solidFill>
+                <a:latin typeface="Arial"/>
+                <a:ea typeface="DejaVu Sans"/>
+              </a:rPr>
+              <a:t>- A lot of hardware has to be added just to implement security checks</a:t>
+            </a:r>
+            <a:endParaRPr b="0" lang="it-IT" sz="2000" spc="-1" strike="noStrike">
+              <a:latin typeface="Arial"/>
+            </a:endParaRPr>
+          </a:p>
+          <a:p>
+            <a:pPr>
+              <a:lnSpc>
+                <a:spcPct val="150000"/>
+              </a:lnSpc>
+              <a:spcBef>
+                <a:spcPts val="1001"/>
+              </a:spcBef>
+            </a:pPr>
+            <a:r>
+              <a:rPr b="0" lang="it-IT" sz="2000" spc="-1" strike="noStrike">
+                <a:solidFill>
+                  <a:srgbClr val="000000"/>
+                </a:solidFill>
+                <a:latin typeface="Arial"/>
+                <a:ea typeface="DejaVu Sans"/>
+              </a:rPr>
+              <a:t>- Even not malicious loads have to be flushed, causing sub-optimal cache management  (can be mitigated by compilers optimizations)</a:t>
+            </a:r>
+            <a:endParaRPr b="0" lang="it-IT" sz="2000" spc="-1" strike="noStrike">
               <a:latin typeface="Arial"/>
             </a:endParaRPr>
           </a:p>
@@ -7957,7 +8420,7 @@
         <p:spPr>
           <a:xfrm>
             <a:off x="720000" y="360000"/>
-            <a:ext cx="8675280" cy="1249920"/>
+            <a:ext cx="8674560" cy="1249200"/>
           </a:xfrm>
           <a:prstGeom prst="rect">
             <a:avLst/>
@@ -8012,7 +8475,7 @@
         <p:spPr>
           <a:xfrm>
             <a:off x="297360" y="1713600"/>
-            <a:ext cx="3066480" cy="2738160"/>
+            <a:ext cx="3065760" cy="2737440"/>
           </a:xfrm>
           <a:prstGeom prst="rect">
             <a:avLst/>
@@ -8031,7 +8494,7 @@
         <p:spPr>
           <a:xfrm>
             <a:off x="3236400" y="1861920"/>
-            <a:ext cx="5348520" cy="601920"/>
+            <a:ext cx="5347800" cy="601200"/>
           </a:xfrm>
           <a:prstGeom prst="rect">
             <a:avLst/>
@@ -8052,7 +8515,7 @@
             <a:noAutofit/>
           </a:bodyPr>
           <a:p>
-            <a:pPr marL="216000" indent="-215640">
+            <a:pPr marL="216000" indent="-214920">
               <a:lnSpc>
                 <a:spcPct val="100000"/>
               </a:lnSpc>
@@ -8098,7 +8561,7 @@
         <p:spPr>
           <a:xfrm>
             <a:off x="3265200" y="3633840"/>
-            <a:ext cx="5346000" cy="656640"/>
+            <a:ext cx="5345280" cy="655920"/>
           </a:xfrm>
           <a:prstGeom prst="rect">
             <a:avLst/>
@@ -8119,7 +8582,7 @@
             <a:noAutofit/>
           </a:bodyPr>
           <a:p>
-            <a:pPr marL="216000" indent="-215640">
+            <a:pPr marL="216000" indent="-214920">
               <a:lnSpc>
                 <a:spcPct val="100000"/>
               </a:lnSpc>
@@ -8185,7 +8648,7 @@
         <p:spPr>
           <a:xfrm>
             <a:off x="3240000" y="2833920"/>
-            <a:ext cx="5939640" cy="656640"/>
+            <a:ext cx="5938920" cy="655920"/>
           </a:xfrm>
           <a:prstGeom prst="rect">
             <a:avLst/>
@@ -8206,7 +8669,7 @@
             <a:noAutofit/>
           </a:bodyPr>
           <a:p>
-            <a:pPr marL="216000" indent="-215640">
+            <a:pPr marL="216000" indent="-214920">
               <a:lnSpc>
                 <a:spcPct val="100000"/>
               </a:lnSpc>
@@ -8262,7 +8725,7 @@
         <p:spPr>
           <a:xfrm>
             <a:off x="518400" y="5038920"/>
-            <a:ext cx="2742840" cy="366120"/>
+            <a:ext cx="2742120" cy="364320"/>
           </a:xfrm>
           <a:prstGeom prst="rect">
             <a:avLst/>
@@ -8279,7 +8742,7 @@
           <a:fontRef idx="minor"/>
         </p:style>
         <p:txBody>
-          <a:bodyPr>
+          <a:bodyPr lIns="90000" rIns="90000" tIns="45000" bIns="45000">
             <a:spAutoFit/>
           </a:bodyPr>
           <a:p>
@@ -8334,9 +8797,60 @@
           <a:chExt cx="0" cy="0"/>
         </a:xfrm>
       </p:grpSpPr>
+      <p:sp>
+        <p:nvSpPr>
+          <p:cNvPr id="132" name="CustomShape 1"/>
+          <p:cNvSpPr/>
+          <p:nvPr/>
+        </p:nvSpPr>
+        <p:spPr>
+          <a:xfrm>
+            <a:off x="504000" y="226080"/>
+            <a:ext cx="9070560" cy="945360"/>
+          </a:xfrm>
+          <a:prstGeom prst="rect">
+            <a:avLst/>
+          </a:prstGeom>
+          <a:noFill/>
+          <a:ln w="0">
+            <a:noFill/>
+          </a:ln>
+        </p:spPr>
+        <p:style>
+          <a:lnRef idx="0"/>
+          <a:fillRef idx="0"/>
+          <a:effectRef idx="0"/>
+          <a:fontRef idx="minor"/>
+        </p:style>
+        <p:txBody>
+          <a:bodyPr lIns="0" rIns="0" tIns="0" bIns="0" anchor="ctr">
+            <a:noAutofit/>
+          </a:bodyPr>
+          <a:p>
+            <a:pPr algn="ctr">
+              <a:lnSpc>
+                <a:spcPct val="90000"/>
+              </a:lnSpc>
+            </a:pPr>
+            <a:r>
+              <a:rPr b="0" lang="it-IT" sz="4400" spc="-1" strike="noStrike">
+                <a:solidFill>
+                  <a:srgbClr val="000000"/>
+                </a:solidFill>
+                <a:latin typeface="Arial"/>
+                <a:ea typeface="DejaVu Sans"/>
+              </a:rPr>
+              <a:t>Line Fill Buffer (LFB)</a:t>
+            </a:r>
+            <a:endParaRPr b="0" lang="it-IT" sz="4400" spc="-1" strike="noStrike">
+              <a:latin typeface="Arial"/>
+            </a:endParaRPr>
+          </a:p>
+        </p:txBody>
+      </p:sp>
       <p:pic>
         <p:nvPicPr>
-          <p:cNvPr id="132" name="Immagine 2" descr=""/>
+          <p:cNvPr id="133" name="Immagine 3" descr=""/>
           <p:cNvPicPr/>
           <p:nvPr/>
         </p:nvPicPr>
@@ -8346,8 +8860,8 @@
         </p:blipFill>
         <p:spPr>
           <a:xfrm>
-            <a:off x="892080" y="2383560"/>
-            <a:ext cx="3492720" cy="2334600"/>
+            <a:off x="502560" y="1113840"/>
+            <a:ext cx="4716000" cy="3535920"/>
           </a:xfrm>
           <a:prstGeom prst="rect">
             <a:avLst/>
@@ -8359,72 +8873,14 @@
       </p:pic>
       <p:sp>
         <p:nvSpPr>
-          <p:cNvPr id="133" name="TextShape 1"/>
-          <p:cNvSpPr txBox="1"/>
-          <p:nvPr/>
-        </p:nvSpPr>
-        <p:spPr>
-          <a:xfrm>
-            <a:off x="433800" y="280800"/>
-            <a:ext cx="9071280" cy="946080"/>
-          </a:xfrm>
-          <a:prstGeom prst="rect">
-            <a:avLst/>
-          </a:prstGeom>
-          <a:noFill/>
-          <a:ln w="0">
-            <a:noFill/>
-          </a:ln>
-        </p:spPr>
-        <p:txBody>
-          <a:bodyPr lIns="0" rIns="0" tIns="0" bIns="0" anchor="ctr">
-            <a:noAutofit/>
-          </a:bodyPr>
-          <a:p>
-            <a:pPr algn="ctr">
-              <a:lnSpc>
-                <a:spcPct val="90000"/>
-              </a:lnSpc>
-            </a:pPr>
-            <a:r>
-              <a:rPr b="0" lang="it-IT" sz="4000" spc="-1" strike="noStrike">
-                <a:solidFill>
-                  <a:srgbClr val="000000"/>
-                </a:solidFill>
-                <a:latin typeface="Arial"/>
-                <a:ea typeface="Arial"/>
-              </a:rPr>
-              <a:t>µ-architectural</a:t>
-            </a:r>
-            <a:r>
-              <a:rPr b="0" lang="it-IT" sz="4000" spc="-1" strike="noStrike">
-                <a:solidFill>
-                  <a:srgbClr val="000000"/>
-                </a:solidFill>
-                <a:latin typeface="Arial"/>
-                <a:ea typeface="DejaVu Sans"/>
-              </a:rPr>
-              <a:t> (shared) buffers</a:t>
-            </a:r>
-            <a:endParaRPr b="0" lang="it-IT" sz="4000" spc="-1" strike="noStrike">
-              <a:solidFill>
-                <a:srgbClr val="000000"/>
-              </a:solidFill>
-              <a:latin typeface="Arial"/>
-            </a:endParaRPr>
-          </a:p>
-        </p:txBody>
-      </p:sp>
-      <p:sp>
-        <p:nvSpPr>
           <p:cNvPr id="134" name="CustomShape 2"/>
           <p:cNvSpPr/>
           <p:nvPr/>
         </p:nvSpPr>
         <p:spPr>
           <a:xfrm>
-            <a:off x="619920" y="1382760"/>
-            <a:ext cx="8516520" cy="640440"/>
+            <a:off x="354600" y="5132520"/>
+            <a:ext cx="9498960" cy="364320"/>
           </a:xfrm>
           <a:prstGeom prst="rect">
             <a:avLst/>
@@ -8441,7 +8897,7 @@
           <a:fontRef idx="minor"/>
         </p:style>
         <p:txBody>
-          <a:bodyPr>
+          <a:bodyPr lIns="90000" rIns="90000" tIns="45000" bIns="45000">
             <a:spAutoFit/>
           </a:bodyPr>
           <a:p>
@@ -8451,36 +8907,56 @@
               </a:lnSpc>
             </a:pPr>
             <a:r>
-              <a:rPr b="0" lang="it-IT" sz="1800" spc="-1" strike="noStrike">
-                <a:solidFill>
-                  <a:srgbClr val="000000"/>
-                </a:solidFill>
-                <a:latin typeface="Arial"/>
-                <a:ea typeface="DejaVu Sans"/>
-              </a:rPr>
-              <a:t>It is possible to discover and analyze the behaviour of µ-architectural buffers via </a:t>
-            </a:r>
-            <a:r>
-              <a:rPr b="1" lang="it-IT" sz="1800" spc="-1" strike="noStrike">
-                <a:solidFill>
-                  <a:srgbClr val="000000"/>
-                </a:solidFill>
-                <a:latin typeface="Arial"/>
-                <a:ea typeface="DejaVu Sans"/>
-              </a:rPr>
-              <a:t>reverse </a:t>
-            </a:r>
-            <a:r>
-              <a:rPr b="1" lang="it-IT" sz="1800" spc="-1" strike="noStrike">
+              <a:rPr b="0" lang="it-IT" sz="900" spc="-1" strike="noStrike">
                 <a:solidFill>
                   <a:srgbClr val="000000"/>
                 </a:solidFill>
                 <a:latin typeface="Arial"/>
                 <a:ea typeface="Arial"/>
               </a:rPr>
-              <a:t>engineering</a:t>
-            </a:r>
-            <a:endParaRPr b="0" lang="it-IT" sz="1800" spc="-1" strike="noStrike">
+              <a:t>S. van Schaik </a:t>
+            </a:r>
+            <a:r>
+              <a:rPr b="0" i="1" lang="it-IT" sz="900" spc="-1" strike="noStrike">
+                <a:solidFill>
+                  <a:srgbClr val="000000"/>
+                </a:solidFill>
+                <a:latin typeface="Arial"/>
+                <a:ea typeface="Arial"/>
+              </a:rPr>
+              <a:t>et al</a:t>
+            </a:r>
+            <a:r>
+              <a:rPr b="0" lang="it-IT" sz="900" spc="-1" strike="noStrike">
+                <a:solidFill>
+                  <a:srgbClr val="000000"/>
+                </a:solidFill>
+                <a:latin typeface="Arial"/>
+                <a:ea typeface="Arial"/>
+              </a:rPr>
+              <a:t>., "RIDL: Rogue In-Flight Data Load," </a:t>
+            </a:r>
+            <a:r>
+              <a:rPr b="0" i="1" lang="it-IT" sz="900" spc="-1" strike="noStrike">
+                <a:solidFill>
+                  <a:srgbClr val="000000"/>
+                </a:solidFill>
+                <a:latin typeface="Arial"/>
+                <a:ea typeface="Arial"/>
+              </a:rPr>
+              <a:t>2019 IEEE Symposium on Security and Privacy (SP)</a:t>
+            </a:r>
+            <a:r>
+              <a:rPr b="0" lang="it-IT" sz="900" spc="-1" strike="noStrike">
+                <a:solidFill>
+                  <a:srgbClr val="000000"/>
+                </a:solidFill>
+                <a:latin typeface="Arial"/>
+                <a:ea typeface="Arial"/>
+              </a:rPr>
+              <a:t>, San Francisco, CA, USA, 2019, pp. 88-105, doi: 10.1109/SP.2019.00087.</a:t>
+            </a:r>
+            <a:endParaRPr b="0" lang="it-IT" sz="900" spc="-1" strike="noStrike">
               <a:latin typeface="Arial"/>
             </a:endParaRPr>
           </a:p>
@@ -8494,8 +8970,8 @@
         </p:nvSpPr>
         <p:spPr>
           <a:xfrm>
-            <a:off x="5220360" y="2271600"/>
-            <a:ext cx="3624480" cy="914760"/>
+            <a:off x="5735160" y="1063080"/>
+            <a:ext cx="3623760" cy="2007360"/>
           </a:xfrm>
           <a:prstGeom prst="rect">
             <a:avLst/>
@@ -8512,43 +8988,33 @@
           <a:fontRef idx="minor"/>
         </p:style>
         <p:txBody>
-          <a:bodyPr>
+          <a:bodyPr lIns="90000" rIns="90000" tIns="45000" bIns="45000">
             <a:spAutoFit/>
           </a:bodyPr>
           <a:p>
             <a:pPr>
               <a:lnSpc>
-                <a:spcPct val="100000"/>
+                <a:spcPct val="150000"/>
               </a:lnSpc>
             </a:pPr>
             <a:r>
-              <a:rPr b="1" lang="en-US" sz="1800" spc="-1" strike="noStrike">
-                <a:solidFill>
-                  <a:srgbClr val="000000"/>
-                </a:solidFill>
-                <a:latin typeface="Arial"/>
-                <a:ea typeface="DejaVu Sans"/>
-              </a:rPr>
-              <a:t>Performance counters</a:t>
-            </a:r>
-            <a:r>
-              <a:rPr b="0" lang="en-US" sz="1800" spc="-1" strike="noStrike">
-                <a:solidFill>
-                  <a:srgbClr val="000000"/>
-                </a:solidFill>
-                <a:latin typeface="Arial"/>
-                <a:ea typeface="DejaVu Sans"/>
-              </a:rPr>
-              <a:t>:</a:t>
-            </a:r>
-            <a:endParaRPr b="0" lang="it-IT" sz="1800" spc="-1" strike="noStrike">
-              <a:latin typeface="Arial"/>
-            </a:endParaRPr>
-          </a:p>
-          <a:p>
-            <a:pPr marL="285840" indent="-285480">
+              <a:rPr b="1" lang="en-US" sz="2000" spc="-1" strike="noStrike">
+                <a:solidFill>
+                  <a:srgbClr val="000000"/>
+                </a:solidFill>
+                <a:latin typeface="Arial"/>
+                <a:ea typeface="Arial"/>
+              </a:rPr>
+              <a:t>µ-optimization:</a:t>
+            </a:r>
+            <a:endParaRPr b="0" lang="it-IT" sz="2000" spc="-1" strike="noStrike">
+              <a:latin typeface="Arial"/>
+            </a:endParaRPr>
+          </a:p>
+          <a:p>
+            <a:pPr marL="285840" indent="-284760">
               <a:lnSpc>
-                <a:spcPct val="100000"/>
+                <a:spcPct val="150000"/>
               </a:lnSpc>
               <a:buClr>
                 <a:srgbClr val="000000"/>
@@ -8557,23 +9023,23 @@
               <a:buChar char="•"/>
             </a:pPr>
             <a:r>
-              <a:rPr b="0" lang="en-US" sz="1800" spc="-1" strike="noStrike">
-                <a:solidFill>
-                  <a:srgbClr val="000000"/>
-                </a:solidFill>
-                <a:latin typeface="Arial"/>
-                <a:ea typeface="DejaVu Sans"/>
-              </a:rPr>
-              <a:t>Cache and buffers hits</a:t>
-            </a:r>
-            <a:endParaRPr b="0" lang="it-IT" sz="1800" spc="-1" strike="noStrike">
-              <a:latin typeface="Arial"/>
-            </a:endParaRPr>
-          </a:p>
-          <a:p>
-            <a:pPr marL="285840" indent="-285480">
+              <a:rPr b="0" lang="en-US" sz="1600" spc="-1" strike="noStrike">
+                <a:solidFill>
+                  <a:srgbClr val="000000"/>
+                </a:solidFill>
+                <a:latin typeface="Arial"/>
+                <a:ea typeface="Arial"/>
+              </a:rPr>
+              <a:t>Non-blocking cache</a:t>
+            </a:r>
+            <a:endParaRPr b="0" lang="it-IT" sz="1600" spc="-1" strike="noStrike">
+              <a:latin typeface="Arial"/>
+            </a:endParaRPr>
+          </a:p>
+          <a:p>
+            <a:pPr marL="285840" indent="-284760">
               <a:lnSpc>
-                <a:spcPct val="100000"/>
+                <a:spcPct val="150000"/>
               </a:lnSpc>
               <a:buClr>
                 <a:srgbClr val="000000"/>
@@ -8582,104 +9048,23 @@
               <a:buChar char="•"/>
             </a:pPr>
             <a:r>
-              <a:rPr b="0" lang="it-IT" sz="1800" spc="-1" strike="noStrike">
+              <a:rPr b="0" lang="it-IT" sz="1600" spc="-1" strike="noStrike">
                 <a:solidFill>
                   <a:srgbClr val="000000"/>
                 </a:solidFill>
                 <a:latin typeface="Arial"/>
                 <a:ea typeface="Arial"/>
               </a:rPr>
-              <a:t>µ-architectural requests</a:t>
-            </a:r>
-            <a:endParaRPr b="0" lang="it-IT" sz="1800" spc="-1" strike="noStrike">
-              <a:latin typeface="Arial"/>
-            </a:endParaRPr>
-          </a:p>
-        </p:txBody>
-      </p:sp>
-      <p:sp>
-        <p:nvSpPr>
-          <p:cNvPr id="136" name="CustomShape 4"/>
-          <p:cNvSpPr/>
-          <p:nvPr/>
-        </p:nvSpPr>
-        <p:spPr>
-          <a:xfrm>
-            <a:off x="5218920" y="3604680"/>
-            <a:ext cx="3624480" cy="914760"/>
-          </a:xfrm>
-          <a:prstGeom prst="rect">
-            <a:avLst/>
-          </a:prstGeom>
-          <a:noFill/>
-          <a:ln w="0">
-            <a:noFill/>
-          </a:ln>
-        </p:spPr>
-        <p:style>
-          <a:lnRef idx="0"/>
-          <a:fillRef idx="0"/>
-          <a:effectRef idx="0"/>
-          <a:fontRef idx="minor"/>
-        </p:style>
-        <p:txBody>
-          <a:bodyPr>
-            <a:spAutoFit/>
-          </a:bodyPr>
-          <a:p>
-            <a:pPr>
+              <a:t>Load squashing</a:t>
+            </a:r>
+            <a:endParaRPr b="0" lang="it-IT" sz="1600" spc="-1" strike="noStrike">
+              <a:latin typeface="Arial"/>
+            </a:endParaRPr>
+          </a:p>
+          <a:p>
+            <a:pPr marL="285840" indent="-284760">
               <a:lnSpc>
-                <a:spcPct val="100000"/>
-              </a:lnSpc>
-            </a:pPr>
-            <a:r>
-              <a:rPr b="1" lang="en-US" sz="1800" spc="-1" strike="noStrike">
-                <a:solidFill>
-                  <a:srgbClr val="000000"/>
-                </a:solidFill>
-                <a:latin typeface="Arial"/>
-                <a:ea typeface="DejaVu Sans"/>
-              </a:rPr>
-              <a:t>Speculative loads</a:t>
-            </a:r>
-            <a:r>
-              <a:rPr b="0" lang="en-US" sz="1800" spc="-1" strike="noStrike">
-                <a:solidFill>
-                  <a:srgbClr val="000000"/>
-                </a:solidFill>
-                <a:latin typeface="Arial"/>
-                <a:ea typeface="DejaVu Sans"/>
-              </a:rPr>
-              <a:t> (S</a:t>
-            </a:r>
-            <a:r>
-              <a:rPr b="0" i="1" lang="en-US" sz="1800" spc="-1" strike="noStrike">
-                <a:solidFill>
-                  <a:srgbClr val="000000"/>
-                </a:solidFill>
-                <a:latin typeface="Arial"/>
-                <a:ea typeface="DejaVu Sans"/>
-              </a:rPr>
-              <a:t>pectre</a:t>
-            </a:r>
-            <a:r>
-              <a:rPr b="0" lang="en-US" sz="1800" spc="-1" strike="noStrike">
-                <a:solidFill>
-                  <a:srgbClr val="000000"/>
-                </a:solidFill>
-                <a:latin typeface="Arial"/>
-                <a:ea typeface="DejaVu Sans"/>
-              </a:rPr>
-              <a:t>):</a:t>
-            </a:r>
-            <a:endParaRPr b="0" lang="it-IT" sz="1800" spc="-1" strike="noStrike">
-              <a:latin typeface="Arial"/>
-            </a:endParaRPr>
-          </a:p>
-          <a:p>
-            <a:pPr marL="285840" indent="-285480">
-              <a:lnSpc>
-                <a:spcPct val="100000"/>
+                <a:spcPct val="150000"/>
               </a:lnSpc>
               <a:buClr>
                 <a:srgbClr val="000000"/>
@@ -8688,23 +9073,23 @@
               <a:buChar char="•"/>
             </a:pPr>
             <a:r>
-              <a:rPr b="0" lang="en-US" sz="1800" spc="-1" strike="noStrike">
-                <a:solidFill>
-                  <a:srgbClr val="000000"/>
-                </a:solidFill>
-                <a:latin typeface="Arial"/>
-                <a:ea typeface="DejaVu Sans"/>
-              </a:rPr>
-              <a:t>FLUSH + RELOAD</a:t>
-            </a:r>
-            <a:endParaRPr b="0" lang="it-IT" sz="1800" spc="-1" strike="noStrike">
-              <a:latin typeface="Arial"/>
-            </a:endParaRPr>
-          </a:p>
-          <a:p>
-            <a:pPr marL="285840" indent="-285480">
+              <a:rPr b="0" lang="it-IT" sz="1600" spc="-1" strike="noStrike">
+                <a:solidFill>
+                  <a:srgbClr val="000000"/>
+                </a:solidFill>
+                <a:latin typeface="Arial"/>
+                <a:ea typeface="Arial"/>
+              </a:rPr>
+              <a:t>Write combining</a:t>
+            </a:r>
+            <a:endParaRPr b="0" lang="it-IT" sz="1600" spc="-1" strike="noStrike">
+              <a:latin typeface="Arial"/>
+            </a:endParaRPr>
+          </a:p>
+          <a:p>
+            <a:pPr marL="285840" indent="-284760">
               <a:lnSpc>
-                <a:spcPct val="100000"/>
+                <a:spcPct val="150000"/>
               </a:lnSpc>
               <a:buClr>
                 <a:srgbClr val="000000"/>
@@ -8713,38 +9098,40 @@
               <a:buChar char="•"/>
             </a:pPr>
             <a:r>
-              <a:rPr b="0" lang="it-IT" sz="1800" spc="-1" strike="noStrike">
+              <a:rPr b="0" lang="it-IT" sz="1600" spc="-1" strike="noStrike">
                 <a:solidFill>
                   <a:srgbClr val="000000"/>
                 </a:solidFill>
                 <a:latin typeface="Arial"/>
                 <a:ea typeface="Arial"/>
               </a:rPr>
-              <a:t>PRIME + PROBE</a:t>
-            </a:r>
-            <a:endParaRPr b="0" lang="it-IT" sz="1800" spc="-1" strike="noStrike">
-              <a:latin typeface="Arial"/>
-            </a:endParaRPr>
-          </a:p>
-        </p:txBody>
-      </p:sp>
-      <p:sp>
-        <p:nvSpPr>
-          <p:cNvPr id="137" name="CustomShape 5"/>
+              <a:t>Non-temporal requests</a:t>
+            </a:r>
+            <a:endParaRPr b="0" lang="it-IT" sz="1600" spc="-1" strike="noStrike">
+              <a:latin typeface="Arial"/>
+            </a:endParaRPr>
+          </a:p>
+        </p:txBody>
+      </p:sp>
+      <p:sp>
+        <p:nvSpPr>
+          <p:cNvPr id="136" name="CustomShape 4"/>
           <p:cNvSpPr/>
           <p:nvPr/>
         </p:nvSpPr>
         <p:spPr>
           <a:xfrm>
-            <a:off x="471600" y="5116680"/>
-            <a:ext cx="9499680" cy="228960"/>
+            <a:off x="5460480" y="3269160"/>
+            <a:ext cx="4279320" cy="1185120"/>
           </a:xfrm>
           <a:prstGeom prst="rect">
             <a:avLst/>
           </a:prstGeom>
           <a:noFill/>
           <a:ln w="0">
-            <a:noFill/>
+            <a:solidFill>
+              <a:schemeClr val="tx1"/>
+            </a:solidFill>
           </a:ln>
         </p:spPr>
         <p:style>
@@ -8754,134 +9141,46 @@
           <a:fontRef idx="minor"/>
         </p:style>
         <p:txBody>
-          <a:bodyPr>
+          <a:bodyPr lIns="90000" rIns="90000" tIns="45000" bIns="45000">
             <a:spAutoFit/>
           </a:bodyPr>
           <a:p>
             <a:pPr>
               <a:lnSpc>
-                <a:spcPct val="100000"/>
+                <a:spcPct val="150000"/>
               </a:lnSpc>
             </a:pPr>
             <a:r>
-              <a:rPr b="1" lang="it-IT" sz="900" spc="-1" strike="noStrike" u="sng">
-                <a:solidFill>
-                  <a:srgbClr val="0000ff"/>
-                </a:solidFill>
-                <a:uFillTx/>
+              <a:rPr b="0" lang="en-US" sz="1600" spc="-1" strike="noStrike">
+                <a:solidFill>
+                  <a:srgbClr val="000000"/>
+                </a:solidFill>
                 <a:latin typeface="Arial"/>
                 <a:ea typeface="Arial"/>
-                <a:hlinkClick r:id="rId2"/>
-              </a:rPr>
-              <a:t>CrossTalk: Speculative Data Leaks Across Cores Are Real. </a:t>
-            </a:r>
-            <a:r>
-              <a:rPr b="0" lang="it-IT" sz="900" spc="-1" strike="noStrike">
-                <a:solidFill>
-                  <a:srgbClr val="000000"/>
+              </a:rPr>
+              <a:t>Reads that are </a:t>
+            </a:r>
+            <a:r>
+              <a:rPr b="0" lang="en-US" sz="1600" spc="-1" strike="noStrike">
+                <a:solidFill>
+                  <a:srgbClr val="ff0000"/>
                 </a:solidFill>
                 <a:latin typeface="Arial"/>
                 <a:ea typeface="Arial"/>
               </a:rPr>
-              <a:t>Ragab, H.; Milburn, A.; </a:t>
-            </a:r>
-            <a:r>
-              <a:rPr b="0" lang="it-IT" sz="900" spc="-1" strike="noStrike" u="sng">
-                <a:solidFill>
-                  <a:srgbClr val="0000ff"/>
-                </a:solidFill>
-                <a:uFillTx/>
+              <a:t>not served from L1d</a:t>
+            </a:r>
+            <a:r>
+              <a:rPr b="0" lang="en-US" sz="1600" spc="-1" strike="noStrike">
+                <a:solidFill>
+                  <a:srgbClr val="000000"/>
+                </a:solidFill>
                 <a:latin typeface="Arial"/>
                 <a:ea typeface="Arial"/>
-                <a:hlinkClick r:id="rId3"/>
-              </a:rPr>
-              <a:t>Razavi, K.</a:t>
-            </a:r>
-            <a:r>
-              <a:rPr b="0" lang="it-IT" sz="900" spc="-1" strike="noStrike">
-                <a:solidFill>
-                  <a:srgbClr val="000000"/>
-                </a:solidFill>
-                <a:latin typeface="Arial"/>
-                <a:ea typeface="Arial"/>
-              </a:rPr>
-              <a:t>; </a:t>
-            </a:r>
-            <a:r>
-              <a:rPr b="0" lang="it-IT" sz="900" spc="-1" strike="noStrike" u="sng">
-                <a:solidFill>
-                  <a:srgbClr val="0000ff"/>
-                </a:solidFill>
-                <a:uFillTx/>
-                <a:latin typeface="Arial"/>
-                <a:ea typeface="Arial"/>
-                <a:hlinkClick r:id="rId4"/>
-              </a:rPr>
-              <a:t>Bos, H.</a:t>
-            </a:r>
-            <a:r>
-              <a:rPr b="0" lang="it-IT" sz="900" spc="-1" strike="noStrike">
-                <a:solidFill>
-                  <a:srgbClr val="000000"/>
-                </a:solidFill>
-                <a:latin typeface="Arial"/>
-                <a:ea typeface="Arial"/>
-              </a:rPr>
-              <a:t>; and </a:t>
-            </a:r>
-            <a:r>
-              <a:rPr b="0" lang="it-IT" sz="900" spc="-1" strike="noStrike" u="sng">
-                <a:solidFill>
-                  <a:srgbClr val="0000ff"/>
-                </a:solidFill>
-                <a:uFillTx/>
-                <a:latin typeface="Arial"/>
-                <a:ea typeface="Arial"/>
-                <a:hlinkClick r:id="rId5"/>
-              </a:rPr>
-              <a:t>Giuffrida, C.</a:t>
-            </a:r>
-            <a:r>
-              <a:rPr b="0" lang="it-IT" sz="900" spc="-1" strike="noStrike">
-                <a:solidFill>
-                  <a:srgbClr val="000000"/>
-                </a:solidFill>
-                <a:latin typeface="Arial"/>
-                <a:ea typeface="Arial"/>
-              </a:rPr>
-              <a:t> In </a:t>
-            </a:r>
-            <a:r>
-              <a:rPr b="0" i="1" lang="it-IT" sz="900" spc="-1" strike="noStrike">
-                <a:solidFill>
-                  <a:srgbClr val="000000"/>
-                </a:solidFill>
-                <a:latin typeface="Arial"/>
-                <a:ea typeface="Arial"/>
-              </a:rPr>
-              <a:t>S&amp;P</a:t>
-            </a:r>
-            <a:r>
-              <a:rPr b="0" lang="it-IT" sz="900" spc="-1" strike="noStrike">
-                <a:solidFill>
-                  <a:srgbClr val="000000"/>
-                </a:solidFill>
-                <a:latin typeface="Arial"/>
-                <a:ea typeface="Arial"/>
-              </a:rPr>
-              <a:t>, May 2021. </a:t>
-            </a:r>
-            <a:r>
-              <a:rPr b="0" i="1" lang="it-IT" sz="900" spc="-1" strike="noStrike">
-                <a:solidFill>
-                  <a:srgbClr val="000000"/>
-                </a:solidFill>
-                <a:latin typeface="Arial"/>
-                <a:ea typeface="Arial"/>
-              </a:rPr>
-              <a:t>Intel Bounty Reward</a:t>
-            </a:r>
-            <a:endParaRPr b="0" lang="it-IT" sz="900" spc="-1" strike="noStrike">
+              </a:rPr>
+              <a:t> pull data through the LFB, while writes push data through the LFB to either L1d or memory</a:t>
+            </a:r>
+            <a:endParaRPr b="0" lang="it-IT" sz="1600" spc="-1" strike="noStrike">
               <a:latin typeface="Arial"/>
             </a:endParaRPr>
           </a:p>
@@ -8917,57 +9216,9 @@
           <a:chExt cx="0" cy="0"/>
         </a:xfrm>
       </p:grpSpPr>
-      <p:sp>
-        <p:nvSpPr>
-          <p:cNvPr id="138" name="TextShape 1"/>
-          <p:cNvSpPr txBox="1"/>
-          <p:nvPr/>
-        </p:nvSpPr>
-        <p:spPr>
-          <a:xfrm>
-            <a:off x="504000" y="226080"/>
-            <a:ext cx="9071280" cy="946080"/>
-          </a:xfrm>
-          <a:prstGeom prst="rect">
-            <a:avLst/>
-          </a:prstGeom>
-          <a:noFill/>
-          <a:ln w="0">
-            <a:noFill/>
-          </a:ln>
-        </p:spPr>
-        <p:txBody>
-          <a:bodyPr lIns="0" rIns="0" tIns="0" bIns="0" anchor="ctr">
-            <a:noAutofit/>
-          </a:bodyPr>
-          <a:p>
-            <a:pPr>
-              <a:lnSpc>
-                <a:spcPct val="90000"/>
-              </a:lnSpc>
-            </a:pPr>
-            <a:r>
-              <a:rPr b="0" lang="it-IT" sz="3900" spc="-1" strike="noStrike">
-                <a:solidFill>
-                  <a:srgbClr val="000000"/>
-                </a:solidFill>
-                <a:latin typeface="Arial"/>
-                <a:ea typeface="DejaVu Sans"/>
-              </a:rPr>
-              <a:t>Listen to the "noise" from another thread</a:t>
-            </a:r>
-            <a:endParaRPr b="0" lang="it-IT" sz="3900" spc="-1" strike="noStrike">
-              <a:solidFill>
-                <a:srgbClr val="000000"/>
-              </a:solidFill>
-              <a:latin typeface="Arial"/>
-            </a:endParaRPr>
-          </a:p>
-        </p:txBody>
-      </p:sp>
       <p:pic>
         <p:nvPicPr>
-          <p:cNvPr id="139" name="Immagine 3" descr=""/>
+          <p:cNvPr id="137" name="Immagine 2" descr=""/>
           <p:cNvPicPr/>
           <p:nvPr/>
         </p:nvPicPr>
@@ -8977,8 +9228,8 @@
         </p:blipFill>
         <p:spPr>
           <a:xfrm>
-            <a:off x="502560" y="1510920"/>
-            <a:ext cx="4498200" cy="3256920"/>
+            <a:off x="892080" y="2383560"/>
+            <a:ext cx="3492000" cy="2333880"/>
           </a:xfrm>
           <a:prstGeom prst="rect">
             <a:avLst/>
@@ -8988,39 +9239,16 @@
           </a:ln>
         </p:spPr>
       </p:pic>
-      <p:pic>
-        <p:nvPicPr>
-          <p:cNvPr id="140" name="Immagine 4" descr="Immagine che contiene testo&#10;&#10;Descrizione generata automaticamente"/>
-          <p:cNvPicPr/>
-          <p:nvPr/>
-        </p:nvPicPr>
-        <p:blipFill>
-          <a:blip r:embed="rId2"/>
-          <a:stretch/>
-        </p:blipFill>
-        <p:spPr>
-          <a:xfrm>
-            <a:off x="5267160" y="1234440"/>
-            <a:ext cx="3788280" cy="3599640"/>
-          </a:xfrm>
-          <a:prstGeom prst="rect">
-            <a:avLst/>
-          </a:prstGeom>
-          <a:ln w="0">
-            <a:noFill/>
-          </a:ln>
-        </p:spPr>
-      </p:pic>
-      <p:sp>
-        <p:nvSpPr>
-          <p:cNvPr id="141" name="CustomShape 2"/>
+      <p:sp>
+        <p:nvSpPr>
+          <p:cNvPr id="138" name="CustomShape 1"/>
           <p:cNvSpPr/>
           <p:nvPr/>
         </p:nvSpPr>
         <p:spPr>
           <a:xfrm>
-            <a:off x="354600" y="5132520"/>
-            <a:ext cx="9499680" cy="365400"/>
+            <a:off x="433800" y="280800"/>
+            <a:ext cx="9070560" cy="945360"/>
           </a:xfrm>
           <a:prstGeom prst="rect">
             <a:avLst/>
@@ -9037,7 +9265,68 @@
           <a:fontRef idx="minor"/>
         </p:style>
         <p:txBody>
-          <a:bodyPr>
+          <a:bodyPr lIns="0" rIns="0" tIns="0" bIns="0" anchor="ctr">
+            <a:noAutofit/>
+          </a:bodyPr>
+          <a:p>
+            <a:pPr algn="ctr">
+              <a:lnSpc>
+                <a:spcPct val="90000"/>
+              </a:lnSpc>
+            </a:pPr>
+            <a:r>
+              <a:rPr b="0" lang="it-IT" sz="4000" spc="-1" strike="noStrike">
+                <a:solidFill>
+                  <a:srgbClr val="000000"/>
+                </a:solidFill>
+                <a:latin typeface="Arial"/>
+                <a:ea typeface="Arial"/>
+              </a:rPr>
+              <a:t>µ-architectural</a:t>
+            </a:r>
+            <a:r>
+              <a:rPr b="0" lang="it-IT" sz="4000" spc="-1" strike="noStrike">
+                <a:solidFill>
+                  <a:srgbClr val="000000"/>
+                </a:solidFill>
+                <a:latin typeface="Arial"/>
+                <a:ea typeface="DejaVu Sans"/>
+              </a:rPr>
+              <a:t> (shared) buffers</a:t>
+            </a:r>
+            <a:endParaRPr b="0" lang="it-IT" sz="4000" spc="-1" strike="noStrike">
+              <a:latin typeface="Arial"/>
+            </a:endParaRPr>
+          </a:p>
+        </p:txBody>
+      </p:sp>
+      <p:sp>
+        <p:nvSpPr>
+          <p:cNvPr id="139" name="CustomShape 2"/>
+          <p:cNvSpPr/>
+          <p:nvPr/>
+        </p:nvSpPr>
+        <p:spPr>
+          <a:xfrm>
+            <a:off x="619920" y="1382760"/>
+            <a:ext cx="8515800" cy="638640"/>
+          </a:xfrm>
+          <a:prstGeom prst="rect">
+            <a:avLst/>
+          </a:prstGeom>
+          <a:noFill/>
+          <a:ln w="0">
+            <a:noFill/>
+          </a:ln>
+        </p:spPr>
+        <p:style>
+          <a:lnRef idx="0"/>
+          <a:fillRef idx="0"/>
+          <a:effectRef idx="0"/>
+          <a:fontRef idx="minor"/>
+        </p:style>
+        <p:txBody>
+          <a:bodyPr lIns="90000" rIns="90000" tIns="45000" bIns="45000">
             <a:spAutoFit/>
           </a:bodyPr>
           <a:p>
@@ -9047,6 +9336,331 @@
               </a:lnSpc>
             </a:pPr>
             <a:r>
+              <a:rPr b="0" lang="it-IT" sz="1800" spc="-1" strike="noStrike">
+                <a:solidFill>
+                  <a:srgbClr val="000000"/>
+                </a:solidFill>
+                <a:latin typeface="Arial"/>
+                <a:ea typeface="DejaVu Sans"/>
+              </a:rPr>
+              <a:t>It is possible to discover and analyze the behaviour of µ-architectural buffers via </a:t>
+            </a:r>
+            <a:r>
+              <a:rPr b="1" lang="it-IT" sz="1800" spc="-1" strike="noStrike">
+                <a:solidFill>
+                  <a:srgbClr val="000000"/>
+                </a:solidFill>
+                <a:latin typeface="Arial"/>
+                <a:ea typeface="DejaVu Sans"/>
+              </a:rPr>
+              <a:t>reverse </a:t>
+            </a:r>
+            <a:r>
+              <a:rPr b="1" lang="it-IT" sz="1800" spc="-1" strike="noStrike">
+                <a:solidFill>
+                  <a:srgbClr val="000000"/>
+                </a:solidFill>
+                <a:latin typeface="Arial"/>
+                <a:ea typeface="Arial"/>
+              </a:rPr>
+              <a:t>engineering</a:t>
+            </a:r>
+            <a:endParaRPr b="0" lang="it-IT" sz="1800" spc="-1" strike="noStrike">
+              <a:latin typeface="Arial"/>
+            </a:endParaRPr>
+          </a:p>
+        </p:txBody>
+      </p:sp>
+      <p:sp>
+        <p:nvSpPr>
+          <p:cNvPr id="140" name="CustomShape 3"/>
+          <p:cNvSpPr/>
+          <p:nvPr/>
+        </p:nvSpPr>
+        <p:spPr>
+          <a:xfrm>
+            <a:off x="5220360" y="2271600"/>
+            <a:ext cx="3623760" cy="912960"/>
+          </a:xfrm>
+          <a:prstGeom prst="rect">
+            <a:avLst/>
+          </a:prstGeom>
+          <a:noFill/>
+          <a:ln w="0">
+            <a:noFill/>
+          </a:ln>
+        </p:spPr>
+        <p:style>
+          <a:lnRef idx="0"/>
+          <a:fillRef idx="0"/>
+          <a:effectRef idx="0"/>
+          <a:fontRef idx="minor"/>
+        </p:style>
+        <p:txBody>
+          <a:bodyPr lIns="90000" rIns="90000" tIns="45000" bIns="45000">
+            <a:spAutoFit/>
+          </a:bodyPr>
+          <a:p>
+            <a:pPr>
+              <a:lnSpc>
+                <a:spcPct val="100000"/>
+              </a:lnSpc>
+            </a:pPr>
+            <a:r>
+              <a:rPr b="1" lang="en-US" sz="1800" spc="-1" strike="noStrike">
+                <a:solidFill>
+                  <a:srgbClr val="000000"/>
+                </a:solidFill>
+                <a:latin typeface="Arial"/>
+                <a:ea typeface="DejaVu Sans"/>
+              </a:rPr>
+              <a:t>Performance counters</a:t>
+            </a:r>
+            <a:r>
+              <a:rPr b="0" lang="en-US" sz="1800" spc="-1" strike="noStrike">
+                <a:solidFill>
+                  <a:srgbClr val="000000"/>
+                </a:solidFill>
+                <a:latin typeface="Arial"/>
+                <a:ea typeface="DejaVu Sans"/>
+              </a:rPr>
+              <a:t>:</a:t>
+            </a:r>
+            <a:endParaRPr b="0" lang="it-IT" sz="1800" spc="-1" strike="noStrike">
+              <a:latin typeface="Arial"/>
+            </a:endParaRPr>
+          </a:p>
+          <a:p>
+            <a:pPr marL="285840" indent="-284760">
+              <a:lnSpc>
+                <a:spcPct val="100000"/>
+              </a:lnSpc>
+              <a:buClr>
+                <a:srgbClr val="000000"/>
+              </a:buClr>
+              <a:buFont typeface="Arial"/>
+              <a:buChar char="•"/>
+            </a:pPr>
+            <a:r>
+              <a:rPr b="0" lang="en-US" sz="1800" spc="-1" strike="noStrike">
+                <a:solidFill>
+                  <a:srgbClr val="000000"/>
+                </a:solidFill>
+                <a:latin typeface="Arial"/>
+                <a:ea typeface="DejaVu Sans"/>
+              </a:rPr>
+              <a:t>Cache and buffers hits</a:t>
+            </a:r>
+            <a:endParaRPr b="0" lang="it-IT" sz="1800" spc="-1" strike="noStrike">
+              <a:latin typeface="Arial"/>
+            </a:endParaRPr>
+          </a:p>
+          <a:p>
+            <a:pPr marL="285840" indent="-284760">
+              <a:lnSpc>
+                <a:spcPct val="100000"/>
+              </a:lnSpc>
+              <a:buClr>
+                <a:srgbClr val="000000"/>
+              </a:buClr>
+              <a:buFont typeface="Arial"/>
+              <a:buChar char="•"/>
+            </a:pPr>
+            <a:r>
+              <a:rPr b="0" lang="it-IT" sz="1800" spc="-1" strike="noStrike">
+                <a:solidFill>
+                  <a:srgbClr val="000000"/>
+                </a:solidFill>
+                <a:latin typeface="Arial"/>
+                <a:ea typeface="Arial"/>
+              </a:rPr>
+              <a:t>µ-architectural requests</a:t>
+            </a:r>
+            <a:endParaRPr b="0" lang="it-IT" sz="1800" spc="-1" strike="noStrike">
+              <a:latin typeface="Arial"/>
+            </a:endParaRPr>
+          </a:p>
+        </p:txBody>
+      </p:sp>
+      <p:sp>
+        <p:nvSpPr>
+          <p:cNvPr id="141" name="CustomShape 4"/>
+          <p:cNvSpPr/>
+          <p:nvPr/>
+        </p:nvSpPr>
+        <p:spPr>
+          <a:xfrm>
+            <a:off x="5218920" y="3604680"/>
+            <a:ext cx="3623760" cy="912960"/>
+          </a:xfrm>
+          <a:prstGeom prst="rect">
+            <a:avLst/>
+          </a:prstGeom>
+          <a:noFill/>
+          <a:ln w="0">
+            <a:noFill/>
+          </a:ln>
+        </p:spPr>
+        <p:style>
+          <a:lnRef idx="0"/>
+          <a:fillRef idx="0"/>
+          <a:effectRef idx="0"/>
+          <a:fontRef idx="minor"/>
+        </p:style>
+        <p:txBody>
+          <a:bodyPr lIns="90000" rIns="90000" tIns="45000" bIns="45000">
+            <a:spAutoFit/>
+          </a:bodyPr>
+          <a:p>
+            <a:pPr>
+              <a:lnSpc>
+                <a:spcPct val="100000"/>
+              </a:lnSpc>
+            </a:pPr>
+            <a:r>
+              <a:rPr b="1" lang="en-US" sz="1800" spc="-1" strike="noStrike">
+                <a:solidFill>
+                  <a:srgbClr val="000000"/>
+                </a:solidFill>
+                <a:latin typeface="Arial"/>
+                <a:ea typeface="DejaVu Sans"/>
+              </a:rPr>
+              <a:t>Speculative loads</a:t>
+            </a:r>
+            <a:r>
+              <a:rPr b="0" lang="en-US" sz="1800" spc="-1" strike="noStrike">
+                <a:solidFill>
+                  <a:srgbClr val="000000"/>
+                </a:solidFill>
+                <a:latin typeface="Arial"/>
+                <a:ea typeface="DejaVu Sans"/>
+              </a:rPr>
+              <a:t> (S</a:t>
+            </a:r>
+            <a:r>
+              <a:rPr b="0" i="1" lang="en-US" sz="1800" spc="-1" strike="noStrike">
+                <a:solidFill>
+                  <a:srgbClr val="000000"/>
+                </a:solidFill>
+                <a:latin typeface="Arial"/>
+                <a:ea typeface="DejaVu Sans"/>
+              </a:rPr>
+              <a:t>pectre</a:t>
+            </a:r>
+            <a:r>
+              <a:rPr b="0" lang="en-US" sz="1800" spc="-1" strike="noStrike">
+                <a:solidFill>
+                  <a:srgbClr val="000000"/>
+                </a:solidFill>
+                <a:latin typeface="Arial"/>
+                <a:ea typeface="DejaVu Sans"/>
+              </a:rPr>
+              <a:t>):</a:t>
+            </a:r>
+            <a:endParaRPr b="0" lang="it-IT" sz="1800" spc="-1" strike="noStrike">
+              <a:latin typeface="Arial"/>
+            </a:endParaRPr>
+          </a:p>
+          <a:p>
+            <a:pPr marL="285840" indent="-284760">
+              <a:lnSpc>
+                <a:spcPct val="100000"/>
+              </a:lnSpc>
+              <a:buClr>
+                <a:srgbClr val="000000"/>
+              </a:buClr>
+              <a:buFont typeface="Arial"/>
+              <a:buChar char="•"/>
+            </a:pPr>
+            <a:r>
+              <a:rPr b="0" lang="en-US" sz="1800" spc="-1" strike="noStrike">
+                <a:solidFill>
+                  <a:srgbClr val="000000"/>
+                </a:solidFill>
+                <a:latin typeface="Arial"/>
+                <a:ea typeface="DejaVu Sans"/>
+              </a:rPr>
+              <a:t>FLUSH + RELOAD</a:t>
+            </a:r>
+            <a:endParaRPr b="0" lang="it-IT" sz="1800" spc="-1" strike="noStrike">
+              <a:latin typeface="Arial"/>
+            </a:endParaRPr>
+          </a:p>
+          <a:p>
+            <a:pPr marL="285840" indent="-284760">
+              <a:lnSpc>
+                <a:spcPct val="100000"/>
+              </a:lnSpc>
+              <a:buClr>
+                <a:srgbClr val="000000"/>
+              </a:buClr>
+              <a:buFont typeface="Arial"/>
+              <a:buChar char="•"/>
+            </a:pPr>
+            <a:r>
+              <a:rPr b="0" lang="it-IT" sz="1800" spc="-1" strike="noStrike">
+                <a:solidFill>
+                  <a:srgbClr val="000000"/>
+                </a:solidFill>
+                <a:latin typeface="Arial"/>
+                <a:ea typeface="Arial"/>
+              </a:rPr>
+              <a:t>PRIME + PROBE</a:t>
+            </a:r>
+            <a:endParaRPr b="0" lang="it-IT" sz="1800" spc="-1" strike="noStrike">
+              <a:latin typeface="Arial"/>
+            </a:endParaRPr>
+          </a:p>
+        </p:txBody>
+      </p:sp>
+      <p:sp>
+        <p:nvSpPr>
+          <p:cNvPr id="142" name="CustomShape 5"/>
+          <p:cNvSpPr/>
+          <p:nvPr/>
+        </p:nvSpPr>
+        <p:spPr>
+          <a:xfrm>
+            <a:off x="471600" y="5116680"/>
+            <a:ext cx="9498960" cy="227160"/>
+          </a:xfrm>
+          <a:prstGeom prst="rect">
+            <a:avLst/>
+          </a:prstGeom>
+          <a:noFill/>
+          <a:ln w="0">
+            <a:noFill/>
+          </a:ln>
+        </p:spPr>
+        <p:style>
+          <a:lnRef idx="0"/>
+          <a:fillRef idx="0"/>
+          <a:effectRef idx="0"/>
+          <a:fontRef idx="minor"/>
+        </p:style>
+        <p:txBody>
+          <a:bodyPr lIns="90000" rIns="90000" tIns="45000" bIns="45000">
+            <a:spAutoFit/>
+          </a:bodyPr>
+          <a:p>
+            <a:pPr>
+              <a:lnSpc>
+                <a:spcPct val="100000"/>
+              </a:lnSpc>
+            </a:pPr>
+            <a:r>
+              <a:rPr b="1" lang="it-IT" sz="900" spc="-1" strike="noStrike" u="sng">
+                <a:solidFill>
+                  <a:srgbClr val="0000ff"/>
+                </a:solidFill>
+                <a:uFillTx/>
+                <a:latin typeface="Arial"/>
+                <a:ea typeface="Arial"/>
+                <a:hlinkClick r:id="rId2"/>
+              </a:rPr>
+              <a:t>CrossTalk: Speculative Data Leaks Across Cores Are Real. </a:t>
+            </a:r>
+            <a:r>
               <a:rPr b="0" lang="it-IT" sz="900" spc="-1" strike="noStrike">
                 <a:solidFill>
                   <a:srgbClr val="000000"/>
@@ -9054,7 +9668,73 @@
                 <a:latin typeface="Arial"/>
                 <a:ea typeface="Arial"/>
               </a:rPr>
-              <a:t>S. van Schaik </a:t>
+              <a:t>Ragab, H.; Milburn, A.; </a:t>
+            </a:r>
+            <a:r>
+              <a:rPr b="0" lang="it-IT" sz="900" spc="-1" strike="noStrike" u="sng">
+                <a:solidFill>
+                  <a:srgbClr val="0000ff"/>
+                </a:solidFill>
+                <a:uFillTx/>
+                <a:latin typeface="Arial"/>
+                <a:ea typeface="Arial"/>
+                <a:hlinkClick r:id="rId3"/>
+              </a:rPr>
+              <a:t>Razavi, K.</a:t>
+            </a:r>
+            <a:r>
+              <a:rPr b="0" lang="it-IT" sz="900" spc="-1" strike="noStrike">
+                <a:solidFill>
+                  <a:srgbClr val="000000"/>
+                </a:solidFill>
+                <a:latin typeface="Arial"/>
+                <a:ea typeface="Arial"/>
+              </a:rPr>
+              <a:t>; </a:t>
+            </a:r>
+            <a:r>
+              <a:rPr b="0" lang="it-IT" sz="900" spc="-1" strike="noStrike" u="sng">
+                <a:solidFill>
+                  <a:srgbClr val="0000ff"/>
+                </a:solidFill>
+                <a:uFillTx/>
+                <a:latin typeface="Arial"/>
+                <a:ea typeface="Arial"/>
+                <a:hlinkClick r:id="rId4"/>
+              </a:rPr>
+              <a:t>Bos, H.</a:t>
+            </a:r>
+            <a:r>
+              <a:rPr b="0" lang="it-IT" sz="900" spc="-1" strike="noStrike">
+                <a:solidFill>
+                  <a:srgbClr val="000000"/>
+                </a:solidFill>
+                <a:latin typeface="Arial"/>
+                <a:ea typeface="Arial"/>
+              </a:rPr>
+              <a:t>; and </a:t>
+            </a:r>
+            <a:r>
+              <a:rPr b="0" lang="it-IT" sz="900" spc="-1" strike="noStrike" u="sng">
+                <a:solidFill>
+                  <a:srgbClr val="0000ff"/>
+                </a:solidFill>
+                <a:uFillTx/>
+                <a:latin typeface="Arial"/>
+                <a:ea typeface="Arial"/>
+                <a:hlinkClick r:id="rId5"/>
+              </a:rPr>
+              <a:t>Giuffrida, C.</a:t>
+            </a:r>
+            <a:r>
+              <a:rPr b="0" lang="it-IT" sz="900" spc="-1" strike="noStrike">
+                <a:solidFill>
+                  <a:srgbClr val="000000"/>
+                </a:solidFill>
+                <a:latin typeface="Arial"/>
+                <a:ea typeface="Arial"/>
+              </a:rPr>
+              <a:t> In </a:t>
             </a:r>
             <a:r>
               <a:rPr b="0" i="1" lang="it-IT" sz="900" spc="-1" strike="noStrike">
@@ -9064,7 +9744,7 @@
                 <a:latin typeface="Arial"/>
                 <a:ea typeface="Arial"/>
               </a:rPr>
-              <a:t>et al</a:t>
+              <a:t>S&amp;P</a:t>
             </a:r>
             <a:r>
               <a:rPr b="0" lang="it-IT" sz="900" spc="-1" strike="noStrike">
@@ -9074,7 +9754,7 @@
                 <a:latin typeface="Arial"/>
                 <a:ea typeface="Arial"/>
               </a:rPr>
-              <a:t>., "RIDL: Rogue In-Flight Data Load," </a:t>
+              <a:t>, May 2021. </a:t>
             </a:r>
             <a:r>
               <a:rPr b="0" i="1" lang="it-IT" sz="900" spc="-1" strike="noStrike">
@@ -9084,17 +9764,7 @@
                 <a:latin typeface="Arial"/>
                 <a:ea typeface="Arial"/>
               </a:rPr>
-              <a:t>2019 IEEE Symposium on Security and Privacy (SP)</a:t>
-            </a:r>
-            <a:r>
-              <a:rPr b="0" lang="it-IT" sz="900" spc="-1" strike="noStrike">
-                <a:solidFill>
-                  <a:srgbClr val="000000"/>
-                </a:solidFill>
-                <a:latin typeface="Arial"/>
-                <a:ea typeface="Arial"/>
-              </a:rPr>
-              <a:t>, San Francisco, CA, USA, 2019, pp. 88-105, doi: 10.1109/SP.2019.00087.</a:t>
+              <a:t>Intel Bounty Reward</a:t>
             </a:r>
             <a:endParaRPr b="0" lang="it-IT" sz="900" spc="-1" strike="noStrike">
               <a:latin typeface="Arial"/>
@@ -9134,14 +9804,14 @@
       </p:grpSpPr>
       <p:sp>
         <p:nvSpPr>
-          <p:cNvPr id="142" name="TextShape 1"/>
-          <p:cNvSpPr txBox="1"/>
+          <p:cNvPr id="143" name="CustomShape 1"/>
+          <p:cNvSpPr/>
           <p:nvPr/>
         </p:nvSpPr>
         <p:spPr>
           <a:xfrm>
             <a:off x="504000" y="226080"/>
-            <a:ext cx="9071280" cy="946080"/>
+            <a:ext cx="9070560" cy="945360"/>
           </a:xfrm>
           <a:prstGeom prst="rect">
             <a:avLst/>
@@ -9151,30 +9821,33 @@
             <a:noFill/>
           </a:ln>
         </p:spPr>
+        <p:style>
+          <a:lnRef idx="0"/>
+          <a:fillRef idx="0"/>
+          <a:effectRef idx="0"/>
+          <a:fontRef idx="minor"/>
+        </p:style>
         <p:txBody>
           <a:bodyPr lIns="0" rIns="0" tIns="0" bIns="0" anchor="ctr">
             <a:noAutofit/>
           </a:bodyPr>
           <a:p>
-            <a:pPr algn="ctr">
+            <a:pPr>
               <a:lnSpc>
                 <a:spcPct val="90000"/>
               </a:lnSpc>
             </a:pPr>
             <a:r>
-              <a:rPr b="0" lang="it-IT" sz="4400" spc="-1" strike="noStrike">
+              <a:rPr b="0" lang="it-IT" sz="3900" spc="-1" strike="noStrike">
                 <a:solidFill>
                   <a:srgbClr val="000000"/>
                 </a:solidFill>
                 <a:latin typeface="Arial"/>
                 <a:ea typeface="DejaVu Sans"/>
               </a:rPr>
-              <a:t>Line Fill Buffer (LFB)</a:t>
-            </a:r>
-            <a:endParaRPr b="0" lang="it-IT" sz="4400" spc="-1" strike="noStrike">
-              <a:solidFill>
-                <a:srgbClr val="000000"/>
-              </a:solidFill>
+              <a:t>Listen to the "noise" from another thread</a:t>
+            </a:r>
+            <a:endParaRPr b="0" lang="it-IT" sz="3900" spc="-1" strike="noStrike">
               <a:latin typeface="Arial"/>
             </a:endParaRPr>
           </a:p>
@@ -9182,7 +9855,7 @@
       </p:sp>
       <p:pic>
         <p:nvPicPr>
-          <p:cNvPr id="143" name="Immagine 3" descr=""/>
+          <p:cNvPr id="144" name="Immagine 3" descr=""/>
           <p:cNvPicPr/>
           <p:nvPr/>
         </p:nvPicPr>
@@ -9192,8 +9865,8 @@
         </p:blipFill>
         <p:spPr>
           <a:xfrm>
-            <a:off x="502560" y="1113840"/>
-            <a:ext cx="4716720" cy="3536640"/>
+            <a:off x="502560" y="1510920"/>
+            <a:ext cx="4497480" cy="3256200"/>
           </a:xfrm>
           <a:prstGeom prst="rect">
             <a:avLst/>
@@ -9203,16 +9876,39 @@
           </a:ln>
         </p:spPr>
       </p:pic>
-      <p:sp>
-        <p:nvSpPr>
-          <p:cNvPr id="144" name="CustomShape 2"/>
+      <p:pic>
+        <p:nvPicPr>
+          <p:cNvPr id="145" name="Immagine 4" descr="Immagine che contiene testo&#10;&#10;Descrizione generata automaticamente"/>
+          <p:cNvPicPr/>
+          <p:nvPr/>
+        </p:nvPicPr>
+        <p:blipFill>
+          <a:blip r:embed="rId2"/>
+          <a:stretch/>
+        </p:blipFill>
+        <p:spPr>
+          <a:xfrm>
+            <a:off x="5267160" y="1171440"/>
+            <a:ext cx="3787560" cy="3598920"/>
+          </a:xfrm>
+          <a:prstGeom prst="rect">
+            <a:avLst/>
+          </a:prstGeom>
+          <a:ln w="0">
+            <a:noFill/>
+          </a:ln>
+        </p:spPr>
+      </p:pic>
+      <p:sp>
+        <p:nvSpPr>
+          <p:cNvPr id="146" name="CustomShape 2"/>
           <p:cNvSpPr/>
           <p:nvPr/>
         </p:nvSpPr>
         <p:spPr>
           <a:xfrm>
             <a:off x="354600" y="5132520"/>
-            <a:ext cx="9499680" cy="365400"/>
+            <a:ext cx="9498960" cy="364320"/>
           </a:xfrm>
           <a:prstGeom prst="rect">
             <a:avLst/>
@@ -9229,7 +9925,7 @@
           <a:fontRef idx="minor"/>
         </p:style>
         <p:txBody>
-          <a:bodyPr>
+          <a:bodyPr lIns="90000" rIns="90000" tIns="45000" bIns="45000">
             <a:spAutoFit/>
           </a:bodyPr>
           <a:p>
@@ -9289,230 +9985,6 @@
               <a:t>, San Francisco, CA, USA, 2019, pp. 88-105, doi: 10.1109/SP.2019.00087.</a:t>
             </a:r>
             <a:endParaRPr b="0" lang="it-IT" sz="900" spc="-1" strike="noStrike">
-              <a:latin typeface="Arial"/>
-            </a:endParaRPr>
-          </a:p>
-        </p:txBody>
-      </p:sp>
-      <p:sp>
-        <p:nvSpPr>
-          <p:cNvPr id="145" name="CustomShape 3"/>
-          <p:cNvSpPr/>
-          <p:nvPr/>
-        </p:nvSpPr>
-        <p:spPr>
-          <a:xfrm>
-            <a:off x="5735160" y="1063080"/>
-            <a:ext cx="3624480" cy="2008440"/>
-          </a:xfrm>
-          <a:prstGeom prst="rect">
-            <a:avLst/>
-          </a:prstGeom>
-          <a:noFill/>
-          <a:ln w="0">
-            <a:noFill/>
-          </a:ln>
-        </p:spPr>
-        <p:style>
-          <a:lnRef idx="0"/>
-          <a:fillRef idx="0"/>
-          <a:effectRef idx="0"/>
-          <a:fontRef idx="minor"/>
-        </p:style>
-        <p:txBody>
-          <a:bodyPr>
-            <a:spAutoFit/>
-          </a:bodyPr>
-          <a:p>
-            <a:pPr>
-              <a:lnSpc>
-                <a:spcPct val="150000"/>
-              </a:lnSpc>
-            </a:pPr>
-            <a:r>
-              <a:rPr b="1" lang="en-US" sz="2000" spc="-1" strike="noStrike">
-                <a:solidFill>
-                  <a:srgbClr val="000000"/>
-                </a:solidFill>
-                <a:latin typeface="Arial"/>
-                <a:ea typeface="Arial"/>
-              </a:rPr>
-              <a:t>µ-optimization:</a:t>
-            </a:r>
-            <a:endParaRPr b="0" lang="it-IT" sz="2000" spc="-1" strike="noStrike">
-              <a:latin typeface="Arial"/>
-            </a:endParaRPr>
-          </a:p>
-          <a:p>
-            <a:pPr marL="285840" indent="-285480">
-              <a:lnSpc>
-                <a:spcPct val="150000"/>
-              </a:lnSpc>
-              <a:buClr>
-                <a:srgbClr val="000000"/>
-              </a:buClr>
-              <a:buFont typeface="Arial"/>
-              <a:buChar char="•"/>
-            </a:pPr>
-            <a:r>
-              <a:rPr b="0" lang="en-US" sz="1600" spc="-1" strike="noStrike">
-                <a:solidFill>
-                  <a:srgbClr val="000000"/>
-                </a:solidFill>
-                <a:latin typeface="Arial"/>
-                <a:ea typeface="Arial"/>
-              </a:rPr>
-              <a:t>Non-blocking cache</a:t>
-            </a:r>
-            <a:endParaRPr b="0" lang="it-IT" sz="1600" spc="-1" strike="noStrike">
-              <a:latin typeface="Arial"/>
-            </a:endParaRPr>
-          </a:p>
-          <a:p>
-            <a:pPr marL="285840" indent="-285480">
-              <a:lnSpc>
-                <a:spcPct val="150000"/>
-              </a:lnSpc>
-              <a:buClr>
-                <a:srgbClr val="000000"/>
-              </a:buClr>
-              <a:buFont typeface="Arial"/>
-              <a:buChar char="•"/>
-            </a:pPr>
-            <a:r>
-              <a:rPr b="0" lang="it-IT" sz="1600" spc="-1" strike="noStrike">
-                <a:solidFill>
-                  <a:srgbClr val="000000"/>
-                </a:solidFill>
-                <a:latin typeface="Arial"/>
-                <a:ea typeface="Arial"/>
-              </a:rPr>
-              <a:t>Load squashing</a:t>
-            </a:r>
-            <a:endParaRPr b="0" lang="it-IT" sz="1600" spc="-1" strike="noStrike">
-              <a:latin typeface="Arial"/>
-            </a:endParaRPr>
-          </a:p>
-          <a:p>
-            <a:pPr marL="285840" indent="-285480">
-              <a:lnSpc>
-                <a:spcPct val="150000"/>
-              </a:lnSpc>
-              <a:buClr>
-                <a:srgbClr val="000000"/>
-              </a:buClr>
-              <a:buFont typeface="Arial"/>
-              <a:buChar char="•"/>
-            </a:pPr>
-            <a:r>
-              <a:rPr b="0" lang="it-IT" sz="1600" spc="-1" strike="noStrike">
-                <a:solidFill>
-                  <a:srgbClr val="000000"/>
-                </a:solidFill>
-                <a:latin typeface="Arial"/>
-                <a:ea typeface="Arial"/>
-              </a:rPr>
-              <a:t>Write combining</a:t>
-            </a:r>
-            <a:endParaRPr b="0" lang="it-IT" sz="1600" spc="-1" strike="noStrike">
-              <a:latin typeface="Arial"/>
-            </a:endParaRPr>
-          </a:p>
-          <a:p>
-            <a:pPr marL="285840" indent="-285480">
-              <a:lnSpc>
-                <a:spcPct val="150000"/>
-              </a:lnSpc>
-              <a:buClr>
-                <a:srgbClr val="000000"/>
-              </a:buClr>
-              <a:buFont typeface="Arial"/>
-              <a:buChar char="•"/>
-            </a:pPr>
-            <a:r>
-              <a:rPr b="0" lang="it-IT" sz="1600" spc="-1" strike="noStrike">
-                <a:solidFill>
-                  <a:srgbClr val="000000"/>
-                </a:solidFill>
-                <a:latin typeface="Arial"/>
-                <a:ea typeface="Arial"/>
-              </a:rPr>
-              <a:t>Non-temporal requests</a:t>
-            </a:r>
-            <a:endParaRPr b="0" lang="it-IT" sz="1600" spc="-1" strike="noStrike">
-              <a:latin typeface="Arial"/>
-            </a:endParaRPr>
-          </a:p>
-        </p:txBody>
-      </p:sp>
-      <p:sp>
-        <p:nvSpPr>
-          <p:cNvPr id="146" name="CustomShape 4"/>
-          <p:cNvSpPr/>
-          <p:nvPr/>
-        </p:nvSpPr>
-        <p:spPr>
-          <a:xfrm>
-            <a:off x="5460480" y="3269160"/>
-            <a:ext cx="4280040" cy="1186200"/>
-          </a:xfrm>
-          <a:prstGeom prst="rect">
-            <a:avLst/>
-          </a:prstGeom>
-          <a:noFill/>
-          <a:ln w="0">
-            <a:solidFill>
-              <a:schemeClr val="tx1"/>
-            </a:solidFill>
-          </a:ln>
-        </p:spPr>
-        <p:style>
-          <a:lnRef idx="0"/>
-          <a:fillRef idx="0"/>
-          <a:effectRef idx="0"/>
-          <a:fontRef idx="minor"/>
-        </p:style>
-        <p:txBody>
-          <a:bodyPr>
-            <a:spAutoFit/>
-          </a:bodyPr>
-          <a:p>
-            <a:pPr>
-              <a:lnSpc>
-                <a:spcPct val="150000"/>
-              </a:lnSpc>
-            </a:pPr>
-            <a:r>
-              <a:rPr b="0" lang="en-US" sz="1600" spc="-1" strike="noStrike">
-                <a:solidFill>
-                  <a:srgbClr val="000000"/>
-                </a:solidFill>
-                <a:latin typeface="Arial"/>
-                <a:ea typeface="Arial"/>
-              </a:rPr>
-              <a:t>Reads that are </a:t>
-            </a:r>
-            <a:r>
-              <a:rPr b="0" lang="en-US" sz="1600" spc="-1" strike="noStrike">
-                <a:solidFill>
-                  <a:srgbClr val="ff0000"/>
-                </a:solidFill>
-                <a:latin typeface="Arial"/>
-                <a:ea typeface="Arial"/>
-              </a:rPr>
-              <a:t>not served from L1d</a:t>
-            </a:r>
-            <a:r>
-              <a:rPr b="0" lang="en-US" sz="1600" spc="-1" strike="noStrike">
-                <a:solidFill>
-                  <a:srgbClr val="000000"/>
-                </a:solidFill>
-                <a:latin typeface="Arial"/>
-                <a:ea typeface="Arial"/>
-              </a:rPr>
-              <a:t> pull data through the LFB, while writes push data through the LFB to either L1d or memory</a:t>
-            </a:r>
-            <a:endParaRPr b="0" lang="it-IT" sz="1600" spc="-1" strike="noStrike">
               <a:latin typeface="Arial"/>
             </a:endParaRPr>
           </a:p>
@@ -9550,62 +10022,14 @@
       </p:grpSpPr>
       <p:sp>
         <p:nvSpPr>
-          <p:cNvPr id="147" name="TextShape 1"/>
-          <p:cNvSpPr txBox="1"/>
-          <p:nvPr/>
-        </p:nvSpPr>
-        <p:spPr>
-          <a:xfrm>
-            <a:off x="504000" y="226080"/>
-            <a:ext cx="9071280" cy="946080"/>
-          </a:xfrm>
-          <a:prstGeom prst="rect">
-            <a:avLst/>
-          </a:prstGeom>
-          <a:noFill/>
-          <a:ln w="0">
-            <a:noFill/>
-          </a:ln>
-        </p:spPr>
-        <p:txBody>
-          <a:bodyPr lIns="0" rIns="0" tIns="0" bIns="0" anchor="ctr">
-            <a:noAutofit/>
-          </a:bodyPr>
-          <a:p>
-            <a:pPr algn="ctr">
-              <a:lnSpc>
-                <a:spcPct val="90000"/>
-              </a:lnSpc>
-            </a:pPr>
-            <a:r>
-              <a:rPr b="0" lang="it-IT" sz="4400" spc="-1" strike="noStrike">
-                <a:solidFill>
-                  <a:srgbClr val="000000"/>
-                </a:solidFill>
-                <a:latin typeface="Arial"/>
-                <a:ea typeface="Arial"/>
-              </a:rPr>
-              <a:t>Synchronization</a:t>
-            </a:r>
-            <a:endParaRPr b="0" lang="it-IT" sz="4400" spc="-1" strike="noStrike">
-              <a:solidFill>
-                <a:srgbClr val="000000"/>
-              </a:solidFill>
-              <a:latin typeface="Arial"/>
-            </a:endParaRPr>
-          </a:p>
-        </p:txBody>
-      </p:sp>
-      <p:sp>
-        <p:nvSpPr>
-          <p:cNvPr id="148" name="CustomShape 2"/>
+          <p:cNvPr id="147" name="CustomShape 1"/>
           <p:cNvSpPr/>
           <p:nvPr/>
         </p:nvSpPr>
         <p:spPr>
           <a:xfrm>
-            <a:off x="362520" y="1094400"/>
-            <a:ext cx="9320040" cy="640440"/>
+            <a:off x="504000" y="226080"/>
+            <a:ext cx="9070560" cy="945360"/>
           </a:xfrm>
           <a:prstGeom prst="rect">
             <a:avLst/>
@@ -9622,41 +10046,41 @@
           <a:fontRef idx="minor"/>
         </p:style>
         <p:txBody>
-          <a:bodyPr>
-            <a:spAutoFit/>
-          </a:bodyPr>
-          <a:p>
-            <a:pPr>
+          <a:bodyPr lIns="0" rIns="0" tIns="0" bIns="0" anchor="ctr">
+            <a:noAutofit/>
+          </a:bodyPr>
+          <a:p>
+            <a:pPr algn="ctr">
               <a:lnSpc>
-                <a:spcPct val="100000"/>
+                <a:spcPct val="90000"/>
               </a:lnSpc>
             </a:pPr>
             <a:r>
-              <a:rPr b="0" lang="it-IT" sz="1800" spc="-1" strike="noStrike">
+              <a:rPr b="0" lang="it-IT" sz="4400" spc="-1" strike="noStrike">
                 <a:solidFill>
                   <a:srgbClr val="000000"/>
                 </a:solidFill>
                 <a:latin typeface="Arial"/>
                 <a:ea typeface="Arial"/>
               </a:rPr>
-              <a:t>To leak information, the attacker must make sure that the right data is visible in the LFB at the right time, by synchronizing with the victim. This can be done in 3 different ways:</a:t>
-            </a:r>
-            <a:endParaRPr b="0" lang="it-IT" sz="1800" spc="-1" strike="noStrike">
-              <a:latin typeface="Arial"/>
-            </a:endParaRPr>
-          </a:p>
-        </p:txBody>
-      </p:sp>
-      <p:sp>
-        <p:nvSpPr>
-          <p:cNvPr id="149" name="CustomShape 3"/>
+              <a:t>Synchronization</a:t>
+            </a:r>
+            <a:endParaRPr b="0" lang="it-IT" sz="4400" spc="-1" strike="noStrike">
+              <a:latin typeface="Arial"/>
+            </a:endParaRPr>
+          </a:p>
+        </p:txBody>
+      </p:sp>
+      <p:sp>
+        <p:nvSpPr>
+          <p:cNvPr id="148" name="CustomShape 2"/>
           <p:cNvSpPr/>
           <p:nvPr/>
         </p:nvSpPr>
         <p:spPr>
           <a:xfrm>
-            <a:off x="279000" y="2165040"/>
-            <a:ext cx="3039480" cy="2969640"/>
+            <a:off x="362520" y="1094400"/>
+            <a:ext cx="9319320" cy="638640"/>
           </a:xfrm>
           <a:prstGeom prst="rect">
             <a:avLst/>
@@ -9673,61 +10097,41 @@
           <a:fontRef idx="minor"/>
         </p:style>
         <p:txBody>
-          <a:bodyPr>
-            <a:noAutofit/>
-          </a:bodyPr>
-          <a:p>
-            <a:pPr algn="ctr">
+          <a:bodyPr lIns="90000" rIns="90000" tIns="45000" bIns="45000">
+            <a:spAutoFit/>
+          </a:bodyPr>
+          <a:p>
+            <a:pPr>
               <a:lnSpc>
-                <a:spcPct val="150000"/>
+                <a:spcPct val="100000"/>
               </a:lnSpc>
             </a:pPr>
             <a:r>
-              <a:rPr b="1" lang="it-IT" sz="1800" spc="-1" strike="noStrike">
+              <a:rPr b="0" lang="it-IT" sz="1800" spc="-1" strike="noStrike">
                 <a:solidFill>
                   <a:srgbClr val="000000"/>
                 </a:solidFill>
                 <a:latin typeface="Arial"/>
                 <a:ea typeface="Arial"/>
               </a:rPr>
-              <a:t>Serialization</a:t>
+              <a:t>To leak information, the attacker must make sure that the right data is visible in the LFB at the right time, by synchronizing with the victim. This can be done in 3 different ways:</a:t>
             </a:r>
             <a:endParaRPr b="0" lang="it-IT" sz="1800" spc="-1" strike="noStrike">
               <a:latin typeface="Arial"/>
             </a:endParaRPr>
           </a:p>
-          <a:p>
-            <a:pPr algn="ctr">
-              <a:lnSpc>
-                <a:spcPct val="150000"/>
-              </a:lnSpc>
-            </a:pPr>
-            <a:r>
-              <a:rPr b="0" lang="it-IT" sz="1600" spc="-1" strike="noStrike">
-                <a:solidFill>
-                  <a:srgbClr val="000000"/>
-                </a:solidFill>
-                <a:latin typeface="Arial"/>
-                <a:ea typeface="Arial"/>
-              </a:rPr>
-              <a:t>Instructions to create a point of synchronization that allows the attacker to observe the last few loads and stores before the buffers are completely drained.</a:t>
-            </a:r>
-            <a:endParaRPr b="0" lang="it-IT" sz="1600" spc="-1" strike="noStrike">
-              <a:latin typeface="Arial"/>
-            </a:endParaRPr>
-          </a:p>
-        </p:txBody>
-      </p:sp>
-      <p:sp>
-        <p:nvSpPr>
-          <p:cNvPr id="150" name="CustomShape 4"/>
+        </p:txBody>
+      </p:sp>
+      <p:sp>
+        <p:nvSpPr>
+          <p:cNvPr id="149" name="CustomShape 3"/>
           <p:cNvSpPr/>
           <p:nvPr/>
         </p:nvSpPr>
         <p:spPr>
           <a:xfrm>
-            <a:off x="3678840" y="2165040"/>
-            <a:ext cx="2844360" cy="2969640"/>
+            <a:off x="279000" y="2165040"/>
+            <a:ext cx="3038760" cy="2968920"/>
           </a:xfrm>
           <a:prstGeom prst="rect">
             <a:avLst/>
@@ -9744,7 +10148,7 @@
           <a:fontRef idx="minor"/>
         </p:style>
         <p:txBody>
-          <a:bodyPr>
+          <a:bodyPr lIns="90000" rIns="90000" tIns="45000" bIns="45000">
             <a:noAutofit/>
           </a:bodyPr>
           <a:p>
@@ -9761,7 +10165,7 @@
                 <a:latin typeface="Arial"/>
                 <a:ea typeface="Arial"/>
               </a:rPr>
-              <a:t>Contention</a:t>
+              <a:t>Serialization</a:t>
             </a:r>
             <a:endParaRPr b="0" lang="it-IT" sz="1800" spc="-1" strike="noStrike">
               <a:latin typeface="Arial"/>
@@ -9781,7 +10185,7 @@
                 <a:latin typeface="Arial"/>
                 <a:ea typeface="Arial"/>
               </a:rPr>
-              <a:t>With victim and attacker running in the same hardware thread (e.g., in a sandbox, without SMT), we can create contention forcing entries to be evicted from the LFB.</a:t>
+              <a:t>Instructions to create a point of synchronization that allows the attacker to observe the last few loads and stores before the buffers are completely drained.</a:t>
             </a:r>
             <a:endParaRPr b="0" lang="it-IT" sz="1600" spc="-1" strike="noStrike">
               <a:latin typeface="Arial"/>
@@ -9791,14 +10195,14 @@
       </p:sp>
       <p:sp>
         <p:nvSpPr>
-          <p:cNvPr id="151" name="CustomShape 5"/>
+          <p:cNvPr id="150" name="CustomShape 4"/>
           <p:cNvSpPr/>
           <p:nvPr/>
         </p:nvSpPr>
         <p:spPr>
           <a:xfrm>
-            <a:off x="6719040" y="2165040"/>
-            <a:ext cx="2844360" cy="2692800"/>
+            <a:off x="3678840" y="2165040"/>
+            <a:ext cx="2843640" cy="2968920"/>
           </a:xfrm>
           <a:prstGeom prst="rect">
             <a:avLst/>
@@ -9815,7 +10219,78 @@
           <a:fontRef idx="minor"/>
         </p:style>
         <p:txBody>
-          <a:bodyPr>
+          <a:bodyPr lIns="90000" rIns="90000" tIns="45000" bIns="45000">
+            <a:noAutofit/>
+          </a:bodyPr>
+          <a:p>
+            <a:pPr algn="ctr">
+              <a:lnSpc>
+                <a:spcPct val="150000"/>
+              </a:lnSpc>
+            </a:pPr>
+            <a:r>
+              <a:rPr b="1" lang="it-IT" sz="1800" spc="-1" strike="noStrike">
+                <a:solidFill>
+                  <a:srgbClr val="000000"/>
+                </a:solidFill>
+                <a:latin typeface="Arial"/>
+                <a:ea typeface="Arial"/>
+              </a:rPr>
+              <a:t>Contention</a:t>
+            </a:r>
+            <a:endParaRPr b="0" lang="it-IT" sz="1800" spc="-1" strike="noStrike">
+              <a:latin typeface="Arial"/>
+            </a:endParaRPr>
+          </a:p>
+          <a:p>
+            <a:pPr algn="ctr">
+              <a:lnSpc>
+                <a:spcPct val="150000"/>
+              </a:lnSpc>
+            </a:pPr>
+            <a:r>
+              <a:rPr b="0" lang="it-IT" sz="1600" spc="-1" strike="noStrike">
+                <a:solidFill>
+                  <a:srgbClr val="000000"/>
+                </a:solidFill>
+                <a:latin typeface="Arial"/>
+                <a:ea typeface="Arial"/>
+              </a:rPr>
+              <a:t>With victim and attacker running in the same hardware thread (e.g., in a sandbox, without SMT), we can create contention forcing entries to be evicted from the LFB.</a:t>
+            </a:r>
+            <a:endParaRPr b="0" lang="it-IT" sz="1600" spc="-1" strike="noStrike">
+              <a:latin typeface="Arial"/>
+            </a:endParaRPr>
+          </a:p>
+        </p:txBody>
+      </p:sp>
+      <p:sp>
+        <p:nvSpPr>
+          <p:cNvPr id="151" name="CustomShape 5"/>
+          <p:cNvSpPr/>
+          <p:nvPr/>
+        </p:nvSpPr>
+        <p:spPr>
+          <a:xfrm>
+            <a:off x="6719040" y="2165040"/>
+            <a:ext cx="2843640" cy="2691720"/>
+          </a:xfrm>
+          <a:prstGeom prst="rect">
+            <a:avLst/>
+          </a:prstGeom>
+          <a:noFill/>
+          <a:ln w="0">
+            <a:noFill/>
+          </a:ln>
+        </p:spPr>
+        <p:style>
+          <a:lnRef idx="0"/>
+          <a:fillRef idx="0"/>
+          <a:effectRef idx="0"/>
+          <a:fontRef idx="minor"/>
+        </p:style>
+        <p:txBody>
+          <a:bodyPr lIns="90000" rIns="90000" tIns="45000" bIns="45000">
             <a:spAutoFit/>
           </a:bodyPr>
           <a:p>
@@ -9902,14 +10377,14 @@
       </p:grpSpPr>
       <p:sp>
         <p:nvSpPr>
-          <p:cNvPr id="152" name="TextShape 1"/>
-          <p:cNvSpPr txBox="1"/>
+          <p:cNvPr id="152" name="CustomShape 1"/>
+          <p:cNvSpPr/>
           <p:nvPr/>
         </p:nvSpPr>
         <p:spPr>
           <a:xfrm>
             <a:off x="504000" y="226080"/>
-            <a:ext cx="9071280" cy="946080"/>
+            <a:ext cx="9070560" cy="945360"/>
           </a:xfrm>
           <a:prstGeom prst="rect">
             <a:avLst/>
@@ -9919,6 +10394,12 @@
             <a:noFill/>
           </a:ln>
         </p:spPr>
+        <p:style>
+          <a:lnRef idx="0"/>
+          <a:fillRef idx="0"/>
+          <a:effectRef idx="0"/>
+          <a:fontRef idx="minor"/>
+        </p:style>
         <p:txBody>
           <a:bodyPr lIns="0" rIns="0" tIns="0" bIns="0" anchor="ctr">
             <a:noAutofit/>
@@ -9940,9 +10421,6 @@
               <a:t>CrossTalk</a:t>
             </a:r>
             <a:endParaRPr b="0" lang="it-IT" sz="4400" spc="-1" strike="noStrike">
-              <a:solidFill>
-                <a:srgbClr val="000000"/>
-              </a:solidFill>
               <a:latin typeface="Arial"/>
             </a:endParaRPr>
           </a:p>
@@ -9961,7 +10439,7 @@
         <p:spPr>
           <a:xfrm>
             <a:off x="338400" y="1093320"/>
-            <a:ext cx="4858200" cy="3902400"/>
+            <a:ext cx="4857480" cy="3901680"/>
           </a:xfrm>
           <a:prstGeom prst="rect">
             <a:avLst/>
@@ -9980,7 +10458,7 @@
         <p:spPr>
           <a:xfrm>
             <a:off x="471600" y="5116680"/>
-            <a:ext cx="9499680" cy="228960"/>
+            <a:ext cx="9498960" cy="227160"/>
           </a:xfrm>
           <a:prstGeom prst="rect">
             <a:avLst/>
@@ -9997,7 +10475,7 @@
           <a:fontRef idx="minor"/>
         </p:style>
         <p:txBody>
-          <a:bodyPr>
+          <a:bodyPr lIns="90000" rIns="90000" tIns="45000" bIns="45000">
             <a:spAutoFit/>
           </a:bodyPr>
           <a:p>
@@ -10139,7 +10617,7 @@
         <p:spPr>
           <a:xfrm>
             <a:off x="5485680" y="1203480"/>
-            <a:ext cx="3827520" cy="1189080"/>
+            <a:ext cx="3826800" cy="1187280"/>
           </a:xfrm>
           <a:prstGeom prst="rect">
             <a:avLst/>
@@ -10156,7 +10634,7 @@
           <a:fontRef idx="minor"/>
         </p:style>
         <p:txBody>
-          <a:bodyPr>
+          <a:bodyPr lIns="90000" rIns="90000" tIns="45000" bIns="45000">
             <a:spAutoFit/>
           </a:bodyPr>
           <a:p>
@@ -10210,7 +10688,7 @@
         <p:spPr>
           <a:xfrm>
             <a:off x="5618160" y="2559960"/>
-            <a:ext cx="3827520" cy="640440"/>
+            <a:ext cx="3826800" cy="638640"/>
           </a:xfrm>
           <a:prstGeom prst="rect">
             <a:avLst/>
@@ -10227,7 +10705,7 @@
           <a:fontRef idx="minor"/>
         </p:style>
         <p:txBody>
-          <a:bodyPr>
+          <a:bodyPr lIns="90000" rIns="90000" tIns="45000" bIns="45000">
             <a:spAutoFit/>
           </a:bodyPr>
           <a:p>
@@ -10261,7 +10739,7 @@
         <p:spPr>
           <a:xfrm>
             <a:off x="5488200" y="3396600"/>
-            <a:ext cx="3726000" cy="1189080"/>
+            <a:ext cx="3725280" cy="1187280"/>
           </a:xfrm>
           <a:prstGeom prst="rect">
             <a:avLst/>
@@ -10278,7 +10756,7 @@
           <a:fontRef idx="minor"/>
         </p:style>
         <p:txBody>
-          <a:bodyPr>
+          <a:bodyPr lIns="90000" rIns="90000" tIns="45000" bIns="45000">
             <a:spAutoFit/>
           </a:bodyPr>
           <a:p>
@@ -10302,7 +10780,7 @@
             </a:endParaRPr>
           </a:p>
           <a:p>
-            <a:pPr marL="285840" indent="-285480">
+            <a:pPr marL="285840" indent="-284760">
               <a:lnSpc>
                 <a:spcPct val="100000"/>
               </a:lnSpc>
@@ -10327,7 +10805,7 @@
             </a:endParaRPr>
           </a:p>
           <a:p>
-            <a:pPr marL="285840" indent="-285480">
+            <a:pPr marL="285840" indent="-284760">
               <a:lnSpc>
                 <a:spcPct val="100000"/>
               </a:lnSpc>
@@ -10352,7 +10830,7 @@
             </a:endParaRPr>
           </a:p>
           <a:p>
-            <a:pPr marL="285840" indent="-285480">
+            <a:pPr marL="285840" indent="-284760">
               <a:lnSpc>
                 <a:spcPct val="100000"/>
               </a:lnSpc>
@@ -10410,14 +10888,14 @@
       </p:grpSpPr>
       <p:sp>
         <p:nvSpPr>
-          <p:cNvPr id="158" name="TextShape 1"/>
-          <p:cNvSpPr txBox="1"/>
+          <p:cNvPr id="158" name="CustomShape 1"/>
+          <p:cNvSpPr/>
           <p:nvPr/>
         </p:nvSpPr>
         <p:spPr>
           <a:xfrm>
             <a:off x="504000" y="226080"/>
-            <a:ext cx="9071280" cy="946080"/>
+            <a:ext cx="9070560" cy="945360"/>
           </a:xfrm>
           <a:prstGeom prst="rect">
             <a:avLst/>
@@ -10427,6 +10905,12 @@
             <a:noFill/>
           </a:ln>
         </p:spPr>
+        <p:style>
+          <a:lnRef idx="0"/>
+          <a:fillRef idx="0"/>
+          <a:effectRef idx="0"/>
+          <a:fontRef idx="minor"/>
+        </p:style>
         <p:txBody>
           <a:bodyPr lIns="0" rIns="0" tIns="0" bIns="0" anchor="ctr">
             <a:noAutofit/>
@@ -10448,9 +10932,6 @@
               <a:t>CrossTalk: The shared buffer</a:t>
             </a:r>
             <a:endParaRPr b="0" lang="it-IT" sz="4400" spc="-1" strike="noStrike">
-              <a:solidFill>
-                <a:srgbClr val="000000"/>
-              </a:solidFill>
               <a:latin typeface="Arial"/>
             </a:endParaRPr>
           </a:p>
@@ -10469,7 +10950,7 @@
         <p:spPr>
           <a:xfrm>
             <a:off x="915480" y="1857960"/>
-            <a:ext cx="4249440" cy="2466360"/>
+            <a:ext cx="4248720" cy="2465640"/>
           </a:xfrm>
           <a:prstGeom prst="rect">
             <a:avLst/>
@@ -10488,7 +10969,7 @@
         <p:spPr>
           <a:xfrm>
             <a:off x="502560" y="5023440"/>
-            <a:ext cx="9499680" cy="228960"/>
+            <a:ext cx="9498960" cy="227160"/>
           </a:xfrm>
           <a:prstGeom prst="rect">
             <a:avLst/>
@@ -10505,7 +10986,7 @@
           <a:fontRef idx="minor"/>
         </p:style>
         <p:txBody>
-          <a:bodyPr>
+          <a:bodyPr lIns="90000" rIns="90000" tIns="45000" bIns="45000">
             <a:spAutoFit/>
           </a:bodyPr>
           <a:p>
@@ -10647,7 +11128,7 @@
         <p:spPr>
           <a:xfrm>
             <a:off x="502560" y="1195560"/>
-            <a:ext cx="4974480" cy="366120"/>
+            <a:ext cx="4973760" cy="364320"/>
           </a:xfrm>
           <a:prstGeom prst="rect">
             <a:avLst/>
@@ -10664,7 +11145,7 @@
           <a:fontRef idx="minor"/>
         </p:style>
         <p:txBody>
-          <a:bodyPr>
+          <a:bodyPr lIns="90000" rIns="90000" tIns="45000" bIns="45000">
             <a:spAutoFit/>
           </a:bodyPr>
           <a:p>
@@ -10738,7 +11219,7 @@
         <p:spPr>
           <a:xfrm>
             <a:off x="5698440" y="1307520"/>
-            <a:ext cx="4123800" cy="2971440"/>
+            <a:ext cx="4123080" cy="2970360"/>
           </a:xfrm>
           <a:prstGeom prst="rect">
             <a:avLst/>
@@ -10757,7 +11238,7 @@
           <a:fontRef idx="minor"/>
         </p:style>
         <p:txBody>
-          <a:bodyPr>
+          <a:bodyPr lIns="90000" rIns="90000" tIns="45000" bIns="45000">
             <a:spAutoFit/>
           </a:bodyPr>
           <a:p>
@@ -10842,7 +11323,7 @@
         <p:spPr>
           <a:xfrm>
             <a:off x="502560" y="4532040"/>
-            <a:ext cx="6979680" cy="366120"/>
+            <a:ext cx="6978960" cy="364320"/>
           </a:xfrm>
           <a:prstGeom prst="rect">
             <a:avLst/>
@@ -10859,7 +11340,7 @@
           <a:fontRef idx="minor"/>
         </p:style>
         <p:txBody>
-          <a:bodyPr>
+          <a:bodyPr lIns="90000" rIns="90000" tIns="45000" bIns="45000">
             <a:spAutoFit/>
           </a:bodyPr>
           <a:p>
@@ -10916,14 +11397,14 @@
       </p:grpSpPr>
       <p:sp>
         <p:nvSpPr>
-          <p:cNvPr id="164" name="TextShape 1"/>
-          <p:cNvSpPr txBox="1"/>
+          <p:cNvPr id="164" name="CustomShape 1"/>
+          <p:cNvSpPr/>
           <p:nvPr/>
         </p:nvSpPr>
         <p:spPr>
           <a:xfrm>
             <a:off x="504000" y="226080"/>
-            <a:ext cx="9071280" cy="946080"/>
+            <a:ext cx="9070560" cy="945360"/>
           </a:xfrm>
           <a:prstGeom prst="rect">
             <a:avLst/>
@@ -10933,6 +11414,12 @@
             <a:noFill/>
           </a:ln>
         </p:spPr>
+        <p:style>
+          <a:lnRef idx="0"/>
+          <a:fillRef idx="0"/>
+          <a:effectRef idx="0"/>
+          <a:fontRef idx="minor"/>
+        </p:style>
         <p:txBody>
           <a:bodyPr lIns="0" rIns="0" tIns="0" bIns="0" anchor="ctr">
             <a:noAutofit/>
@@ -10954,9 +11441,6 @@
               <a:t>CrossTalk (in action)</a:t>
             </a:r>
             <a:endParaRPr b="0" lang="it-IT" sz="4400" spc="-1" strike="noStrike">
-              <a:solidFill>
-                <a:srgbClr val="000000"/>
-              </a:solidFill>
               <a:latin typeface="Arial"/>
             </a:endParaRPr>
           </a:p>
@@ -10975,7 +11459,7 @@
         <p:spPr>
           <a:xfrm>
             <a:off x="1336680" y="1168920"/>
-            <a:ext cx="7175520" cy="3774960"/>
+            <a:ext cx="7174800" cy="3774240"/>
           </a:xfrm>
           <a:prstGeom prst="rect">
             <a:avLst/>
@@ -10994,7 +11478,7 @@
         <p:spPr>
           <a:xfrm>
             <a:off x="471600" y="5116680"/>
-            <a:ext cx="9499680" cy="228960"/>
+            <a:ext cx="9498960" cy="227160"/>
           </a:xfrm>
           <a:prstGeom prst="rect">
             <a:avLst/>
@@ -11011,7 +11495,7 @@
           <a:fontRef idx="minor"/>
         </p:style>
         <p:txBody>
-          <a:bodyPr>
+          <a:bodyPr lIns="90000" rIns="90000" tIns="45000" bIns="45000">
             <a:spAutoFit/>
           </a:bodyPr>
           <a:p>
